--- a/Architectuurcontext - Sarphati.pptx
+++ b/Architectuurcontext - Sarphati.pptx
@@ -19,6 +19,10 @@
     <p:sldId id="263" r:id="rId12"/>
     <p:sldId id="264" r:id="rId13"/>
     <p:sldId id="265" r:id="rId14"/>
+    <p:sldId id="266" r:id="rId15"/>
+    <p:sldId id="267" r:id="rId16"/>
+    <p:sldId id="268" r:id="rId17"/>
+    <p:sldId id="269" r:id="rId18"/>
   </p:sldIdLst>
   <p:sldSz cx="9144000" cy="6858000"/>
   <p:notesSz cx="6858000" cy="9144000"/>
@@ -44,7 +48,7 @@
       </p:grpSpPr>
       <p:sp>
         <p:nvSpPr>
-          <p:cNvPr id="111" name="PlaceHolder 1"/>
+          <p:cNvPr id="110" name="PlaceHolder 1"/>
           <p:cNvSpPr>
             <a:spLocks noGrp="1"/>
           </p:cNvSpPr>
@@ -94,7 +98,7 @@
       </p:sp>
       <p:sp>
         <p:nvSpPr>
-          <p:cNvPr id="112" name="PlaceHolder 2"/>
+          <p:cNvPr id="111" name="PlaceHolder 2"/>
           <p:cNvSpPr>
             <a:spLocks noGrp="1"/>
           </p:cNvSpPr>
@@ -144,7 +148,7 @@
       </p:sp>
       <p:sp>
         <p:nvSpPr>
-          <p:cNvPr id="113" name="PlaceHolder 3"/>
+          <p:cNvPr id="112" name="PlaceHolder 3"/>
           <p:cNvSpPr>
             <a:spLocks noGrp="1"/>
           </p:cNvSpPr>
@@ -195,7 +199,7 @@
       </p:sp>
       <p:sp>
         <p:nvSpPr>
-          <p:cNvPr id="114" name="PlaceHolder 4"/>
+          <p:cNvPr id="113" name="PlaceHolder 4"/>
           <p:cNvSpPr>
             <a:spLocks noGrp="1"/>
           </p:cNvSpPr>
@@ -245,7 +249,7 @@
       </p:sp>
       <p:sp>
         <p:nvSpPr>
-          <p:cNvPr id="115" name="PlaceHolder 5"/>
+          <p:cNvPr id="114" name="PlaceHolder 5"/>
           <p:cNvSpPr>
             <a:spLocks noGrp="1"/>
           </p:cNvSpPr>
@@ -266,7 +270,7 @@
           <a:bodyPr lIns="0" rIns="0" tIns="0" bIns="0" anchor="b"/>
           <a:p>
             <a:pPr algn="r"/>
-            <a:fld id="{736D70EA-27BA-48B5-A728-929A3E65C897}" type="slidenum">
+            <a:fld id="{CDC6044C-C819-4D6A-BC9A-055359092516}" type="slidenum">
               <a:rPr b="0" lang="nl-NL" sz="1400" spc="-1" strike="noStrike">
                 <a:solidFill>
                   <a:srgbClr val="000000"/>
@@ -300,7 +304,7 @@
 </p:notesMaster>
 </file>
 
-<file path=ppt/notesSlides/notesSlide2.xml><?xml version="1.0" encoding="utf-8"?>
+<file path=ppt/notesSlides/notesSlide4.xml><?xml version="1.0" encoding="utf-8"?>
 <p:notes xmlns:a="http://schemas.openxmlformats.org/drawingml/2006/main" xmlns:p="http://schemas.openxmlformats.org/presentationml/2006/main" xmlns:r="http://schemas.openxmlformats.org/officeDocument/2006/relationships" xmlns:p14="http://schemas.microsoft.com/office/powerpoint/2010/main" xmlns:p15="http://schemas.microsoft.com/office/powerpoint/2012/main" xmlns:mc="http://schemas.openxmlformats.org/markup-compatibility/2006">
   <p:cSld>
     <p:spTree>
@@ -319,7 +323,7 @@
       </p:grpSpPr>
       <p:sp>
         <p:nvSpPr>
-          <p:cNvPr id="139" name="PlaceHolder 1"/>
+          <p:cNvPr id="147" name="PlaceHolder 1"/>
           <p:cNvSpPr>
             <a:spLocks noGrp="1"/>
           </p:cNvSpPr>
@@ -330,14 +334,14 @@
         <p:spPr>
           <a:xfrm>
             <a:off x="685800" y="4343400"/>
-            <a:ext cx="5486040" cy="4114440"/>
+            <a:ext cx="5485680" cy="4114080"/>
           </a:xfrm>
           <a:prstGeom prst="rect">
             <a:avLst/>
           </a:prstGeom>
         </p:spPr>
         <p:txBody>
-          <a:bodyPr/>
+          <a:bodyPr lIns="0" rIns="0" tIns="0" bIns="0"/>
           <a:p>
             <a:r>
               <a:rPr b="0" lang="nl-NL" sz="2000" spc="-1" strike="noStrike">
@@ -382,14 +386,14 @@
       </p:sp>
       <p:sp>
         <p:nvSpPr>
-          <p:cNvPr id="140" name="TextShape 2"/>
-          <p:cNvSpPr txBox="1"/>
+          <p:cNvPr id="148" name="CustomShape 2"/>
+          <p:cNvSpPr/>
           <p:nvPr/>
         </p:nvSpPr>
         <p:spPr>
           <a:xfrm>
             <a:off x="3884760" y="8685360"/>
-            <a:ext cx="2971440" cy="456840"/>
+            <a:ext cx="2971080" cy="456480"/>
           </a:xfrm>
           <a:prstGeom prst="rect">
             <a:avLst/>
@@ -399,15 +403,21 @@
             <a:noFill/>
           </a:ln>
         </p:spPr>
+        <p:style>
+          <a:lnRef idx="0"/>
+          <a:fillRef idx="0"/>
+          <a:effectRef idx="0"/>
+          <a:fontRef idx="minor"/>
+        </p:style>
         <p:txBody>
-          <a:bodyPr anchor="b"/>
+          <a:bodyPr lIns="90000" rIns="90000" tIns="45000" bIns="45000" anchor="b"/>
           <a:p>
             <a:pPr algn="r">
               <a:lnSpc>
                 <a:spcPct val="100000"/>
               </a:lnSpc>
             </a:pPr>
-            <a:fld id="{F8B91805-FBFA-4848-8C5F-F5414E70E751}" type="slidenum">
+            <a:fld id="{D2E37B0F-A016-4C3E-A142-E918C88874BB}" type="slidenum">
               <a:rPr b="0" lang="nl-NL" sz="1200" spc="-1" strike="noStrike">
                 <a:solidFill>
                   <a:srgbClr val="000000"/>
@@ -420,18 +430,18 @@
                 <a:latin typeface="+mn-lt"/>
                 <a:ea typeface="+mn-ea"/>
               </a:rPr>
-              <a:t>1</a:t>
+              <a:t>&lt;getal&gt;</a:t>
             </a:fld>
-            <a:endParaRPr b="0" lang="nl-NL" sz="1400" spc="-1" strike="noStrike">
-              <a:solidFill>
-                <a:srgbClr val="000000"/>
-              </a:solidFill>
-              <a:uFill>
-                <a:solidFill>
-                  <a:srgbClr val="ffffff"/>
-                </a:solidFill>
-              </a:uFill>
-              <a:latin typeface="Times New Roman"/>
+            <a:endParaRPr b="0" lang="nl-NL" sz="1800" spc="-1" strike="noStrike">
+              <a:solidFill>
+                <a:srgbClr val="000000"/>
+              </a:solidFill>
+              <a:uFill>
+                <a:solidFill>
+                  <a:srgbClr val="ffffff"/>
+                </a:solidFill>
+              </a:uFill>
+              <a:latin typeface="Arial"/>
             </a:endParaRPr>
           </a:p>
         </p:txBody>
@@ -441,7 +451,7 @@
 </p:notes>
 </file>
 
-<file path=ppt/notesSlides/notesSlide3.xml><?xml version="1.0" encoding="utf-8"?>
+<file path=ppt/notesSlides/notesSlide5.xml><?xml version="1.0" encoding="utf-8"?>
 <p:notes xmlns:a="http://schemas.openxmlformats.org/drawingml/2006/main" xmlns:p="http://schemas.openxmlformats.org/presentationml/2006/main" xmlns:r="http://schemas.openxmlformats.org/officeDocument/2006/relationships" xmlns:p14="http://schemas.microsoft.com/office/powerpoint/2010/main" xmlns:p15="http://schemas.microsoft.com/office/powerpoint/2012/main" xmlns:mc="http://schemas.openxmlformats.org/markup-compatibility/2006">
   <p:cSld>
     <p:spTree>
@@ -460,7 +470,7 @@
       </p:grpSpPr>
       <p:sp>
         <p:nvSpPr>
-          <p:cNvPr id="141" name="PlaceHolder 1"/>
+          <p:cNvPr id="149" name="PlaceHolder 1"/>
           <p:cNvSpPr>
             <a:spLocks noGrp="1"/>
           </p:cNvSpPr>
@@ -471,14 +481,14 @@
         <p:spPr>
           <a:xfrm>
             <a:off x="685800" y="4343400"/>
-            <a:ext cx="5486040" cy="4114440"/>
+            <a:ext cx="5485680" cy="4114080"/>
           </a:xfrm>
           <a:prstGeom prst="rect">
             <a:avLst/>
           </a:prstGeom>
         </p:spPr>
         <p:txBody>
-          <a:bodyPr/>
+          <a:bodyPr lIns="0" rIns="0" tIns="0" bIns="0"/>
           <a:p>
             <a:r>
               <a:rPr b="0" lang="nl-NL" sz="2000" spc="-1" strike="noStrike">
@@ -523,14 +533,14 @@
       </p:sp>
       <p:sp>
         <p:nvSpPr>
-          <p:cNvPr id="142" name="TextShape 2"/>
-          <p:cNvSpPr txBox="1"/>
+          <p:cNvPr id="150" name="CustomShape 2"/>
+          <p:cNvSpPr/>
           <p:nvPr/>
         </p:nvSpPr>
         <p:spPr>
           <a:xfrm>
             <a:off x="3884760" y="8685360"/>
-            <a:ext cx="2971440" cy="456840"/>
+            <a:ext cx="2971080" cy="456480"/>
           </a:xfrm>
           <a:prstGeom prst="rect">
             <a:avLst/>
@@ -540,15 +550,21 @@
             <a:noFill/>
           </a:ln>
         </p:spPr>
+        <p:style>
+          <a:lnRef idx="0"/>
+          <a:fillRef idx="0"/>
+          <a:effectRef idx="0"/>
+          <a:fontRef idx="minor"/>
+        </p:style>
         <p:txBody>
-          <a:bodyPr anchor="b"/>
+          <a:bodyPr lIns="90000" rIns="90000" tIns="45000" bIns="45000" anchor="b"/>
           <a:p>
             <a:pPr algn="r">
               <a:lnSpc>
                 <a:spcPct val="100000"/>
               </a:lnSpc>
             </a:pPr>
-            <a:fld id="{3FBACA06-6736-42A0-84C7-8F3F3653856F}" type="slidenum">
+            <a:fld id="{5CE55980-2396-4B99-BD23-CE6249359719}" type="slidenum">
               <a:rPr b="0" lang="nl-NL" sz="1200" spc="-1" strike="noStrike">
                 <a:solidFill>
                   <a:srgbClr val="000000"/>
@@ -563,16 +579,457 @@
               </a:rPr>
               <a:t>&lt;getal&gt;</a:t>
             </a:fld>
-            <a:endParaRPr b="0" lang="nl-NL" sz="1400" spc="-1" strike="noStrike">
-              <a:solidFill>
-                <a:srgbClr val="000000"/>
-              </a:solidFill>
-              <a:uFill>
-                <a:solidFill>
-                  <a:srgbClr val="ffffff"/>
-                </a:solidFill>
-              </a:uFill>
-              <a:latin typeface="Times New Roman"/>
+            <a:endParaRPr b="0" lang="nl-NL" sz="1800" spc="-1" strike="noStrike">
+              <a:solidFill>
+                <a:srgbClr val="000000"/>
+              </a:solidFill>
+              <a:uFill>
+                <a:solidFill>
+                  <a:srgbClr val="ffffff"/>
+                </a:solidFill>
+              </a:uFill>
+              <a:latin typeface="Arial"/>
+            </a:endParaRPr>
+          </a:p>
+        </p:txBody>
+      </p:sp>
+    </p:spTree>
+  </p:cSld>
+</p:notes>
+</file>
+
+<file path=ppt/notesSlides/notesSlide6.xml><?xml version="1.0" encoding="utf-8"?>
+<p:notes xmlns:a="http://schemas.openxmlformats.org/drawingml/2006/main" xmlns:p="http://schemas.openxmlformats.org/presentationml/2006/main" xmlns:r="http://schemas.openxmlformats.org/officeDocument/2006/relationships" xmlns:p14="http://schemas.microsoft.com/office/powerpoint/2010/main" xmlns:p15="http://schemas.microsoft.com/office/powerpoint/2012/main" xmlns:mc="http://schemas.openxmlformats.org/markup-compatibility/2006">
+  <p:cSld>
+    <p:spTree>
+      <p:nvGrpSpPr>
+        <p:cNvPr id="1" name=""/>
+        <p:cNvGrpSpPr/>
+        <p:nvPr/>
+      </p:nvGrpSpPr>
+      <p:grpSpPr>
+        <a:xfrm>
+          <a:off x="0" y="0"/>
+          <a:ext cx="0" cy="0"/>
+          <a:chOff x="0" y="0"/>
+          <a:chExt cx="0" cy="0"/>
+        </a:xfrm>
+      </p:grpSpPr>
+      <p:sp>
+        <p:nvSpPr>
+          <p:cNvPr id="151" name="PlaceHolder 1"/>
+          <p:cNvSpPr>
+            <a:spLocks noGrp="1"/>
+          </p:cNvSpPr>
+          <p:nvPr>
+            <p:ph type="body"/>
+          </p:nvPr>
+        </p:nvSpPr>
+        <p:spPr>
+          <a:xfrm>
+            <a:off x="685800" y="4343400"/>
+            <a:ext cx="5485680" cy="4114080"/>
+          </a:xfrm>
+          <a:prstGeom prst="rect">
+            <a:avLst/>
+          </a:prstGeom>
+        </p:spPr>
+        <p:txBody>
+          <a:bodyPr lIns="0" rIns="0" tIns="0" bIns="0"/>
+          <a:p>
+            <a:r>
+              <a:rPr b="0" lang="nl-NL" sz="2000" spc="-1" strike="noStrike">
+                <a:solidFill>
+                  <a:srgbClr val="000000"/>
+                </a:solidFill>
+                <a:uFill>
+                  <a:solidFill>
+                    <a:srgbClr val="ffffff"/>
+                  </a:solidFill>
+                </a:uFill>
+                <a:latin typeface="Arial"/>
+              </a:rPr>
+              <a:t>Speelt de ombudsman nog een actieve noemenswaardige rol in deze situatie of alleen bij uitzondering?</a:t>
+            </a:r>
+            <a:endParaRPr b="0" lang="nl-NL" sz="2000" spc="-1" strike="noStrike">
+              <a:solidFill>
+                <a:srgbClr val="000000"/>
+              </a:solidFill>
+              <a:uFill>
+                <a:solidFill>
+                  <a:srgbClr val="ffffff"/>
+                </a:solidFill>
+              </a:uFill>
+              <a:latin typeface="Arial"/>
+            </a:endParaRPr>
+          </a:p>
+          <a:p>
+            <a:endParaRPr b="0" lang="nl-NL" sz="2000" spc="-1" strike="noStrike">
+              <a:solidFill>
+                <a:srgbClr val="000000"/>
+              </a:solidFill>
+              <a:uFill>
+                <a:solidFill>
+                  <a:srgbClr val="ffffff"/>
+                </a:solidFill>
+              </a:uFill>
+              <a:latin typeface="Arial"/>
+            </a:endParaRPr>
+          </a:p>
+        </p:txBody>
+      </p:sp>
+      <p:sp>
+        <p:nvSpPr>
+          <p:cNvPr id="152" name="CustomShape 2"/>
+          <p:cNvSpPr/>
+          <p:nvPr/>
+        </p:nvSpPr>
+        <p:spPr>
+          <a:xfrm>
+            <a:off x="3884760" y="8685360"/>
+            <a:ext cx="2971080" cy="456480"/>
+          </a:xfrm>
+          <a:prstGeom prst="rect">
+            <a:avLst/>
+          </a:prstGeom>
+          <a:noFill/>
+          <a:ln>
+            <a:noFill/>
+          </a:ln>
+        </p:spPr>
+        <p:style>
+          <a:lnRef idx="0"/>
+          <a:fillRef idx="0"/>
+          <a:effectRef idx="0"/>
+          <a:fontRef idx="minor"/>
+        </p:style>
+        <p:txBody>
+          <a:bodyPr lIns="90000" rIns="90000" tIns="45000" bIns="45000" anchor="b"/>
+          <a:p>
+            <a:pPr algn="r">
+              <a:lnSpc>
+                <a:spcPct val="100000"/>
+              </a:lnSpc>
+            </a:pPr>
+            <a:fld id="{ED63D8E5-E708-4DFE-B4E4-DCA3A4562DFF}" type="slidenum">
+              <a:rPr b="0" lang="nl-NL" sz="1200" spc="-1" strike="noStrike">
+                <a:solidFill>
+                  <a:srgbClr val="000000"/>
+                </a:solidFill>
+                <a:uFill>
+                  <a:solidFill>
+                    <a:srgbClr val="ffffff"/>
+                  </a:solidFill>
+                </a:uFill>
+                <a:latin typeface="+mn-lt"/>
+                <a:ea typeface="+mn-ea"/>
+              </a:rPr>
+              <a:t>&lt;getal&gt;</a:t>
+            </a:fld>
+            <a:endParaRPr b="0" lang="nl-NL" sz="1800" spc="-1" strike="noStrike">
+              <a:solidFill>
+                <a:srgbClr val="000000"/>
+              </a:solidFill>
+              <a:uFill>
+                <a:solidFill>
+                  <a:srgbClr val="ffffff"/>
+                </a:solidFill>
+              </a:uFill>
+              <a:latin typeface="Arial"/>
+            </a:endParaRPr>
+          </a:p>
+        </p:txBody>
+      </p:sp>
+    </p:spTree>
+  </p:cSld>
+</p:notes>
+</file>
+
+<file path=ppt/notesSlides/notesSlide7.xml><?xml version="1.0" encoding="utf-8"?>
+<p:notes xmlns:a="http://schemas.openxmlformats.org/drawingml/2006/main" xmlns:p="http://schemas.openxmlformats.org/presentationml/2006/main" xmlns:r="http://schemas.openxmlformats.org/officeDocument/2006/relationships" xmlns:p14="http://schemas.microsoft.com/office/powerpoint/2010/main" xmlns:p15="http://schemas.microsoft.com/office/powerpoint/2012/main" xmlns:mc="http://schemas.openxmlformats.org/markup-compatibility/2006">
+  <p:cSld>
+    <p:spTree>
+      <p:nvGrpSpPr>
+        <p:cNvPr id="1" name=""/>
+        <p:cNvGrpSpPr/>
+        <p:nvPr/>
+      </p:nvGrpSpPr>
+      <p:grpSpPr>
+        <a:xfrm>
+          <a:off x="0" y="0"/>
+          <a:ext cx="0" cy="0"/>
+          <a:chOff x="0" y="0"/>
+          <a:chExt cx="0" cy="0"/>
+        </a:xfrm>
+      </p:grpSpPr>
+      <p:sp>
+        <p:nvSpPr>
+          <p:cNvPr id="153" name="PlaceHolder 1"/>
+          <p:cNvSpPr>
+            <a:spLocks noGrp="1"/>
+          </p:cNvSpPr>
+          <p:nvPr>
+            <p:ph type="body"/>
+          </p:nvPr>
+        </p:nvSpPr>
+        <p:spPr>
+          <a:xfrm>
+            <a:off x="685800" y="4343400"/>
+            <a:ext cx="5485680" cy="4114080"/>
+          </a:xfrm>
+          <a:prstGeom prst="rect">
+            <a:avLst/>
+          </a:prstGeom>
+        </p:spPr>
+        <p:txBody>
+          <a:bodyPr lIns="0" rIns="0" tIns="0" bIns="0"/>
+          <a:p>
+            <a:r>
+              <a:rPr b="0" lang="nl-NL" sz="2000" spc="-1" strike="noStrike">
+                <a:solidFill>
+                  <a:srgbClr val="000000"/>
+                </a:solidFill>
+                <a:uFill>
+                  <a:solidFill>
+                    <a:srgbClr val="ffffff"/>
+                  </a:solidFill>
+                </a:uFill>
+                <a:latin typeface="Arial"/>
+              </a:rPr>
+              <a:t>Speelt de ombudsman nog een actieve noemenswaardige rol in deze situatie of alleen bij uitzondering?</a:t>
+            </a:r>
+            <a:endParaRPr b="0" lang="nl-NL" sz="2000" spc="-1" strike="noStrike">
+              <a:solidFill>
+                <a:srgbClr val="000000"/>
+              </a:solidFill>
+              <a:uFill>
+                <a:solidFill>
+                  <a:srgbClr val="ffffff"/>
+                </a:solidFill>
+              </a:uFill>
+              <a:latin typeface="Arial"/>
+            </a:endParaRPr>
+          </a:p>
+          <a:p>
+            <a:endParaRPr b="0" lang="nl-NL" sz="2000" spc="-1" strike="noStrike">
+              <a:solidFill>
+                <a:srgbClr val="000000"/>
+              </a:solidFill>
+              <a:uFill>
+                <a:solidFill>
+                  <a:srgbClr val="ffffff"/>
+                </a:solidFill>
+              </a:uFill>
+              <a:latin typeface="Arial"/>
+            </a:endParaRPr>
+          </a:p>
+        </p:txBody>
+      </p:sp>
+      <p:sp>
+        <p:nvSpPr>
+          <p:cNvPr id="154" name="CustomShape 2"/>
+          <p:cNvSpPr/>
+          <p:nvPr/>
+        </p:nvSpPr>
+        <p:spPr>
+          <a:xfrm>
+            <a:off x="3884760" y="8685360"/>
+            <a:ext cx="2971080" cy="456480"/>
+          </a:xfrm>
+          <a:prstGeom prst="rect">
+            <a:avLst/>
+          </a:prstGeom>
+          <a:noFill/>
+          <a:ln>
+            <a:noFill/>
+          </a:ln>
+        </p:spPr>
+        <p:style>
+          <a:lnRef idx="0"/>
+          <a:fillRef idx="0"/>
+          <a:effectRef idx="0"/>
+          <a:fontRef idx="minor"/>
+        </p:style>
+        <p:txBody>
+          <a:bodyPr lIns="90000" rIns="90000" tIns="45000" bIns="45000" anchor="b"/>
+          <a:p>
+            <a:pPr algn="r">
+              <a:lnSpc>
+                <a:spcPct val="100000"/>
+              </a:lnSpc>
+            </a:pPr>
+            <a:fld id="{8697A2D5-B400-4318-A56E-60E839EAA50A}" type="slidenum">
+              <a:rPr b="0" lang="nl-NL" sz="1200" spc="-1" strike="noStrike">
+                <a:solidFill>
+                  <a:srgbClr val="000000"/>
+                </a:solidFill>
+                <a:uFill>
+                  <a:solidFill>
+                    <a:srgbClr val="ffffff"/>
+                  </a:solidFill>
+                </a:uFill>
+                <a:latin typeface="+mn-lt"/>
+                <a:ea typeface="+mn-ea"/>
+              </a:rPr>
+              <a:t>&lt;getal&gt;</a:t>
+            </a:fld>
+            <a:endParaRPr b="0" lang="nl-NL" sz="1800" spc="-1" strike="noStrike">
+              <a:solidFill>
+                <a:srgbClr val="000000"/>
+              </a:solidFill>
+              <a:uFill>
+                <a:solidFill>
+                  <a:srgbClr val="ffffff"/>
+                </a:solidFill>
+              </a:uFill>
+              <a:latin typeface="Arial"/>
+            </a:endParaRPr>
+          </a:p>
+        </p:txBody>
+      </p:sp>
+    </p:spTree>
+  </p:cSld>
+</p:notes>
+</file>
+
+<file path=ppt/notesSlides/notesSlide8.xml><?xml version="1.0" encoding="utf-8"?>
+<p:notes xmlns:a="http://schemas.openxmlformats.org/drawingml/2006/main" xmlns:p="http://schemas.openxmlformats.org/presentationml/2006/main" xmlns:r="http://schemas.openxmlformats.org/officeDocument/2006/relationships" xmlns:p14="http://schemas.microsoft.com/office/powerpoint/2010/main" xmlns:p15="http://schemas.microsoft.com/office/powerpoint/2012/main" xmlns:mc="http://schemas.openxmlformats.org/markup-compatibility/2006">
+  <p:cSld>
+    <p:spTree>
+      <p:nvGrpSpPr>
+        <p:cNvPr id="1" name=""/>
+        <p:cNvGrpSpPr/>
+        <p:nvPr/>
+      </p:nvGrpSpPr>
+      <p:grpSpPr>
+        <a:xfrm>
+          <a:off x="0" y="0"/>
+          <a:ext cx="0" cy="0"/>
+          <a:chOff x="0" y="0"/>
+          <a:chExt cx="0" cy="0"/>
+        </a:xfrm>
+      </p:grpSpPr>
+      <p:sp>
+        <p:nvSpPr>
+          <p:cNvPr id="155" name="PlaceHolder 1"/>
+          <p:cNvSpPr>
+            <a:spLocks noGrp="1"/>
+          </p:cNvSpPr>
+          <p:nvPr>
+            <p:ph type="body"/>
+          </p:nvPr>
+        </p:nvSpPr>
+        <p:spPr>
+          <a:xfrm>
+            <a:off x="685800" y="4343400"/>
+            <a:ext cx="5485680" cy="4114080"/>
+          </a:xfrm>
+          <a:prstGeom prst="rect">
+            <a:avLst/>
+          </a:prstGeom>
+        </p:spPr>
+        <p:txBody>
+          <a:bodyPr lIns="0" rIns="0" tIns="0" bIns="0"/>
+          <a:p>
+            <a:r>
+              <a:rPr b="0" lang="nl-NL" sz="2000" spc="-1" strike="noStrike">
+                <a:solidFill>
+                  <a:srgbClr val="000000"/>
+                </a:solidFill>
+                <a:uFill>
+                  <a:solidFill>
+                    <a:srgbClr val="ffffff"/>
+                  </a:solidFill>
+                </a:uFill>
+                <a:latin typeface="Arial"/>
+              </a:rPr>
+              <a:t>Speelt de ombudsman nog een actieve noemenswaardige rol in deze situatie of alleen bij uitzondering?</a:t>
+            </a:r>
+            <a:endParaRPr b="0" lang="nl-NL" sz="2000" spc="-1" strike="noStrike">
+              <a:solidFill>
+                <a:srgbClr val="000000"/>
+              </a:solidFill>
+              <a:uFill>
+                <a:solidFill>
+                  <a:srgbClr val="ffffff"/>
+                </a:solidFill>
+              </a:uFill>
+              <a:latin typeface="Arial"/>
+            </a:endParaRPr>
+          </a:p>
+          <a:p>
+            <a:endParaRPr b="0" lang="nl-NL" sz="2000" spc="-1" strike="noStrike">
+              <a:solidFill>
+                <a:srgbClr val="000000"/>
+              </a:solidFill>
+              <a:uFill>
+                <a:solidFill>
+                  <a:srgbClr val="ffffff"/>
+                </a:solidFill>
+              </a:uFill>
+              <a:latin typeface="Arial"/>
+            </a:endParaRPr>
+          </a:p>
+        </p:txBody>
+      </p:sp>
+      <p:sp>
+        <p:nvSpPr>
+          <p:cNvPr id="156" name="CustomShape 2"/>
+          <p:cNvSpPr/>
+          <p:nvPr/>
+        </p:nvSpPr>
+        <p:spPr>
+          <a:xfrm>
+            <a:off x="3884760" y="8685360"/>
+            <a:ext cx="2971080" cy="456480"/>
+          </a:xfrm>
+          <a:prstGeom prst="rect">
+            <a:avLst/>
+          </a:prstGeom>
+          <a:noFill/>
+          <a:ln>
+            <a:noFill/>
+          </a:ln>
+        </p:spPr>
+        <p:style>
+          <a:lnRef idx="0"/>
+          <a:fillRef idx="0"/>
+          <a:effectRef idx="0"/>
+          <a:fontRef idx="minor"/>
+        </p:style>
+        <p:txBody>
+          <a:bodyPr lIns="90000" rIns="90000" tIns="45000" bIns="45000" anchor="b"/>
+          <a:p>
+            <a:pPr algn="r">
+              <a:lnSpc>
+                <a:spcPct val="100000"/>
+              </a:lnSpc>
+            </a:pPr>
+            <a:fld id="{5F63FCE0-7FB5-460D-B999-D1CCC517967C}" type="slidenum">
+              <a:rPr b="0" lang="nl-NL" sz="1200" spc="-1" strike="noStrike">
+                <a:solidFill>
+                  <a:srgbClr val="000000"/>
+                </a:solidFill>
+                <a:uFill>
+                  <a:solidFill>
+                    <a:srgbClr val="ffffff"/>
+                  </a:solidFill>
+                </a:uFill>
+                <a:latin typeface="+mn-lt"/>
+                <a:ea typeface="+mn-ea"/>
+              </a:rPr>
+              <a:t>&lt;getal&gt;</a:t>
+            </a:fld>
+            <a:endParaRPr b="0" lang="nl-NL" sz="1800" spc="-1" strike="noStrike">
+              <a:solidFill>
+                <a:srgbClr val="000000"/>
+              </a:solidFill>
+              <a:uFill>
+                <a:solidFill>
+                  <a:srgbClr val="ffffff"/>
+                </a:solidFill>
+              </a:uFill>
+              <a:latin typeface="Arial"/>
             </a:endParaRPr>
           </a:p>
         </p:txBody>
@@ -623,7 +1080,7 @@
       </p:grpSpPr>
       <p:sp>
         <p:nvSpPr>
-          <p:cNvPr id="54" name="PlaceHolder 1"/>
+          <p:cNvPr id="53" name="PlaceHolder 1"/>
           <p:cNvSpPr>
             <a:spLocks noGrp="1"/>
           </p:cNvSpPr>
@@ -633,8 +1090,8 @@
         </p:nvSpPr>
         <p:spPr>
           <a:xfrm>
-            <a:off x="781920" y="1998360"/>
-            <a:ext cx="7595640" cy="1142640"/>
+            <a:off x="457200" y="273600"/>
+            <a:ext cx="8229240" cy="1144800"/>
           </a:xfrm>
           <a:prstGeom prst="rect">
             <a:avLst/>
@@ -643,23 +1100,24 @@
         <p:txBody>
           <a:bodyPr lIns="0" rIns="0" tIns="0" bIns="0" anchor="ctr"/>
           <a:p>
-            <a:endParaRPr b="0" lang="nl-NL" sz="1800" spc="-1" strike="noStrike">
-              <a:solidFill>
-                <a:srgbClr val="000000"/>
-              </a:solidFill>
-              <a:uFill>
-                <a:solidFill>
-                  <a:srgbClr val="ffffff"/>
-                </a:solidFill>
-              </a:uFill>
-              <a:latin typeface="Corbel"/>
+            <a:pPr algn="ctr"/>
+            <a:endParaRPr b="0" lang="nl-NL" sz="4400" spc="-1" strike="noStrike">
+              <a:solidFill>
+                <a:srgbClr val="000000"/>
+              </a:solidFill>
+              <a:uFill>
+                <a:solidFill>
+                  <a:srgbClr val="ffffff"/>
+                </a:solidFill>
+              </a:uFill>
+              <a:latin typeface="Arial"/>
             </a:endParaRPr>
           </a:p>
         </p:txBody>
       </p:sp>
       <p:sp>
         <p:nvSpPr>
-          <p:cNvPr id="55" name="PlaceHolder 2"/>
+          <p:cNvPr id="54" name="PlaceHolder 2"/>
           <p:cNvSpPr>
             <a:spLocks noGrp="1"/>
           </p:cNvSpPr>
@@ -669,8 +1127,8 @@
         </p:nvSpPr>
         <p:spPr>
           <a:xfrm>
-            <a:off x="781560" y="3367440"/>
-            <a:ext cx="7595640" cy="1329120"/>
+            <a:off x="457200" y="1604520"/>
+            <a:ext cx="8229240" cy="1896840"/>
           </a:xfrm>
           <a:prstGeom prst="rect">
             <a:avLst/>
@@ -679,23 +1137,23 @@
         <p:txBody>
           <a:bodyPr lIns="0" rIns="0" tIns="0" bIns="0"/>
           <a:p>
-            <a:endParaRPr b="0" lang="nl-NL" sz="2200" spc="-1" strike="noStrike">
-              <a:solidFill>
-                <a:srgbClr val="000000"/>
-              </a:solidFill>
-              <a:uFill>
-                <a:solidFill>
-                  <a:srgbClr val="ffffff"/>
-                </a:solidFill>
-              </a:uFill>
-              <a:latin typeface="Corbel"/>
+            <a:endParaRPr b="0" lang="nl-NL" sz="3200" spc="-1" strike="noStrike">
+              <a:solidFill>
+                <a:srgbClr val="000000"/>
+              </a:solidFill>
+              <a:uFill>
+                <a:solidFill>
+                  <a:srgbClr val="ffffff"/>
+                </a:solidFill>
+              </a:uFill>
+              <a:latin typeface="Arial"/>
             </a:endParaRPr>
           </a:p>
         </p:txBody>
       </p:sp>
       <p:sp>
         <p:nvSpPr>
-          <p:cNvPr id="56" name="PlaceHolder 3"/>
+          <p:cNvPr id="55" name="PlaceHolder 3"/>
           <p:cNvSpPr>
             <a:spLocks noGrp="1"/>
           </p:cNvSpPr>
@@ -705,8 +1163,8 @@
         </p:nvSpPr>
         <p:spPr>
           <a:xfrm>
-            <a:off x="781560" y="4823280"/>
-            <a:ext cx="7595640" cy="1329120"/>
+            <a:off x="457200" y="3682080"/>
+            <a:ext cx="8229240" cy="1896840"/>
           </a:xfrm>
           <a:prstGeom prst="rect">
             <a:avLst/>
@@ -715,16 +1173,16 @@
         <p:txBody>
           <a:bodyPr lIns="0" rIns="0" tIns="0" bIns="0"/>
           <a:p>
-            <a:endParaRPr b="0" lang="nl-NL" sz="2200" spc="-1" strike="noStrike">
-              <a:solidFill>
-                <a:srgbClr val="000000"/>
-              </a:solidFill>
-              <a:uFill>
-                <a:solidFill>
-                  <a:srgbClr val="ffffff"/>
-                </a:solidFill>
-              </a:uFill>
-              <a:latin typeface="Corbel"/>
+            <a:endParaRPr b="0" lang="nl-NL" sz="3200" spc="-1" strike="noStrike">
+              <a:solidFill>
+                <a:srgbClr val="000000"/>
+              </a:solidFill>
+              <a:uFill>
+                <a:solidFill>
+                  <a:srgbClr val="ffffff"/>
+                </a:solidFill>
+              </a:uFill>
+              <a:latin typeface="Arial"/>
             </a:endParaRPr>
           </a:p>
         </p:txBody>
@@ -753,7 +1211,7 @@
       </p:grpSpPr>
       <p:sp>
         <p:nvSpPr>
-          <p:cNvPr id="57" name="PlaceHolder 1"/>
+          <p:cNvPr id="56" name="PlaceHolder 1"/>
           <p:cNvSpPr>
             <a:spLocks noGrp="1"/>
           </p:cNvSpPr>
@@ -763,8 +1221,8 @@
         </p:nvSpPr>
         <p:spPr>
           <a:xfrm>
-            <a:off x="781920" y="1998360"/>
-            <a:ext cx="7595640" cy="1142640"/>
+            <a:off x="457200" y="273600"/>
+            <a:ext cx="8229240" cy="1144800"/>
           </a:xfrm>
           <a:prstGeom prst="rect">
             <a:avLst/>
@@ -773,23 +1231,24 @@
         <p:txBody>
           <a:bodyPr lIns="0" rIns="0" tIns="0" bIns="0" anchor="ctr"/>
           <a:p>
-            <a:endParaRPr b="0" lang="nl-NL" sz="1800" spc="-1" strike="noStrike">
-              <a:solidFill>
-                <a:srgbClr val="000000"/>
-              </a:solidFill>
-              <a:uFill>
-                <a:solidFill>
-                  <a:srgbClr val="ffffff"/>
-                </a:solidFill>
-              </a:uFill>
-              <a:latin typeface="Corbel"/>
+            <a:pPr algn="ctr"/>
+            <a:endParaRPr b="0" lang="nl-NL" sz="4400" spc="-1" strike="noStrike">
+              <a:solidFill>
+                <a:srgbClr val="000000"/>
+              </a:solidFill>
+              <a:uFill>
+                <a:solidFill>
+                  <a:srgbClr val="ffffff"/>
+                </a:solidFill>
+              </a:uFill>
+              <a:latin typeface="Arial"/>
             </a:endParaRPr>
           </a:p>
         </p:txBody>
       </p:sp>
       <p:sp>
         <p:nvSpPr>
-          <p:cNvPr id="58" name="PlaceHolder 2"/>
+          <p:cNvPr id="57" name="PlaceHolder 2"/>
           <p:cNvSpPr>
             <a:spLocks noGrp="1"/>
           </p:cNvSpPr>
@@ -799,8 +1258,8 @@
         </p:nvSpPr>
         <p:spPr>
           <a:xfrm>
-            <a:off x="781560" y="3367440"/>
-            <a:ext cx="3706560" cy="1329120"/>
+            <a:off x="457200" y="1604520"/>
+            <a:ext cx="4015800" cy="1896840"/>
           </a:xfrm>
           <a:prstGeom prst="rect">
             <a:avLst/>
@@ -809,23 +1268,23 @@
         <p:txBody>
           <a:bodyPr lIns="0" rIns="0" tIns="0" bIns="0"/>
           <a:p>
-            <a:endParaRPr b="0" lang="nl-NL" sz="2200" spc="-1" strike="noStrike">
-              <a:solidFill>
-                <a:srgbClr val="000000"/>
-              </a:solidFill>
-              <a:uFill>
-                <a:solidFill>
-                  <a:srgbClr val="ffffff"/>
-                </a:solidFill>
-              </a:uFill>
-              <a:latin typeface="Corbel"/>
+            <a:endParaRPr b="0" lang="nl-NL" sz="3200" spc="-1" strike="noStrike">
+              <a:solidFill>
+                <a:srgbClr val="000000"/>
+              </a:solidFill>
+              <a:uFill>
+                <a:solidFill>
+                  <a:srgbClr val="ffffff"/>
+                </a:solidFill>
+              </a:uFill>
+              <a:latin typeface="Arial"/>
             </a:endParaRPr>
           </a:p>
         </p:txBody>
       </p:sp>
       <p:sp>
         <p:nvSpPr>
-          <p:cNvPr id="59" name="PlaceHolder 3"/>
+          <p:cNvPr id="58" name="PlaceHolder 3"/>
           <p:cNvSpPr>
             <a:spLocks noGrp="1"/>
           </p:cNvSpPr>
@@ -835,8 +1294,8 @@
         </p:nvSpPr>
         <p:spPr>
           <a:xfrm>
-            <a:off x="4673880" y="3367440"/>
-            <a:ext cx="3706560" cy="1329120"/>
+            <a:off x="4674240" y="1604520"/>
+            <a:ext cx="4015800" cy="1896840"/>
           </a:xfrm>
           <a:prstGeom prst="rect">
             <a:avLst/>
@@ -845,23 +1304,23 @@
         <p:txBody>
           <a:bodyPr lIns="0" rIns="0" tIns="0" bIns="0"/>
           <a:p>
-            <a:endParaRPr b="0" lang="nl-NL" sz="2200" spc="-1" strike="noStrike">
-              <a:solidFill>
-                <a:srgbClr val="000000"/>
-              </a:solidFill>
-              <a:uFill>
-                <a:solidFill>
-                  <a:srgbClr val="ffffff"/>
-                </a:solidFill>
-              </a:uFill>
-              <a:latin typeface="Corbel"/>
+            <a:endParaRPr b="0" lang="nl-NL" sz="3200" spc="-1" strike="noStrike">
+              <a:solidFill>
+                <a:srgbClr val="000000"/>
+              </a:solidFill>
+              <a:uFill>
+                <a:solidFill>
+                  <a:srgbClr val="ffffff"/>
+                </a:solidFill>
+              </a:uFill>
+              <a:latin typeface="Arial"/>
             </a:endParaRPr>
           </a:p>
         </p:txBody>
       </p:sp>
       <p:sp>
         <p:nvSpPr>
-          <p:cNvPr id="60" name="PlaceHolder 4"/>
+          <p:cNvPr id="59" name="PlaceHolder 4"/>
           <p:cNvSpPr>
             <a:spLocks noGrp="1"/>
           </p:cNvSpPr>
@@ -871,8 +1330,8 @@
         </p:nvSpPr>
         <p:spPr>
           <a:xfrm>
-            <a:off x="4673880" y="4823280"/>
-            <a:ext cx="3706560" cy="1329120"/>
+            <a:off x="4674240" y="3682080"/>
+            <a:ext cx="4015800" cy="1896840"/>
           </a:xfrm>
           <a:prstGeom prst="rect">
             <a:avLst/>
@@ -881,23 +1340,23 @@
         <p:txBody>
           <a:bodyPr lIns="0" rIns="0" tIns="0" bIns="0"/>
           <a:p>
-            <a:endParaRPr b="0" lang="nl-NL" sz="2200" spc="-1" strike="noStrike">
-              <a:solidFill>
-                <a:srgbClr val="000000"/>
-              </a:solidFill>
-              <a:uFill>
-                <a:solidFill>
-                  <a:srgbClr val="ffffff"/>
-                </a:solidFill>
-              </a:uFill>
-              <a:latin typeface="Corbel"/>
+            <a:endParaRPr b="0" lang="nl-NL" sz="3200" spc="-1" strike="noStrike">
+              <a:solidFill>
+                <a:srgbClr val="000000"/>
+              </a:solidFill>
+              <a:uFill>
+                <a:solidFill>
+                  <a:srgbClr val="ffffff"/>
+                </a:solidFill>
+              </a:uFill>
+              <a:latin typeface="Arial"/>
             </a:endParaRPr>
           </a:p>
         </p:txBody>
       </p:sp>
       <p:sp>
         <p:nvSpPr>
-          <p:cNvPr id="61" name="PlaceHolder 5"/>
+          <p:cNvPr id="60" name="PlaceHolder 5"/>
           <p:cNvSpPr>
             <a:spLocks noGrp="1"/>
           </p:cNvSpPr>
@@ -907,8 +1366,8 @@
         </p:nvSpPr>
         <p:spPr>
           <a:xfrm>
-            <a:off x="781560" y="4823280"/>
-            <a:ext cx="3706560" cy="1329120"/>
+            <a:off x="457200" y="3682080"/>
+            <a:ext cx="4015800" cy="1896840"/>
           </a:xfrm>
           <a:prstGeom prst="rect">
             <a:avLst/>
@@ -917,16 +1376,16 @@
         <p:txBody>
           <a:bodyPr lIns="0" rIns="0" tIns="0" bIns="0"/>
           <a:p>
-            <a:endParaRPr b="0" lang="nl-NL" sz="2200" spc="-1" strike="noStrike">
-              <a:solidFill>
-                <a:srgbClr val="000000"/>
-              </a:solidFill>
-              <a:uFill>
-                <a:solidFill>
-                  <a:srgbClr val="ffffff"/>
-                </a:solidFill>
-              </a:uFill>
-              <a:latin typeface="Corbel"/>
+            <a:endParaRPr b="0" lang="nl-NL" sz="3200" spc="-1" strike="noStrike">
+              <a:solidFill>
+                <a:srgbClr val="000000"/>
+              </a:solidFill>
+              <a:uFill>
+                <a:solidFill>
+                  <a:srgbClr val="ffffff"/>
+                </a:solidFill>
+              </a:uFill>
+              <a:latin typeface="Arial"/>
             </a:endParaRPr>
           </a:p>
         </p:txBody>
@@ -955,7 +1414,7 @@
       </p:grpSpPr>
       <p:sp>
         <p:nvSpPr>
-          <p:cNvPr id="62" name="PlaceHolder 1"/>
+          <p:cNvPr id="61" name="PlaceHolder 1"/>
           <p:cNvSpPr>
             <a:spLocks noGrp="1"/>
           </p:cNvSpPr>
@@ -965,8 +1424,8 @@
         </p:nvSpPr>
         <p:spPr>
           <a:xfrm>
-            <a:off x="781920" y="1998360"/>
-            <a:ext cx="7595640" cy="1142640"/>
+            <a:off x="457200" y="273600"/>
+            <a:ext cx="8229240" cy="1144800"/>
           </a:xfrm>
           <a:prstGeom prst="rect">
             <a:avLst/>
@@ -975,23 +1434,24 @@
         <p:txBody>
           <a:bodyPr lIns="0" rIns="0" tIns="0" bIns="0" anchor="ctr"/>
           <a:p>
-            <a:endParaRPr b="0" lang="nl-NL" sz="1800" spc="-1" strike="noStrike">
-              <a:solidFill>
-                <a:srgbClr val="000000"/>
-              </a:solidFill>
-              <a:uFill>
-                <a:solidFill>
-                  <a:srgbClr val="ffffff"/>
-                </a:solidFill>
-              </a:uFill>
-              <a:latin typeface="Corbel"/>
+            <a:pPr algn="ctr"/>
+            <a:endParaRPr b="0" lang="nl-NL" sz="4400" spc="-1" strike="noStrike">
+              <a:solidFill>
+                <a:srgbClr val="000000"/>
+              </a:solidFill>
+              <a:uFill>
+                <a:solidFill>
+                  <a:srgbClr val="ffffff"/>
+                </a:solidFill>
+              </a:uFill>
+              <a:latin typeface="Arial"/>
             </a:endParaRPr>
           </a:p>
         </p:txBody>
       </p:sp>
       <p:sp>
         <p:nvSpPr>
-          <p:cNvPr id="63" name="PlaceHolder 2"/>
+          <p:cNvPr id="62" name="PlaceHolder 2"/>
           <p:cNvSpPr>
             <a:spLocks noGrp="1"/>
           </p:cNvSpPr>
@@ -1001,8 +1461,8 @@
         </p:nvSpPr>
         <p:spPr>
           <a:xfrm>
-            <a:off x="781560" y="3367440"/>
-            <a:ext cx="7595640" cy="2786760"/>
+            <a:off x="457200" y="1604520"/>
+            <a:ext cx="8229240" cy="3977280"/>
           </a:xfrm>
           <a:prstGeom prst="rect">
             <a:avLst/>
@@ -1011,23 +1471,23 @@
         <p:txBody>
           <a:bodyPr lIns="0" rIns="0" tIns="0" bIns="0"/>
           <a:p>
-            <a:endParaRPr b="0" lang="nl-NL" sz="2200" spc="-1" strike="noStrike">
-              <a:solidFill>
-                <a:srgbClr val="000000"/>
-              </a:solidFill>
-              <a:uFill>
-                <a:solidFill>
-                  <a:srgbClr val="ffffff"/>
-                </a:solidFill>
-              </a:uFill>
-              <a:latin typeface="Corbel"/>
+            <a:endParaRPr b="0" lang="nl-NL" sz="3200" spc="-1" strike="noStrike">
+              <a:solidFill>
+                <a:srgbClr val="000000"/>
+              </a:solidFill>
+              <a:uFill>
+                <a:solidFill>
+                  <a:srgbClr val="ffffff"/>
+                </a:solidFill>
+              </a:uFill>
+              <a:latin typeface="Arial"/>
             </a:endParaRPr>
           </a:p>
         </p:txBody>
       </p:sp>
       <p:sp>
         <p:nvSpPr>
-          <p:cNvPr id="64" name="PlaceHolder 3"/>
+          <p:cNvPr id="63" name="PlaceHolder 3"/>
           <p:cNvSpPr>
             <a:spLocks noGrp="1"/>
           </p:cNvSpPr>
@@ -1037,8 +1497,8 @@
         </p:nvSpPr>
         <p:spPr>
           <a:xfrm>
-            <a:off x="781560" y="3367440"/>
-            <a:ext cx="7595640" cy="2786760"/>
+            <a:off x="457200" y="1604520"/>
+            <a:ext cx="8229240" cy="3977280"/>
           </a:xfrm>
           <a:prstGeom prst="rect">
             <a:avLst/>
@@ -1047,20 +1507,43 @@
         <p:txBody>
           <a:bodyPr lIns="0" rIns="0" tIns="0" bIns="0"/>
           <a:p>
-            <a:endParaRPr b="0" lang="nl-NL" sz="2200" spc="-1" strike="noStrike">
-              <a:solidFill>
-                <a:srgbClr val="000000"/>
-              </a:solidFill>
-              <a:uFill>
-                <a:solidFill>
-                  <a:srgbClr val="ffffff"/>
-                </a:solidFill>
-              </a:uFill>
-              <a:latin typeface="Corbel"/>
+            <a:endParaRPr b="0" lang="nl-NL" sz="3200" spc="-1" strike="noStrike">
+              <a:solidFill>
+                <a:srgbClr val="000000"/>
+              </a:solidFill>
+              <a:uFill>
+                <a:solidFill>
+                  <a:srgbClr val="ffffff"/>
+                </a:solidFill>
+              </a:uFill>
+              <a:latin typeface="Arial"/>
             </a:endParaRPr>
           </a:p>
         </p:txBody>
       </p:sp>
+      <p:pic>
+        <p:nvPicPr>
+          <p:cNvPr id="64" name="" descr=""/>
+          <p:cNvPicPr/>
+          <p:nvPr/>
+        </p:nvPicPr>
+        <p:blipFill>
+          <a:blip r:embed="rId2"/>
+          <a:stretch/>
+        </p:blipFill>
+        <p:spPr>
+          <a:xfrm>
+            <a:off x="2079000" y="1604520"/>
+            <a:ext cx="4984920" cy="3977280"/>
+          </a:xfrm>
+          <a:prstGeom prst="rect">
+            <a:avLst/>
+          </a:prstGeom>
+          <a:ln>
+            <a:noFill/>
+          </a:ln>
+        </p:spPr>
+      </p:pic>
       <p:pic>
         <p:nvPicPr>
           <p:cNvPr id="65" name="" descr=""/>
@@ -1068,36 +1551,13 @@
           <p:nvPr/>
         </p:nvPicPr>
         <p:blipFill>
-          <a:blip r:embed="rId2"/>
-          <a:stretch/>
-        </p:blipFill>
-        <p:spPr>
-          <a:xfrm>
-            <a:off x="2832840" y="3367080"/>
-            <a:ext cx="3492720" cy="2786760"/>
-          </a:xfrm>
-          <a:prstGeom prst="rect">
-            <a:avLst/>
-          </a:prstGeom>
-          <a:ln>
-            <a:noFill/>
-          </a:ln>
-        </p:spPr>
-      </p:pic>
-      <p:pic>
-        <p:nvPicPr>
-          <p:cNvPr id="66" name="" descr=""/>
-          <p:cNvPicPr/>
-          <p:nvPr/>
-        </p:nvPicPr>
-        <p:blipFill>
           <a:blip r:embed="rId3"/>
           <a:stretch/>
         </p:blipFill>
         <p:spPr>
           <a:xfrm>
-            <a:off x="2832840" y="3367080"/>
-            <a:ext cx="3492720" cy="2786760"/>
+            <a:off x="2079000" y="1604520"/>
+            <a:ext cx="4984920" cy="3977280"/>
           </a:xfrm>
           <a:prstGeom prst="rect">
             <a:avLst/>
@@ -1153,7 +1613,7 @@
       </p:grpSpPr>
       <p:sp>
         <p:nvSpPr>
-          <p:cNvPr id="77" name="PlaceHolder 1"/>
+          <p:cNvPr id="76" name="PlaceHolder 1"/>
           <p:cNvSpPr>
             <a:spLocks noGrp="1"/>
           </p:cNvSpPr>
@@ -1163,8 +1623,8 @@
         </p:nvSpPr>
         <p:spPr>
           <a:xfrm>
-            <a:off x="781920" y="1998360"/>
-            <a:ext cx="7595640" cy="1142640"/>
+            <a:off x="457200" y="273600"/>
+            <a:ext cx="8229240" cy="1144800"/>
           </a:xfrm>
           <a:prstGeom prst="rect">
             <a:avLst/>
@@ -1173,23 +1633,24 @@
         <p:txBody>
           <a:bodyPr lIns="0" rIns="0" tIns="0" bIns="0" anchor="ctr"/>
           <a:p>
-            <a:endParaRPr b="0" lang="nl-NL" sz="1800" spc="-1" strike="noStrike">
-              <a:solidFill>
-                <a:srgbClr val="000000"/>
-              </a:solidFill>
-              <a:uFill>
-                <a:solidFill>
-                  <a:srgbClr val="ffffff"/>
-                </a:solidFill>
-              </a:uFill>
-              <a:latin typeface="Corbel"/>
+            <a:pPr algn="ctr"/>
+            <a:endParaRPr b="0" lang="nl-NL" sz="4400" spc="-1" strike="noStrike">
+              <a:solidFill>
+                <a:srgbClr val="000000"/>
+              </a:solidFill>
+              <a:uFill>
+                <a:solidFill>
+                  <a:srgbClr val="ffffff"/>
+                </a:solidFill>
+              </a:uFill>
+              <a:latin typeface="Arial"/>
             </a:endParaRPr>
           </a:p>
         </p:txBody>
       </p:sp>
       <p:sp>
         <p:nvSpPr>
-          <p:cNvPr id="78" name="PlaceHolder 2"/>
+          <p:cNvPr id="77" name="PlaceHolder 2"/>
           <p:cNvSpPr>
             <a:spLocks noGrp="1"/>
           </p:cNvSpPr>
@@ -1199,8 +1660,8 @@
         </p:nvSpPr>
         <p:spPr>
           <a:xfrm>
-            <a:off x="781560" y="3367440"/>
-            <a:ext cx="7595640" cy="2786760"/>
+            <a:off x="457200" y="1604520"/>
+            <a:ext cx="8229240" cy="3977280"/>
           </a:xfrm>
           <a:prstGeom prst="rect">
             <a:avLst/>
@@ -1248,7 +1709,7 @@
       </p:grpSpPr>
       <p:sp>
         <p:nvSpPr>
-          <p:cNvPr id="79" name="PlaceHolder 1"/>
+          <p:cNvPr id="78" name="PlaceHolder 1"/>
           <p:cNvSpPr>
             <a:spLocks noGrp="1"/>
           </p:cNvSpPr>
@@ -1258,8 +1719,8 @@
         </p:nvSpPr>
         <p:spPr>
           <a:xfrm>
-            <a:off x="781920" y="1998360"/>
-            <a:ext cx="7595640" cy="1142640"/>
+            <a:off x="457200" y="273600"/>
+            <a:ext cx="8229240" cy="1144800"/>
           </a:xfrm>
           <a:prstGeom prst="rect">
             <a:avLst/>
@@ -1268,23 +1729,24 @@
         <p:txBody>
           <a:bodyPr lIns="0" rIns="0" tIns="0" bIns="0" anchor="ctr"/>
           <a:p>
-            <a:endParaRPr b="0" lang="nl-NL" sz="1800" spc="-1" strike="noStrike">
-              <a:solidFill>
-                <a:srgbClr val="000000"/>
-              </a:solidFill>
-              <a:uFill>
-                <a:solidFill>
-                  <a:srgbClr val="ffffff"/>
-                </a:solidFill>
-              </a:uFill>
-              <a:latin typeface="Corbel"/>
+            <a:pPr algn="ctr"/>
+            <a:endParaRPr b="0" lang="nl-NL" sz="4400" spc="-1" strike="noStrike">
+              <a:solidFill>
+                <a:srgbClr val="000000"/>
+              </a:solidFill>
+              <a:uFill>
+                <a:solidFill>
+                  <a:srgbClr val="ffffff"/>
+                </a:solidFill>
+              </a:uFill>
+              <a:latin typeface="Arial"/>
             </a:endParaRPr>
           </a:p>
         </p:txBody>
       </p:sp>
       <p:sp>
         <p:nvSpPr>
-          <p:cNvPr id="80" name="PlaceHolder 2"/>
+          <p:cNvPr id="79" name="PlaceHolder 2"/>
           <p:cNvSpPr>
             <a:spLocks noGrp="1"/>
           </p:cNvSpPr>
@@ -1294,8 +1756,8 @@
         </p:nvSpPr>
         <p:spPr>
           <a:xfrm>
-            <a:off x="781560" y="3367440"/>
-            <a:ext cx="7595640" cy="2786760"/>
+            <a:off x="457200" y="1604520"/>
+            <a:ext cx="8229240" cy="3977280"/>
           </a:xfrm>
           <a:prstGeom prst="rect">
             <a:avLst/>
@@ -1304,16 +1766,16 @@
         <p:txBody>
           <a:bodyPr lIns="0" rIns="0" tIns="0" bIns="0"/>
           <a:p>
-            <a:endParaRPr b="0" lang="nl-NL" sz="2200" spc="-1" strike="noStrike">
-              <a:solidFill>
-                <a:srgbClr val="000000"/>
-              </a:solidFill>
-              <a:uFill>
-                <a:solidFill>
-                  <a:srgbClr val="ffffff"/>
-                </a:solidFill>
-              </a:uFill>
-              <a:latin typeface="Corbel"/>
+            <a:endParaRPr b="0" lang="nl-NL" sz="3200" spc="-1" strike="noStrike">
+              <a:solidFill>
+                <a:srgbClr val="000000"/>
+              </a:solidFill>
+              <a:uFill>
+                <a:solidFill>
+                  <a:srgbClr val="ffffff"/>
+                </a:solidFill>
+              </a:uFill>
+              <a:latin typeface="Arial"/>
             </a:endParaRPr>
           </a:p>
         </p:txBody>
@@ -1342,7 +1804,7 @@
       </p:grpSpPr>
       <p:sp>
         <p:nvSpPr>
-          <p:cNvPr id="81" name="PlaceHolder 1"/>
+          <p:cNvPr id="80" name="PlaceHolder 1"/>
           <p:cNvSpPr>
             <a:spLocks noGrp="1"/>
           </p:cNvSpPr>
@@ -1352,8 +1814,8 @@
         </p:nvSpPr>
         <p:spPr>
           <a:xfrm>
-            <a:off x="781920" y="1998360"/>
-            <a:ext cx="7595640" cy="1142640"/>
+            <a:off x="457200" y="273600"/>
+            <a:ext cx="8229240" cy="1144800"/>
           </a:xfrm>
           <a:prstGeom prst="rect">
             <a:avLst/>
@@ -1362,23 +1824,24 @@
         <p:txBody>
           <a:bodyPr lIns="0" rIns="0" tIns="0" bIns="0" anchor="ctr"/>
           <a:p>
-            <a:endParaRPr b="0" lang="nl-NL" sz="1800" spc="-1" strike="noStrike">
-              <a:solidFill>
-                <a:srgbClr val="000000"/>
-              </a:solidFill>
-              <a:uFill>
-                <a:solidFill>
-                  <a:srgbClr val="ffffff"/>
-                </a:solidFill>
-              </a:uFill>
-              <a:latin typeface="Corbel"/>
+            <a:pPr algn="ctr"/>
+            <a:endParaRPr b="0" lang="nl-NL" sz="4400" spc="-1" strike="noStrike">
+              <a:solidFill>
+                <a:srgbClr val="000000"/>
+              </a:solidFill>
+              <a:uFill>
+                <a:solidFill>
+                  <a:srgbClr val="ffffff"/>
+                </a:solidFill>
+              </a:uFill>
+              <a:latin typeface="Arial"/>
             </a:endParaRPr>
           </a:p>
         </p:txBody>
       </p:sp>
       <p:sp>
         <p:nvSpPr>
-          <p:cNvPr id="82" name="PlaceHolder 2"/>
+          <p:cNvPr id="81" name="PlaceHolder 2"/>
           <p:cNvSpPr>
             <a:spLocks noGrp="1"/>
           </p:cNvSpPr>
@@ -1388,8 +1851,8 @@
         </p:nvSpPr>
         <p:spPr>
           <a:xfrm>
-            <a:off x="781560" y="3367440"/>
-            <a:ext cx="3706560" cy="2786760"/>
+            <a:off x="457200" y="1604520"/>
+            <a:ext cx="4015800" cy="3977280"/>
           </a:xfrm>
           <a:prstGeom prst="rect">
             <a:avLst/>
@@ -1398,23 +1861,23 @@
         <p:txBody>
           <a:bodyPr lIns="0" rIns="0" tIns="0" bIns="0"/>
           <a:p>
-            <a:endParaRPr b="0" lang="nl-NL" sz="2200" spc="-1" strike="noStrike">
-              <a:solidFill>
-                <a:srgbClr val="000000"/>
-              </a:solidFill>
-              <a:uFill>
-                <a:solidFill>
-                  <a:srgbClr val="ffffff"/>
-                </a:solidFill>
-              </a:uFill>
-              <a:latin typeface="Corbel"/>
+            <a:endParaRPr b="0" lang="nl-NL" sz="3200" spc="-1" strike="noStrike">
+              <a:solidFill>
+                <a:srgbClr val="000000"/>
+              </a:solidFill>
+              <a:uFill>
+                <a:solidFill>
+                  <a:srgbClr val="ffffff"/>
+                </a:solidFill>
+              </a:uFill>
+              <a:latin typeface="Arial"/>
             </a:endParaRPr>
           </a:p>
         </p:txBody>
       </p:sp>
       <p:sp>
         <p:nvSpPr>
-          <p:cNvPr id="83" name="PlaceHolder 3"/>
+          <p:cNvPr id="82" name="PlaceHolder 3"/>
           <p:cNvSpPr>
             <a:spLocks noGrp="1"/>
           </p:cNvSpPr>
@@ -1424,8 +1887,8 @@
         </p:nvSpPr>
         <p:spPr>
           <a:xfrm>
-            <a:off x="4673880" y="3367440"/>
-            <a:ext cx="3706560" cy="2786760"/>
+            <a:off x="4674240" y="1604520"/>
+            <a:ext cx="4015800" cy="3977280"/>
           </a:xfrm>
           <a:prstGeom prst="rect">
             <a:avLst/>
@@ -1434,16 +1897,16 @@
         <p:txBody>
           <a:bodyPr lIns="0" rIns="0" tIns="0" bIns="0"/>
           <a:p>
-            <a:endParaRPr b="0" lang="nl-NL" sz="2200" spc="-1" strike="noStrike">
-              <a:solidFill>
-                <a:srgbClr val="000000"/>
-              </a:solidFill>
-              <a:uFill>
-                <a:solidFill>
-                  <a:srgbClr val="ffffff"/>
-                </a:solidFill>
-              </a:uFill>
-              <a:latin typeface="Corbel"/>
+            <a:endParaRPr b="0" lang="nl-NL" sz="3200" spc="-1" strike="noStrike">
+              <a:solidFill>
+                <a:srgbClr val="000000"/>
+              </a:solidFill>
+              <a:uFill>
+                <a:solidFill>
+                  <a:srgbClr val="ffffff"/>
+                </a:solidFill>
+              </a:uFill>
+              <a:latin typeface="Arial"/>
             </a:endParaRPr>
           </a:p>
         </p:txBody>
@@ -1472,7 +1935,7 @@
       </p:grpSpPr>
       <p:sp>
         <p:nvSpPr>
-          <p:cNvPr id="84" name="PlaceHolder 1"/>
+          <p:cNvPr id="83" name="PlaceHolder 1"/>
           <p:cNvSpPr>
             <a:spLocks noGrp="1"/>
           </p:cNvSpPr>
@@ -1482,8 +1945,8 @@
         </p:nvSpPr>
         <p:spPr>
           <a:xfrm>
-            <a:off x="781920" y="1998360"/>
-            <a:ext cx="7595640" cy="1142640"/>
+            <a:off x="457200" y="273600"/>
+            <a:ext cx="8229240" cy="1144800"/>
           </a:xfrm>
           <a:prstGeom prst="rect">
             <a:avLst/>
@@ -1492,16 +1955,17 @@
         <p:txBody>
           <a:bodyPr lIns="0" rIns="0" tIns="0" bIns="0" anchor="ctr"/>
           <a:p>
-            <a:endParaRPr b="0" lang="nl-NL" sz="1800" spc="-1" strike="noStrike">
-              <a:solidFill>
-                <a:srgbClr val="000000"/>
-              </a:solidFill>
-              <a:uFill>
-                <a:solidFill>
-                  <a:srgbClr val="ffffff"/>
-                </a:solidFill>
-              </a:uFill>
-              <a:latin typeface="Corbel"/>
+            <a:pPr algn="ctr"/>
+            <a:endParaRPr b="0" lang="nl-NL" sz="4400" spc="-1" strike="noStrike">
+              <a:solidFill>
+                <a:srgbClr val="000000"/>
+              </a:solidFill>
+              <a:uFill>
+                <a:solidFill>
+                  <a:srgbClr val="ffffff"/>
+                </a:solidFill>
+              </a:uFill>
+              <a:latin typeface="Arial"/>
             </a:endParaRPr>
           </a:p>
         </p:txBody>
@@ -1530,7 +1994,7 @@
       </p:grpSpPr>
       <p:sp>
         <p:nvSpPr>
-          <p:cNvPr id="85" name="PlaceHolder 1"/>
+          <p:cNvPr id="84" name="PlaceHolder 1"/>
           <p:cNvSpPr>
             <a:spLocks noGrp="1"/>
           </p:cNvSpPr>
@@ -1540,8 +2004,8 @@
         </p:nvSpPr>
         <p:spPr>
           <a:xfrm>
-            <a:off x="781920" y="1998360"/>
-            <a:ext cx="7595640" cy="5297760"/>
+            <a:off x="457200" y="273600"/>
+            <a:ext cx="8229240" cy="5307840"/>
           </a:xfrm>
           <a:prstGeom prst="rect">
             <a:avLst/>
@@ -1589,7 +2053,7 @@
       </p:grpSpPr>
       <p:sp>
         <p:nvSpPr>
-          <p:cNvPr id="86" name="PlaceHolder 1"/>
+          <p:cNvPr id="85" name="PlaceHolder 1"/>
           <p:cNvSpPr>
             <a:spLocks noGrp="1"/>
           </p:cNvSpPr>
@@ -1599,8 +2063,8 @@
         </p:nvSpPr>
         <p:spPr>
           <a:xfrm>
-            <a:off x="781920" y="1998360"/>
-            <a:ext cx="7595640" cy="1142640"/>
+            <a:off x="457200" y="273600"/>
+            <a:ext cx="8229240" cy="1144800"/>
           </a:xfrm>
           <a:prstGeom prst="rect">
             <a:avLst/>
@@ -1609,23 +2073,24 @@
         <p:txBody>
           <a:bodyPr lIns="0" rIns="0" tIns="0" bIns="0" anchor="ctr"/>
           <a:p>
-            <a:endParaRPr b="0" lang="nl-NL" sz="1800" spc="-1" strike="noStrike">
-              <a:solidFill>
-                <a:srgbClr val="000000"/>
-              </a:solidFill>
-              <a:uFill>
-                <a:solidFill>
-                  <a:srgbClr val="ffffff"/>
-                </a:solidFill>
-              </a:uFill>
-              <a:latin typeface="Corbel"/>
+            <a:pPr algn="ctr"/>
+            <a:endParaRPr b="0" lang="nl-NL" sz="4400" spc="-1" strike="noStrike">
+              <a:solidFill>
+                <a:srgbClr val="000000"/>
+              </a:solidFill>
+              <a:uFill>
+                <a:solidFill>
+                  <a:srgbClr val="ffffff"/>
+                </a:solidFill>
+              </a:uFill>
+              <a:latin typeface="Arial"/>
             </a:endParaRPr>
           </a:p>
         </p:txBody>
       </p:sp>
       <p:sp>
         <p:nvSpPr>
-          <p:cNvPr id="87" name="PlaceHolder 2"/>
+          <p:cNvPr id="86" name="PlaceHolder 2"/>
           <p:cNvSpPr>
             <a:spLocks noGrp="1"/>
           </p:cNvSpPr>
@@ -1635,8 +2100,8 @@
         </p:nvSpPr>
         <p:spPr>
           <a:xfrm>
-            <a:off x="781560" y="3367440"/>
-            <a:ext cx="3706560" cy="1329120"/>
+            <a:off x="457200" y="1604520"/>
+            <a:ext cx="4015800" cy="1896840"/>
           </a:xfrm>
           <a:prstGeom prst="rect">
             <a:avLst/>
@@ -1645,23 +2110,23 @@
         <p:txBody>
           <a:bodyPr lIns="0" rIns="0" tIns="0" bIns="0"/>
           <a:p>
-            <a:endParaRPr b="0" lang="nl-NL" sz="2200" spc="-1" strike="noStrike">
-              <a:solidFill>
-                <a:srgbClr val="000000"/>
-              </a:solidFill>
-              <a:uFill>
-                <a:solidFill>
-                  <a:srgbClr val="ffffff"/>
-                </a:solidFill>
-              </a:uFill>
-              <a:latin typeface="Corbel"/>
+            <a:endParaRPr b="0" lang="nl-NL" sz="3200" spc="-1" strike="noStrike">
+              <a:solidFill>
+                <a:srgbClr val="000000"/>
+              </a:solidFill>
+              <a:uFill>
+                <a:solidFill>
+                  <a:srgbClr val="ffffff"/>
+                </a:solidFill>
+              </a:uFill>
+              <a:latin typeface="Arial"/>
             </a:endParaRPr>
           </a:p>
         </p:txBody>
       </p:sp>
       <p:sp>
         <p:nvSpPr>
-          <p:cNvPr id="88" name="PlaceHolder 3"/>
+          <p:cNvPr id="87" name="PlaceHolder 3"/>
           <p:cNvSpPr>
             <a:spLocks noGrp="1"/>
           </p:cNvSpPr>
@@ -1671,8 +2136,8 @@
         </p:nvSpPr>
         <p:spPr>
           <a:xfrm>
-            <a:off x="781560" y="4823280"/>
-            <a:ext cx="3706560" cy="1329120"/>
+            <a:off x="457200" y="3682080"/>
+            <a:ext cx="4015800" cy="1896840"/>
           </a:xfrm>
           <a:prstGeom prst="rect">
             <a:avLst/>
@@ -1681,23 +2146,23 @@
         <p:txBody>
           <a:bodyPr lIns="0" rIns="0" tIns="0" bIns="0"/>
           <a:p>
-            <a:endParaRPr b="0" lang="nl-NL" sz="2200" spc="-1" strike="noStrike">
-              <a:solidFill>
-                <a:srgbClr val="000000"/>
-              </a:solidFill>
-              <a:uFill>
-                <a:solidFill>
-                  <a:srgbClr val="ffffff"/>
-                </a:solidFill>
-              </a:uFill>
-              <a:latin typeface="Corbel"/>
+            <a:endParaRPr b="0" lang="nl-NL" sz="3200" spc="-1" strike="noStrike">
+              <a:solidFill>
+                <a:srgbClr val="000000"/>
+              </a:solidFill>
+              <a:uFill>
+                <a:solidFill>
+                  <a:srgbClr val="ffffff"/>
+                </a:solidFill>
+              </a:uFill>
+              <a:latin typeface="Arial"/>
             </a:endParaRPr>
           </a:p>
         </p:txBody>
       </p:sp>
       <p:sp>
         <p:nvSpPr>
-          <p:cNvPr id="89" name="PlaceHolder 4"/>
+          <p:cNvPr id="88" name="PlaceHolder 4"/>
           <p:cNvSpPr>
             <a:spLocks noGrp="1"/>
           </p:cNvSpPr>
@@ -1707,8 +2172,8 @@
         </p:nvSpPr>
         <p:spPr>
           <a:xfrm>
-            <a:off x="4673880" y="3367440"/>
-            <a:ext cx="3706560" cy="2786760"/>
+            <a:off x="4674240" y="1604520"/>
+            <a:ext cx="4015800" cy="3977280"/>
           </a:xfrm>
           <a:prstGeom prst="rect">
             <a:avLst/>
@@ -1717,16 +2182,16 @@
         <p:txBody>
           <a:bodyPr lIns="0" rIns="0" tIns="0" bIns="0"/>
           <a:p>
-            <a:endParaRPr b="0" lang="nl-NL" sz="2200" spc="-1" strike="noStrike">
-              <a:solidFill>
-                <a:srgbClr val="000000"/>
-              </a:solidFill>
-              <a:uFill>
-                <a:solidFill>
-                  <a:srgbClr val="ffffff"/>
-                </a:solidFill>
-              </a:uFill>
-              <a:latin typeface="Corbel"/>
+            <a:endParaRPr b="0" lang="nl-NL" sz="3200" spc="-1" strike="noStrike">
+              <a:solidFill>
+                <a:srgbClr val="000000"/>
+              </a:solidFill>
+              <a:uFill>
+                <a:solidFill>
+                  <a:srgbClr val="ffffff"/>
+                </a:solidFill>
+              </a:uFill>
+              <a:latin typeface="Arial"/>
             </a:endParaRPr>
           </a:p>
         </p:txBody>
@@ -1755,7 +2220,7 @@
       </p:grpSpPr>
       <p:sp>
         <p:nvSpPr>
-          <p:cNvPr id="33" name="PlaceHolder 1"/>
+          <p:cNvPr id="32" name="PlaceHolder 1"/>
           <p:cNvSpPr>
             <a:spLocks noGrp="1"/>
           </p:cNvSpPr>
@@ -1765,8 +2230,8 @@
         </p:nvSpPr>
         <p:spPr>
           <a:xfrm>
-            <a:off x="781920" y="1998360"/>
-            <a:ext cx="7595640" cy="1142640"/>
+            <a:off x="457200" y="273600"/>
+            <a:ext cx="8229240" cy="1144800"/>
           </a:xfrm>
           <a:prstGeom prst="rect">
             <a:avLst/>
@@ -1775,23 +2240,24 @@
         <p:txBody>
           <a:bodyPr lIns="0" rIns="0" tIns="0" bIns="0" anchor="ctr"/>
           <a:p>
-            <a:endParaRPr b="0" lang="nl-NL" sz="1800" spc="-1" strike="noStrike">
-              <a:solidFill>
-                <a:srgbClr val="000000"/>
-              </a:solidFill>
-              <a:uFill>
-                <a:solidFill>
-                  <a:srgbClr val="ffffff"/>
-                </a:solidFill>
-              </a:uFill>
-              <a:latin typeface="Corbel"/>
+            <a:pPr algn="ctr"/>
+            <a:endParaRPr b="0" lang="nl-NL" sz="4400" spc="-1" strike="noStrike">
+              <a:solidFill>
+                <a:srgbClr val="000000"/>
+              </a:solidFill>
+              <a:uFill>
+                <a:solidFill>
+                  <a:srgbClr val="ffffff"/>
+                </a:solidFill>
+              </a:uFill>
+              <a:latin typeface="Arial"/>
             </a:endParaRPr>
           </a:p>
         </p:txBody>
       </p:sp>
       <p:sp>
         <p:nvSpPr>
-          <p:cNvPr id="34" name="PlaceHolder 2"/>
+          <p:cNvPr id="33" name="PlaceHolder 2"/>
           <p:cNvSpPr>
             <a:spLocks noGrp="1"/>
           </p:cNvSpPr>
@@ -1801,8 +2267,8 @@
         </p:nvSpPr>
         <p:spPr>
           <a:xfrm>
-            <a:off x="781560" y="3367440"/>
-            <a:ext cx="7595640" cy="2786760"/>
+            <a:off x="457200" y="1604520"/>
+            <a:ext cx="8229240" cy="3977280"/>
           </a:xfrm>
           <a:prstGeom prst="rect">
             <a:avLst/>
@@ -1850,7 +2316,7 @@
       </p:grpSpPr>
       <p:sp>
         <p:nvSpPr>
-          <p:cNvPr id="90" name="PlaceHolder 1"/>
+          <p:cNvPr id="89" name="PlaceHolder 1"/>
           <p:cNvSpPr>
             <a:spLocks noGrp="1"/>
           </p:cNvSpPr>
@@ -1860,8 +2326,8 @@
         </p:nvSpPr>
         <p:spPr>
           <a:xfrm>
-            <a:off x="781920" y="1998360"/>
-            <a:ext cx="7595640" cy="1142640"/>
+            <a:off x="457200" y="273600"/>
+            <a:ext cx="8229240" cy="1144800"/>
           </a:xfrm>
           <a:prstGeom prst="rect">
             <a:avLst/>
@@ -1870,23 +2336,24 @@
         <p:txBody>
           <a:bodyPr lIns="0" rIns="0" tIns="0" bIns="0" anchor="ctr"/>
           <a:p>
-            <a:endParaRPr b="0" lang="nl-NL" sz="1800" spc="-1" strike="noStrike">
-              <a:solidFill>
-                <a:srgbClr val="000000"/>
-              </a:solidFill>
-              <a:uFill>
-                <a:solidFill>
-                  <a:srgbClr val="ffffff"/>
-                </a:solidFill>
-              </a:uFill>
-              <a:latin typeface="Corbel"/>
+            <a:pPr algn="ctr"/>
+            <a:endParaRPr b="0" lang="nl-NL" sz="4400" spc="-1" strike="noStrike">
+              <a:solidFill>
+                <a:srgbClr val="000000"/>
+              </a:solidFill>
+              <a:uFill>
+                <a:solidFill>
+                  <a:srgbClr val="ffffff"/>
+                </a:solidFill>
+              </a:uFill>
+              <a:latin typeface="Arial"/>
             </a:endParaRPr>
           </a:p>
         </p:txBody>
       </p:sp>
       <p:sp>
         <p:nvSpPr>
-          <p:cNvPr id="91" name="PlaceHolder 2"/>
+          <p:cNvPr id="90" name="PlaceHolder 2"/>
           <p:cNvSpPr>
             <a:spLocks noGrp="1"/>
           </p:cNvSpPr>
@@ -1896,8 +2363,8 @@
         </p:nvSpPr>
         <p:spPr>
           <a:xfrm>
-            <a:off x="781560" y="3367440"/>
-            <a:ext cx="3706560" cy="2786760"/>
+            <a:off x="457200" y="1604520"/>
+            <a:ext cx="4015800" cy="3977280"/>
           </a:xfrm>
           <a:prstGeom prst="rect">
             <a:avLst/>
@@ -1906,23 +2373,23 @@
         <p:txBody>
           <a:bodyPr lIns="0" rIns="0" tIns="0" bIns="0"/>
           <a:p>
-            <a:endParaRPr b="0" lang="nl-NL" sz="2200" spc="-1" strike="noStrike">
-              <a:solidFill>
-                <a:srgbClr val="000000"/>
-              </a:solidFill>
-              <a:uFill>
-                <a:solidFill>
-                  <a:srgbClr val="ffffff"/>
-                </a:solidFill>
-              </a:uFill>
-              <a:latin typeface="Corbel"/>
+            <a:endParaRPr b="0" lang="nl-NL" sz="3200" spc="-1" strike="noStrike">
+              <a:solidFill>
+                <a:srgbClr val="000000"/>
+              </a:solidFill>
+              <a:uFill>
+                <a:solidFill>
+                  <a:srgbClr val="ffffff"/>
+                </a:solidFill>
+              </a:uFill>
+              <a:latin typeface="Arial"/>
             </a:endParaRPr>
           </a:p>
         </p:txBody>
       </p:sp>
       <p:sp>
         <p:nvSpPr>
-          <p:cNvPr id="92" name="PlaceHolder 3"/>
+          <p:cNvPr id="91" name="PlaceHolder 3"/>
           <p:cNvSpPr>
             <a:spLocks noGrp="1"/>
           </p:cNvSpPr>
@@ -1932,8 +2399,8 @@
         </p:nvSpPr>
         <p:spPr>
           <a:xfrm>
-            <a:off x="4673880" y="3367440"/>
-            <a:ext cx="3706560" cy="1329120"/>
+            <a:off x="4674240" y="1604520"/>
+            <a:ext cx="4015800" cy="1896840"/>
           </a:xfrm>
           <a:prstGeom prst="rect">
             <a:avLst/>
@@ -1942,23 +2409,23 @@
         <p:txBody>
           <a:bodyPr lIns="0" rIns="0" tIns="0" bIns="0"/>
           <a:p>
-            <a:endParaRPr b="0" lang="nl-NL" sz="2200" spc="-1" strike="noStrike">
-              <a:solidFill>
-                <a:srgbClr val="000000"/>
-              </a:solidFill>
-              <a:uFill>
-                <a:solidFill>
-                  <a:srgbClr val="ffffff"/>
-                </a:solidFill>
-              </a:uFill>
-              <a:latin typeface="Corbel"/>
+            <a:endParaRPr b="0" lang="nl-NL" sz="3200" spc="-1" strike="noStrike">
+              <a:solidFill>
+                <a:srgbClr val="000000"/>
+              </a:solidFill>
+              <a:uFill>
+                <a:solidFill>
+                  <a:srgbClr val="ffffff"/>
+                </a:solidFill>
+              </a:uFill>
+              <a:latin typeface="Arial"/>
             </a:endParaRPr>
           </a:p>
         </p:txBody>
       </p:sp>
       <p:sp>
         <p:nvSpPr>
-          <p:cNvPr id="93" name="PlaceHolder 4"/>
+          <p:cNvPr id="92" name="PlaceHolder 4"/>
           <p:cNvSpPr>
             <a:spLocks noGrp="1"/>
           </p:cNvSpPr>
@@ -1968,8 +2435,8 @@
         </p:nvSpPr>
         <p:spPr>
           <a:xfrm>
-            <a:off x="4673880" y="4823280"/>
-            <a:ext cx="3706560" cy="1329120"/>
+            <a:off x="4674240" y="3682080"/>
+            <a:ext cx="4015800" cy="1896840"/>
           </a:xfrm>
           <a:prstGeom prst="rect">
             <a:avLst/>
@@ -1978,16 +2445,16 @@
         <p:txBody>
           <a:bodyPr lIns="0" rIns="0" tIns="0" bIns="0"/>
           <a:p>
-            <a:endParaRPr b="0" lang="nl-NL" sz="2200" spc="-1" strike="noStrike">
-              <a:solidFill>
-                <a:srgbClr val="000000"/>
-              </a:solidFill>
-              <a:uFill>
-                <a:solidFill>
-                  <a:srgbClr val="ffffff"/>
-                </a:solidFill>
-              </a:uFill>
-              <a:latin typeface="Corbel"/>
+            <a:endParaRPr b="0" lang="nl-NL" sz="3200" spc="-1" strike="noStrike">
+              <a:solidFill>
+                <a:srgbClr val="000000"/>
+              </a:solidFill>
+              <a:uFill>
+                <a:solidFill>
+                  <a:srgbClr val="ffffff"/>
+                </a:solidFill>
+              </a:uFill>
+              <a:latin typeface="Arial"/>
             </a:endParaRPr>
           </a:p>
         </p:txBody>
@@ -2016,7 +2483,7 @@
       </p:grpSpPr>
       <p:sp>
         <p:nvSpPr>
-          <p:cNvPr id="94" name="PlaceHolder 1"/>
+          <p:cNvPr id="93" name="PlaceHolder 1"/>
           <p:cNvSpPr>
             <a:spLocks noGrp="1"/>
           </p:cNvSpPr>
@@ -2026,8 +2493,8 @@
         </p:nvSpPr>
         <p:spPr>
           <a:xfrm>
-            <a:off x="781920" y="1998360"/>
-            <a:ext cx="7595640" cy="1142640"/>
+            <a:off x="457200" y="273600"/>
+            <a:ext cx="8229240" cy="1144800"/>
           </a:xfrm>
           <a:prstGeom prst="rect">
             <a:avLst/>
@@ -2036,23 +2503,24 @@
         <p:txBody>
           <a:bodyPr lIns="0" rIns="0" tIns="0" bIns="0" anchor="ctr"/>
           <a:p>
-            <a:endParaRPr b="0" lang="nl-NL" sz="1800" spc="-1" strike="noStrike">
-              <a:solidFill>
-                <a:srgbClr val="000000"/>
-              </a:solidFill>
-              <a:uFill>
-                <a:solidFill>
-                  <a:srgbClr val="ffffff"/>
-                </a:solidFill>
-              </a:uFill>
-              <a:latin typeface="Corbel"/>
+            <a:pPr algn="ctr"/>
+            <a:endParaRPr b="0" lang="nl-NL" sz="4400" spc="-1" strike="noStrike">
+              <a:solidFill>
+                <a:srgbClr val="000000"/>
+              </a:solidFill>
+              <a:uFill>
+                <a:solidFill>
+                  <a:srgbClr val="ffffff"/>
+                </a:solidFill>
+              </a:uFill>
+              <a:latin typeface="Arial"/>
             </a:endParaRPr>
           </a:p>
         </p:txBody>
       </p:sp>
       <p:sp>
         <p:nvSpPr>
-          <p:cNvPr id="95" name="PlaceHolder 2"/>
+          <p:cNvPr id="94" name="PlaceHolder 2"/>
           <p:cNvSpPr>
             <a:spLocks noGrp="1"/>
           </p:cNvSpPr>
@@ -2062,8 +2530,8 @@
         </p:nvSpPr>
         <p:spPr>
           <a:xfrm>
-            <a:off x="781560" y="3367440"/>
-            <a:ext cx="3706560" cy="1329120"/>
+            <a:off x="457200" y="1604520"/>
+            <a:ext cx="4015800" cy="1896840"/>
           </a:xfrm>
           <a:prstGeom prst="rect">
             <a:avLst/>
@@ -2072,23 +2540,23 @@
         <p:txBody>
           <a:bodyPr lIns="0" rIns="0" tIns="0" bIns="0"/>
           <a:p>
-            <a:endParaRPr b="0" lang="nl-NL" sz="2200" spc="-1" strike="noStrike">
-              <a:solidFill>
-                <a:srgbClr val="000000"/>
-              </a:solidFill>
-              <a:uFill>
-                <a:solidFill>
-                  <a:srgbClr val="ffffff"/>
-                </a:solidFill>
-              </a:uFill>
-              <a:latin typeface="Corbel"/>
+            <a:endParaRPr b="0" lang="nl-NL" sz="3200" spc="-1" strike="noStrike">
+              <a:solidFill>
+                <a:srgbClr val="000000"/>
+              </a:solidFill>
+              <a:uFill>
+                <a:solidFill>
+                  <a:srgbClr val="ffffff"/>
+                </a:solidFill>
+              </a:uFill>
+              <a:latin typeface="Arial"/>
             </a:endParaRPr>
           </a:p>
         </p:txBody>
       </p:sp>
       <p:sp>
         <p:nvSpPr>
-          <p:cNvPr id="96" name="PlaceHolder 3"/>
+          <p:cNvPr id="95" name="PlaceHolder 3"/>
           <p:cNvSpPr>
             <a:spLocks noGrp="1"/>
           </p:cNvSpPr>
@@ -2098,8 +2566,8 @@
         </p:nvSpPr>
         <p:spPr>
           <a:xfrm>
-            <a:off x="4673880" y="3367440"/>
-            <a:ext cx="3706560" cy="1329120"/>
+            <a:off x="4674240" y="1604520"/>
+            <a:ext cx="4015800" cy="1896840"/>
           </a:xfrm>
           <a:prstGeom prst="rect">
             <a:avLst/>
@@ -2108,23 +2576,23 @@
         <p:txBody>
           <a:bodyPr lIns="0" rIns="0" tIns="0" bIns="0"/>
           <a:p>
-            <a:endParaRPr b="0" lang="nl-NL" sz="2200" spc="-1" strike="noStrike">
-              <a:solidFill>
-                <a:srgbClr val="000000"/>
-              </a:solidFill>
-              <a:uFill>
-                <a:solidFill>
-                  <a:srgbClr val="ffffff"/>
-                </a:solidFill>
-              </a:uFill>
-              <a:latin typeface="Corbel"/>
+            <a:endParaRPr b="0" lang="nl-NL" sz="3200" spc="-1" strike="noStrike">
+              <a:solidFill>
+                <a:srgbClr val="000000"/>
+              </a:solidFill>
+              <a:uFill>
+                <a:solidFill>
+                  <a:srgbClr val="ffffff"/>
+                </a:solidFill>
+              </a:uFill>
+              <a:latin typeface="Arial"/>
             </a:endParaRPr>
           </a:p>
         </p:txBody>
       </p:sp>
       <p:sp>
         <p:nvSpPr>
-          <p:cNvPr id="97" name="PlaceHolder 4"/>
+          <p:cNvPr id="96" name="PlaceHolder 4"/>
           <p:cNvSpPr>
             <a:spLocks noGrp="1"/>
           </p:cNvSpPr>
@@ -2134,8 +2602,8 @@
         </p:nvSpPr>
         <p:spPr>
           <a:xfrm>
-            <a:off x="781560" y="4823280"/>
-            <a:ext cx="7595640" cy="1329120"/>
+            <a:off x="457200" y="3682080"/>
+            <a:ext cx="8229240" cy="1896840"/>
           </a:xfrm>
           <a:prstGeom prst="rect">
             <a:avLst/>
@@ -2144,16 +2612,16 @@
         <p:txBody>
           <a:bodyPr lIns="0" rIns="0" tIns="0" bIns="0"/>
           <a:p>
-            <a:endParaRPr b="0" lang="nl-NL" sz="2200" spc="-1" strike="noStrike">
-              <a:solidFill>
-                <a:srgbClr val="000000"/>
-              </a:solidFill>
-              <a:uFill>
-                <a:solidFill>
-                  <a:srgbClr val="ffffff"/>
-                </a:solidFill>
-              </a:uFill>
-              <a:latin typeface="Corbel"/>
+            <a:endParaRPr b="0" lang="nl-NL" sz="3200" spc="-1" strike="noStrike">
+              <a:solidFill>
+                <a:srgbClr val="000000"/>
+              </a:solidFill>
+              <a:uFill>
+                <a:solidFill>
+                  <a:srgbClr val="ffffff"/>
+                </a:solidFill>
+              </a:uFill>
+              <a:latin typeface="Arial"/>
             </a:endParaRPr>
           </a:p>
         </p:txBody>
@@ -2182,7 +2650,7 @@
       </p:grpSpPr>
       <p:sp>
         <p:nvSpPr>
-          <p:cNvPr id="98" name="PlaceHolder 1"/>
+          <p:cNvPr id="97" name="PlaceHolder 1"/>
           <p:cNvSpPr>
             <a:spLocks noGrp="1"/>
           </p:cNvSpPr>
@@ -2192,8 +2660,8 @@
         </p:nvSpPr>
         <p:spPr>
           <a:xfrm>
-            <a:off x="781920" y="1998360"/>
-            <a:ext cx="7595640" cy="1142640"/>
+            <a:off x="457200" y="273600"/>
+            <a:ext cx="8229240" cy="1144800"/>
           </a:xfrm>
           <a:prstGeom prst="rect">
             <a:avLst/>
@@ -2202,23 +2670,24 @@
         <p:txBody>
           <a:bodyPr lIns="0" rIns="0" tIns="0" bIns="0" anchor="ctr"/>
           <a:p>
-            <a:endParaRPr b="0" lang="nl-NL" sz="1800" spc="-1" strike="noStrike">
-              <a:solidFill>
-                <a:srgbClr val="000000"/>
-              </a:solidFill>
-              <a:uFill>
-                <a:solidFill>
-                  <a:srgbClr val="ffffff"/>
-                </a:solidFill>
-              </a:uFill>
-              <a:latin typeface="Corbel"/>
+            <a:pPr algn="ctr"/>
+            <a:endParaRPr b="0" lang="nl-NL" sz="4400" spc="-1" strike="noStrike">
+              <a:solidFill>
+                <a:srgbClr val="000000"/>
+              </a:solidFill>
+              <a:uFill>
+                <a:solidFill>
+                  <a:srgbClr val="ffffff"/>
+                </a:solidFill>
+              </a:uFill>
+              <a:latin typeface="Arial"/>
             </a:endParaRPr>
           </a:p>
         </p:txBody>
       </p:sp>
       <p:sp>
         <p:nvSpPr>
-          <p:cNvPr id="99" name="PlaceHolder 2"/>
+          <p:cNvPr id="98" name="PlaceHolder 2"/>
           <p:cNvSpPr>
             <a:spLocks noGrp="1"/>
           </p:cNvSpPr>
@@ -2228,8 +2697,8 @@
         </p:nvSpPr>
         <p:spPr>
           <a:xfrm>
-            <a:off x="781560" y="3367440"/>
-            <a:ext cx="7595640" cy="1329120"/>
+            <a:off x="457200" y="1604520"/>
+            <a:ext cx="8229240" cy="1896840"/>
           </a:xfrm>
           <a:prstGeom prst="rect">
             <a:avLst/>
@@ -2238,23 +2707,23 @@
         <p:txBody>
           <a:bodyPr lIns="0" rIns="0" tIns="0" bIns="0"/>
           <a:p>
-            <a:endParaRPr b="0" lang="nl-NL" sz="2200" spc="-1" strike="noStrike">
-              <a:solidFill>
-                <a:srgbClr val="000000"/>
-              </a:solidFill>
-              <a:uFill>
-                <a:solidFill>
-                  <a:srgbClr val="ffffff"/>
-                </a:solidFill>
-              </a:uFill>
-              <a:latin typeface="Corbel"/>
+            <a:endParaRPr b="0" lang="nl-NL" sz="3200" spc="-1" strike="noStrike">
+              <a:solidFill>
+                <a:srgbClr val="000000"/>
+              </a:solidFill>
+              <a:uFill>
+                <a:solidFill>
+                  <a:srgbClr val="ffffff"/>
+                </a:solidFill>
+              </a:uFill>
+              <a:latin typeface="Arial"/>
             </a:endParaRPr>
           </a:p>
         </p:txBody>
       </p:sp>
       <p:sp>
         <p:nvSpPr>
-          <p:cNvPr id="100" name="PlaceHolder 3"/>
+          <p:cNvPr id="99" name="PlaceHolder 3"/>
           <p:cNvSpPr>
             <a:spLocks noGrp="1"/>
           </p:cNvSpPr>
@@ -2264,8 +2733,8 @@
         </p:nvSpPr>
         <p:spPr>
           <a:xfrm>
-            <a:off x="781560" y="4823280"/>
-            <a:ext cx="7595640" cy="1329120"/>
+            <a:off x="457200" y="3682080"/>
+            <a:ext cx="8229240" cy="1896840"/>
           </a:xfrm>
           <a:prstGeom prst="rect">
             <a:avLst/>
@@ -2274,16 +2743,16 @@
         <p:txBody>
           <a:bodyPr lIns="0" rIns="0" tIns="0" bIns="0"/>
           <a:p>
-            <a:endParaRPr b="0" lang="nl-NL" sz="2200" spc="-1" strike="noStrike">
-              <a:solidFill>
-                <a:srgbClr val="000000"/>
-              </a:solidFill>
-              <a:uFill>
-                <a:solidFill>
-                  <a:srgbClr val="ffffff"/>
-                </a:solidFill>
-              </a:uFill>
-              <a:latin typeface="Corbel"/>
+            <a:endParaRPr b="0" lang="nl-NL" sz="3200" spc="-1" strike="noStrike">
+              <a:solidFill>
+                <a:srgbClr val="000000"/>
+              </a:solidFill>
+              <a:uFill>
+                <a:solidFill>
+                  <a:srgbClr val="ffffff"/>
+                </a:solidFill>
+              </a:uFill>
+              <a:latin typeface="Arial"/>
             </a:endParaRPr>
           </a:p>
         </p:txBody>
@@ -2312,7 +2781,7 @@
       </p:grpSpPr>
       <p:sp>
         <p:nvSpPr>
-          <p:cNvPr id="101" name="PlaceHolder 1"/>
+          <p:cNvPr id="100" name="PlaceHolder 1"/>
           <p:cNvSpPr>
             <a:spLocks noGrp="1"/>
           </p:cNvSpPr>
@@ -2322,8 +2791,8 @@
         </p:nvSpPr>
         <p:spPr>
           <a:xfrm>
-            <a:off x="781920" y="1998360"/>
-            <a:ext cx="7595640" cy="1142640"/>
+            <a:off x="457200" y="273600"/>
+            <a:ext cx="8229240" cy="1144800"/>
           </a:xfrm>
           <a:prstGeom prst="rect">
             <a:avLst/>
@@ -2332,23 +2801,24 @@
         <p:txBody>
           <a:bodyPr lIns="0" rIns="0" tIns="0" bIns="0" anchor="ctr"/>
           <a:p>
-            <a:endParaRPr b="0" lang="nl-NL" sz="1800" spc="-1" strike="noStrike">
-              <a:solidFill>
-                <a:srgbClr val="000000"/>
-              </a:solidFill>
-              <a:uFill>
-                <a:solidFill>
-                  <a:srgbClr val="ffffff"/>
-                </a:solidFill>
-              </a:uFill>
-              <a:latin typeface="Corbel"/>
+            <a:pPr algn="ctr"/>
+            <a:endParaRPr b="0" lang="nl-NL" sz="4400" spc="-1" strike="noStrike">
+              <a:solidFill>
+                <a:srgbClr val="000000"/>
+              </a:solidFill>
+              <a:uFill>
+                <a:solidFill>
+                  <a:srgbClr val="ffffff"/>
+                </a:solidFill>
+              </a:uFill>
+              <a:latin typeface="Arial"/>
             </a:endParaRPr>
           </a:p>
         </p:txBody>
       </p:sp>
       <p:sp>
         <p:nvSpPr>
-          <p:cNvPr id="102" name="PlaceHolder 2"/>
+          <p:cNvPr id="101" name="PlaceHolder 2"/>
           <p:cNvSpPr>
             <a:spLocks noGrp="1"/>
           </p:cNvSpPr>
@@ -2358,8 +2828,8 @@
         </p:nvSpPr>
         <p:spPr>
           <a:xfrm>
-            <a:off x="781560" y="3367440"/>
-            <a:ext cx="3706560" cy="1329120"/>
+            <a:off x="457200" y="1604520"/>
+            <a:ext cx="4015800" cy="1896840"/>
           </a:xfrm>
           <a:prstGeom prst="rect">
             <a:avLst/>
@@ -2368,23 +2838,23 @@
         <p:txBody>
           <a:bodyPr lIns="0" rIns="0" tIns="0" bIns="0"/>
           <a:p>
-            <a:endParaRPr b="0" lang="nl-NL" sz="2200" spc="-1" strike="noStrike">
-              <a:solidFill>
-                <a:srgbClr val="000000"/>
-              </a:solidFill>
-              <a:uFill>
-                <a:solidFill>
-                  <a:srgbClr val="ffffff"/>
-                </a:solidFill>
-              </a:uFill>
-              <a:latin typeface="Corbel"/>
+            <a:endParaRPr b="0" lang="nl-NL" sz="3200" spc="-1" strike="noStrike">
+              <a:solidFill>
+                <a:srgbClr val="000000"/>
+              </a:solidFill>
+              <a:uFill>
+                <a:solidFill>
+                  <a:srgbClr val="ffffff"/>
+                </a:solidFill>
+              </a:uFill>
+              <a:latin typeface="Arial"/>
             </a:endParaRPr>
           </a:p>
         </p:txBody>
       </p:sp>
       <p:sp>
         <p:nvSpPr>
-          <p:cNvPr id="103" name="PlaceHolder 3"/>
+          <p:cNvPr id="102" name="PlaceHolder 3"/>
           <p:cNvSpPr>
             <a:spLocks noGrp="1"/>
           </p:cNvSpPr>
@@ -2394,8 +2864,8 @@
         </p:nvSpPr>
         <p:spPr>
           <a:xfrm>
-            <a:off x="4673880" y="3367440"/>
-            <a:ext cx="3706560" cy="1329120"/>
+            <a:off x="4674240" y="1604520"/>
+            <a:ext cx="4015800" cy="1896840"/>
           </a:xfrm>
           <a:prstGeom prst="rect">
             <a:avLst/>
@@ -2404,23 +2874,23 @@
         <p:txBody>
           <a:bodyPr lIns="0" rIns="0" tIns="0" bIns="0"/>
           <a:p>
-            <a:endParaRPr b="0" lang="nl-NL" sz="2200" spc="-1" strike="noStrike">
-              <a:solidFill>
-                <a:srgbClr val="000000"/>
-              </a:solidFill>
-              <a:uFill>
-                <a:solidFill>
-                  <a:srgbClr val="ffffff"/>
-                </a:solidFill>
-              </a:uFill>
-              <a:latin typeface="Corbel"/>
+            <a:endParaRPr b="0" lang="nl-NL" sz="3200" spc="-1" strike="noStrike">
+              <a:solidFill>
+                <a:srgbClr val="000000"/>
+              </a:solidFill>
+              <a:uFill>
+                <a:solidFill>
+                  <a:srgbClr val="ffffff"/>
+                </a:solidFill>
+              </a:uFill>
+              <a:latin typeface="Arial"/>
             </a:endParaRPr>
           </a:p>
         </p:txBody>
       </p:sp>
       <p:sp>
         <p:nvSpPr>
-          <p:cNvPr id="104" name="PlaceHolder 4"/>
+          <p:cNvPr id="103" name="PlaceHolder 4"/>
           <p:cNvSpPr>
             <a:spLocks noGrp="1"/>
           </p:cNvSpPr>
@@ -2430,8 +2900,8 @@
         </p:nvSpPr>
         <p:spPr>
           <a:xfrm>
-            <a:off x="4673880" y="4823280"/>
-            <a:ext cx="3706560" cy="1329120"/>
+            <a:off x="4674240" y="3682080"/>
+            <a:ext cx="4015800" cy="1896840"/>
           </a:xfrm>
           <a:prstGeom prst="rect">
             <a:avLst/>
@@ -2440,23 +2910,23 @@
         <p:txBody>
           <a:bodyPr lIns="0" rIns="0" tIns="0" bIns="0"/>
           <a:p>
-            <a:endParaRPr b="0" lang="nl-NL" sz="2200" spc="-1" strike="noStrike">
-              <a:solidFill>
-                <a:srgbClr val="000000"/>
-              </a:solidFill>
-              <a:uFill>
-                <a:solidFill>
-                  <a:srgbClr val="ffffff"/>
-                </a:solidFill>
-              </a:uFill>
-              <a:latin typeface="Corbel"/>
+            <a:endParaRPr b="0" lang="nl-NL" sz="3200" spc="-1" strike="noStrike">
+              <a:solidFill>
+                <a:srgbClr val="000000"/>
+              </a:solidFill>
+              <a:uFill>
+                <a:solidFill>
+                  <a:srgbClr val="ffffff"/>
+                </a:solidFill>
+              </a:uFill>
+              <a:latin typeface="Arial"/>
             </a:endParaRPr>
           </a:p>
         </p:txBody>
       </p:sp>
       <p:sp>
         <p:nvSpPr>
-          <p:cNvPr id="105" name="PlaceHolder 5"/>
+          <p:cNvPr id="104" name="PlaceHolder 5"/>
           <p:cNvSpPr>
             <a:spLocks noGrp="1"/>
           </p:cNvSpPr>
@@ -2466,8 +2936,8 @@
         </p:nvSpPr>
         <p:spPr>
           <a:xfrm>
-            <a:off x="781560" y="4823280"/>
-            <a:ext cx="3706560" cy="1329120"/>
+            <a:off x="457200" y="3682080"/>
+            <a:ext cx="4015800" cy="1896840"/>
           </a:xfrm>
           <a:prstGeom prst="rect">
             <a:avLst/>
@@ -2476,16 +2946,16 @@
         <p:txBody>
           <a:bodyPr lIns="0" rIns="0" tIns="0" bIns="0"/>
           <a:p>
-            <a:endParaRPr b="0" lang="nl-NL" sz="2200" spc="-1" strike="noStrike">
-              <a:solidFill>
-                <a:srgbClr val="000000"/>
-              </a:solidFill>
-              <a:uFill>
-                <a:solidFill>
-                  <a:srgbClr val="ffffff"/>
-                </a:solidFill>
-              </a:uFill>
-              <a:latin typeface="Corbel"/>
+            <a:endParaRPr b="0" lang="nl-NL" sz="3200" spc="-1" strike="noStrike">
+              <a:solidFill>
+                <a:srgbClr val="000000"/>
+              </a:solidFill>
+              <a:uFill>
+                <a:solidFill>
+                  <a:srgbClr val="ffffff"/>
+                </a:solidFill>
+              </a:uFill>
+              <a:latin typeface="Arial"/>
             </a:endParaRPr>
           </a:p>
         </p:txBody>
@@ -2514,7 +2984,7 @@
       </p:grpSpPr>
       <p:sp>
         <p:nvSpPr>
-          <p:cNvPr id="106" name="PlaceHolder 1"/>
+          <p:cNvPr id="105" name="PlaceHolder 1"/>
           <p:cNvSpPr>
             <a:spLocks noGrp="1"/>
           </p:cNvSpPr>
@@ -2524,8 +2994,8 @@
         </p:nvSpPr>
         <p:spPr>
           <a:xfrm>
-            <a:off x="781920" y="1998360"/>
-            <a:ext cx="7595640" cy="1142640"/>
+            <a:off x="457200" y="273600"/>
+            <a:ext cx="8229240" cy="1144800"/>
           </a:xfrm>
           <a:prstGeom prst="rect">
             <a:avLst/>
@@ -2534,23 +3004,24 @@
         <p:txBody>
           <a:bodyPr lIns="0" rIns="0" tIns="0" bIns="0" anchor="ctr"/>
           <a:p>
-            <a:endParaRPr b="0" lang="nl-NL" sz="1800" spc="-1" strike="noStrike">
-              <a:solidFill>
-                <a:srgbClr val="000000"/>
-              </a:solidFill>
-              <a:uFill>
-                <a:solidFill>
-                  <a:srgbClr val="ffffff"/>
-                </a:solidFill>
-              </a:uFill>
-              <a:latin typeface="Corbel"/>
+            <a:pPr algn="ctr"/>
+            <a:endParaRPr b="0" lang="nl-NL" sz="4400" spc="-1" strike="noStrike">
+              <a:solidFill>
+                <a:srgbClr val="000000"/>
+              </a:solidFill>
+              <a:uFill>
+                <a:solidFill>
+                  <a:srgbClr val="ffffff"/>
+                </a:solidFill>
+              </a:uFill>
+              <a:latin typeface="Arial"/>
             </a:endParaRPr>
           </a:p>
         </p:txBody>
       </p:sp>
       <p:sp>
         <p:nvSpPr>
-          <p:cNvPr id="107" name="PlaceHolder 2"/>
+          <p:cNvPr id="106" name="PlaceHolder 2"/>
           <p:cNvSpPr>
             <a:spLocks noGrp="1"/>
           </p:cNvSpPr>
@@ -2560,8 +3031,8 @@
         </p:nvSpPr>
         <p:spPr>
           <a:xfrm>
-            <a:off x="781560" y="3367440"/>
-            <a:ext cx="7595640" cy="2786760"/>
+            <a:off x="457200" y="1604520"/>
+            <a:ext cx="8229240" cy="3977280"/>
           </a:xfrm>
           <a:prstGeom prst="rect">
             <a:avLst/>
@@ -2570,23 +3041,23 @@
         <p:txBody>
           <a:bodyPr lIns="0" rIns="0" tIns="0" bIns="0"/>
           <a:p>
-            <a:endParaRPr b="0" lang="nl-NL" sz="2200" spc="-1" strike="noStrike">
-              <a:solidFill>
-                <a:srgbClr val="000000"/>
-              </a:solidFill>
-              <a:uFill>
-                <a:solidFill>
-                  <a:srgbClr val="ffffff"/>
-                </a:solidFill>
-              </a:uFill>
-              <a:latin typeface="Corbel"/>
+            <a:endParaRPr b="0" lang="nl-NL" sz="3200" spc="-1" strike="noStrike">
+              <a:solidFill>
+                <a:srgbClr val="000000"/>
+              </a:solidFill>
+              <a:uFill>
+                <a:solidFill>
+                  <a:srgbClr val="ffffff"/>
+                </a:solidFill>
+              </a:uFill>
+              <a:latin typeface="Arial"/>
             </a:endParaRPr>
           </a:p>
         </p:txBody>
       </p:sp>
       <p:sp>
         <p:nvSpPr>
-          <p:cNvPr id="108" name="PlaceHolder 3"/>
+          <p:cNvPr id="107" name="PlaceHolder 3"/>
           <p:cNvSpPr>
             <a:spLocks noGrp="1"/>
           </p:cNvSpPr>
@@ -2596,8 +3067,8 @@
         </p:nvSpPr>
         <p:spPr>
           <a:xfrm>
-            <a:off x="781560" y="3367440"/>
-            <a:ext cx="7595640" cy="2786760"/>
+            <a:off x="457200" y="1604520"/>
+            <a:ext cx="8229240" cy="3977280"/>
           </a:xfrm>
           <a:prstGeom prst="rect">
             <a:avLst/>
@@ -2606,20 +3077,43 @@
         <p:txBody>
           <a:bodyPr lIns="0" rIns="0" tIns="0" bIns="0"/>
           <a:p>
-            <a:endParaRPr b="0" lang="nl-NL" sz="2200" spc="-1" strike="noStrike">
-              <a:solidFill>
-                <a:srgbClr val="000000"/>
-              </a:solidFill>
-              <a:uFill>
-                <a:solidFill>
-                  <a:srgbClr val="ffffff"/>
-                </a:solidFill>
-              </a:uFill>
-              <a:latin typeface="Corbel"/>
+            <a:endParaRPr b="0" lang="nl-NL" sz="3200" spc="-1" strike="noStrike">
+              <a:solidFill>
+                <a:srgbClr val="000000"/>
+              </a:solidFill>
+              <a:uFill>
+                <a:solidFill>
+                  <a:srgbClr val="ffffff"/>
+                </a:solidFill>
+              </a:uFill>
+              <a:latin typeface="Arial"/>
             </a:endParaRPr>
           </a:p>
         </p:txBody>
       </p:sp>
+      <p:pic>
+        <p:nvPicPr>
+          <p:cNvPr id="108" name="" descr=""/>
+          <p:cNvPicPr/>
+          <p:nvPr/>
+        </p:nvPicPr>
+        <p:blipFill>
+          <a:blip r:embed="rId2"/>
+          <a:stretch/>
+        </p:blipFill>
+        <p:spPr>
+          <a:xfrm>
+            <a:off x="2079000" y="1604520"/>
+            <a:ext cx="4984920" cy="3977280"/>
+          </a:xfrm>
+          <a:prstGeom prst="rect">
+            <a:avLst/>
+          </a:prstGeom>
+          <a:ln>
+            <a:noFill/>
+          </a:ln>
+        </p:spPr>
+      </p:pic>
       <p:pic>
         <p:nvPicPr>
           <p:cNvPr id="109" name="" descr=""/>
@@ -2627,36 +3121,13 @@
           <p:nvPr/>
         </p:nvPicPr>
         <p:blipFill>
-          <a:blip r:embed="rId2"/>
-          <a:stretch/>
-        </p:blipFill>
-        <p:spPr>
-          <a:xfrm>
-            <a:off x="2832840" y="3367080"/>
-            <a:ext cx="3492720" cy="2786760"/>
-          </a:xfrm>
-          <a:prstGeom prst="rect">
-            <a:avLst/>
-          </a:prstGeom>
-          <a:ln>
-            <a:noFill/>
-          </a:ln>
-        </p:spPr>
-      </p:pic>
-      <p:pic>
-        <p:nvPicPr>
-          <p:cNvPr id="110" name="" descr=""/>
-          <p:cNvPicPr/>
-          <p:nvPr/>
-        </p:nvPicPr>
-        <p:blipFill>
           <a:blip r:embed="rId3"/>
           <a:stretch/>
         </p:blipFill>
         <p:spPr>
           <a:xfrm>
-            <a:off x="2832840" y="3367080"/>
-            <a:ext cx="3492720" cy="2786760"/>
+            <a:off x="2079000" y="1604520"/>
+            <a:ext cx="4984920" cy="3977280"/>
           </a:xfrm>
           <a:prstGeom prst="rect">
             <a:avLst/>
@@ -2690,7 +3161,7 @@
       </p:grpSpPr>
       <p:sp>
         <p:nvSpPr>
-          <p:cNvPr id="35" name="PlaceHolder 1"/>
+          <p:cNvPr id="34" name="PlaceHolder 1"/>
           <p:cNvSpPr>
             <a:spLocks noGrp="1"/>
           </p:cNvSpPr>
@@ -2700,8 +3171,8 @@
         </p:nvSpPr>
         <p:spPr>
           <a:xfrm>
-            <a:off x="781920" y="1998360"/>
-            <a:ext cx="7595640" cy="1142640"/>
+            <a:off x="457200" y="273600"/>
+            <a:ext cx="8229240" cy="1144800"/>
           </a:xfrm>
           <a:prstGeom prst="rect">
             <a:avLst/>
@@ -2710,23 +3181,24 @@
         <p:txBody>
           <a:bodyPr lIns="0" rIns="0" tIns="0" bIns="0" anchor="ctr"/>
           <a:p>
-            <a:endParaRPr b="0" lang="nl-NL" sz="1800" spc="-1" strike="noStrike">
-              <a:solidFill>
-                <a:srgbClr val="000000"/>
-              </a:solidFill>
-              <a:uFill>
-                <a:solidFill>
-                  <a:srgbClr val="ffffff"/>
-                </a:solidFill>
-              </a:uFill>
-              <a:latin typeface="Corbel"/>
+            <a:pPr algn="ctr"/>
+            <a:endParaRPr b="0" lang="nl-NL" sz="4400" spc="-1" strike="noStrike">
+              <a:solidFill>
+                <a:srgbClr val="000000"/>
+              </a:solidFill>
+              <a:uFill>
+                <a:solidFill>
+                  <a:srgbClr val="ffffff"/>
+                </a:solidFill>
+              </a:uFill>
+              <a:latin typeface="Arial"/>
             </a:endParaRPr>
           </a:p>
         </p:txBody>
       </p:sp>
       <p:sp>
         <p:nvSpPr>
-          <p:cNvPr id="36" name="PlaceHolder 2"/>
+          <p:cNvPr id="35" name="PlaceHolder 2"/>
           <p:cNvSpPr>
             <a:spLocks noGrp="1"/>
           </p:cNvSpPr>
@@ -2736,8 +3208,8 @@
         </p:nvSpPr>
         <p:spPr>
           <a:xfrm>
-            <a:off x="781560" y="3367440"/>
-            <a:ext cx="7595640" cy="2786760"/>
+            <a:off x="457200" y="1604520"/>
+            <a:ext cx="8229240" cy="3977280"/>
           </a:xfrm>
           <a:prstGeom prst="rect">
             <a:avLst/>
@@ -2746,16 +3218,16 @@
         <p:txBody>
           <a:bodyPr lIns="0" rIns="0" tIns="0" bIns="0"/>
           <a:p>
-            <a:endParaRPr b="0" lang="nl-NL" sz="2200" spc="-1" strike="noStrike">
-              <a:solidFill>
-                <a:srgbClr val="000000"/>
-              </a:solidFill>
-              <a:uFill>
-                <a:solidFill>
-                  <a:srgbClr val="ffffff"/>
-                </a:solidFill>
-              </a:uFill>
-              <a:latin typeface="Corbel"/>
+            <a:endParaRPr b="0" lang="nl-NL" sz="3200" spc="-1" strike="noStrike">
+              <a:solidFill>
+                <a:srgbClr val="000000"/>
+              </a:solidFill>
+              <a:uFill>
+                <a:solidFill>
+                  <a:srgbClr val="ffffff"/>
+                </a:solidFill>
+              </a:uFill>
+              <a:latin typeface="Arial"/>
             </a:endParaRPr>
           </a:p>
         </p:txBody>
@@ -2784,7 +3256,7 @@
       </p:grpSpPr>
       <p:sp>
         <p:nvSpPr>
-          <p:cNvPr id="37" name="PlaceHolder 1"/>
+          <p:cNvPr id="36" name="PlaceHolder 1"/>
           <p:cNvSpPr>
             <a:spLocks noGrp="1"/>
           </p:cNvSpPr>
@@ -2794,8 +3266,8 @@
         </p:nvSpPr>
         <p:spPr>
           <a:xfrm>
-            <a:off x="781920" y="1998360"/>
-            <a:ext cx="7595640" cy="1142640"/>
+            <a:off x="457200" y="273600"/>
+            <a:ext cx="8229240" cy="1144800"/>
           </a:xfrm>
           <a:prstGeom prst="rect">
             <a:avLst/>
@@ -2804,23 +3276,24 @@
         <p:txBody>
           <a:bodyPr lIns="0" rIns="0" tIns="0" bIns="0" anchor="ctr"/>
           <a:p>
-            <a:endParaRPr b="0" lang="nl-NL" sz="1800" spc="-1" strike="noStrike">
-              <a:solidFill>
-                <a:srgbClr val="000000"/>
-              </a:solidFill>
-              <a:uFill>
-                <a:solidFill>
-                  <a:srgbClr val="ffffff"/>
-                </a:solidFill>
-              </a:uFill>
-              <a:latin typeface="Corbel"/>
+            <a:pPr algn="ctr"/>
+            <a:endParaRPr b="0" lang="nl-NL" sz="4400" spc="-1" strike="noStrike">
+              <a:solidFill>
+                <a:srgbClr val="000000"/>
+              </a:solidFill>
+              <a:uFill>
+                <a:solidFill>
+                  <a:srgbClr val="ffffff"/>
+                </a:solidFill>
+              </a:uFill>
+              <a:latin typeface="Arial"/>
             </a:endParaRPr>
           </a:p>
         </p:txBody>
       </p:sp>
       <p:sp>
         <p:nvSpPr>
-          <p:cNvPr id="38" name="PlaceHolder 2"/>
+          <p:cNvPr id="37" name="PlaceHolder 2"/>
           <p:cNvSpPr>
             <a:spLocks noGrp="1"/>
           </p:cNvSpPr>
@@ -2830,8 +3303,8 @@
         </p:nvSpPr>
         <p:spPr>
           <a:xfrm>
-            <a:off x="781560" y="3367440"/>
-            <a:ext cx="3706560" cy="2786760"/>
+            <a:off x="457200" y="1604520"/>
+            <a:ext cx="4015800" cy="3977280"/>
           </a:xfrm>
           <a:prstGeom prst="rect">
             <a:avLst/>
@@ -2840,23 +3313,23 @@
         <p:txBody>
           <a:bodyPr lIns="0" rIns="0" tIns="0" bIns="0"/>
           <a:p>
-            <a:endParaRPr b="0" lang="nl-NL" sz="2200" spc="-1" strike="noStrike">
-              <a:solidFill>
-                <a:srgbClr val="000000"/>
-              </a:solidFill>
-              <a:uFill>
-                <a:solidFill>
-                  <a:srgbClr val="ffffff"/>
-                </a:solidFill>
-              </a:uFill>
-              <a:latin typeface="Corbel"/>
+            <a:endParaRPr b="0" lang="nl-NL" sz="3200" spc="-1" strike="noStrike">
+              <a:solidFill>
+                <a:srgbClr val="000000"/>
+              </a:solidFill>
+              <a:uFill>
+                <a:solidFill>
+                  <a:srgbClr val="ffffff"/>
+                </a:solidFill>
+              </a:uFill>
+              <a:latin typeface="Arial"/>
             </a:endParaRPr>
           </a:p>
         </p:txBody>
       </p:sp>
       <p:sp>
         <p:nvSpPr>
-          <p:cNvPr id="39" name="PlaceHolder 3"/>
+          <p:cNvPr id="38" name="PlaceHolder 3"/>
           <p:cNvSpPr>
             <a:spLocks noGrp="1"/>
           </p:cNvSpPr>
@@ -2866,8 +3339,8 @@
         </p:nvSpPr>
         <p:spPr>
           <a:xfrm>
-            <a:off x="4673880" y="3367440"/>
-            <a:ext cx="3706560" cy="2786760"/>
+            <a:off x="4674240" y="1604520"/>
+            <a:ext cx="4015800" cy="3977280"/>
           </a:xfrm>
           <a:prstGeom prst="rect">
             <a:avLst/>
@@ -2876,16 +3349,16 @@
         <p:txBody>
           <a:bodyPr lIns="0" rIns="0" tIns="0" bIns="0"/>
           <a:p>
-            <a:endParaRPr b="0" lang="nl-NL" sz="2200" spc="-1" strike="noStrike">
-              <a:solidFill>
-                <a:srgbClr val="000000"/>
-              </a:solidFill>
-              <a:uFill>
-                <a:solidFill>
-                  <a:srgbClr val="ffffff"/>
-                </a:solidFill>
-              </a:uFill>
-              <a:latin typeface="Corbel"/>
+            <a:endParaRPr b="0" lang="nl-NL" sz="3200" spc="-1" strike="noStrike">
+              <a:solidFill>
+                <a:srgbClr val="000000"/>
+              </a:solidFill>
+              <a:uFill>
+                <a:solidFill>
+                  <a:srgbClr val="ffffff"/>
+                </a:solidFill>
+              </a:uFill>
+              <a:latin typeface="Arial"/>
             </a:endParaRPr>
           </a:p>
         </p:txBody>
@@ -2914,7 +3387,7 @@
       </p:grpSpPr>
       <p:sp>
         <p:nvSpPr>
-          <p:cNvPr id="40" name="PlaceHolder 1"/>
+          <p:cNvPr id="39" name="PlaceHolder 1"/>
           <p:cNvSpPr>
             <a:spLocks noGrp="1"/>
           </p:cNvSpPr>
@@ -2924,8 +3397,8 @@
         </p:nvSpPr>
         <p:spPr>
           <a:xfrm>
-            <a:off x="781920" y="1998360"/>
-            <a:ext cx="7595640" cy="1142640"/>
+            <a:off x="457200" y="273600"/>
+            <a:ext cx="8229240" cy="1144800"/>
           </a:xfrm>
           <a:prstGeom prst="rect">
             <a:avLst/>
@@ -2934,16 +3407,17 @@
         <p:txBody>
           <a:bodyPr lIns="0" rIns="0" tIns="0" bIns="0" anchor="ctr"/>
           <a:p>
-            <a:endParaRPr b="0" lang="nl-NL" sz="1800" spc="-1" strike="noStrike">
-              <a:solidFill>
-                <a:srgbClr val="000000"/>
-              </a:solidFill>
-              <a:uFill>
-                <a:solidFill>
-                  <a:srgbClr val="ffffff"/>
-                </a:solidFill>
-              </a:uFill>
-              <a:latin typeface="Corbel"/>
+            <a:pPr algn="ctr"/>
+            <a:endParaRPr b="0" lang="nl-NL" sz="4400" spc="-1" strike="noStrike">
+              <a:solidFill>
+                <a:srgbClr val="000000"/>
+              </a:solidFill>
+              <a:uFill>
+                <a:solidFill>
+                  <a:srgbClr val="ffffff"/>
+                </a:solidFill>
+              </a:uFill>
+              <a:latin typeface="Arial"/>
             </a:endParaRPr>
           </a:p>
         </p:txBody>
@@ -2972,7 +3446,7 @@
       </p:grpSpPr>
       <p:sp>
         <p:nvSpPr>
-          <p:cNvPr id="41" name="PlaceHolder 1"/>
+          <p:cNvPr id="40" name="PlaceHolder 1"/>
           <p:cNvSpPr>
             <a:spLocks noGrp="1"/>
           </p:cNvSpPr>
@@ -2982,8 +3456,8 @@
         </p:nvSpPr>
         <p:spPr>
           <a:xfrm>
-            <a:off x="781920" y="1998360"/>
-            <a:ext cx="7595640" cy="5297760"/>
+            <a:off x="457200" y="273600"/>
+            <a:ext cx="8229240" cy="5307840"/>
           </a:xfrm>
           <a:prstGeom prst="rect">
             <a:avLst/>
@@ -3031,7 +3505,7 @@
       </p:grpSpPr>
       <p:sp>
         <p:nvSpPr>
-          <p:cNvPr id="42" name="PlaceHolder 1"/>
+          <p:cNvPr id="41" name="PlaceHolder 1"/>
           <p:cNvSpPr>
             <a:spLocks noGrp="1"/>
           </p:cNvSpPr>
@@ -3041,8 +3515,8 @@
         </p:nvSpPr>
         <p:spPr>
           <a:xfrm>
-            <a:off x="781920" y="1998360"/>
-            <a:ext cx="7595640" cy="1142640"/>
+            <a:off x="457200" y="273600"/>
+            <a:ext cx="8229240" cy="1144800"/>
           </a:xfrm>
           <a:prstGeom prst="rect">
             <a:avLst/>
@@ -3051,23 +3525,24 @@
         <p:txBody>
           <a:bodyPr lIns="0" rIns="0" tIns="0" bIns="0" anchor="ctr"/>
           <a:p>
-            <a:endParaRPr b="0" lang="nl-NL" sz="1800" spc="-1" strike="noStrike">
-              <a:solidFill>
-                <a:srgbClr val="000000"/>
-              </a:solidFill>
-              <a:uFill>
-                <a:solidFill>
-                  <a:srgbClr val="ffffff"/>
-                </a:solidFill>
-              </a:uFill>
-              <a:latin typeface="Corbel"/>
+            <a:pPr algn="ctr"/>
+            <a:endParaRPr b="0" lang="nl-NL" sz="4400" spc="-1" strike="noStrike">
+              <a:solidFill>
+                <a:srgbClr val="000000"/>
+              </a:solidFill>
+              <a:uFill>
+                <a:solidFill>
+                  <a:srgbClr val="ffffff"/>
+                </a:solidFill>
+              </a:uFill>
+              <a:latin typeface="Arial"/>
             </a:endParaRPr>
           </a:p>
         </p:txBody>
       </p:sp>
       <p:sp>
         <p:nvSpPr>
-          <p:cNvPr id="43" name="PlaceHolder 2"/>
+          <p:cNvPr id="42" name="PlaceHolder 2"/>
           <p:cNvSpPr>
             <a:spLocks noGrp="1"/>
           </p:cNvSpPr>
@@ -3077,8 +3552,8 @@
         </p:nvSpPr>
         <p:spPr>
           <a:xfrm>
-            <a:off x="781560" y="3367440"/>
-            <a:ext cx="3706560" cy="1329120"/>
+            <a:off x="457200" y="1604520"/>
+            <a:ext cx="4015800" cy="1896840"/>
           </a:xfrm>
           <a:prstGeom prst="rect">
             <a:avLst/>
@@ -3087,23 +3562,23 @@
         <p:txBody>
           <a:bodyPr lIns="0" rIns="0" tIns="0" bIns="0"/>
           <a:p>
-            <a:endParaRPr b="0" lang="nl-NL" sz="2200" spc="-1" strike="noStrike">
-              <a:solidFill>
-                <a:srgbClr val="000000"/>
-              </a:solidFill>
-              <a:uFill>
-                <a:solidFill>
-                  <a:srgbClr val="ffffff"/>
-                </a:solidFill>
-              </a:uFill>
-              <a:latin typeface="Corbel"/>
+            <a:endParaRPr b="0" lang="nl-NL" sz="3200" spc="-1" strike="noStrike">
+              <a:solidFill>
+                <a:srgbClr val="000000"/>
+              </a:solidFill>
+              <a:uFill>
+                <a:solidFill>
+                  <a:srgbClr val="ffffff"/>
+                </a:solidFill>
+              </a:uFill>
+              <a:latin typeface="Arial"/>
             </a:endParaRPr>
           </a:p>
         </p:txBody>
       </p:sp>
       <p:sp>
         <p:nvSpPr>
-          <p:cNvPr id="44" name="PlaceHolder 3"/>
+          <p:cNvPr id="43" name="PlaceHolder 3"/>
           <p:cNvSpPr>
             <a:spLocks noGrp="1"/>
           </p:cNvSpPr>
@@ -3113,8 +3588,8 @@
         </p:nvSpPr>
         <p:spPr>
           <a:xfrm>
-            <a:off x="781560" y="4823280"/>
-            <a:ext cx="3706560" cy="1329120"/>
+            <a:off x="457200" y="3682080"/>
+            <a:ext cx="4015800" cy="1896840"/>
           </a:xfrm>
           <a:prstGeom prst="rect">
             <a:avLst/>
@@ -3123,23 +3598,23 @@
         <p:txBody>
           <a:bodyPr lIns="0" rIns="0" tIns="0" bIns="0"/>
           <a:p>
-            <a:endParaRPr b="0" lang="nl-NL" sz="2200" spc="-1" strike="noStrike">
-              <a:solidFill>
-                <a:srgbClr val="000000"/>
-              </a:solidFill>
-              <a:uFill>
-                <a:solidFill>
-                  <a:srgbClr val="ffffff"/>
-                </a:solidFill>
-              </a:uFill>
-              <a:latin typeface="Corbel"/>
+            <a:endParaRPr b="0" lang="nl-NL" sz="3200" spc="-1" strike="noStrike">
+              <a:solidFill>
+                <a:srgbClr val="000000"/>
+              </a:solidFill>
+              <a:uFill>
+                <a:solidFill>
+                  <a:srgbClr val="ffffff"/>
+                </a:solidFill>
+              </a:uFill>
+              <a:latin typeface="Arial"/>
             </a:endParaRPr>
           </a:p>
         </p:txBody>
       </p:sp>
       <p:sp>
         <p:nvSpPr>
-          <p:cNvPr id="45" name="PlaceHolder 4"/>
+          <p:cNvPr id="44" name="PlaceHolder 4"/>
           <p:cNvSpPr>
             <a:spLocks noGrp="1"/>
           </p:cNvSpPr>
@@ -3149,8 +3624,8 @@
         </p:nvSpPr>
         <p:spPr>
           <a:xfrm>
-            <a:off x="4673880" y="3367440"/>
-            <a:ext cx="3706560" cy="2786760"/>
+            <a:off x="4674240" y="1604520"/>
+            <a:ext cx="4015800" cy="3977280"/>
           </a:xfrm>
           <a:prstGeom prst="rect">
             <a:avLst/>
@@ -3159,16 +3634,16 @@
         <p:txBody>
           <a:bodyPr lIns="0" rIns="0" tIns="0" bIns="0"/>
           <a:p>
-            <a:endParaRPr b="0" lang="nl-NL" sz="2200" spc="-1" strike="noStrike">
-              <a:solidFill>
-                <a:srgbClr val="000000"/>
-              </a:solidFill>
-              <a:uFill>
-                <a:solidFill>
-                  <a:srgbClr val="ffffff"/>
-                </a:solidFill>
-              </a:uFill>
-              <a:latin typeface="Corbel"/>
+            <a:endParaRPr b="0" lang="nl-NL" sz="3200" spc="-1" strike="noStrike">
+              <a:solidFill>
+                <a:srgbClr val="000000"/>
+              </a:solidFill>
+              <a:uFill>
+                <a:solidFill>
+                  <a:srgbClr val="ffffff"/>
+                </a:solidFill>
+              </a:uFill>
+              <a:latin typeface="Arial"/>
             </a:endParaRPr>
           </a:p>
         </p:txBody>
@@ -3197,7 +3672,7 @@
       </p:grpSpPr>
       <p:sp>
         <p:nvSpPr>
-          <p:cNvPr id="46" name="PlaceHolder 1"/>
+          <p:cNvPr id="45" name="PlaceHolder 1"/>
           <p:cNvSpPr>
             <a:spLocks noGrp="1"/>
           </p:cNvSpPr>
@@ -3207,8 +3682,8 @@
         </p:nvSpPr>
         <p:spPr>
           <a:xfrm>
-            <a:off x="781920" y="1998360"/>
-            <a:ext cx="7595640" cy="1142640"/>
+            <a:off x="457200" y="273600"/>
+            <a:ext cx="8229240" cy="1144800"/>
           </a:xfrm>
           <a:prstGeom prst="rect">
             <a:avLst/>
@@ -3217,23 +3692,24 @@
         <p:txBody>
           <a:bodyPr lIns="0" rIns="0" tIns="0" bIns="0" anchor="ctr"/>
           <a:p>
-            <a:endParaRPr b="0" lang="nl-NL" sz="1800" spc="-1" strike="noStrike">
-              <a:solidFill>
-                <a:srgbClr val="000000"/>
-              </a:solidFill>
-              <a:uFill>
-                <a:solidFill>
-                  <a:srgbClr val="ffffff"/>
-                </a:solidFill>
-              </a:uFill>
-              <a:latin typeface="Corbel"/>
+            <a:pPr algn="ctr"/>
+            <a:endParaRPr b="0" lang="nl-NL" sz="4400" spc="-1" strike="noStrike">
+              <a:solidFill>
+                <a:srgbClr val="000000"/>
+              </a:solidFill>
+              <a:uFill>
+                <a:solidFill>
+                  <a:srgbClr val="ffffff"/>
+                </a:solidFill>
+              </a:uFill>
+              <a:latin typeface="Arial"/>
             </a:endParaRPr>
           </a:p>
         </p:txBody>
       </p:sp>
       <p:sp>
         <p:nvSpPr>
-          <p:cNvPr id="47" name="PlaceHolder 2"/>
+          <p:cNvPr id="46" name="PlaceHolder 2"/>
           <p:cNvSpPr>
             <a:spLocks noGrp="1"/>
           </p:cNvSpPr>
@@ -3243,8 +3719,8 @@
         </p:nvSpPr>
         <p:spPr>
           <a:xfrm>
-            <a:off x="781560" y="3367440"/>
-            <a:ext cx="3706560" cy="2786760"/>
+            <a:off x="457200" y="1604520"/>
+            <a:ext cx="4015800" cy="3977280"/>
           </a:xfrm>
           <a:prstGeom prst="rect">
             <a:avLst/>
@@ -3253,23 +3729,23 @@
         <p:txBody>
           <a:bodyPr lIns="0" rIns="0" tIns="0" bIns="0"/>
           <a:p>
-            <a:endParaRPr b="0" lang="nl-NL" sz="2200" spc="-1" strike="noStrike">
-              <a:solidFill>
-                <a:srgbClr val="000000"/>
-              </a:solidFill>
-              <a:uFill>
-                <a:solidFill>
-                  <a:srgbClr val="ffffff"/>
-                </a:solidFill>
-              </a:uFill>
-              <a:latin typeface="Corbel"/>
+            <a:endParaRPr b="0" lang="nl-NL" sz="3200" spc="-1" strike="noStrike">
+              <a:solidFill>
+                <a:srgbClr val="000000"/>
+              </a:solidFill>
+              <a:uFill>
+                <a:solidFill>
+                  <a:srgbClr val="ffffff"/>
+                </a:solidFill>
+              </a:uFill>
+              <a:latin typeface="Arial"/>
             </a:endParaRPr>
           </a:p>
         </p:txBody>
       </p:sp>
       <p:sp>
         <p:nvSpPr>
-          <p:cNvPr id="48" name="PlaceHolder 3"/>
+          <p:cNvPr id="47" name="PlaceHolder 3"/>
           <p:cNvSpPr>
             <a:spLocks noGrp="1"/>
           </p:cNvSpPr>
@@ -3279,8 +3755,8 @@
         </p:nvSpPr>
         <p:spPr>
           <a:xfrm>
-            <a:off x="4673880" y="3367440"/>
-            <a:ext cx="3706560" cy="1329120"/>
+            <a:off x="4674240" y="1604520"/>
+            <a:ext cx="4015800" cy="1896840"/>
           </a:xfrm>
           <a:prstGeom prst="rect">
             <a:avLst/>
@@ -3289,23 +3765,23 @@
         <p:txBody>
           <a:bodyPr lIns="0" rIns="0" tIns="0" bIns="0"/>
           <a:p>
-            <a:endParaRPr b="0" lang="nl-NL" sz="2200" spc="-1" strike="noStrike">
-              <a:solidFill>
-                <a:srgbClr val="000000"/>
-              </a:solidFill>
-              <a:uFill>
-                <a:solidFill>
-                  <a:srgbClr val="ffffff"/>
-                </a:solidFill>
-              </a:uFill>
-              <a:latin typeface="Corbel"/>
+            <a:endParaRPr b="0" lang="nl-NL" sz="3200" spc="-1" strike="noStrike">
+              <a:solidFill>
+                <a:srgbClr val="000000"/>
+              </a:solidFill>
+              <a:uFill>
+                <a:solidFill>
+                  <a:srgbClr val="ffffff"/>
+                </a:solidFill>
+              </a:uFill>
+              <a:latin typeface="Arial"/>
             </a:endParaRPr>
           </a:p>
         </p:txBody>
       </p:sp>
       <p:sp>
         <p:nvSpPr>
-          <p:cNvPr id="49" name="PlaceHolder 4"/>
+          <p:cNvPr id="48" name="PlaceHolder 4"/>
           <p:cNvSpPr>
             <a:spLocks noGrp="1"/>
           </p:cNvSpPr>
@@ -3315,8 +3791,8 @@
         </p:nvSpPr>
         <p:spPr>
           <a:xfrm>
-            <a:off x="4673880" y="4823280"/>
-            <a:ext cx="3706560" cy="1329120"/>
+            <a:off x="4674240" y="3682080"/>
+            <a:ext cx="4015800" cy="1896840"/>
           </a:xfrm>
           <a:prstGeom prst="rect">
             <a:avLst/>
@@ -3325,16 +3801,16 @@
         <p:txBody>
           <a:bodyPr lIns="0" rIns="0" tIns="0" bIns="0"/>
           <a:p>
-            <a:endParaRPr b="0" lang="nl-NL" sz="2200" spc="-1" strike="noStrike">
-              <a:solidFill>
-                <a:srgbClr val="000000"/>
-              </a:solidFill>
-              <a:uFill>
-                <a:solidFill>
-                  <a:srgbClr val="ffffff"/>
-                </a:solidFill>
-              </a:uFill>
-              <a:latin typeface="Corbel"/>
+            <a:endParaRPr b="0" lang="nl-NL" sz="3200" spc="-1" strike="noStrike">
+              <a:solidFill>
+                <a:srgbClr val="000000"/>
+              </a:solidFill>
+              <a:uFill>
+                <a:solidFill>
+                  <a:srgbClr val="ffffff"/>
+                </a:solidFill>
+              </a:uFill>
+              <a:latin typeface="Arial"/>
             </a:endParaRPr>
           </a:p>
         </p:txBody>
@@ -3363,7 +3839,7 @@
       </p:grpSpPr>
       <p:sp>
         <p:nvSpPr>
-          <p:cNvPr id="50" name="PlaceHolder 1"/>
+          <p:cNvPr id="49" name="PlaceHolder 1"/>
           <p:cNvSpPr>
             <a:spLocks noGrp="1"/>
           </p:cNvSpPr>
@@ -3373,8 +3849,8 @@
         </p:nvSpPr>
         <p:spPr>
           <a:xfrm>
-            <a:off x="781920" y="1998360"/>
-            <a:ext cx="7595640" cy="1142640"/>
+            <a:off x="457200" y="273600"/>
+            <a:ext cx="8229240" cy="1144800"/>
           </a:xfrm>
           <a:prstGeom prst="rect">
             <a:avLst/>
@@ -3383,23 +3859,24 @@
         <p:txBody>
           <a:bodyPr lIns="0" rIns="0" tIns="0" bIns="0" anchor="ctr"/>
           <a:p>
-            <a:endParaRPr b="0" lang="nl-NL" sz="1800" spc="-1" strike="noStrike">
-              <a:solidFill>
-                <a:srgbClr val="000000"/>
-              </a:solidFill>
-              <a:uFill>
-                <a:solidFill>
-                  <a:srgbClr val="ffffff"/>
-                </a:solidFill>
-              </a:uFill>
-              <a:latin typeface="Corbel"/>
+            <a:pPr algn="ctr"/>
+            <a:endParaRPr b="0" lang="nl-NL" sz="4400" spc="-1" strike="noStrike">
+              <a:solidFill>
+                <a:srgbClr val="000000"/>
+              </a:solidFill>
+              <a:uFill>
+                <a:solidFill>
+                  <a:srgbClr val="ffffff"/>
+                </a:solidFill>
+              </a:uFill>
+              <a:latin typeface="Arial"/>
             </a:endParaRPr>
           </a:p>
         </p:txBody>
       </p:sp>
       <p:sp>
         <p:nvSpPr>
-          <p:cNvPr id="51" name="PlaceHolder 2"/>
+          <p:cNvPr id="50" name="PlaceHolder 2"/>
           <p:cNvSpPr>
             <a:spLocks noGrp="1"/>
           </p:cNvSpPr>
@@ -3409,8 +3886,8 @@
         </p:nvSpPr>
         <p:spPr>
           <a:xfrm>
-            <a:off x="781560" y="3367440"/>
-            <a:ext cx="3706560" cy="1329120"/>
+            <a:off x="457200" y="1604520"/>
+            <a:ext cx="4015800" cy="1896840"/>
           </a:xfrm>
           <a:prstGeom prst="rect">
             <a:avLst/>
@@ -3419,23 +3896,23 @@
         <p:txBody>
           <a:bodyPr lIns="0" rIns="0" tIns="0" bIns="0"/>
           <a:p>
-            <a:endParaRPr b="0" lang="nl-NL" sz="2200" spc="-1" strike="noStrike">
-              <a:solidFill>
-                <a:srgbClr val="000000"/>
-              </a:solidFill>
-              <a:uFill>
-                <a:solidFill>
-                  <a:srgbClr val="ffffff"/>
-                </a:solidFill>
-              </a:uFill>
-              <a:latin typeface="Corbel"/>
+            <a:endParaRPr b="0" lang="nl-NL" sz="3200" spc="-1" strike="noStrike">
+              <a:solidFill>
+                <a:srgbClr val="000000"/>
+              </a:solidFill>
+              <a:uFill>
+                <a:solidFill>
+                  <a:srgbClr val="ffffff"/>
+                </a:solidFill>
+              </a:uFill>
+              <a:latin typeface="Arial"/>
             </a:endParaRPr>
           </a:p>
         </p:txBody>
       </p:sp>
       <p:sp>
         <p:nvSpPr>
-          <p:cNvPr id="52" name="PlaceHolder 3"/>
+          <p:cNvPr id="51" name="PlaceHolder 3"/>
           <p:cNvSpPr>
             <a:spLocks noGrp="1"/>
           </p:cNvSpPr>
@@ -3445,8 +3922,8 @@
         </p:nvSpPr>
         <p:spPr>
           <a:xfrm>
-            <a:off x="4673880" y="3367440"/>
-            <a:ext cx="3706560" cy="1329120"/>
+            <a:off x="4674240" y="1604520"/>
+            <a:ext cx="4015800" cy="1896840"/>
           </a:xfrm>
           <a:prstGeom prst="rect">
             <a:avLst/>
@@ -3455,23 +3932,23 @@
         <p:txBody>
           <a:bodyPr lIns="0" rIns="0" tIns="0" bIns="0"/>
           <a:p>
-            <a:endParaRPr b="0" lang="nl-NL" sz="2200" spc="-1" strike="noStrike">
-              <a:solidFill>
-                <a:srgbClr val="000000"/>
-              </a:solidFill>
-              <a:uFill>
-                <a:solidFill>
-                  <a:srgbClr val="ffffff"/>
-                </a:solidFill>
-              </a:uFill>
-              <a:latin typeface="Corbel"/>
+            <a:endParaRPr b="0" lang="nl-NL" sz="3200" spc="-1" strike="noStrike">
+              <a:solidFill>
+                <a:srgbClr val="000000"/>
+              </a:solidFill>
+              <a:uFill>
+                <a:solidFill>
+                  <a:srgbClr val="ffffff"/>
+                </a:solidFill>
+              </a:uFill>
+              <a:latin typeface="Arial"/>
             </a:endParaRPr>
           </a:p>
         </p:txBody>
       </p:sp>
       <p:sp>
         <p:nvSpPr>
-          <p:cNvPr id="53" name="PlaceHolder 4"/>
+          <p:cNvPr id="52" name="PlaceHolder 4"/>
           <p:cNvSpPr>
             <a:spLocks noGrp="1"/>
           </p:cNvSpPr>
@@ -3481,8 +3958,8 @@
         </p:nvSpPr>
         <p:spPr>
           <a:xfrm>
-            <a:off x="781560" y="4823280"/>
-            <a:ext cx="7595640" cy="1329120"/>
+            <a:off x="457200" y="3682080"/>
+            <a:ext cx="8229240" cy="1896840"/>
           </a:xfrm>
           <a:prstGeom prst="rect">
             <a:avLst/>
@@ -3491,16 +3968,16 @@
         <p:txBody>
           <a:bodyPr lIns="0" rIns="0" tIns="0" bIns="0"/>
           <a:p>
-            <a:endParaRPr b="0" lang="nl-NL" sz="2200" spc="-1" strike="noStrike">
-              <a:solidFill>
-                <a:srgbClr val="000000"/>
-              </a:solidFill>
-              <a:uFill>
-                <a:solidFill>
-                  <a:srgbClr val="ffffff"/>
-                </a:solidFill>
-              </a:uFill>
-              <a:latin typeface="Corbel"/>
+            <a:endParaRPr b="0" lang="nl-NL" sz="3200" spc="-1" strike="noStrike">
+              <a:solidFill>
+                <a:srgbClr val="000000"/>
+              </a:solidFill>
+              <a:uFill>
+                <a:solidFill>
+                  <a:srgbClr val="ffffff"/>
+                </a:solidFill>
+              </a:uFill>
+              <a:latin typeface="Arial"/>
             </a:endParaRPr>
           </a:p>
         </p:txBody>
@@ -3546,7 +4023,7 @@
         <p:spPr>
           <a:xfrm>
             <a:off x="182520" y="1185840"/>
-            <a:ext cx="425160" cy="425160"/>
+            <a:ext cx="424800" cy="424800"/>
           </a:xfrm>
           <a:custGeom>
             <a:avLst/>
@@ -3621,7 +4098,7 @@
         <p:spPr>
           <a:xfrm>
             <a:off x="182520" y="163440"/>
-            <a:ext cx="425160" cy="425160"/>
+            <a:ext cx="424800" cy="424800"/>
           </a:xfrm>
           <a:custGeom>
             <a:avLst/>
@@ -3696,7 +4173,7 @@
         <p:spPr>
           <a:xfrm>
             <a:off x="182520" y="674640"/>
-            <a:ext cx="425160" cy="425160"/>
+            <a:ext cx="424800" cy="424800"/>
           </a:xfrm>
           <a:custGeom>
             <a:avLst/>
@@ -3771,7 +4248,7 @@
         <p:spPr>
           <a:xfrm>
             <a:off x="9252720" y="-47520"/>
-            <a:ext cx="1609200" cy="6947640"/>
+            <a:ext cx="1608840" cy="6947280"/>
           </a:xfrm>
           <a:prstGeom prst="roundRect">
             <a:avLst>
@@ -3818,6 +4295,7 @@
                   </a:solidFill>
                 </a:uFill>
                 <a:latin typeface="Corbel"/>
+                <a:ea typeface="DejaVu Sans"/>
               </a:rPr>
               <a:t>Klik op het pijltje naast Nieuwe dia om een nieuwe dia aan te maken. Kies een van de indelingen.</a:t>
             </a:r>
@@ -3868,6 +4346,7 @@
                   </a:solidFill>
                 </a:uFill>
                 <a:latin typeface="Corbel"/>
+                <a:ea typeface="DejaVu Sans"/>
               </a:rPr>
               <a:t>Klik op Indeling als de dia opnieuw moet worden aangepast aan de huidige indeling, of om een andere indeling toe te passen.</a:t>
             </a:r>
@@ -3918,6 +4397,7 @@
                   </a:solidFill>
                 </a:uFill>
                 <a:latin typeface="Corbel"/>
+                <a:ea typeface="DejaVu Sans"/>
               </a:rPr>
               <a:t>De tekstvakken van de dia’s hebben allen 9 niveaus.</a:t>
             </a:r>
@@ -3950,6 +4430,7 @@
                   </a:solidFill>
                 </a:uFill>
                 <a:latin typeface="Corbel"/>
+                <a:ea typeface="DejaVu Sans"/>
               </a:rPr>
               <a:t>Eerste, tweede en derde niveau hebben een opsomming. Het vierde niveau is bold en geschikt voor een kopje.</a:t>
             </a:r>
@@ -3982,6 +4463,7 @@
                   </a:solidFill>
                 </a:uFill>
                 <a:latin typeface="Corbel"/>
+                <a:ea typeface="DejaVu Sans"/>
               </a:rPr>
               <a:t>Het vijfde niveau is voor de basistekst. Zowel niveau  vier als vijf lijnen automatisch uit aan de linkerkantlijn.</a:t>
             </a:r>
@@ -4014,6 +4496,7 @@
                   </a:solidFill>
                 </a:uFill>
                 <a:latin typeface="Corbel"/>
+                <a:ea typeface="DejaVu Sans"/>
               </a:rPr>
               <a:t>Het zesde, zevende en achtste niveau lijnen uit onder resp. eerste, tweede en derde opsomming.</a:t>
             </a:r>
@@ -4046,6 +4529,7 @@
                   </a:solidFill>
                 </a:uFill>
                 <a:latin typeface="Corbel"/>
+                <a:ea typeface="DejaVu Sans"/>
               </a:rPr>
               <a:t>Het negende niveau is een kleiner lettertype dat uitlijnt aan de linkermarge. Deze is geschikt voor bijvoorbeeld een bijschrift.</a:t>
             </a:r>
@@ -4096,6 +4580,7 @@
                   </a:solidFill>
                 </a:uFill>
                 <a:latin typeface="Corbel"/>
+                <a:ea typeface="DejaVu Sans"/>
               </a:rPr>
               <a:t>Let op:</a:t>
             </a:r>
@@ -4110,6 +4595,7 @@
                   </a:solidFill>
                 </a:uFill>
                 <a:latin typeface="Corbel"/>
+                <a:ea typeface="DejaVu Sans"/>
               </a:rPr>
               <a:t>  Let op: wissel van stijl met de knoppen              voor lijstniveau verhogen of verlagen, of in MS Office met verkorte toetscombinatie Alt+Shift+← of Alt+Shift+→</a:t>
             </a:r>
@@ -4178,6 +4664,7 @@
                   </a:solidFill>
                 </a:uFill>
                 <a:latin typeface="Corbel"/>
+                <a:ea typeface="DejaVu Sans"/>
               </a:rPr>
               <a:t>Gebruik dus niet de standaard opsomming- knoppen van MS Office om de stijl te veranderen!</a:t>
             </a:r>
@@ -4208,7 +4695,7 @@
         <p:spPr>
           <a:xfrm>
             <a:off x="9664560" y="5669640"/>
-            <a:ext cx="418680" cy="228240"/>
+            <a:ext cx="418320" cy="227880"/>
           </a:xfrm>
           <a:prstGeom prst="rect">
             <a:avLst/>
@@ -4231,7 +4718,7 @@
         <p:spPr>
           <a:xfrm>
             <a:off x="9632160" y="6521400"/>
-            <a:ext cx="752400" cy="285480"/>
+            <a:ext cx="752040" cy="285120"/>
           </a:xfrm>
           <a:prstGeom prst="rect">
             <a:avLst/>
@@ -4256,6 +4743,9 @@
             <a:avLst/>
           </a:prstGeom>
           <a:ln w="25560">
+            <a:solidFill>
+              <a:srgbClr val="4a7ebb"/>
+            </a:solidFill>
             <a:round/>
           </a:ln>
         </p:spPr>
@@ -4287,6 +4777,9 @@
             <a:avLst/>
           </a:prstGeom>
           <a:ln w="25560">
+            <a:solidFill>
+              <a:srgbClr val="4a7ebb"/>
+            </a:solidFill>
             <a:round/>
           </a:ln>
         </p:spPr>
@@ -4312,7 +4805,7 @@
         <p:spPr>
           <a:xfrm>
             <a:off x="0" y="0"/>
-            <a:ext cx="788040" cy="6857640"/>
+            <a:ext cx="787680" cy="6857280"/>
           </a:xfrm>
           <a:prstGeom prst="rect">
             <a:avLst/>
@@ -4348,7 +4841,7 @@
         <p:spPr>
           <a:xfrm>
             <a:off x="182520" y="1185840"/>
-            <a:ext cx="425160" cy="425160"/>
+            <a:ext cx="424800" cy="424800"/>
           </a:xfrm>
           <a:custGeom>
             <a:avLst/>
@@ -4423,7 +4916,7 @@
         <p:spPr>
           <a:xfrm>
             <a:off x="182520" y="163440"/>
-            <a:ext cx="425160" cy="425160"/>
+            <a:ext cx="424800" cy="424800"/>
           </a:xfrm>
           <a:custGeom>
             <a:avLst/>
@@ -4498,7 +4991,7 @@
         <p:spPr>
           <a:xfrm>
             <a:off x="182520" y="674640"/>
-            <a:ext cx="425160" cy="425160"/>
+            <a:ext cx="424800" cy="424800"/>
           </a:xfrm>
           <a:custGeom>
             <a:avLst/>
@@ -4573,7 +5066,7 @@
         <p:spPr>
           <a:xfrm>
             <a:off x="1031760" y="184320"/>
-            <a:ext cx="213840" cy="240840"/>
+            <a:ext cx="213480" cy="240480"/>
           </a:xfrm>
           <a:custGeom>
             <a:avLst/>
@@ -4680,7 +5173,7 @@
         <p:spPr>
           <a:xfrm>
             <a:off x="1284120" y="260280"/>
-            <a:ext cx="156960" cy="163080"/>
+            <a:ext cx="156600" cy="162720"/>
           </a:xfrm>
           <a:custGeom>
             <a:avLst/>
@@ -4779,7 +5272,7 @@
         <p:spPr>
           <a:xfrm>
             <a:off x="1476360" y="260280"/>
-            <a:ext cx="239400" cy="158400"/>
+            <a:ext cx="239040" cy="158040"/>
           </a:xfrm>
           <a:custGeom>
             <a:avLst/>
@@ -4916,7 +5409,7 @@
         <p:spPr>
           <a:xfrm>
             <a:off x="1751040" y="260280"/>
-            <a:ext cx="156960" cy="163080"/>
+            <a:ext cx="156600" cy="162720"/>
           </a:xfrm>
           <a:custGeom>
             <a:avLst/>
@@ -5015,7 +5508,7 @@
         <p:spPr>
           <a:xfrm>
             <a:off x="1936800" y="260280"/>
-            <a:ext cx="156960" cy="163080"/>
+            <a:ext cx="156600" cy="162720"/>
           </a:xfrm>
           <a:custGeom>
             <a:avLst/>
@@ -5114,7 +5607,7 @@
         <p:spPr>
           <a:xfrm>
             <a:off x="2128680" y="260280"/>
-            <a:ext cx="142560" cy="158400"/>
+            <a:ext cx="142200" cy="158040"/>
           </a:xfrm>
           <a:custGeom>
             <a:avLst/>
@@ -5216,7 +5709,7 @@
         <p:spPr>
           <a:xfrm>
             <a:off x="2297160" y="219240"/>
-            <a:ext cx="112320" cy="204480"/>
+            <a:ext cx="111960" cy="204120"/>
           </a:xfrm>
           <a:custGeom>
             <a:avLst/>
@@ -5333,7 +5826,7 @@
         <p:spPr>
           <a:xfrm>
             <a:off x="2433600" y="260280"/>
-            <a:ext cx="156960" cy="163080"/>
+            <a:ext cx="156600" cy="162720"/>
           </a:xfrm>
           <a:custGeom>
             <a:avLst/>
@@ -5432,7 +5925,7 @@
         <p:spPr>
           <a:xfrm>
             <a:off x="1017720" y="530280"/>
-            <a:ext cx="232920" cy="229680"/>
+            <a:ext cx="232560" cy="229320"/>
           </a:xfrm>
           <a:custGeom>
             <a:avLst/>
@@ -5508,7 +6001,7 @@
         <p:spPr>
           <a:xfrm>
             <a:off x="1271520" y="600120"/>
-            <a:ext cx="240840" cy="159840"/>
+            <a:ext cx="240480" cy="159480"/>
           </a:xfrm>
           <a:custGeom>
             <a:avLst/>
@@ -5645,7 +6138,7 @@
         <p:spPr>
           <a:xfrm>
             <a:off x="1541520" y="600120"/>
-            <a:ext cx="126720" cy="163080"/>
+            <a:ext cx="126360" cy="162720"/>
           </a:xfrm>
           <a:custGeom>
             <a:avLst/>
@@ -5742,7 +6235,7 @@
         <p:spPr>
           <a:xfrm>
             <a:off x="1679400" y="560520"/>
-            <a:ext cx="114120" cy="202680"/>
+            <a:ext cx="113760" cy="202320"/>
           </a:xfrm>
           <a:custGeom>
             <a:avLst/>
@@ -5859,7 +6352,7 @@
         <p:spPr>
           <a:xfrm>
             <a:off x="1816200" y="600120"/>
-            <a:ext cx="156960" cy="163080"/>
+            <a:ext cx="156600" cy="162720"/>
           </a:xfrm>
           <a:custGeom>
             <a:avLst/>
@@ -5958,7 +6451,7 @@
         <p:spPr>
           <a:xfrm>
             <a:off x="2009880" y="600120"/>
-            <a:ext cx="97920" cy="159840"/>
+            <a:ext cx="97560" cy="159480"/>
           </a:xfrm>
           <a:custGeom>
             <a:avLst/>
@@ -6050,7 +6543,7 @@
         <p:spPr>
           <a:xfrm>
             <a:off x="2122560" y="515880"/>
-            <a:ext cx="166320" cy="247320"/>
+            <a:ext cx="165960" cy="246960"/>
           </a:xfrm>
           <a:custGeom>
             <a:avLst/>
@@ -6165,7 +6658,7 @@
         <p:spPr>
           <a:xfrm>
             <a:off x="2322360" y="600120"/>
-            <a:ext cx="142560" cy="163080"/>
+            <a:ext cx="142200" cy="162720"/>
           </a:xfrm>
           <a:custGeom>
             <a:avLst/>
@@ -6299,7 +6792,7 @@
         <p:spPr>
           <a:xfrm>
             <a:off x="2505240" y="600120"/>
-            <a:ext cx="240840" cy="159840"/>
+            <a:ext cx="240480" cy="159480"/>
           </a:xfrm>
           <a:custGeom>
             <a:avLst/>
@@ -6429,124 +6922,14 @@
       </p:sp>
       <p:sp>
         <p:nvSpPr>
-          <p:cNvPr id="29" name="PlaceHolder 28"/>
-          <p:cNvSpPr>
-            <a:spLocks noGrp="1"/>
-          </p:cNvSpPr>
-          <p:nvPr>
-            <p:ph type="title"/>
-          </p:nvPr>
-        </p:nvSpPr>
-        <p:spPr>
-          <a:xfrm>
-            <a:off x="981000" y="1758960"/>
-            <a:ext cx="7343640" cy="1835640"/>
-          </a:xfrm>
-          <a:prstGeom prst="rect">
-            <a:avLst/>
-          </a:prstGeom>
-        </p:spPr>
-        <p:txBody>
-          <a:bodyPr lIns="0" rIns="0" tIns="0" bIns="0"/>
-          <a:p>
-            <a:pPr>
-              <a:lnSpc>
-                <a:spcPct val="100000"/>
-              </a:lnSpc>
-            </a:pPr>
-            <a:r>
-              <a:rPr b="1" lang="nl-NL" sz="5500" spc="-1" strike="noStrike">
-                <a:solidFill>
-                  <a:srgbClr val="ffffff"/>
-                </a:solidFill>
-                <a:uFill>
-                  <a:solidFill>
-                    <a:srgbClr val="ffffff"/>
-                  </a:solidFill>
-                </a:uFill>
-                <a:latin typeface="Corbel"/>
-              </a:rPr>
-              <a:t>Titel</a:t>
-            </a:r>
-            <a:endParaRPr b="0" lang="nl-NL" sz="1800" spc="-1" strike="noStrike">
-              <a:solidFill>
-                <a:srgbClr val="000000"/>
-              </a:solidFill>
-              <a:uFill>
-                <a:solidFill>
-                  <a:srgbClr val="ffffff"/>
-                </a:solidFill>
-              </a:uFill>
-              <a:latin typeface="Corbel"/>
-            </a:endParaRPr>
-          </a:p>
-        </p:txBody>
-      </p:sp>
-      <p:sp>
-        <p:nvSpPr>
-          <p:cNvPr id="30" name="PlaceHolder 29"/>
-          <p:cNvSpPr>
-            <a:spLocks noGrp="1"/>
-          </p:cNvSpPr>
-          <p:nvPr>
-            <p:ph type="dt"/>
-          </p:nvPr>
-        </p:nvSpPr>
-        <p:spPr>
-          <a:xfrm>
-            <a:off x="887040" y="6356880"/>
-            <a:ext cx="2133360" cy="364680"/>
-          </a:xfrm>
-          <a:prstGeom prst="rect">
-            <a:avLst/>
-          </a:prstGeom>
-        </p:spPr>
-        <p:txBody>
-          <a:bodyPr/>
-          <a:p>
-            <a:pPr>
-              <a:lnSpc>
-                <a:spcPct val="100000"/>
-              </a:lnSpc>
-            </a:pPr>
-            <a:r>
-              <a:rPr b="1" lang="nl-NL" sz="1750" spc="-1" strike="noStrike">
-                <a:solidFill>
-                  <a:srgbClr val="ffffff"/>
-                </a:solidFill>
-                <a:uFill>
-                  <a:solidFill>
-                    <a:srgbClr val="ffffff"/>
-                  </a:solidFill>
-                </a:uFill>
-                <a:latin typeface="Corbel"/>
-              </a:rPr>
-              <a:t>27-01-17</a:t>
-            </a:r>
-            <a:endParaRPr b="0" lang="nl-NL" sz="1400" spc="-1" strike="noStrike">
-              <a:solidFill>
-                <a:srgbClr val="000000"/>
-              </a:solidFill>
-              <a:uFill>
-                <a:solidFill>
-                  <a:srgbClr val="ffffff"/>
-                </a:solidFill>
-              </a:uFill>
-              <a:latin typeface="Times New Roman"/>
-            </a:endParaRPr>
-          </a:p>
-        </p:txBody>
-      </p:sp>
-      <p:sp>
-        <p:nvSpPr>
-          <p:cNvPr id="31" name="CustomShape 30"/>
+          <p:cNvPr id="29" name="CustomShape 28"/>
           <p:cNvSpPr/>
           <p:nvPr/>
         </p:nvSpPr>
         <p:spPr>
           <a:xfrm>
             <a:off x="-1731600" y="98640"/>
-            <a:ext cx="1609200" cy="4770360"/>
+            <a:ext cx="1608840" cy="4770000"/>
           </a:xfrm>
           <a:prstGeom prst="roundRect">
             <a:avLst>
@@ -6593,6 +6976,7 @@
                   </a:solidFill>
                 </a:uFill>
                 <a:latin typeface="Corbel"/>
+                <a:ea typeface="DejaVu Sans"/>
               </a:rPr>
               <a:t>Deze dia  is zo gemaakt dat je zelf een afbeelding kan invoegen. </a:t>
             </a:r>
@@ -6643,6 +7027,7 @@
                   </a:solidFill>
                 </a:uFill>
                 <a:latin typeface="Corbel"/>
+                <a:ea typeface="DejaVu Sans"/>
               </a:rPr>
               <a:t>Klik met de rechtermuisknop in de achtergrond en kies Achtergrond opmaken. Klik op Opvulling met figuur of bitmappatroon en dan op Invoegen uit bestand. Kies de afbeelding en klik op Invoegen en Sluiten.</a:t>
             </a:r>
@@ -6693,6 +7078,7 @@
                   </a:solidFill>
                 </a:uFill>
                 <a:latin typeface="Corbel"/>
+                <a:ea typeface="DejaVu Sans"/>
               </a:rPr>
               <a:t>Klik niet op Overal toepassen omdat de afbeelding dan op alle dia’s komt. Met ctrl + z kan je dit ongedaan maken.</a:t>
             </a:r>
@@ -6743,6 +7129,7 @@
                   </a:solidFill>
                 </a:uFill>
                 <a:latin typeface="Corbel"/>
+                <a:ea typeface="DejaVu Sans"/>
               </a:rPr>
               <a:t>Voor het mooiste resultaat is de beeldverhouding 1024 x 768 pixels. Het beeld blijft dan scherp en vervormt niet.</a:t>
             </a:r>
@@ -6780,7 +7167,44 @@
       </p:sp>
       <p:sp>
         <p:nvSpPr>
-          <p:cNvPr id="32" name="PlaceHolder 31"/>
+          <p:cNvPr id="30" name="PlaceHolder 29"/>
+          <p:cNvSpPr>
+            <a:spLocks noGrp="1"/>
+          </p:cNvSpPr>
+          <p:nvPr>
+            <p:ph type="title"/>
+          </p:nvPr>
+        </p:nvSpPr>
+        <p:spPr>
+          <a:xfrm>
+            <a:off x="781920" y="1998360"/>
+            <a:ext cx="7595280" cy="1142280"/>
+          </a:xfrm>
+          <a:prstGeom prst="rect">
+            <a:avLst/>
+          </a:prstGeom>
+        </p:spPr>
+        <p:txBody>
+          <a:bodyPr lIns="0" rIns="0" tIns="0" bIns="0" anchor="ctr"/>
+          <a:p>
+            <a:pPr algn="ctr"/>
+            <a:endParaRPr b="0" lang="nl-NL" sz="4400" spc="-1" strike="noStrike">
+              <a:solidFill>
+                <a:srgbClr val="000000"/>
+              </a:solidFill>
+              <a:uFill>
+                <a:solidFill>
+                  <a:srgbClr val="ffffff"/>
+                </a:solidFill>
+              </a:uFill>
+              <a:latin typeface="Arial"/>
+            </a:endParaRPr>
+          </a:p>
+        </p:txBody>
+      </p:sp>
+      <p:sp>
+        <p:nvSpPr>
+          <p:cNvPr id="31" name="PlaceHolder 30"/>
           <p:cNvSpPr>
             <a:spLocks noGrp="1"/>
           </p:cNvSpPr>
@@ -6809,7 +7233,7 @@
               <a:buChar char=""/>
             </a:pPr>
             <a:r>
-              <a:rPr b="0" lang="nl-NL" sz="2200" spc="-1" strike="noStrike">
+              <a:rPr b="0" lang="nl-NL" sz="3200" spc="-1" strike="noStrike">
                 <a:solidFill>
                   <a:srgbClr val="000000"/>
                 </a:solidFill>
@@ -6818,20 +7242,20 @@
                     <a:srgbClr val="ffffff"/>
                   </a:solidFill>
                 </a:uFill>
-                <a:latin typeface="Corbel"/>
+                <a:latin typeface="Arial"/>
               </a:rPr>
               <a:t>Klik om de opmaak van de overzichtstekst te bewerken</a:t>
             </a:r>
-            <a:endParaRPr b="0" lang="nl-NL" sz="2200" spc="-1" strike="noStrike">
-              <a:solidFill>
-                <a:srgbClr val="000000"/>
-              </a:solidFill>
-              <a:uFill>
-                <a:solidFill>
-                  <a:srgbClr val="ffffff"/>
-                </a:solidFill>
-              </a:uFill>
-              <a:latin typeface="Corbel"/>
+            <a:endParaRPr b="0" lang="nl-NL" sz="3200" spc="-1" strike="noStrike">
+              <a:solidFill>
+                <a:srgbClr val="000000"/>
+              </a:solidFill>
+              <a:uFill>
+                <a:solidFill>
+                  <a:srgbClr val="ffffff"/>
+                </a:solidFill>
+              </a:uFill>
+              <a:latin typeface="Arial"/>
             </a:endParaRPr>
           </a:p>
           <a:p>
@@ -6844,7 +7268,7 @@
               <a:buChar char=""/>
             </a:pPr>
             <a:r>
-              <a:rPr b="0" lang="nl-NL" sz="1800" spc="-1" strike="noStrike">
+              <a:rPr b="0" lang="nl-NL" sz="2800" spc="-1" strike="noStrike">
                 <a:solidFill>
                   <a:srgbClr val="000000"/>
                 </a:solidFill>
@@ -6853,20 +7277,20 @@
                     <a:srgbClr val="ffffff"/>
                   </a:solidFill>
                 </a:uFill>
-                <a:latin typeface="Corbel"/>
+                <a:latin typeface="Arial"/>
               </a:rPr>
               <a:t>Tweede overzichtsniveau</a:t>
             </a:r>
-            <a:endParaRPr b="0" lang="nl-NL" sz="1800" spc="-1" strike="noStrike">
-              <a:solidFill>
-                <a:srgbClr val="000000"/>
-              </a:solidFill>
-              <a:uFill>
-                <a:solidFill>
-                  <a:srgbClr val="ffffff"/>
-                </a:solidFill>
-              </a:uFill>
-              <a:latin typeface="Corbel"/>
+            <a:endParaRPr b="0" lang="nl-NL" sz="2800" spc="-1" strike="noStrike">
+              <a:solidFill>
+                <a:srgbClr val="000000"/>
+              </a:solidFill>
+              <a:uFill>
+                <a:solidFill>
+                  <a:srgbClr val="ffffff"/>
+                </a:solidFill>
+              </a:uFill>
+              <a:latin typeface="Arial"/>
             </a:endParaRPr>
           </a:p>
           <a:p>
@@ -6879,7 +7303,7 @@
               <a:buChar char=""/>
             </a:pPr>
             <a:r>
-              <a:rPr b="1" lang="nl-NL" sz="2200" spc="-1" strike="noStrike">
+              <a:rPr b="0" lang="nl-NL" sz="2400" spc="-1" strike="noStrike">
                 <a:solidFill>
                   <a:srgbClr val="000000"/>
                 </a:solidFill>
@@ -6888,20 +7312,20 @@
                     <a:srgbClr val="ffffff"/>
                   </a:solidFill>
                 </a:uFill>
-                <a:latin typeface="Corbel"/>
+                <a:latin typeface="Arial"/>
               </a:rPr>
               <a:t>Derde overzichtsniveau</a:t>
             </a:r>
-            <a:endParaRPr b="1" lang="nl-NL" sz="2200" spc="-1" strike="noStrike">
-              <a:solidFill>
-                <a:srgbClr val="000000"/>
-              </a:solidFill>
-              <a:uFill>
-                <a:solidFill>
-                  <a:srgbClr val="ffffff"/>
-                </a:solidFill>
-              </a:uFill>
-              <a:latin typeface="Corbel"/>
+            <a:endParaRPr b="0" lang="nl-NL" sz="2400" spc="-1" strike="noStrike">
+              <a:solidFill>
+                <a:srgbClr val="000000"/>
+              </a:solidFill>
+              <a:uFill>
+                <a:solidFill>
+                  <a:srgbClr val="ffffff"/>
+                </a:solidFill>
+              </a:uFill>
+              <a:latin typeface="Arial"/>
             </a:endParaRPr>
           </a:p>
           <a:p>
@@ -6914,7 +7338,7 @@
               <a:buChar char=""/>
             </a:pPr>
             <a:r>
-              <a:rPr b="0" lang="nl-NL" sz="2200" spc="-1" strike="noStrike">
+              <a:rPr b="0" lang="nl-NL" sz="2000" spc="-1" strike="noStrike">
                 <a:solidFill>
                   <a:srgbClr val="000000"/>
                 </a:solidFill>
@@ -6923,20 +7347,20 @@
                     <a:srgbClr val="ffffff"/>
                   </a:solidFill>
                 </a:uFill>
-                <a:latin typeface="Corbel"/>
+                <a:latin typeface="Arial"/>
               </a:rPr>
               <a:t>Vierde overzichtsniveau</a:t>
             </a:r>
-            <a:endParaRPr b="0" lang="nl-NL" sz="2200" spc="-1" strike="noStrike">
-              <a:solidFill>
-                <a:srgbClr val="000000"/>
-              </a:solidFill>
-              <a:uFill>
-                <a:solidFill>
-                  <a:srgbClr val="ffffff"/>
-                </a:solidFill>
-              </a:uFill>
-              <a:latin typeface="Corbel"/>
+            <a:endParaRPr b="0" lang="nl-NL" sz="2000" spc="-1" strike="noStrike">
+              <a:solidFill>
+                <a:srgbClr val="000000"/>
+              </a:solidFill>
+              <a:uFill>
+                <a:solidFill>
+                  <a:srgbClr val="ffffff"/>
+                </a:solidFill>
+              </a:uFill>
+              <a:latin typeface="Arial"/>
             </a:endParaRPr>
           </a:p>
           <a:p>
@@ -6958,7 +7382,7 @@
                     <a:srgbClr val="ffffff"/>
                   </a:solidFill>
                 </a:uFill>
-                <a:latin typeface="Corbel"/>
+                <a:latin typeface="Arial"/>
               </a:rPr>
               <a:t>Vijfde overzichtsniveau</a:t>
             </a:r>
@@ -6971,7 +7395,7 @@
                   <a:srgbClr val="ffffff"/>
                 </a:solidFill>
               </a:uFill>
-              <a:latin typeface="Corbel"/>
+              <a:latin typeface="Arial"/>
             </a:endParaRPr>
           </a:p>
           <a:p>
@@ -6993,7 +7417,7 @@
                     <a:srgbClr val="ffffff"/>
                   </a:solidFill>
                 </a:uFill>
-                <a:latin typeface="Corbel"/>
+                <a:latin typeface="Arial"/>
               </a:rPr>
               <a:t>Zesde overzichtsniveau</a:t>
             </a:r>
@@ -7006,7 +7430,7 @@
                   <a:srgbClr val="ffffff"/>
                 </a:solidFill>
               </a:uFill>
-              <a:latin typeface="Corbel"/>
+              <a:latin typeface="Arial"/>
             </a:endParaRPr>
           </a:p>
           <a:p>
@@ -7028,7 +7452,7 @@
                     <a:srgbClr val="ffffff"/>
                   </a:solidFill>
                 </a:uFill>
-                <a:latin typeface="Corbel"/>
+                <a:latin typeface="Arial"/>
               </a:rPr>
               <a:t>Zevende overzichtsniveau</a:t>
             </a:r>
@@ -7041,7 +7465,7 @@
                   <a:srgbClr val="ffffff"/>
                 </a:solidFill>
               </a:uFill>
-              <a:latin typeface="Corbel"/>
+              <a:latin typeface="Arial"/>
             </a:endParaRPr>
           </a:p>
         </p:txBody>
@@ -7092,14 +7516,14 @@
       </p:grpSpPr>
       <p:sp>
         <p:nvSpPr>
-          <p:cNvPr id="67" name="CustomShape 1"/>
+          <p:cNvPr id="66" name="CustomShape 1"/>
           <p:cNvSpPr/>
           <p:nvPr/>
         </p:nvSpPr>
         <p:spPr>
           <a:xfrm>
             <a:off x="182520" y="1185840"/>
-            <a:ext cx="425160" cy="425160"/>
+            <a:ext cx="424800" cy="424800"/>
           </a:xfrm>
           <a:custGeom>
             <a:avLst/>
@@ -7167,14 +7591,14 @@
       </p:sp>
       <p:sp>
         <p:nvSpPr>
-          <p:cNvPr id="68" name="CustomShape 2"/>
+          <p:cNvPr id="67" name="CustomShape 2"/>
           <p:cNvSpPr/>
           <p:nvPr/>
         </p:nvSpPr>
         <p:spPr>
           <a:xfrm>
             <a:off x="182520" y="163440"/>
-            <a:ext cx="425160" cy="425160"/>
+            <a:ext cx="424800" cy="424800"/>
           </a:xfrm>
           <a:custGeom>
             <a:avLst/>
@@ -7242,14 +7666,14 @@
       </p:sp>
       <p:sp>
         <p:nvSpPr>
-          <p:cNvPr id="69" name="CustomShape 3"/>
+          <p:cNvPr id="68" name="CustomShape 3"/>
           <p:cNvSpPr/>
           <p:nvPr/>
         </p:nvSpPr>
         <p:spPr>
           <a:xfrm>
             <a:off x="182520" y="674640"/>
-            <a:ext cx="425160" cy="425160"/>
+            <a:ext cx="424800" cy="424800"/>
           </a:xfrm>
           <a:custGeom>
             <a:avLst/>
@@ -7317,14 +7741,14 @@
       </p:sp>
       <p:sp>
         <p:nvSpPr>
-          <p:cNvPr id="70" name="CustomShape 4"/>
+          <p:cNvPr id="69" name="CustomShape 4"/>
           <p:cNvSpPr/>
           <p:nvPr/>
         </p:nvSpPr>
         <p:spPr>
           <a:xfrm>
             <a:off x="9252720" y="-47520"/>
-            <a:ext cx="1609200" cy="6947640"/>
+            <a:ext cx="1608840" cy="6947280"/>
           </a:xfrm>
           <a:prstGeom prst="roundRect">
             <a:avLst>
@@ -7371,6 +7795,7 @@
                   </a:solidFill>
                 </a:uFill>
                 <a:latin typeface="Corbel"/>
+                <a:ea typeface="DejaVu Sans"/>
               </a:rPr>
               <a:t>Klik op het pijltje naast Nieuwe dia om een nieuwe dia aan te maken. Kies een van de indelingen.</a:t>
             </a:r>
@@ -7421,6 +7846,7 @@
                   </a:solidFill>
                 </a:uFill>
                 <a:latin typeface="Corbel"/>
+                <a:ea typeface="DejaVu Sans"/>
               </a:rPr>
               <a:t>Klik op Indeling als de dia opnieuw moet worden aangepast aan de huidige indeling, of om een andere indeling toe te passen.</a:t>
             </a:r>
@@ -7471,6 +7897,7 @@
                   </a:solidFill>
                 </a:uFill>
                 <a:latin typeface="Corbel"/>
+                <a:ea typeface="DejaVu Sans"/>
               </a:rPr>
               <a:t>De tekstvakken van de dia’s hebben allen 9 niveaus.</a:t>
             </a:r>
@@ -7503,6 +7930,7 @@
                   </a:solidFill>
                 </a:uFill>
                 <a:latin typeface="Corbel"/>
+                <a:ea typeface="DejaVu Sans"/>
               </a:rPr>
               <a:t>Eerste, tweede en derde niveau hebben een opsomming. Het vierde niveau is bold en geschikt voor een kopje.</a:t>
             </a:r>
@@ -7535,6 +7963,7 @@
                   </a:solidFill>
                 </a:uFill>
                 <a:latin typeface="Corbel"/>
+                <a:ea typeface="DejaVu Sans"/>
               </a:rPr>
               <a:t>Het vijfde niveau is voor de basistekst. Zowel niveau  vier als vijf lijnen automatisch uit aan de linkerkantlijn.</a:t>
             </a:r>
@@ -7567,6 +7996,7 @@
                   </a:solidFill>
                 </a:uFill>
                 <a:latin typeface="Corbel"/>
+                <a:ea typeface="DejaVu Sans"/>
               </a:rPr>
               <a:t>Het zesde, zevende en achtste niveau lijnen uit onder resp. eerste, tweede en derde opsomming.</a:t>
             </a:r>
@@ -7599,6 +8029,7 @@
                   </a:solidFill>
                 </a:uFill>
                 <a:latin typeface="Corbel"/>
+                <a:ea typeface="DejaVu Sans"/>
               </a:rPr>
               <a:t>Het negende niveau is een kleiner lettertype dat uitlijnt aan de linkermarge. Deze is geschikt voor bijvoorbeeld een bijschrift.</a:t>
             </a:r>
@@ -7649,6 +8080,7 @@
                   </a:solidFill>
                 </a:uFill>
                 <a:latin typeface="Corbel"/>
+                <a:ea typeface="DejaVu Sans"/>
               </a:rPr>
               <a:t>Let op:</a:t>
             </a:r>
@@ -7663,6 +8095,7 @@
                   </a:solidFill>
                 </a:uFill>
                 <a:latin typeface="Corbel"/>
+                <a:ea typeface="DejaVu Sans"/>
               </a:rPr>
               <a:t>  Let op: wissel van stijl met de knoppen              voor lijstniveau verhogen of verlagen, of in MS Office met verkorte toetscombinatie Alt+Shift+← of Alt+Shift+→</a:t>
             </a:r>
@@ -7731,6 +8164,7 @@
                   </a:solidFill>
                 </a:uFill>
                 <a:latin typeface="Corbel"/>
+                <a:ea typeface="DejaVu Sans"/>
               </a:rPr>
               <a:t>Gebruik dus niet de standaard opsomming- knoppen van MS Office om de stijl te veranderen!</a:t>
             </a:r>
@@ -7750,7 +8184,7 @@
       </p:sp>
       <p:pic>
         <p:nvPicPr>
-          <p:cNvPr id="71" name="Afbeelding 16" descr=""/>
+          <p:cNvPr id="70" name="Afbeelding 16" descr=""/>
           <p:cNvPicPr/>
           <p:nvPr/>
         </p:nvPicPr>
@@ -7761,7 +8195,7 @@
         <p:spPr>
           <a:xfrm>
             <a:off x="9664560" y="5669640"/>
-            <a:ext cx="418680" cy="228240"/>
+            <a:ext cx="418320" cy="227880"/>
           </a:xfrm>
           <a:prstGeom prst="rect">
             <a:avLst/>
@@ -7773,7 +8207,7 @@
       </p:pic>
       <p:pic>
         <p:nvPicPr>
-          <p:cNvPr id="72" name="Afbeelding 17" descr=""/>
+          <p:cNvPr id="71" name="Afbeelding 17" descr=""/>
           <p:cNvPicPr/>
           <p:nvPr/>
         </p:nvPicPr>
@@ -7784,7 +8218,7 @@
         <p:spPr>
           <a:xfrm>
             <a:off x="9632160" y="6521400"/>
-            <a:ext cx="752400" cy="285480"/>
+            <a:ext cx="752040" cy="285120"/>
           </a:xfrm>
           <a:prstGeom prst="rect">
             <a:avLst/>
@@ -7796,7 +8230,7 @@
       </p:pic>
       <p:sp>
         <p:nvSpPr>
-          <p:cNvPr id="73" name="Line 5"/>
+          <p:cNvPr id="72" name="Line 5"/>
           <p:cNvSpPr/>
           <p:nvPr/>
         </p:nvSpPr>
@@ -7809,6 +8243,9 @@
             <a:avLst/>
           </a:prstGeom>
           <a:ln w="25560">
+            <a:solidFill>
+              <a:srgbClr val="4a7ebb"/>
+            </a:solidFill>
             <a:round/>
           </a:ln>
         </p:spPr>
@@ -7827,7 +8264,7 @@
       </p:sp>
       <p:sp>
         <p:nvSpPr>
-          <p:cNvPr id="74" name="Line 6"/>
+          <p:cNvPr id="73" name="Line 6"/>
           <p:cNvSpPr/>
           <p:nvPr/>
         </p:nvSpPr>
@@ -7840,6 +8277,9 @@
             <a:avLst/>
           </a:prstGeom>
           <a:ln w="25560">
+            <a:solidFill>
+              <a:srgbClr val="4a7ebb"/>
+            </a:solidFill>
             <a:round/>
           </a:ln>
         </p:spPr>
@@ -7858,7 +8298,7 @@
       </p:sp>
       <p:sp>
         <p:nvSpPr>
-          <p:cNvPr id="75" name="PlaceHolder 7"/>
+          <p:cNvPr id="74" name="PlaceHolder 7"/>
           <p:cNvSpPr>
             <a:spLocks noGrp="1"/>
           </p:cNvSpPr>
@@ -7868,52 +8308,48 @@
         </p:nvSpPr>
         <p:spPr>
           <a:xfrm>
-            <a:off x="781920" y="1998360"/>
-            <a:ext cx="7595640" cy="1142640"/>
+            <a:off x="457200" y="273600"/>
+            <a:ext cx="8229240" cy="1144800"/>
           </a:xfrm>
           <a:prstGeom prst="rect">
             <a:avLst/>
           </a:prstGeom>
         </p:spPr>
         <p:txBody>
-          <a:bodyPr lIns="0" rIns="0" tIns="0" bIns="0"/>
-          <a:p>
-            <a:pPr>
-              <a:lnSpc>
-                <a:spcPct val="100000"/>
-              </a:lnSpc>
-            </a:pPr>
+          <a:bodyPr lIns="0" rIns="0" tIns="0" bIns="0" anchor="ctr"/>
+          <a:p>
+            <a:pPr algn="ctr"/>
             <a:r>
-              <a:rPr b="1" lang="nl-NL" sz="3500" spc="-1" strike="noStrike">
-                <a:solidFill>
-                  <a:srgbClr val="ff0000"/>
+              <a:rPr b="0" lang="nl-NL" sz="4400" spc="-1" strike="noStrike">
+                <a:solidFill>
+                  <a:srgbClr val="000000"/>
                 </a:solidFill>
                 <a:uFill>
                   <a:solidFill>
                     <a:srgbClr val="ffffff"/>
                   </a:solidFill>
                 </a:uFill>
-                <a:latin typeface="Corbel"/>
+                <a:latin typeface="Arial"/>
               </a:rPr>
-              <a:t>Klik om de stijl te bewerken</a:t>
+              <a:t>Klik om de opmaak van de titeltekst te bewerken</a:t>
             </a:r>
-            <a:endParaRPr b="0" lang="nl-NL" sz="1800" spc="-1" strike="noStrike">
-              <a:solidFill>
-                <a:srgbClr val="000000"/>
-              </a:solidFill>
-              <a:uFill>
-                <a:solidFill>
-                  <a:srgbClr val="ffffff"/>
-                </a:solidFill>
-              </a:uFill>
-              <a:latin typeface="Corbel"/>
+            <a:endParaRPr b="0" lang="nl-NL" sz="4400" spc="-1" strike="noStrike">
+              <a:solidFill>
+                <a:srgbClr val="000000"/>
+              </a:solidFill>
+              <a:uFill>
+                <a:solidFill>
+                  <a:srgbClr val="ffffff"/>
+                </a:solidFill>
+              </a:uFill>
+              <a:latin typeface="Arial"/>
             </a:endParaRPr>
           </a:p>
         </p:txBody>
       </p:sp>
       <p:sp>
         <p:nvSpPr>
-          <p:cNvPr id="76" name="PlaceHolder 8"/>
+          <p:cNvPr id="75" name="PlaceHolder 8"/>
           <p:cNvSpPr>
             <a:spLocks noGrp="1"/>
           </p:cNvSpPr>
@@ -7923,8 +8359,8 @@
         </p:nvSpPr>
         <p:spPr>
           <a:xfrm>
-            <a:off x="781560" y="3367440"/>
-            <a:ext cx="7595640" cy="2786760"/>
+            <a:off x="457200" y="1604520"/>
+            <a:ext cx="8229240" cy="3977280"/>
           </a:xfrm>
           <a:prstGeom prst="rect">
             <a:avLst/>
@@ -7942,7 +8378,7 @@
               <a:buChar char=""/>
             </a:pPr>
             <a:r>
-              <a:rPr b="0" lang="nl-NL" sz="2200" spc="-1" strike="noStrike">
+              <a:rPr b="0" lang="nl-NL" sz="3200" spc="-1" strike="noStrike">
                 <a:solidFill>
                   <a:srgbClr val="000000"/>
                 </a:solidFill>
@@ -7951,20 +8387,20 @@
                     <a:srgbClr val="ffffff"/>
                   </a:solidFill>
                 </a:uFill>
-                <a:latin typeface="Corbel"/>
+                <a:latin typeface="Arial"/>
               </a:rPr>
               <a:t>Klik om de opmaak van de overzichtstekst te bewerken</a:t>
             </a:r>
-            <a:endParaRPr b="0" lang="nl-NL" sz="2200" spc="-1" strike="noStrike">
-              <a:solidFill>
-                <a:srgbClr val="000000"/>
-              </a:solidFill>
-              <a:uFill>
-                <a:solidFill>
-                  <a:srgbClr val="ffffff"/>
-                </a:solidFill>
-              </a:uFill>
-              <a:latin typeface="Corbel"/>
+            <a:endParaRPr b="0" lang="nl-NL" sz="3200" spc="-1" strike="noStrike">
+              <a:solidFill>
+                <a:srgbClr val="000000"/>
+              </a:solidFill>
+              <a:uFill>
+                <a:solidFill>
+                  <a:srgbClr val="ffffff"/>
+                </a:solidFill>
+              </a:uFill>
+              <a:latin typeface="Arial"/>
             </a:endParaRPr>
           </a:p>
           <a:p>
@@ -7977,7 +8413,7 @@
               <a:buChar char=""/>
             </a:pPr>
             <a:r>
-              <a:rPr b="0" lang="nl-NL" sz="2200" spc="-1" strike="noStrike">
+              <a:rPr b="0" lang="nl-NL" sz="2800" spc="-1" strike="noStrike">
                 <a:solidFill>
                   <a:srgbClr val="000000"/>
                 </a:solidFill>
@@ -7986,20 +8422,20 @@
                     <a:srgbClr val="ffffff"/>
                   </a:solidFill>
                 </a:uFill>
-                <a:latin typeface="Corbel"/>
+                <a:latin typeface="Arial"/>
               </a:rPr>
               <a:t>Tweede overzichtsniveau</a:t>
             </a:r>
-            <a:endParaRPr b="0" lang="nl-NL" sz="2200" spc="-1" strike="noStrike">
-              <a:solidFill>
-                <a:srgbClr val="000000"/>
-              </a:solidFill>
-              <a:uFill>
-                <a:solidFill>
-                  <a:srgbClr val="ffffff"/>
-                </a:solidFill>
-              </a:uFill>
-              <a:latin typeface="Corbel"/>
+            <a:endParaRPr b="0" lang="nl-NL" sz="2800" spc="-1" strike="noStrike">
+              <a:solidFill>
+                <a:srgbClr val="000000"/>
+              </a:solidFill>
+              <a:uFill>
+                <a:solidFill>
+                  <a:srgbClr val="ffffff"/>
+                </a:solidFill>
+              </a:uFill>
+              <a:latin typeface="Arial"/>
             </a:endParaRPr>
           </a:p>
           <a:p>
@@ -8012,7 +8448,7 @@
               <a:buChar char=""/>
             </a:pPr>
             <a:r>
-              <a:rPr b="0" lang="nl-NL" sz="2200" spc="-1" strike="noStrike">
+              <a:rPr b="0" lang="nl-NL" sz="2400" spc="-1" strike="noStrike">
                 <a:solidFill>
                   <a:srgbClr val="000000"/>
                 </a:solidFill>
@@ -8021,20 +8457,20 @@
                     <a:srgbClr val="ffffff"/>
                   </a:solidFill>
                 </a:uFill>
-                <a:latin typeface="Corbel"/>
+                <a:latin typeface="Arial"/>
               </a:rPr>
               <a:t>Derde overzichtsniveau</a:t>
             </a:r>
-            <a:endParaRPr b="1" lang="nl-NL" sz="2200" spc="-1" strike="noStrike">
-              <a:solidFill>
-                <a:srgbClr val="000000"/>
-              </a:solidFill>
-              <a:uFill>
-                <a:solidFill>
-                  <a:srgbClr val="ffffff"/>
-                </a:solidFill>
-              </a:uFill>
-              <a:latin typeface="Corbel"/>
+            <a:endParaRPr b="0" lang="nl-NL" sz="2400" spc="-1" strike="noStrike">
+              <a:solidFill>
+                <a:srgbClr val="000000"/>
+              </a:solidFill>
+              <a:uFill>
+                <a:solidFill>
+                  <a:srgbClr val="ffffff"/>
+                </a:solidFill>
+              </a:uFill>
+              <a:latin typeface="Arial"/>
             </a:endParaRPr>
           </a:p>
           <a:p>
@@ -8047,7 +8483,7 @@
               <a:buChar char=""/>
             </a:pPr>
             <a:r>
-              <a:rPr b="0" lang="nl-NL" sz="2200" spc="-1" strike="noStrike">
+              <a:rPr b="0" lang="nl-NL" sz="2000" spc="-1" strike="noStrike">
                 <a:solidFill>
                   <a:srgbClr val="000000"/>
                 </a:solidFill>
@@ -8056,20 +8492,20 @@
                     <a:srgbClr val="ffffff"/>
                   </a:solidFill>
                 </a:uFill>
-                <a:latin typeface="Corbel"/>
+                <a:latin typeface="Arial"/>
               </a:rPr>
               <a:t>Vierde overzichtsniveau</a:t>
             </a:r>
-            <a:endParaRPr b="0" lang="nl-NL" sz="2200" spc="-1" strike="noStrike">
-              <a:solidFill>
-                <a:srgbClr val="000000"/>
-              </a:solidFill>
-              <a:uFill>
-                <a:solidFill>
-                  <a:srgbClr val="ffffff"/>
-                </a:solidFill>
-              </a:uFill>
-              <a:latin typeface="Corbel"/>
+            <a:endParaRPr b="0" lang="nl-NL" sz="2000" spc="-1" strike="noStrike">
+              <a:solidFill>
+                <a:srgbClr val="000000"/>
+              </a:solidFill>
+              <a:uFill>
+                <a:solidFill>
+                  <a:srgbClr val="ffffff"/>
+                </a:solidFill>
+              </a:uFill>
+              <a:latin typeface="Arial"/>
             </a:endParaRPr>
           </a:p>
           <a:p>
@@ -8082,7 +8518,7 @@
               <a:buChar char=""/>
             </a:pPr>
             <a:r>
-              <a:rPr b="0" lang="nl-NL" sz="2200" spc="-1" strike="noStrike">
+              <a:rPr b="0" lang="nl-NL" sz="2000" spc="-1" strike="noStrike">
                 <a:solidFill>
                   <a:srgbClr val="000000"/>
                 </a:solidFill>
@@ -8091,20 +8527,20 @@
                     <a:srgbClr val="ffffff"/>
                   </a:solidFill>
                 </a:uFill>
-                <a:latin typeface="Corbel"/>
+                <a:latin typeface="Arial"/>
               </a:rPr>
               <a:t>Vijfde overzichtsniveau</a:t>
             </a:r>
-            <a:endParaRPr b="0" lang="nl-NL" sz="2200" spc="-1" strike="noStrike">
-              <a:solidFill>
-                <a:srgbClr val="000000"/>
-              </a:solidFill>
-              <a:uFill>
-                <a:solidFill>
-                  <a:srgbClr val="ffffff"/>
-                </a:solidFill>
-              </a:uFill>
-              <a:latin typeface="Corbel"/>
+            <a:endParaRPr b="0" lang="nl-NL" sz="2000" spc="-1" strike="noStrike">
+              <a:solidFill>
+                <a:srgbClr val="000000"/>
+              </a:solidFill>
+              <a:uFill>
+                <a:solidFill>
+                  <a:srgbClr val="ffffff"/>
+                </a:solidFill>
+              </a:uFill>
+              <a:latin typeface="Arial"/>
             </a:endParaRPr>
           </a:p>
           <a:p>
@@ -8117,7 +8553,7 @@
               <a:buChar char=""/>
             </a:pPr>
             <a:r>
-              <a:rPr b="0" lang="nl-NL" sz="2200" spc="-1" strike="noStrike">
+              <a:rPr b="0" lang="nl-NL" sz="2000" spc="-1" strike="noStrike">
                 <a:solidFill>
                   <a:srgbClr val="000000"/>
                 </a:solidFill>
@@ -8126,36 +8562,33 @@
                     <a:srgbClr val="ffffff"/>
                   </a:solidFill>
                 </a:uFill>
-                <a:latin typeface="Corbel"/>
+                <a:latin typeface="Arial"/>
               </a:rPr>
               <a:t>Zesde overzichtsniveau</a:t>
             </a:r>
-            <a:endParaRPr b="0" lang="nl-NL" sz="2200" spc="-1" strike="noStrike">
-              <a:solidFill>
-                <a:srgbClr val="000000"/>
-              </a:solidFill>
-              <a:uFill>
-                <a:solidFill>
-                  <a:srgbClr val="ffffff"/>
-                </a:solidFill>
-              </a:uFill>
-              <a:latin typeface="Corbel"/>
-            </a:endParaRPr>
-          </a:p>
-          <a:p>
-            <a:pPr marL="216000" indent="-215640">
-              <a:lnSpc>
-                <a:spcPct val="100000"/>
-              </a:lnSpc>
+            <a:endParaRPr b="0" lang="nl-NL" sz="2000" spc="-1" strike="noStrike">
+              <a:solidFill>
+                <a:srgbClr val="000000"/>
+              </a:solidFill>
+              <a:uFill>
+                <a:solidFill>
+                  <a:srgbClr val="ffffff"/>
+                </a:solidFill>
+              </a:uFill>
+              <a:latin typeface="Arial"/>
+            </a:endParaRPr>
+          </a:p>
+          <a:p>
+            <a:pPr lvl="6" marL="3024000" indent="-216000">
               <a:buClr>
-                <a:srgbClr val="ff0000"/>
+                <a:srgbClr val="000000"/>
               </a:buClr>
-              <a:buSzPct val="65000"/>
+              <a:buSzPct val="45000"/>
               <a:buFont typeface="Wingdings" charset="2"/>
-              <a:buChar char=""/>
+              <a:buChar char=""/>
             </a:pPr>
             <a:r>
-              <a:rPr b="0" lang="nl-NL" sz="2200" spc="-1" strike="noStrike">
+              <a:rPr b="0" lang="nl-NL" sz="2000" spc="-1" strike="noStrike">
                 <a:solidFill>
                   <a:srgbClr val="000000"/>
                 </a:solidFill>
@@ -8164,148 +8597,20 @@
                     <a:srgbClr val="ffffff"/>
                   </a:solidFill>
                 </a:uFill>
-                <a:latin typeface="Corbel"/>
+                <a:latin typeface="Arial"/>
               </a:rPr>
-              <a:t>Zevende overzichtsniveauKlik om de modelstijlen te bewerken</a:t>
+              <a:t>Zevende overzichtsniveau</a:t>
             </a:r>
-            <a:endParaRPr b="0" lang="nl-NL" sz="2200" spc="-1" strike="noStrike">
-              <a:solidFill>
-                <a:srgbClr val="000000"/>
-              </a:solidFill>
-              <a:uFill>
-                <a:solidFill>
-                  <a:srgbClr val="ffffff"/>
-                </a:solidFill>
-              </a:uFill>
-              <a:latin typeface="Corbel"/>
-            </a:endParaRPr>
-          </a:p>
-          <a:p>
-            <a:pPr lvl="1" marL="432000" indent="-215640">
-              <a:lnSpc>
-                <a:spcPct val="100000"/>
-              </a:lnSpc>
-              <a:buClr>
-                <a:srgbClr val="000000"/>
-              </a:buClr>
-              <a:buFont typeface="Corbel"/>
-              <a:buChar char="–"/>
-            </a:pPr>
-            <a:r>
-              <a:rPr b="0" lang="nl-NL" sz="2200" spc="-1" strike="noStrike">
-                <a:solidFill>
-                  <a:srgbClr val="000000"/>
-                </a:solidFill>
-                <a:uFill>
-                  <a:solidFill>
-                    <a:srgbClr val="ffffff"/>
-                  </a:solidFill>
-                </a:uFill>
-                <a:latin typeface="Corbel"/>
-              </a:rPr>
-              <a:t>Tweede niveau</a:t>
-            </a:r>
-            <a:endParaRPr b="0" lang="nl-NL" sz="2200" spc="-1" strike="noStrike">
-              <a:solidFill>
-                <a:srgbClr val="000000"/>
-              </a:solidFill>
-              <a:uFill>
-                <a:solidFill>
-                  <a:srgbClr val="ffffff"/>
-                </a:solidFill>
-              </a:uFill>
-              <a:latin typeface="Corbel"/>
-            </a:endParaRPr>
-          </a:p>
-          <a:p>
-            <a:pPr lvl="2" marL="648000" indent="-215640">
-              <a:lnSpc>
-                <a:spcPct val="100000"/>
-              </a:lnSpc>
-              <a:buClr>
-                <a:srgbClr val="000000"/>
-              </a:buClr>
-              <a:buFont typeface="Corbel"/>
-              <a:buChar char="-"/>
-            </a:pPr>
-            <a:r>
-              <a:rPr b="0" lang="nl-NL" sz="1800" spc="-1" strike="noStrike">
-                <a:solidFill>
-                  <a:srgbClr val="000000"/>
-                </a:solidFill>
-                <a:uFill>
-                  <a:solidFill>
-                    <a:srgbClr val="ffffff"/>
-                  </a:solidFill>
-                </a:uFill>
-                <a:latin typeface="Corbel"/>
-              </a:rPr>
-              <a:t>Derde niveau</a:t>
-            </a:r>
-            <a:endParaRPr b="1" lang="nl-NL" sz="2200" spc="-1" strike="noStrike">
-              <a:solidFill>
-                <a:srgbClr val="000000"/>
-              </a:solidFill>
-              <a:uFill>
-                <a:solidFill>
-                  <a:srgbClr val="ffffff"/>
-                </a:solidFill>
-              </a:uFill>
-              <a:latin typeface="Corbel"/>
-            </a:endParaRPr>
-          </a:p>
-          <a:p>
-            <a:r>
-              <a:rPr b="1" lang="nl-NL" sz="2200" spc="-1" strike="noStrike">
-                <a:solidFill>
-                  <a:srgbClr val="000000"/>
-                </a:solidFill>
-                <a:uFill>
-                  <a:solidFill>
-                    <a:srgbClr val="ffffff"/>
-                  </a:solidFill>
-                </a:uFill>
-                <a:latin typeface="Corbel"/>
-              </a:rPr>
-              <a:t>Vierde niveau</a:t>
-            </a:r>
-            <a:endParaRPr b="0" lang="nl-NL" sz="2200" spc="-1" strike="noStrike">
-              <a:solidFill>
-                <a:srgbClr val="000000"/>
-              </a:solidFill>
-              <a:uFill>
-                <a:solidFill>
-                  <a:srgbClr val="ffffff"/>
-                </a:solidFill>
-              </a:uFill>
-              <a:latin typeface="Corbel"/>
-            </a:endParaRPr>
-          </a:p>
-          <a:p>
-            <a:r>
-              <a:rPr b="0" lang="nl-NL" sz="2200" spc="-1" strike="noStrike">
-                <a:solidFill>
-                  <a:srgbClr val="000000"/>
-                </a:solidFill>
-                <a:uFill>
-                  <a:solidFill>
-                    <a:srgbClr val="ffffff"/>
-                  </a:solidFill>
-                </a:uFill>
-                <a:latin typeface="Corbel"/>
-              </a:rPr>
-              <a:t>Vijfde niveau</a:t>
-            </a:r>
-            <a:endParaRPr b="0" lang="nl-NL" sz="2200" spc="-1" strike="noStrike">
-              <a:solidFill>
-                <a:srgbClr val="000000"/>
-              </a:solidFill>
-              <a:uFill>
-                <a:solidFill>
-                  <a:srgbClr val="ffffff"/>
-                </a:solidFill>
-              </a:uFill>
-              <a:latin typeface="Corbel"/>
+            <a:endParaRPr b="0" lang="nl-NL" sz="2000" spc="-1" strike="noStrike">
+              <a:solidFill>
+                <a:srgbClr val="000000"/>
+              </a:solidFill>
+              <a:uFill>
+                <a:solidFill>
+                  <a:srgbClr val="ffffff"/>
+                </a:solidFill>
+              </a:uFill>
+              <a:latin typeface="Arial"/>
             </a:endParaRPr>
           </a:p>
         </p:txBody>
@@ -8356,14 +8661,14 @@
       </p:grpSpPr>
       <p:sp>
         <p:nvSpPr>
-          <p:cNvPr id="116" name="TextShape 1"/>
-          <p:cNvSpPr txBox="1"/>
+          <p:cNvPr id="115" name="CustomShape 1"/>
+          <p:cNvSpPr/>
           <p:nvPr/>
         </p:nvSpPr>
         <p:spPr>
           <a:xfrm>
             <a:off x="981000" y="1758960"/>
-            <a:ext cx="7343640" cy="1835640"/>
+            <a:ext cx="7343280" cy="1835280"/>
           </a:xfrm>
           <a:prstGeom prst="rect">
             <a:avLst/>
@@ -8373,14 +8678,15 @@
             <a:noFill/>
           </a:ln>
         </p:spPr>
+        <p:style>
+          <a:lnRef idx="0"/>
+          <a:fillRef idx="0"/>
+          <a:effectRef idx="0"/>
+          <a:fontRef idx="minor"/>
+        </p:style>
         <p:txBody>
           <a:bodyPr lIns="0" rIns="0" tIns="0" bIns="0"/>
           <a:p>
-            <a:pPr>
-              <a:lnSpc>
-                <a:spcPct val="100000"/>
-              </a:lnSpc>
-            </a:pPr>
             <a:r>
               <a:rPr b="1" lang="nl-NL" sz="5500" spc="-1" strike="noStrike">
                 <a:solidFill>
@@ -8393,23 +8699,26 @@
                 </a:uFill>
                 <a:latin typeface="Corbel"/>
               </a:rPr>
-              <a:t>Architectuurcontext</a:t>
+              <a:t>Architecture Context</a:t>
             </a:r>
-            <a:r>
-              <a:rPr b="1" lang="nl-NL" sz="5500" spc="-1" strike="noStrike">
-                <a:solidFill>
-                  <a:srgbClr val="ffffff"/>
-                </a:solidFill>
-                <a:uFill>
-                  <a:solidFill>
-                    <a:srgbClr val="ffffff"/>
-                  </a:solidFill>
-                </a:uFill>
-                <a:latin typeface="Corbel"/>
-              </a:rPr>
-              <a:t>
-</a:t>
-            </a:r>
+            <a:endParaRPr b="0" lang="nl-NL" sz="1800" spc="-1" strike="noStrike">
+              <a:solidFill>
+                <a:srgbClr val="000000"/>
+              </a:solidFill>
+              <a:uFill>
+                <a:solidFill>
+                  <a:srgbClr val="ffffff"/>
+                </a:solidFill>
+              </a:uFill>
+              <a:latin typeface="Arial"/>
+            </a:endParaRPr>
+          </a:p>
+          <a:p>
+            <a:pPr>
+              <a:lnSpc>
+                <a:spcPct val="100000"/>
+              </a:lnSpc>
+            </a:pPr>
             <a:r>
               <a:rPr b="1" lang="nl-NL" sz="5500" spc="-1" strike="noStrike">
                 <a:solidFill>
@@ -8433,21 +8742,21 @@
                   <a:srgbClr val="ffffff"/>
                 </a:solidFill>
               </a:uFill>
-              <a:latin typeface="Corbel"/>
+              <a:latin typeface="Arial"/>
             </a:endParaRPr>
           </a:p>
         </p:txBody>
       </p:sp>
       <p:sp>
         <p:nvSpPr>
-          <p:cNvPr id="117" name="TextShape 2"/>
-          <p:cNvSpPr txBox="1"/>
+          <p:cNvPr id="116" name="CustomShape 2"/>
+          <p:cNvSpPr/>
           <p:nvPr/>
         </p:nvSpPr>
         <p:spPr>
           <a:xfrm>
             <a:off x="887040" y="6356880"/>
-            <a:ext cx="2133360" cy="364680"/>
+            <a:ext cx="2133000" cy="364320"/>
           </a:xfrm>
           <a:prstGeom prst="rect">
             <a:avLst/>
@@ -8457,8 +8766,14 @@
             <a:noFill/>
           </a:ln>
         </p:spPr>
+        <p:style>
+          <a:lnRef idx="0"/>
+          <a:fillRef idx="0"/>
+          <a:effectRef idx="0"/>
+          <a:fontRef idx="minor"/>
+        </p:style>
         <p:txBody>
-          <a:bodyPr/>
+          <a:bodyPr lIns="90000" rIns="90000" tIns="45000" bIns="45000"/>
           <a:p>
             <a:pPr>
               <a:lnSpc>
@@ -8479,16 +8794,16 @@
               </a:rPr>
               <a:t>27-01-17</a:t>
             </a:r>
-            <a:endParaRPr b="0" lang="nl-NL" sz="1400" spc="-1" strike="noStrike">
-              <a:solidFill>
-                <a:srgbClr val="000000"/>
-              </a:solidFill>
-              <a:uFill>
-                <a:solidFill>
-                  <a:srgbClr val="ffffff"/>
-                </a:solidFill>
-              </a:uFill>
-              <a:latin typeface="Times New Roman"/>
+            <a:endParaRPr b="0" lang="nl-NL" sz="1800" spc="-1" strike="noStrike">
+              <a:solidFill>
+                <a:srgbClr val="000000"/>
+              </a:solidFill>
+              <a:uFill>
+                <a:solidFill>
+                  <a:srgbClr val="ffffff"/>
+                </a:solidFill>
+              </a:uFill>
+              <a:latin typeface="Arial"/>
             </a:endParaRPr>
           </a:p>
         </p:txBody>
@@ -8544,14 +8859,14 @@
       </p:grpSpPr>
       <p:sp>
         <p:nvSpPr>
-          <p:cNvPr id="137" name="TextShape 1"/>
-          <p:cNvSpPr txBox="1"/>
+          <p:cNvPr id="137" name="CustomShape 1"/>
+          <p:cNvSpPr/>
           <p:nvPr/>
         </p:nvSpPr>
         <p:spPr>
           <a:xfrm>
-            <a:off x="781920" y="1124640"/>
-            <a:ext cx="7595640" cy="1142640"/>
+            <a:off x="781920" y="692640"/>
+            <a:ext cx="7595280" cy="1142280"/>
           </a:xfrm>
           <a:prstGeom prst="rect">
             <a:avLst/>
@@ -8561,6 +8876,547 @@
             <a:noFill/>
           </a:ln>
         </p:spPr>
+        <p:style>
+          <a:lnRef idx="0"/>
+          <a:fillRef idx="0"/>
+          <a:effectRef idx="0"/>
+          <a:fontRef idx="minor"/>
+        </p:style>
+        <p:txBody>
+          <a:bodyPr lIns="0" rIns="0" tIns="0" bIns="0"/>
+          <a:p>
+            <a:pPr>
+              <a:lnSpc>
+                <a:spcPct val="100000"/>
+              </a:lnSpc>
+            </a:pPr>
+            <a:r>
+              <a:rPr b="1" lang="nl-NL" sz="3500" spc="-1" strike="noStrike">
+                <a:solidFill>
+                  <a:srgbClr val="ff0000"/>
+                </a:solidFill>
+                <a:uFill>
+                  <a:solidFill>
+                    <a:srgbClr val="ffffff"/>
+                  </a:solidFill>
+                </a:uFill>
+                <a:latin typeface="Corbel"/>
+              </a:rPr>
+              <a:t>Optie SuwiMail</a:t>
+            </a:r>
+            <a:endParaRPr b="0" lang="nl-NL" sz="1800" spc="-1" strike="noStrike">
+              <a:solidFill>
+                <a:srgbClr val="000000"/>
+              </a:solidFill>
+              <a:uFill>
+                <a:solidFill>
+                  <a:srgbClr val="ffffff"/>
+                </a:solidFill>
+              </a:uFill>
+              <a:latin typeface="Arial"/>
+            </a:endParaRPr>
+          </a:p>
+        </p:txBody>
+      </p:sp>
+      <p:pic>
+        <p:nvPicPr>
+          <p:cNvPr id="138" name="Tijdelijke aanduiding voor inhoud 3" descr=""/>
+          <p:cNvPicPr/>
+          <p:nvPr/>
+        </p:nvPicPr>
+        <p:blipFill>
+          <a:blip r:embed="rId1"/>
+          <a:stretch/>
+        </p:blipFill>
+        <p:spPr>
+          <a:xfrm>
+            <a:off x="1115640" y="1190160"/>
+            <a:ext cx="6840000" cy="5662080"/>
+          </a:xfrm>
+          <a:prstGeom prst="rect">
+            <a:avLst/>
+          </a:prstGeom>
+          <a:ln>
+            <a:noFill/>
+          </a:ln>
+        </p:spPr>
+      </p:pic>
+    </p:spTree>
+  </p:cSld>
+  <p:timing>
+    <p:tnLst>
+      <p:par>
+        <p:cTn id="19" dur="indefinite" restart="never" nodeType="tmRoot">
+          <p:childTnLst>
+            <p:seq>
+              <p:cTn id="20" nodeType="mainSeq"/>
+              <p:prevCondLst>
+                <p:cond delay="0" evt="onPrev">
+                  <p:tgtEl>
+                    <p:sldTgt/>
+                  </p:tgtEl>
+                </p:cond>
+              </p:prevCondLst>
+              <p:nextCondLst>
+                <p:cond delay="0" evt="onNext">
+                  <p:tgtEl>
+                    <p:sldTgt/>
+                  </p:tgtEl>
+                </p:cond>
+              </p:nextCondLst>
+            </p:seq>
+          </p:childTnLst>
+        </p:cTn>
+      </p:par>
+    </p:tnLst>
+  </p:timing>
+</p:sld>
+</file>
+
+<file path=ppt/slides/slide11.xml><?xml version="1.0" encoding="utf-8"?>
+<p:sld xmlns:a="http://schemas.openxmlformats.org/drawingml/2006/main" xmlns:p="http://schemas.openxmlformats.org/presentationml/2006/main" xmlns:r="http://schemas.openxmlformats.org/officeDocument/2006/relationships" xmlns:p14="http://schemas.microsoft.com/office/powerpoint/2010/main" xmlns:p15="http://schemas.microsoft.com/office/powerpoint/2012/main" xmlns:mc="http://schemas.openxmlformats.org/markup-compatibility/2006">
+  <p:cSld>
+    <p:spTree>
+      <p:nvGrpSpPr>
+        <p:cNvPr id="1" name=""/>
+        <p:cNvGrpSpPr/>
+        <p:nvPr/>
+      </p:nvGrpSpPr>
+      <p:grpSpPr>
+        <a:xfrm>
+          <a:off x="0" y="0"/>
+          <a:ext cx="0" cy="0"/>
+          <a:chOff x="0" y="0"/>
+          <a:chExt cx="0" cy="0"/>
+        </a:xfrm>
+      </p:grpSpPr>
+      <p:sp>
+        <p:nvSpPr>
+          <p:cNvPr id="139" name="CustomShape 1"/>
+          <p:cNvSpPr/>
+          <p:nvPr/>
+        </p:nvSpPr>
+        <p:spPr>
+          <a:xfrm>
+            <a:off x="781920" y="620640"/>
+            <a:ext cx="7595280" cy="1142280"/>
+          </a:xfrm>
+          <a:prstGeom prst="rect">
+            <a:avLst/>
+          </a:prstGeom>
+          <a:noFill/>
+          <a:ln>
+            <a:noFill/>
+          </a:ln>
+        </p:spPr>
+        <p:style>
+          <a:lnRef idx="0"/>
+          <a:fillRef idx="0"/>
+          <a:effectRef idx="0"/>
+          <a:fontRef idx="minor"/>
+        </p:style>
+        <p:txBody>
+          <a:bodyPr lIns="0" rIns="0" tIns="0" bIns="0"/>
+          <a:p>
+            <a:pPr>
+              <a:lnSpc>
+                <a:spcPct val="100000"/>
+              </a:lnSpc>
+            </a:pPr>
+            <a:r>
+              <a:rPr b="1" lang="nl-NL" sz="3500" spc="-1" strike="noStrike">
+                <a:solidFill>
+                  <a:srgbClr val="ff0000"/>
+                </a:solidFill>
+                <a:uFill>
+                  <a:solidFill>
+                    <a:srgbClr val="ffffff"/>
+                  </a:solidFill>
+                </a:uFill>
+                <a:latin typeface="Corbel"/>
+              </a:rPr>
+              <a:t>Optie ShareFile</a:t>
+            </a:r>
+            <a:endParaRPr b="0" lang="nl-NL" sz="1800" spc="-1" strike="noStrike">
+              <a:solidFill>
+                <a:srgbClr val="000000"/>
+              </a:solidFill>
+              <a:uFill>
+                <a:solidFill>
+                  <a:srgbClr val="ffffff"/>
+                </a:solidFill>
+              </a:uFill>
+              <a:latin typeface="Arial"/>
+            </a:endParaRPr>
+          </a:p>
+        </p:txBody>
+      </p:sp>
+      <p:pic>
+        <p:nvPicPr>
+          <p:cNvPr id="140" name="Tijdelijke aanduiding voor inhoud 5" descr=""/>
+          <p:cNvPicPr/>
+          <p:nvPr/>
+        </p:nvPicPr>
+        <p:blipFill>
+          <a:blip r:embed="rId1"/>
+          <a:stretch/>
+        </p:blipFill>
+        <p:spPr>
+          <a:xfrm>
+            <a:off x="1403640" y="1866600"/>
+            <a:ext cx="7632000" cy="4955400"/>
+          </a:xfrm>
+          <a:prstGeom prst="rect">
+            <a:avLst/>
+          </a:prstGeom>
+          <a:ln>
+            <a:noFill/>
+          </a:ln>
+        </p:spPr>
+      </p:pic>
+    </p:spTree>
+  </p:cSld>
+  <p:timing>
+    <p:tnLst>
+      <p:par>
+        <p:cTn id="21" dur="indefinite" restart="never" nodeType="tmRoot">
+          <p:childTnLst>
+            <p:seq>
+              <p:cTn id="22" nodeType="mainSeq"/>
+              <p:prevCondLst>
+                <p:cond delay="0" evt="onPrev">
+                  <p:tgtEl>
+                    <p:sldTgt/>
+                  </p:tgtEl>
+                </p:cond>
+              </p:prevCondLst>
+              <p:nextCondLst>
+                <p:cond delay="0" evt="onNext">
+                  <p:tgtEl>
+                    <p:sldTgt/>
+                  </p:tgtEl>
+                </p:cond>
+              </p:nextCondLst>
+            </p:seq>
+          </p:childTnLst>
+        </p:cTn>
+      </p:par>
+    </p:tnLst>
+  </p:timing>
+</p:sld>
+</file>
+
+<file path=ppt/slides/slide12.xml><?xml version="1.0" encoding="utf-8"?>
+<p:sld xmlns:a="http://schemas.openxmlformats.org/drawingml/2006/main" xmlns:p="http://schemas.openxmlformats.org/presentationml/2006/main" xmlns:r="http://schemas.openxmlformats.org/officeDocument/2006/relationships" xmlns:p14="http://schemas.microsoft.com/office/powerpoint/2010/main" xmlns:p15="http://schemas.microsoft.com/office/powerpoint/2012/main" xmlns:mc="http://schemas.openxmlformats.org/markup-compatibility/2006">
+  <p:cSld>
+    <p:spTree>
+      <p:nvGrpSpPr>
+        <p:cNvPr id="1" name=""/>
+        <p:cNvGrpSpPr/>
+        <p:nvPr/>
+      </p:nvGrpSpPr>
+      <p:grpSpPr>
+        <a:xfrm>
+          <a:off x="0" y="0"/>
+          <a:ext cx="0" cy="0"/>
+          <a:chOff x="0" y="0"/>
+          <a:chExt cx="0" cy="0"/>
+        </a:xfrm>
+      </p:grpSpPr>
+      <p:sp>
+        <p:nvSpPr>
+          <p:cNvPr id="141" name="CustomShape 1"/>
+          <p:cNvSpPr/>
+          <p:nvPr/>
+        </p:nvSpPr>
+        <p:spPr>
+          <a:xfrm>
+            <a:off x="781920" y="620640"/>
+            <a:ext cx="7595280" cy="1142280"/>
+          </a:xfrm>
+          <a:prstGeom prst="rect">
+            <a:avLst/>
+          </a:prstGeom>
+          <a:noFill/>
+          <a:ln>
+            <a:noFill/>
+          </a:ln>
+        </p:spPr>
+        <p:style>
+          <a:lnRef idx="0"/>
+          <a:fillRef idx="0"/>
+          <a:effectRef idx="0"/>
+          <a:fontRef idx="minor"/>
+        </p:style>
+        <p:txBody>
+          <a:bodyPr lIns="0" rIns="0" tIns="0" bIns="0"/>
+          <a:p>
+            <a:pPr>
+              <a:lnSpc>
+                <a:spcPct val="100000"/>
+              </a:lnSpc>
+            </a:pPr>
+            <a:r>
+              <a:rPr b="1" lang="nl-NL" sz="3500" spc="-1" strike="noStrike">
+                <a:solidFill>
+                  <a:srgbClr val="ff0000"/>
+                </a:solidFill>
+                <a:uFill>
+                  <a:solidFill>
+                    <a:srgbClr val="ffffff"/>
+                  </a:solidFill>
+                </a:uFill>
+                <a:latin typeface="Corbel"/>
+              </a:rPr>
+              <a:t>Optie DocZend</a:t>
+            </a:r>
+            <a:endParaRPr b="0" lang="nl-NL" sz="1800" spc="-1" strike="noStrike">
+              <a:solidFill>
+                <a:srgbClr val="000000"/>
+              </a:solidFill>
+              <a:uFill>
+                <a:solidFill>
+                  <a:srgbClr val="ffffff"/>
+                </a:solidFill>
+              </a:uFill>
+              <a:latin typeface="Arial"/>
+            </a:endParaRPr>
+          </a:p>
+        </p:txBody>
+      </p:sp>
+      <p:pic>
+        <p:nvPicPr>
+          <p:cNvPr id="142" name="Tijdelijke aanduiding voor inhoud 3" descr=""/>
+          <p:cNvPicPr/>
+          <p:nvPr/>
+        </p:nvPicPr>
+        <p:blipFill>
+          <a:blip r:embed="rId1"/>
+          <a:stretch/>
+        </p:blipFill>
+        <p:spPr>
+          <a:xfrm>
+            <a:off x="1763640" y="1401120"/>
+            <a:ext cx="7379640" cy="5430960"/>
+          </a:xfrm>
+          <a:prstGeom prst="rect">
+            <a:avLst/>
+          </a:prstGeom>
+          <a:ln>
+            <a:noFill/>
+          </a:ln>
+        </p:spPr>
+      </p:pic>
+    </p:spTree>
+  </p:cSld>
+  <p:timing>
+    <p:tnLst>
+      <p:par>
+        <p:cTn id="23" dur="indefinite" restart="never" nodeType="tmRoot">
+          <p:childTnLst>
+            <p:seq>
+              <p:cTn id="24" nodeType="mainSeq"/>
+              <p:prevCondLst>
+                <p:cond delay="0" evt="onPrev">
+                  <p:tgtEl>
+                    <p:sldTgt/>
+                  </p:tgtEl>
+                </p:cond>
+              </p:prevCondLst>
+              <p:nextCondLst>
+                <p:cond delay="0" evt="onNext">
+                  <p:tgtEl>
+                    <p:sldTgt/>
+                  </p:tgtEl>
+                </p:cond>
+              </p:nextCondLst>
+            </p:seq>
+          </p:childTnLst>
+        </p:cTn>
+      </p:par>
+    </p:tnLst>
+  </p:timing>
+</p:sld>
+</file>
+
+<file path=ppt/slides/slide13.xml><?xml version="1.0" encoding="utf-8"?>
+<p:sld xmlns:a="http://schemas.openxmlformats.org/drawingml/2006/main" xmlns:p="http://schemas.openxmlformats.org/presentationml/2006/main" xmlns:r="http://schemas.openxmlformats.org/officeDocument/2006/relationships" xmlns:p14="http://schemas.microsoft.com/office/powerpoint/2010/main" xmlns:p15="http://schemas.microsoft.com/office/powerpoint/2012/main" xmlns:mc="http://schemas.openxmlformats.org/markup-compatibility/2006">
+  <p:cSld>
+    <p:spTree>
+      <p:nvGrpSpPr>
+        <p:cNvPr id="1" name=""/>
+        <p:cNvGrpSpPr/>
+        <p:nvPr/>
+      </p:nvGrpSpPr>
+      <p:grpSpPr>
+        <a:xfrm>
+          <a:off x="0" y="0"/>
+          <a:ext cx="0" cy="0"/>
+          <a:chOff x="0" y="0"/>
+          <a:chExt cx="0" cy="0"/>
+        </a:xfrm>
+      </p:grpSpPr>
+      <p:sp>
+        <p:nvSpPr>
+          <p:cNvPr id="143" name="CustomShape 1"/>
+          <p:cNvSpPr/>
+          <p:nvPr/>
+        </p:nvSpPr>
+        <p:spPr>
+          <a:xfrm>
+            <a:off x="781920" y="1998360"/>
+            <a:ext cx="7595280" cy="1142280"/>
+          </a:xfrm>
+          <a:prstGeom prst="rect">
+            <a:avLst/>
+          </a:prstGeom>
+          <a:noFill/>
+          <a:ln>
+            <a:noFill/>
+          </a:ln>
+        </p:spPr>
+        <p:style>
+          <a:lnRef idx="0"/>
+          <a:fillRef idx="0"/>
+          <a:effectRef idx="0"/>
+          <a:fontRef idx="minor"/>
+        </p:style>
+        <p:txBody>
+          <a:bodyPr lIns="0" rIns="0" tIns="0" bIns="0"/>
+          <a:p>
+            <a:pPr>
+              <a:lnSpc>
+                <a:spcPct val="100000"/>
+              </a:lnSpc>
+            </a:pPr>
+            <a:r>
+              <a:rPr b="1" lang="nl-NL" sz="3500" spc="-1" strike="noStrike">
+                <a:solidFill>
+                  <a:srgbClr val="ff0000"/>
+                </a:solidFill>
+                <a:uFill>
+                  <a:solidFill>
+                    <a:srgbClr val="ffffff"/>
+                  </a:solidFill>
+                </a:uFill>
+                <a:latin typeface="Corbel"/>
+              </a:rPr>
+              <a:t>Optie VeiligOversteken.nl</a:t>
+            </a:r>
+            <a:endParaRPr b="0" lang="nl-NL" sz="1800" spc="-1" strike="noStrike">
+              <a:solidFill>
+                <a:srgbClr val="000000"/>
+              </a:solidFill>
+              <a:uFill>
+                <a:solidFill>
+                  <a:srgbClr val="ffffff"/>
+                </a:solidFill>
+              </a:uFill>
+              <a:latin typeface="Arial"/>
+            </a:endParaRPr>
+          </a:p>
+        </p:txBody>
+      </p:sp>
+      <p:sp>
+        <p:nvSpPr>
+          <p:cNvPr id="144" name="CustomShape 2"/>
+          <p:cNvSpPr/>
+          <p:nvPr/>
+        </p:nvSpPr>
+        <p:spPr>
+          <a:xfrm>
+            <a:off x="781560" y="3367440"/>
+            <a:ext cx="7595280" cy="2786400"/>
+          </a:xfrm>
+          <a:prstGeom prst="rect">
+            <a:avLst/>
+          </a:prstGeom>
+          <a:noFill/>
+          <a:ln>
+            <a:noFill/>
+          </a:ln>
+        </p:spPr>
+        <p:style>
+          <a:lnRef idx="0"/>
+          <a:fillRef idx="0"/>
+          <a:effectRef idx="0"/>
+          <a:fontRef idx="minor"/>
+        </p:style>
+      </p:sp>
+    </p:spTree>
+  </p:cSld>
+  <p:timing>
+    <p:tnLst>
+      <p:par>
+        <p:cTn id="25" dur="indefinite" restart="never" nodeType="tmRoot">
+          <p:childTnLst>
+            <p:seq>
+              <p:cTn id="26" nodeType="mainSeq"/>
+              <p:prevCondLst>
+                <p:cond delay="0" evt="onPrev">
+                  <p:tgtEl>
+                    <p:sldTgt/>
+                  </p:tgtEl>
+                </p:cond>
+              </p:prevCondLst>
+              <p:nextCondLst>
+                <p:cond delay="0" evt="onNext">
+                  <p:tgtEl>
+                    <p:sldTgt/>
+                  </p:tgtEl>
+                </p:cond>
+              </p:nextCondLst>
+            </p:seq>
+          </p:childTnLst>
+        </p:cTn>
+      </p:par>
+    </p:tnLst>
+  </p:timing>
+</p:sld>
+</file>
+
+<file path=ppt/slides/slide14.xml><?xml version="1.0" encoding="utf-8"?>
+<p:sld xmlns:a="http://schemas.openxmlformats.org/drawingml/2006/main" xmlns:p="http://schemas.openxmlformats.org/presentationml/2006/main" xmlns:r="http://schemas.openxmlformats.org/officeDocument/2006/relationships" xmlns:p14="http://schemas.microsoft.com/office/powerpoint/2010/main" xmlns:p15="http://schemas.microsoft.com/office/powerpoint/2012/main" xmlns:mc="http://schemas.openxmlformats.org/markup-compatibility/2006">
+  <p:cSld>
+    <p:spTree>
+      <p:nvGrpSpPr>
+        <p:cNvPr id="1" name=""/>
+        <p:cNvGrpSpPr/>
+        <p:nvPr/>
+      </p:nvGrpSpPr>
+      <p:grpSpPr>
+        <a:xfrm>
+          <a:off x="0" y="0"/>
+          <a:ext cx="0" cy="0"/>
+          <a:chOff x="0" y="0"/>
+          <a:chExt cx="0" cy="0"/>
+        </a:xfrm>
+      </p:grpSpPr>
+      <p:sp>
+        <p:nvSpPr>
+          <p:cNvPr id="145" name="CustomShape 1"/>
+          <p:cNvSpPr/>
+          <p:nvPr/>
+        </p:nvSpPr>
+        <p:spPr>
+          <a:xfrm>
+            <a:off x="781920" y="1124640"/>
+            <a:ext cx="7595280" cy="1142280"/>
+          </a:xfrm>
+          <a:prstGeom prst="rect">
+            <a:avLst/>
+          </a:prstGeom>
+          <a:noFill/>
+          <a:ln>
+            <a:noFill/>
+          </a:ln>
+        </p:spPr>
+        <p:style>
+          <a:lnRef idx="0"/>
+          <a:fillRef idx="0"/>
+          <a:effectRef idx="0"/>
+          <a:fontRef idx="minor"/>
+        </p:style>
         <p:txBody>
           <a:bodyPr lIns="0" rIns="0" tIns="0" bIns="0"/>
           <a:p>
@@ -8592,14 +9448,14 @@
                   <a:srgbClr val="ffffff"/>
                 </a:solidFill>
               </a:uFill>
-              <a:latin typeface="Corbel"/>
+              <a:latin typeface="Arial"/>
             </a:endParaRPr>
           </a:p>
         </p:txBody>
       </p:sp>
       <p:pic>
         <p:nvPicPr>
-          <p:cNvPr id="138" name="Tijdelijke aanduiding voor inhoud 3" descr=""/>
+          <p:cNvPr id="146" name="Tijdelijke aanduiding voor inhoud 3" descr=""/>
           <p:cNvPicPr/>
           <p:nvPr/>
         </p:nvPicPr>
@@ -8610,7 +9466,7 @@
         <p:spPr>
           <a:xfrm>
             <a:off x="781920" y="2394360"/>
-            <a:ext cx="8110080" cy="4449600"/>
+            <a:ext cx="8109720" cy="4449240"/>
           </a:xfrm>
           <a:prstGeom prst="rect">
             <a:avLst/>
@@ -8625,10 +9481,10 @@
   <p:timing>
     <p:tnLst>
       <p:par>
-        <p:cTn id="19" dur="indefinite" restart="never" nodeType="tmRoot">
+        <p:cTn id="27" dur="indefinite" restart="never" nodeType="tmRoot">
           <p:childTnLst>
             <p:seq>
-              <p:cTn id="20" nodeType="mainSeq"/>
+              <p:cTn id="28" nodeType="mainSeq"/>
               <p:prevCondLst>
                 <p:cond delay="0" evt="onPrev">
                   <p:tgtEl>
@@ -8671,14 +9527,14 @@
       </p:grpSpPr>
       <p:sp>
         <p:nvSpPr>
-          <p:cNvPr id="118" name="TextShape 1"/>
-          <p:cNvSpPr txBox="1"/>
+          <p:cNvPr id="117" name="CustomShape 1"/>
+          <p:cNvSpPr/>
           <p:nvPr/>
         </p:nvSpPr>
         <p:spPr>
           <a:xfrm>
-            <a:off x="774000" y="476640"/>
-            <a:ext cx="7595640" cy="1142640"/>
+            <a:off x="781920" y="1998360"/>
+            <a:ext cx="7595280" cy="1142280"/>
           </a:xfrm>
           <a:prstGeom prst="rect">
             <a:avLst/>
@@ -8688,6 +9544,12 @@
             <a:noFill/>
           </a:ln>
         </p:spPr>
+        <p:style>
+          <a:lnRef idx="0"/>
+          <a:fillRef idx="0"/>
+          <a:effectRef idx="0"/>
+          <a:fontRef idx="minor"/>
+        </p:style>
         <p:txBody>
           <a:bodyPr lIns="0" rIns="0" tIns="0" bIns="0"/>
           <a:p>
@@ -8708,82 +9570,12 @@
                 </a:uFill>
                 <a:latin typeface="Corbel"/>
               </a:rPr>
-              <a:t>Huidige situatie, bedrijfslaag </a:t>
+              <a:t>Sarphati </a:t>
             </a:r>
-            <a:endParaRPr b="0" lang="nl-NL" sz="1800" spc="-1" strike="noStrike">
-              <a:solidFill>
-                <a:srgbClr val="000000"/>
-              </a:solidFill>
-              <a:uFill>
-                <a:solidFill>
-                  <a:srgbClr val="ffffff"/>
-                </a:solidFill>
-              </a:uFill>
-              <a:latin typeface="Corbel"/>
-            </a:endParaRPr>
-          </a:p>
-        </p:txBody>
-      </p:sp>
-      <p:pic>
-        <p:nvPicPr>
-          <p:cNvPr id="119" name="Afbeelding 3" descr=""/>
-          <p:cNvPicPr/>
-          <p:nvPr/>
-        </p:nvPicPr>
-        <p:blipFill>
-          <a:blip r:embed="rId1"/>
-          <a:stretch/>
-        </p:blipFill>
-        <p:spPr>
-          <a:xfrm>
-            <a:off x="1407600" y="1064520"/>
-            <a:ext cx="6328440" cy="3982680"/>
-          </a:xfrm>
-          <a:prstGeom prst="rect">
-            <a:avLst/>
-          </a:prstGeom>
-          <a:ln>
-            <a:noFill/>
-          </a:ln>
-        </p:spPr>
-      </p:pic>
-      <p:sp>
-        <p:nvSpPr>
-          <p:cNvPr id="120" name="CustomShape 2"/>
-          <p:cNvSpPr/>
-          <p:nvPr/>
-        </p:nvSpPr>
-        <p:spPr>
-          <a:xfrm>
-            <a:off x="1432800" y="5589360"/>
-            <a:ext cx="6069600" cy="1097640"/>
-          </a:xfrm>
-          <a:prstGeom prst="rect">
-            <a:avLst/>
-          </a:prstGeom>
-          <a:noFill/>
-          <a:ln>
-            <a:noFill/>
-          </a:ln>
-        </p:spPr>
-        <p:style>
-          <a:lnRef idx="0"/>
-          <a:fillRef idx="0"/>
-          <a:effectRef idx="0"/>
-          <a:fontRef idx="minor"/>
-        </p:style>
-        <p:txBody>
-          <a:bodyPr wrap="none" lIns="0" rIns="0" tIns="0" bIns="0"/>
-          <a:p>
-            <a:pPr>
-              <a:lnSpc>
-                <a:spcPct val="100000"/>
-              </a:lnSpc>
-            </a:pPr>
             <a:r>
-              <a:rPr b="0" lang="nl-NL" sz="1800" spc="-1" strike="noStrike">
-                <a:solidFill>
-                  <a:srgbClr val="000000"/>
+              <a:rPr b="1" lang="en-US" sz="3500" spc="-1" strike="noStrike">
+                <a:solidFill>
+                  <a:srgbClr val="ff0000"/>
                 </a:solidFill>
                 <a:uFill>
                   <a:solidFill>
@@ -8792,30 +9584,12 @@
                 </a:uFill>
                 <a:latin typeface="Corbel"/>
               </a:rPr>
-              <a:t>Professionals die betrokken zijn bij een cliënt wisselen per e-mail</a:t>
+              <a:t>principles</a:t>
             </a:r>
-            <a:endParaRPr b="0" lang="nl-NL" sz="1800" spc="-1" strike="noStrike">
-              <a:solidFill>
-                <a:srgbClr val="000000"/>
-              </a:solidFill>
-              <a:uFill>
-                <a:solidFill>
-                  <a:srgbClr val="ffffff"/>
-                </a:solidFill>
-              </a:uFill>
-              <a:latin typeface="Arial"/>
-            </a:endParaRPr>
-          </a:p>
-          <a:p>
-            <a:pPr>
-              <a:lnSpc>
-                <a:spcPct val="100000"/>
-              </a:lnSpc>
-            </a:pPr>
             <a:r>
-              <a:rPr b="0" lang="nl-NL" sz="1800" spc="-1" strike="noStrike">
-                <a:solidFill>
-                  <a:srgbClr val="000000"/>
+              <a:rPr b="1" lang="nl-NL" sz="3500" spc="-1" strike="noStrike">
+                <a:solidFill>
+                  <a:srgbClr val="ff0000"/>
                 </a:solidFill>
                 <a:uFill>
                   <a:solidFill>
@@ -8824,7 +9598,7 @@
                 </a:uFill>
                 <a:latin typeface="Corbel"/>
               </a:rPr>
-              <a:t>informatie uit over de cliënt en zijn situatie</a:t>
+              <a:t>:</a:t>
             </a:r>
             <a:endParaRPr b="0" lang="nl-NL" sz="1800" spc="-1" strike="noStrike">
               <a:solidFill>
@@ -8839,20 +9613,15 @@
             </a:endParaRPr>
           </a:p>
           <a:p>
-            <a:pPr marL="285840" indent="-285480">
+            <a:pPr>
               <a:lnSpc>
                 <a:spcPct val="100000"/>
               </a:lnSpc>
-              <a:buClr>
-                <a:srgbClr val="000000"/>
-              </a:buClr>
-              <a:buFont typeface="Arial"/>
-              <a:buChar char="•"/>
             </a:pPr>
             <a:r>
-              <a:rPr b="0" lang="nl-NL" sz="1800" spc="-1" strike="noStrike">
-                <a:solidFill>
-                  <a:srgbClr val="000000"/>
+              <a:rPr b="1" lang="nl-NL" sz="3500" spc="-1" strike="noStrike">
+                <a:solidFill>
+                  <a:srgbClr val="ff0000"/>
                 </a:solidFill>
                 <a:uFill>
                   <a:solidFill>
@@ -8861,35 +9630,12 @@
                 </a:uFill>
                 <a:latin typeface="Corbel"/>
               </a:rPr>
-              <a:t>Vertrouwelijke informatie</a:t>
+              <a:t>– </a:t>
             </a:r>
-            <a:endParaRPr b="0" lang="nl-NL" sz="1800" spc="-1" strike="noStrike">
-              <a:solidFill>
-                <a:srgbClr val="000000"/>
-              </a:solidFill>
-              <a:uFill>
-                <a:solidFill>
-                  <a:srgbClr val="ffffff"/>
-                </a:solidFill>
-              </a:uFill>
-              <a:latin typeface="Arial"/>
-            </a:endParaRPr>
-          </a:p>
-          <a:p>
-            <a:pPr marL="285840" indent="-285480">
-              <a:lnSpc>
-                <a:spcPct val="100000"/>
-              </a:lnSpc>
-              <a:buClr>
-                <a:srgbClr val="000000"/>
-              </a:buClr>
-              <a:buFont typeface="Arial"/>
-              <a:buChar char="•"/>
-            </a:pPr>
             <a:r>
-              <a:rPr b="0" lang="nl-NL" sz="1800" spc="-1" strike="noStrike">
-                <a:solidFill>
-                  <a:srgbClr val="000000"/>
+              <a:rPr b="1" lang="nl-NL" sz="3500" spc="-1" strike="noStrike">
+                <a:solidFill>
+                  <a:srgbClr val="ff0000"/>
                 </a:solidFill>
                 <a:uFill>
                   <a:solidFill>
@@ -8898,7 +9644,7 @@
                 </a:uFill>
                 <a:latin typeface="Corbel"/>
               </a:rPr>
-              <a:t>Verschillende ketenpartners</a:t>
+              <a:t>Youth health</a:t>
             </a:r>
             <a:endParaRPr b="0" lang="nl-NL" sz="1800" spc="-1" strike="noStrike">
               <a:solidFill>
@@ -8912,7 +9658,327 @@
               <a:latin typeface="Arial"/>
             </a:endParaRPr>
           </a:p>
+          <a:p>
+            <a:pPr>
+              <a:lnSpc>
+                <a:spcPct val="100000"/>
+              </a:lnSpc>
+            </a:pPr>
+            <a:r>
+              <a:rPr b="1" lang="nl-NL" sz="3500" spc="-1" strike="noStrike">
+                <a:solidFill>
+                  <a:srgbClr val="ff0000"/>
+                </a:solidFill>
+                <a:uFill>
+                  <a:solidFill>
+                    <a:srgbClr val="ffffff"/>
+                  </a:solidFill>
+                </a:uFill>
+                <a:latin typeface="Corbel"/>
+              </a:rPr>
+              <a:t>– </a:t>
+            </a:r>
+            <a:r>
+              <a:rPr b="1" lang="nl-NL" sz="3500" spc="-1" strike="noStrike">
+                <a:solidFill>
+                  <a:srgbClr val="ff0000"/>
+                </a:solidFill>
+                <a:uFill>
+                  <a:solidFill>
+                    <a:srgbClr val="ffffff"/>
+                  </a:solidFill>
+                </a:uFill>
+                <a:latin typeface="Corbel"/>
+              </a:rPr>
+              <a:t>Informed consent</a:t>
+            </a:r>
+            <a:endParaRPr b="0" lang="nl-NL" sz="1800" spc="-1" strike="noStrike">
+              <a:solidFill>
+                <a:srgbClr val="000000"/>
+              </a:solidFill>
+              <a:uFill>
+                <a:solidFill>
+                  <a:srgbClr val="ffffff"/>
+                </a:solidFill>
+              </a:uFill>
+              <a:latin typeface="Arial"/>
+            </a:endParaRPr>
+          </a:p>
+          <a:p>
+            <a:pPr>
+              <a:lnSpc>
+                <a:spcPct val="100000"/>
+              </a:lnSpc>
+            </a:pPr>
+            <a:r>
+              <a:rPr b="1" lang="nl-NL" sz="3500" spc="-1" strike="noStrike">
+                <a:solidFill>
+                  <a:srgbClr val="ff0000"/>
+                </a:solidFill>
+                <a:uFill>
+                  <a:solidFill>
+                    <a:srgbClr val="ffffff"/>
+                  </a:solidFill>
+                </a:uFill>
+                <a:latin typeface="Corbel"/>
+              </a:rPr>
+              <a:t>– </a:t>
+            </a:r>
+            <a:r>
+              <a:rPr b="1" lang="nl-NL" sz="3500" spc="-1" strike="noStrike">
+                <a:solidFill>
+                  <a:srgbClr val="ff0000"/>
+                </a:solidFill>
+                <a:uFill>
+                  <a:solidFill>
+                    <a:srgbClr val="ffffff"/>
+                  </a:solidFill>
+                </a:uFill>
+                <a:latin typeface="Corbel"/>
+              </a:rPr>
+              <a:t>User engagement</a:t>
+            </a:r>
+            <a:endParaRPr b="0" lang="nl-NL" sz="1800" spc="-1" strike="noStrike">
+              <a:solidFill>
+                <a:srgbClr val="000000"/>
+              </a:solidFill>
+              <a:uFill>
+                <a:solidFill>
+                  <a:srgbClr val="ffffff"/>
+                </a:solidFill>
+              </a:uFill>
+              <a:latin typeface="Arial"/>
+            </a:endParaRPr>
+          </a:p>
+          <a:p>
+            <a:pPr>
+              <a:lnSpc>
+                <a:spcPct val="100000"/>
+              </a:lnSpc>
+            </a:pPr>
+            <a:r>
+              <a:rPr b="1" lang="nl-NL" sz="3500" spc="-1" strike="noStrike">
+                <a:solidFill>
+                  <a:srgbClr val="ff0000"/>
+                </a:solidFill>
+                <a:uFill>
+                  <a:solidFill>
+                    <a:srgbClr val="ffffff"/>
+                  </a:solidFill>
+                </a:uFill>
+                <a:latin typeface="Corbel"/>
+              </a:rPr>
+              <a:t>– </a:t>
+            </a:r>
+            <a:r>
+              <a:rPr b="1" lang="nl-NL" sz="3500" spc="-1" strike="noStrike">
+                <a:solidFill>
+                  <a:srgbClr val="ff0000"/>
+                </a:solidFill>
+                <a:uFill>
+                  <a:solidFill>
+                    <a:srgbClr val="ffffff"/>
+                  </a:solidFill>
+                </a:uFill>
+                <a:latin typeface="Corbel"/>
+              </a:rPr>
+              <a:t>Longitudinal research</a:t>
+            </a:r>
+            <a:endParaRPr b="0" lang="nl-NL" sz="1800" spc="-1" strike="noStrike">
+              <a:solidFill>
+                <a:srgbClr val="000000"/>
+              </a:solidFill>
+              <a:uFill>
+                <a:solidFill>
+                  <a:srgbClr val="ffffff"/>
+                </a:solidFill>
+              </a:uFill>
+              <a:latin typeface="Arial"/>
+            </a:endParaRPr>
+          </a:p>
+          <a:p>
+            <a:pPr>
+              <a:lnSpc>
+                <a:spcPct val="100000"/>
+              </a:lnSpc>
+            </a:pPr>
+            <a:r>
+              <a:rPr b="1" lang="nl-NL" sz="3500" spc="-1" strike="noStrike">
+                <a:solidFill>
+                  <a:srgbClr val="ff0000"/>
+                </a:solidFill>
+                <a:uFill>
+                  <a:solidFill>
+                    <a:srgbClr val="ffffff"/>
+                  </a:solidFill>
+                </a:uFill>
+                <a:latin typeface="Corbel"/>
+              </a:rPr>
+              <a:t>– </a:t>
+            </a:r>
+            <a:r>
+              <a:rPr b="1" lang="nl-NL" sz="3500" spc="-1" strike="noStrike">
+                <a:solidFill>
+                  <a:srgbClr val="ff0000"/>
+                </a:solidFill>
+                <a:uFill>
+                  <a:solidFill>
+                    <a:srgbClr val="ffffff"/>
+                  </a:solidFill>
+                </a:uFill>
+                <a:latin typeface="Corbel"/>
+              </a:rPr>
+              <a:t>Big data</a:t>
+            </a:r>
+            <a:endParaRPr b="0" lang="nl-NL" sz="1800" spc="-1" strike="noStrike">
+              <a:solidFill>
+                <a:srgbClr val="000000"/>
+              </a:solidFill>
+              <a:uFill>
+                <a:solidFill>
+                  <a:srgbClr val="ffffff"/>
+                </a:solidFill>
+              </a:uFill>
+              <a:latin typeface="Arial"/>
+            </a:endParaRPr>
+          </a:p>
+          <a:p>
+            <a:pPr>
+              <a:lnSpc>
+                <a:spcPct val="100000"/>
+              </a:lnSpc>
+            </a:pPr>
+            <a:r>
+              <a:rPr b="1" lang="nl-NL" sz="3500" spc="-1" strike="noStrike">
+                <a:solidFill>
+                  <a:srgbClr val="ff0000"/>
+                </a:solidFill>
+                <a:uFill>
+                  <a:solidFill>
+                    <a:srgbClr val="ffffff"/>
+                  </a:solidFill>
+                </a:uFill>
+                <a:latin typeface="Corbel"/>
+              </a:rPr>
+              <a:t>– </a:t>
+            </a:r>
+            <a:r>
+              <a:rPr b="1" lang="nl-NL" sz="3500" spc="-1" strike="noStrike">
+                <a:solidFill>
+                  <a:srgbClr val="ff0000"/>
+                </a:solidFill>
+                <a:uFill>
+                  <a:solidFill>
+                    <a:srgbClr val="ffffff"/>
+                  </a:solidFill>
+                </a:uFill>
+                <a:latin typeface="Corbel"/>
+              </a:rPr>
+              <a:t>Privacy by design</a:t>
+            </a:r>
+            <a:endParaRPr b="0" lang="nl-NL" sz="1800" spc="-1" strike="noStrike">
+              <a:solidFill>
+                <a:srgbClr val="000000"/>
+              </a:solidFill>
+              <a:uFill>
+                <a:solidFill>
+                  <a:srgbClr val="ffffff"/>
+                </a:solidFill>
+              </a:uFill>
+              <a:latin typeface="Arial"/>
+            </a:endParaRPr>
+          </a:p>
+          <a:p>
+            <a:pPr>
+              <a:lnSpc>
+                <a:spcPct val="100000"/>
+              </a:lnSpc>
+            </a:pPr>
+            <a:r>
+              <a:rPr b="1" lang="nl-NL" sz="3500" spc="-1" strike="noStrike">
+                <a:solidFill>
+                  <a:srgbClr val="ff0000"/>
+                </a:solidFill>
+                <a:uFill>
+                  <a:solidFill>
+                    <a:srgbClr val="ffffff"/>
+                  </a:solidFill>
+                </a:uFill>
+                <a:latin typeface="Corbel"/>
+              </a:rPr>
+              <a:t>– </a:t>
+            </a:r>
+            <a:r>
+              <a:rPr b="1" lang="nl-NL" sz="3500" spc="-1" strike="noStrike">
+                <a:solidFill>
+                  <a:srgbClr val="ff0000"/>
+                </a:solidFill>
+                <a:uFill>
+                  <a:solidFill>
+                    <a:srgbClr val="ffffff"/>
+                  </a:solidFill>
+                </a:uFill>
+                <a:latin typeface="Corbel"/>
+              </a:rPr>
+              <a:t>Security by design</a:t>
+            </a:r>
+            <a:endParaRPr b="0" lang="nl-NL" sz="1800" spc="-1" strike="noStrike">
+              <a:solidFill>
+                <a:srgbClr val="000000"/>
+              </a:solidFill>
+              <a:uFill>
+                <a:solidFill>
+                  <a:srgbClr val="ffffff"/>
+                </a:solidFill>
+              </a:uFill>
+              <a:latin typeface="Arial"/>
+            </a:endParaRPr>
+          </a:p>
+          <a:p>
+            <a:pPr>
+              <a:lnSpc>
+                <a:spcPct val="100000"/>
+              </a:lnSpc>
+            </a:pPr>
+            <a:endParaRPr b="0" lang="nl-NL" sz="1800" spc="-1" strike="noStrike">
+              <a:solidFill>
+                <a:srgbClr val="000000"/>
+              </a:solidFill>
+              <a:uFill>
+                <a:solidFill>
+                  <a:srgbClr val="ffffff"/>
+                </a:solidFill>
+              </a:uFill>
+              <a:latin typeface="Arial"/>
+            </a:endParaRPr>
+          </a:p>
         </p:txBody>
+      </p:sp>
+      <p:sp>
+        <p:nvSpPr>
+          <p:cNvPr id="118" name="CustomShape 2"/>
+          <p:cNvSpPr/>
+          <p:nvPr/>
+        </p:nvSpPr>
+        <p:spPr>
+          <a:xfrm>
+            <a:off x="781560" y="3367440"/>
+            <a:ext cx="7595280" cy="2786400"/>
+          </a:xfrm>
+          <a:prstGeom prst="rect">
+            <a:avLst/>
+          </a:prstGeom>
+          <a:noFill/>
+          <a:ln>
+            <a:noFill/>
+          </a:ln>
+        </p:spPr>
+        <p:style>
+          <a:lnRef idx="0"/>
+          <a:fillRef idx="0"/>
+          <a:effectRef idx="0"/>
+          <a:fontRef idx="minor"/>
+        </p:style>
       </p:sp>
     </p:spTree>
   </p:cSld>
@@ -8965,14 +10031,14 @@
       </p:grpSpPr>
       <p:sp>
         <p:nvSpPr>
-          <p:cNvPr id="121" name="TextShape 1"/>
-          <p:cNvSpPr txBox="1"/>
+          <p:cNvPr id="119" name="CustomShape 1"/>
+          <p:cNvSpPr/>
           <p:nvPr/>
         </p:nvSpPr>
         <p:spPr>
           <a:xfrm>
-            <a:off x="774000" y="188640"/>
-            <a:ext cx="7595640" cy="1142640"/>
+            <a:off x="781920" y="1998360"/>
+            <a:ext cx="7595280" cy="1142280"/>
           </a:xfrm>
           <a:prstGeom prst="rect">
             <a:avLst/>
@@ -8982,6 +10048,12 @@
             <a:noFill/>
           </a:ln>
         </p:spPr>
+        <p:style>
+          <a:lnRef idx="0"/>
+          <a:fillRef idx="0"/>
+          <a:effectRef idx="0"/>
+          <a:fontRef idx="minor"/>
+        </p:style>
         <p:txBody>
           <a:bodyPr lIns="0" rIns="0" tIns="0" bIns="0"/>
           <a:p>
@@ -9002,7 +10074,7 @@
                 </a:uFill>
                 <a:latin typeface="Corbel"/>
               </a:rPr>
-              <a:t>Doelsituatie, bedrijfslaag </a:t>
+              <a:t>ItforCare principes:</a:t>
             </a:r>
             <a:endParaRPr b="0" lang="nl-NL" sz="1800" spc="-1" strike="noStrike">
               <a:solidFill>
@@ -9013,38 +10085,9 @@
                   <a:srgbClr val="ffffff"/>
                 </a:solidFill>
               </a:uFill>
-              <a:latin typeface="Corbel"/>
-            </a:endParaRPr>
-          </a:p>
-        </p:txBody>
-      </p:sp>
-      <p:sp>
-        <p:nvSpPr>
-          <p:cNvPr id="122" name="CustomShape 2"/>
-          <p:cNvSpPr/>
-          <p:nvPr/>
-        </p:nvSpPr>
-        <p:spPr>
-          <a:xfrm>
-            <a:off x="1434240" y="5085360"/>
-            <a:ext cx="6040800" cy="1646280"/>
-          </a:xfrm>
-          <a:prstGeom prst="rect">
-            <a:avLst/>
-          </a:prstGeom>
-          <a:noFill/>
-          <a:ln>
-            <a:noFill/>
-          </a:ln>
-        </p:spPr>
-        <p:style>
-          <a:lnRef idx="0"/>
-          <a:fillRef idx="0"/>
-          <a:effectRef idx="0"/>
-          <a:fontRef idx="minor"/>
-        </p:style>
-        <p:txBody>
-          <a:bodyPr wrap="none" lIns="0" rIns="0" tIns="0" bIns="0"/>
+              <a:latin typeface="Arial"/>
+            </a:endParaRPr>
+          </a:p>
           <a:p>
             <a:pPr>
               <a:lnSpc>
@@ -9052,9 +10095,9 @@
               </a:lnSpc>
             </a:pPr>
             <a:r>
-              <a:rPr b="0" lang="nl-NL" sz="1800" spc="-1" strike="noStrike">
-                <a:solidFill>
-                  <a:srgbClr val="000000"/>
+              <a:rPr b="1" lang="nl-NL" sz="3500" spc="-1" strike="noStrike">
+                <a:solidFill>
+                  <a:srgbClr val="ff0000"/>
                 </a:solidFill>
                 <a:uFill>
                   <a:solidFill>
@@ -9063,30 +10106,12 @@
                 </a:uFill>
                 <a:latin typeface="Corbel"/>
               </a:rPr>
-              <a:t>Professionals die betrokken zijn bij een cliënt kunnen nog steeds</a:t>
+              <a:t>–  </a:t>
             </a:r>
-            <a:endParaRPr b="0" lang="nl-NL" sz="1800" spc="-1" strike="noStrike">
-              <a:solidFill>
-                <a:srgbClr val="000000"/>
-              </a:solidFill>
-              <a:uFill>
-                <a:solidFill>
-                  <a:srgbClr val="ffffff"/>
-                </a:solidFill>
-              </a:uFill>
-              <a:latin typeface="Arial"/>
-            </a:endParaRPr>
-          </a:p>
-          <a:p>
-            <a:pPr>
-              <a:lnSpc>
-                <a:spcPct val="100000"/>
-              </a:lnSpc>
-            </a:pPr>
             <a:r>
-              <a:rPr b="0" lang="nl-NL" sz="1800" spc="-1" strike="noStrike">
-                <a:solidFill>
-                  <a:srgbClr val="000000"/>
+              <a:rPr b="1" lang="nl-NL" sz="3500" spc="-1" strike="noStrike">
+                <a:solidFill>
+                  <a:srgbClr val="ff0000"/>
                 </a:solidFill>
                 <a:uFill>
                   <a:solidFill>
@@ -9095,7 +10120,7 @@
                 </a:uFill>
                 <a:latin typeface="Corbel"/>
               </a:rPr>
-              <a:t>informatie wisselen over de cliënt en zijn situatie. Maar nu</a:t>
+              <a:t>...</a:t>
             </a:r>
             <a:endParaRPr b="0" lang="nl-NL" sz="1800" spc="-1" strike="noStrike">
               <a:solidFill>
@@ -9110,30 +10135,11 @@
             </a:endParaRPr>
           </a:p>
           <a:p>
-            <a:pPr marL="285840" indent="-285480">
+            <a:pPr>
               <a:lnSpc>
                 <a:spcPct val="100000"/>
               </a:lnSpc>
-              <a:buClr>
-                <a:srgbClr val="000000"/>
-              </a:buClr>
-              <a:buFont typeface="Arial"/>
-              <a:buChar char="•"/>
             </a:pPr>
-            <a:r>
-              <a:rPr b="0" lang="nl-NL" sz="1800" spc="-1" strike="noStrike">
-                <a:solidFill>
-                  <a:srgbClr val="000000"/>
-                </a:solidFill>
-                <a:uFill>
-                  <a:solidFill>
-                    <a:srgbClr val="ffffff"/>
-                  </a:solidFill>
-                </a:uFill>
-                <a:latin typeface="Corbel"/>
-              </a:rPr>
-              <a:t>Goed beveiligd</a:t>
-            </a:r>
             <a:endParaRPr b="0" lang="nl-NL" sz="1800" spc="-1" strike="noStrike">
               <a:solidFill>
                 <a:srgbClr val="000000"/>
@@ -9146,142 +10152,34 @@
               <a:latin typeface="Arial"/>
             </a:endParaRPr>
           </a:p>
-          <a:p>
-            <a:pPr marL="285840" indent="-285480">
-              <a:lnSpc>
-                <a:spcPct val="100000"/>
-              </a:lnSpc>
-              <a:buClr>
-                <a:srgbClr val="000000"/>
-              </a:buClr>
-              <a:buFont typeface="Arial"/>
-              <a:buChar char="•"/>
-            </a:pPr>
-            <a:r>
-              <a:rPr b="0" lang="nl-NL" sz="1800" spc="-1" strike="noStrike">
-                <a:solidFill>
-                  <a:srgbClr val="000000"/>
-                </a:solidFill>
-                <a:uFill>
-                  <a:solidFill>
-                    <a:srgbClr val="ffffff"/>
-                  </a:solidFill>
-                </a:uFill>
-                <a:latin typeface="Corbel"/>
-              </a:rPr>
-              <a:t>Met bijlagen</a:t>
-            </a:r>
-            <a:endParaRPr b="0" lang="nl-NL" sz="1800" spc="-1" strike="noStrike">
-              <a:solidFill>
-                <a:srgbClr val="000000"/>
-              </a:solidFill>
-              <a:uFill>
-                <a:solidFill>
-                  <a:srgbClr val="ffffff"/>
-                </a:solidFill>
-              </a:uFill>
-              <a:latin typeface="Arial"/>
-            </a:endParaRPr>
-          </a:p>
-          <a:p>
-            <a:pPr marL="285840" indent="-285480">
-              <a:lnSpc>
-                <a:spcPct val="100000"/>
-              </a:lnSpc>
-              <a:buClr>
-                <a:srgbClr val="000000"/>
-              </a:buClr>
-              <a:buFont typeface="Arial"/>
-              <a:buChar char="•"/>
-            </a:pPr>
-            <a:r>
-              <a:rPr b="0" lang="nl-NL" sz="1800" spc="-1" strike="noStrike">
-                <a:solidFill>
-                  <a:srgbClr val="000000"/>
-                </a:solidFill>
-                <a:uFill>
-                  <a:solidFill>
-                    <a:srgbClr val="ffffff"/>
-                  </a:solidFill>
-                </a:uFill>
-                <a:latin typeface="Corbel"/>
-              </a:rPr>
-              <a:t>Gebruiksvriendelijk</a:t>
-            </a:r>
-            <a:endParaRPr b="0" lang="nl-NL" sz="1800" spc="-1" strike="noStrike">
-              <a:solidFill>
-                <a:srgbClr val="000000"/>
-              </a:solidFill>
-              <a:uFill>
-                <a:solidFill>
-                  <a:srgbClr val="ffffff"/>
-                </a:solidFill>
-              </a:uFill>
-              <a:latin typeface="Arial"/>
-            </a:endParaRPr>
-          </a:p>
-          <a:p>
-            <a:pPr marL="285840" indent="-285480">
-              <a:lnSpc>
-                <a:spcPct val="100000"/>
-              </a:lnSpc>
-              <a:buClr>
-                <a:srgbClr val="000000"/>
-              </a:buClr>
-              <a:buFont typeface="Arial"/>
-              <a:buChar char="•"/>
-            </a:pPr>
-            <a:r>
-              <a:rPr b="0" lang="nl-NL" sz="1800" spc="-1" strike="noStrike">
-                <a:solidFill>
-                  <a:srgbClr val="000000"/>
-                </a:solidFill>
-                <a:uFill>
-                  <a:solidFill>
-                    <a:srgbClr val="ffffff"/>
-                  </a:solidFill>
-                </a:uFill>
-                <a:latin typeface="Corbel"/>
-              </a:rPr>
-              <a:t>…</a:t>
-            </a:r>
-            <a:endParaRPr b="0" lang="nl-NL" sz="1800" spc="-1" strike="noStrike">
-              <a:solidFill>
-                <a:srgbClr val="000000"/>
-              </a:solidFill>
-              <a:uFill>
-                <a:solidFill>
-                  <a:srgbClr val="ffffff"/>
-                </a:solidFill>
-              </a:uFill>
-              <a:latin typeface="Arial"/>
-            </a:endParaRPr>
-          </a:p>
         </p:txBody>
       </p:sp>
-      <p:pic>
-        <p:nvPicPr>
-          <p:cNvPr id="123" name="Afbeelding 2" descr=""/>
-          <p:cNvPicPr/>
+      <p:sp>
+        <p:nvSpPr>
+          <p:cNvPr id="120" name="CustomShape 2"/>
+          <p:cNvSpPr/>
           <p:nvPr/>
-        </p:nvPicPr>
-        <p:blipFill>
-          <a:blip r:embed="rId1"/>
-          <a:stretch/>
-        </p:blipFill>
-        <p:spPr>
-          <a:xfrm>
-            <a:off x="1407600" y="764640"/>
-            <a:ext cx="6476400" cy="4291560"/>
+        </p:nvSpPr>
+        <p:spPr>
+          <a:xfrm>
+            <a:off x="781560" y="3367440"/>
+            <a:ext cx="7595280" cy="2786400"/>
           </a:xfrm>
           <a:prstGeom prst="rect">
             <a:avLst/>
           </a:prstGeom>
+          <a:noFill/>
           <a:ln>
             <a:noFill/>
           </a:ln>
         </p:spPr>
-      </p:pic>
+        <p:style>
+          <a:lnRef idx="0"/>
+          <a:fillRef idx="0"/>
+          <a:effectRef idx="0"/>
+          <a:fontRef idx="minor"/>
+        </p:style>
+      </p:sp>
     </p:spTree>
   </p:cSld>
   <p:timing>
@@ -9331,94 +10229,16 @@
           <a:chExt cx="0" cy="0"/>
         </a:xfrm>
       </p:grpSpPr>
-      <p:pic>
-        <p:nvPicPr>
-          <p:cNvPr id="124" name="Afbeelding 2" descr=""/>
-          <p:cNvPicPr/>
-          <p:nvPr/>
-        </p:nvPicPr>
-        <p:blipFill>
-          <a:blip r:embed="rId1"/>
-          <a:stretch/>
-        </p:blipFill>
-        <p:spPr>
-          <a:xfrm>
-            <a:off x="1187640" y="1124640"/>
-            <a:ext cx="6552360" cy="4282200"/>
-          </a:xfrm>
-          <a:prstGeom prst="rect">
-            <a:avLst/>
-          </a:prstGeom>
-          <a:ln>
-            <a:noFill/>
-          </a:ln>
-        </p:spPr>
-      </p:pic>
-      <p:sp>
-        <p:nvSpPr>
-          <p:cNvPr id="125" name="TextShape 1"/>
-          <p:cNvSpPr txBox="1"/>
-          <p:nvPr/>
-        </p:nvSpPr>
-        <p:spPr>
-          <a:xfrm>
-            <a:off x="774000" y="341640"/>
-            <a:ext cx="7595640" cy="1142640"/>
-          </a:xfrm>
-          <a:prstGeom prst="rect">
-            <a:avLst/>
-          </a:prstGeom>
-          <a:noFill/>
-          <a:ln>
-            <a:noFill/>
-          </a:ln>
-        </p:spPr>
-        <p:txBody>
-          <a:bodyPr lIns="0" rIns="0" tIns="0" bIns="0"/>
-          <a:p>
-            <a:pPr>
-              <a:lnSpc>
-                <a:spcPct val="100000"/>
-              </a:lnSpc>
-            </a:pPr>
-            <a:r>
-              <a:rPr b="1" lang="nl-NL" sz="3500" spc="-1" strike="noStrike">
-                <a:solidFill>
-                  <a:srgbClr val="ff0000"/>
-                </a:solidFill>
-                <a:uFill>
-                  <a:solidFill>
-                    <a:srgbClr val="ffffff"/>
-                  </a:solidFill>
-                </a:uFill>
-                <a:latin typeface="Corbel"/>
-              </a:rPr>
-              <a:t>Huidige situatie informatievoorziening</a:t>
-            </a:r>
-            <a:endParaRPr b="0" lang="nl-NL" sz="1800" spc="-1" strike="noStrike">
-              <a:solidFill>
-                <a:srgbClr val="000000"/>
-              </a:solidFill>
-              <a:uFill>
-                <a:solidFill>
-                  <a:srgbClr val="ffffff"/>
-                </a:solidFill>
-              </a:uFill>
-              <a:latin typeface="Corbel"/>
-            </a:endParaRPr>
-          </a:p>
-        </p:txBody>
-      </p:sp>
-      <p:sp>
-        <p:nvSpPr>
-          <p:cNvPr id="126" name="CustomShape 2"/>
+      <p:sp>
+        <p:nvSpPr>
+          <p:cNvPr id="121" name="CustomShape 1"/>
           <p:cNvSpPr/>
           <p:nvPr/>
         </p:nvSpPr>
         <p:spPr>
-          <a:xfrm flipH="1" flipV="1" rot="10800000">
-            <a:off x="8819640" y="6702840"/>
-            <a:ext cx="8352360" cy="1097640"/>
+          <a:xfrm>
+            <a:off x="756720" y="144000"/>
+            <a:ext cx="7595280" cy="1142280"/>
           </a:xfrm>
           <a:prstGeom prst="rect">
             <a:avLst/>
@@ -9437,20 +10257,15 @@
         <p:txBody>
           <a:bodyPr lIns="0" rIns="0" tIns="0" bIns="0"/>
           <a:p>
-            <a:pPr marL="285840" indent="-285480">
+            <a:pPr>
               <a:lnSpc>
                 <a:spcPct val="100000"/>
               </a:lnSpc>
-              <a:buClr>
-                <a:srgbClr val="000000"/>
-              </a:buClr>
-              <a:buFont typeface="Arial"/>
-              <a:buChar char="•"/>
             </a:pPr>
             <a:r>
-              <a:rPr b="0" lang="nl-NL" sz="1800" spc="-1" strike="noStrike">
-                <a:solidFill>
-                  <a:srgbClr val="000000"/>
+              <a:rPr b="1" lang="nl-NL" sz="3500" spc="-1" strike="noStrike">
+                <a:solidFill>
+                  <a:srgbClr val="ff0000"/>
                 </a:solidFill>
                 <a:uFill>
                   <a:solidFill>
@@ -9459,7 +10274,7 @@
                 </a:uFill>
                 <a:latin typeface="Corbel"/>
               </a:rPr>
-              <a:t>Uitwisseling van cliëntinformatie per email</a:t>
+              <a:t>Huidige situatie, proceslaag </a:t>
             </a:r>
             <a:endParaRPr b="0" lang="nl-NL" sz="1800" spc="-1" strike="noStrike">
               <a:solidFill>
@@ -9473,16 +10288,40 @@
               <a:latin typeface="Arial"/>
             </a:endParaRPr>
           </a:p>
-          <a:p>
-            <a:pPr marL="285840" indent="-285480">
+        </p:txBody>
+      </p:sp>
+      <p:sp>
+        <p:nvSpPr>
+          <p:cNvPr id="122" name="CustomShape 2"/>
+          <p:cNvSpPr/>
+          <p:nvPr/>
+        </p:nvSpPr>
+        <p:spPr>
+          <a:xfrm>
+            <a:off x="1432800" y="5589360"/>
+            <a:ext cx="6069240" cy="1097280"/>
+          </a:xfrm>
+          <a:prstGeom prst="rect">
+            <a:avLst/>
+          </a:prstGeom>
+          <a:noFill/>
+          <a:ln>
+            <a:noFill/>
+          </a:ln>
+        </p:spPr>
+        <p:style>
+          <a:lnRef idx="0"/>
+          <a:fillRef idx="0"/>
+          <a:effectRef idx="0"/>
+          <a:fontRef idx="minor"/>
+        </p:style>
+        <p:txBody>
+          <a:bodyPr wrap="none" lIns="0" rIns="0" tIns="0" bIns="0"/>
+          <a:p>
+            <a:pPr>
               <a:lnSpc>
                 <a:spcPct val="100000"/>
               </a:lnSpc>
-              <a:buClr>
-                <a:srgbClr val="000000"/>
-              </a:buClr>
-              <a:buFont typeface="Arial"/>
-              <a:buChar char="•"/>
             </a:pPr>
             <a:r>
               <a:rPr b="0" lang="nl-NL" sz="1800" spc="-1" strike="noStrike">
@@ -9495,8 +10334,9 @@
                   </a:solidFill>
                 </a:uFill>
                 <a:latin typeface="Corbel"/>
+                <a:ea typeface="DejaVu Sans"/>
               </a:rPr>
-              <a:t>Dus met het SMTP protocol over het Internet</a:t>
+              <a:t>Verifying parent identity is an extra task for the nurse practitioner.</a:t>
             </a:r>
             <a:endParaRPr b="0" lang="nl-NL" sz="1800" spc="-1" strike="noStrike">
               <a:solidFill>
@@ -9511,15 +10351,10 @@
             </a:endParaRPr>
           </a:p>
           <a:p>
-            <a:pPr marL="285840" indent="-285480">
+            <a:pPr>
               <a:lnSpc>
                 <a:spcPct val="100000"/>
               </a:lnSpc>
-              <a:buClr>
-                <a:srgbClr val="000000"/>
-              </a:buClr>
-              <a:buFont typeface="Arial"/>
-              <a:buChar char="•"/>
             </a:pPr>
             <a:r>
               <a:rPr b="0" lang="nl-NL" sz="1800" spc="-1" strike="noStrike">
@@ -9532,8 +10367,9 @@
                   </a:solidFill>
                 </a:uFill>
                 <a:latin typeface="Corbel"/>
+                <a:ea typeface="DejaVu Sans"/>
               </a:rPr>
-              <a:t>Dat wordt als onvoldoende secure beoordeeld</a:t>
+              <a:t>Consent and questionnaire data is gathered on paper.</a:t>
             </a:r>
             <a:endParaRPr b="0" lang="nl-NL" sz="1800" spc="-1" strike="noStrike">
               <a:solidFill>
@@ -9548,15 +10384,10 @@
             </a:endParaRPr>
           </a:p>
           <a:p>
-            <a:pPr marL="285840" indent="-285480">
+            <a:pPr>
               <a:lnSpc>
                 <a:spcPct val="100000"/>
               </a:lnSpc>
-              <a:buClr>
-                <a:srgbClr val="000000"/>
-              </a:buClr>
-              <a:buFont typeface="Arial"/>
-              <a:buChar char="•"/>
             </a:pPr>
             <a:r>
               <a:rPr b="0" lang="nl-NL" sz="1800" spc="-1" strike="noStrike">
@@ -9569,8 +10400,9 @@
                   </a:solidFill>
                 </a:uFill>
                 <a:latin typeface="Corbel"/>
+                <a:ea typeface="DejaVu Sans"/>
               </a:rPr>
-              <a:t>In ieder geval niet geschikt voor dit soort informatie</a:t>
+              <a:t>Data files are stored separately on network shares within the GGD LAN.</a:t>
             </a:r>
             <a:endParaRPr b="0" lang="nl-NL" sz="1800" spc="-1" strike="noStrike">
               <a:solidFill>
@@ -9584,8 +10416,64 @@
               <a:latin typeface="Arial"/>
             </a:endParaRPr>
           </a:p>
+          <a:p>
+            <a:pPr>
+              <a:lnSpc>
+                <a:spcPct val="100000"/>
+              </a:lnSpc>
+            </a:pPr>
+            <a:r>
+              <a:rPr b="0" lang="nl-NL" sz="1800" spc="-1" strike="noStrike">
+                <a:solidFill>
+                  <a:srgbClr val="000000"/>
+                </a:solidFill>
+                <a:uFill>
+                  <a:solidFill>
+                    <a:srgbClr val="ffffff"/>
+                  </a:solidFill>
+                </a:uFill>
+                <a:latin typeface="Corbel"/>
+                <a:ea typeface="DejaVu Sans"/>
+              </a:rPr>
+              <a:t>Datamanager manually combines the files into anonimized file for the researchers.</a:t>
+            </a:r>
+            <a:endParaRPr b="0" lang="nl-NL" sz="1800" spc="-1" strike="noStrike">
+              <a:solidFill>
+                <a:srgbClr val="000000"/>
+              </a:solidFill>
+              <a:uFill>
+                <a:solidFill>
+                  <a:srgbClr val="ffffff"/>
+                </a:solidFill>
+              </a:uFill>
+              <a:latin typeface="Arial"/>
+            </a:endParaRPr>
+          </a:p>
         </p:txBody>
       </p:sp>
+      <p:pic>
+        <p:nvPicPr>
+          <p:cNvPr id="123" name="" descr=""/>
+          <p:cNvPicPr/>
+          <p:nvPr/>
+        </p:nvPicPr>
+        <p:blipFill>
+          <a:blip r:embed="rId1"/>
+          <a:stretch/>
+        </p:blipFill>
+        <p:spPr>
+          <a:xfrm>
+            <a:off x="909000" y="792000"/>
+            <a:ext cx="7515000" cy="4885920"/>
+          </a:xfrm>
+          <a:prstGeom prst="rect">
+            <a:avLst/>
+          </a:prstGeom>
+          <a:ln>
+            <a:noFill/>
+          </a:ln>
+        </p:spPr>
+      </p:pic>
     </p:spTree>
   </p:cSld>
   <p:timing>
@@ -9637,14 +10525,14 @@
       </p:grpSpPr>
       <p:sp>
         <p:nvSpPr>
-          <p:cNvPr id="127" name="TextShape 1"/>
-          <p:cNvSpPr txBox="1"/>
+          <p:cNvPr id="124" name="CustomShape 1"/>
+          <p:cNvSpPr/>
           <p:nvPr/>
         </p:nvSpPr>
         <p:spPr>
           <a:xfrm>
-            <a:off x="781920" y="692640"/>
-            <a:ext cx="7595640" cy="1142640"/>
+            <a:off x="756720" y="144000"/>
+            <a:ext cx="7595280" cy="1142280"/>
           </a:xfrm>
           <a:prstGeom prst="rect">
             <a:avLst/>
@@ -9654,6 +10542,12 @@
             <a:noFill/>
           </a:ln>
         </p:spPr>
+        <p:style>
+          <a:lnRef idx="0"/>
+          <a:fillRef idx="0"/>
+          <a:effectRef idx="0"/>
+          <a:fontRef idx="minor"/>
+        </p:style>
         <p:txBody>
           <a:bodyPr lIns="0" rIns="0" tIns="0" bIns="0"/>
           <a:p>
@@ -9674,7 +10568,7 @@
                 </a:uFill>
                 <a:latin typeface="Corbel"/>
               </a:rPr>
-              <a:t>Optie SuwiMail</a:t>
+              <a:t>Doelsituatie, proceslaag </a:t>
             </a:r>
             <a:endParaRPr b="0" lang="nl-NL" sz="1800" spc="-1" strike="noStrike">
               <a:solidFill>
@@ -9685,14 +10579,142 @@
                   <a:srgbClr val="ffffff"/>
                 </a:solidFill>
               </a:uFill>
-              <a:latin typeface="Corbel"/>
+              <a:latin typeface="Arial"/>
+            </a:endParaRPr>
+          </a:p>
+        </p:txBody>
+      </p:sp>
+      <p:sp>
+        <p:nvSpPr>
+          <p:cNvPr id="125" name="CustomShape 2"/>
+          <p:cNvSpPr/>
+          <p:nvPr/>
+        </p:nvSpPr>
+        <p:spPr>
+          <a:xfrm>
+            <a:off x="1432800" y="5589360"/>
+            <a:ext cx="6069240" cy="1097280"/>
+          </a:xfrm>
+          <a:prstGeom prst="rect">
+            <a:avLst/>
+          </a:prstGeom>
+          <a:noFill/>
+          <a:ln>
+            <a:noFill/>
+          </a:ln>
+        </p:spPr>
+        <p:style>
+          <a:lnRef idx="0"/>
+          <a:fillRef idx="0"/>
+          <a:effectRef idx="0"/>
+          <a:fontRef idx="minor"/>
+        </p:style>
+        <p:txBody>
+          <a:bodyPr wrap="none" lIns="0" rIns="0" tIns="0" bIns="0"/>
+          <a:p>
+            <a:pPr>
+              <a:lnSpc>
+                <a:spcPct val="100000"/>
+              </a:lnSpc>
+            </a:pPr>
+            <a:r>
+              <a:rPr b="0" lang="nl-NL" sz="1800" spc="-1" strike="noStrike">
+                <a:solidFill>
+                  <a:srgbClr val="000000"/>
+                </a:solidFill>
+                <a:uFill>
+                  <a:solidFill>
+                    <a:srgbClr val="ffffff"/>
+                  </a:solidFill>
+                </a:uFill>
+                <a:latin typeface="Corbel"/>
+                <a:ea typeface="DejaVu Sans"/>
+              </a:rPr>
+              <a:t>Consent and questionnaire data is gathered digitally trough a (web) app.</a:t>
+            </a:r>
+            <a:endParaRPr b="0" lang="nl-NL" sz="1800" spc="-1" strike="noStrike">
+              <a:solidFill>
+                <a:srgbClr val="000000"/>
+              </a:solidFill>
+              <a:uFill>
+                <a:solidFill>
+                  <a:srgbClr val="ffffff"/>
+                </a:solidFill>
+              </a:uFill>
+              <a:latin typeface="Arial"/>
+            </a:endParaRPr>
+          </a:p>
+          <a:p>
+            <a:pPr>
+              <a:lnSpc>
+                <a:spcPct val="100000"/>
+              </a:lnSpc>
+            </a:pPr>
+            <a:r>
+              <a:rPr b="0" lang="nl-NL" sz="1800" spc="-1" strike="noStrike">
+                <a:solidFill>
+                  <a:srgbClr val="000000"/>
+                </a:solidFill>
+                <a:uFill>
+                  <a:solidFill>
+                    <a:srgbClr val="ffffff"/>
+                  </a:solidFill>
+                </a:uFill>
+                <a:latin typeface="Corbel"/>
+                <a:ea typeface="DejaVu Sans"/>
+              </a:rPr>
+              <a:t>Data is never stored on any accessible (network) drive, but in a secure database.</a:t>
+            </a:r>
+            <a:endParaRPr b="0" lang="nl-NL" sz="1800" spc="-1" strike="noStrike">
+              <a:solidFill>
+                <a:srgbClr val="000000"/>
+              </a:solidFill>
+              <a:uFill>
+                <a:solidFill>
+                  <a:srgbClr val="ffffff"/>
+                </a:solidFill>
+              </a:uFill>
+              <a:latin typeface="Arial"/>
+            </a:endParaRPr>
+          </a:p>
+          <a:p>
+            <a:pPr>
+              <a:lnSpc>
+                <a:spcPct val="100000"/>
+              </a:lnSpc>
+            </a:pPr>
+            <a:r>
+              <a:rPr b="0" lang="nl-NL" sz="1800" spc="-1" strike="noStrike">
+                <a:solidFill>
+                  <a:srgbClr val="000000"/>
+                </a:solidFill>
+                <a:uFill>
+                  <a:solidFill>
+                    <a:srgbClr val="ffffff"/>
+                  </a:solidFill>
+                </a:uFill>
+                <a:latin typeface="Corbel"/>
+                <a:ea typeface="DejaVu Sans"/>
+              </a:rPr>
+              <a:t>Anonimized data is made available to the researchers in a secure environment.</a:t>
+            </a:r>
+            <a:endParaRPr b="0" lang="nl-NL" sz="1800" spc="-1" strike="noStrike">
+              <a:solidFill>
+                <a:srgbClr val="000000"/>
+              </a:solidFill>
+              <a:uFill>
+                <a:solidFill>
+                  <a:srgbClr val="ffffff"/>
+                </a:solidFill>
+              </a:uFill>
+              <a:latin typeface="Arial"/>
             </a:endParaRPr>
           </a:p>
         </p:txBody>
       </p:sp>
       <p:pic>
         <p:nvPicPr>
-          <p:cNvPr id="128" name="Tijdelijke aanduiding voor inhoud 3" descr=""/>
+          <p:cNvPr id="126" name="" descr=""/>
           <p:cNvPicPr/>
           <p:nvPr/>
         </p:nvPicPr>
@@ -9702,8 +10724,8 @@
         </p:blipFill>
         <p:spPr>
           <a:xfrm>
-            <a:off x="1115640" y="1190160"/>
-            <a:ext cx="6840360" cy="5662440"/>
+            <a:off x="909000" y="792000"/>
+            <a:ext cx="7515000" cy="4885920"/>
           </a:xfrm>
           <a:prstGeom prst="rect">
             <a:avLst/>
@@ -9764,14 +10786,14 @@
       </p:grpSpPr>
       <p:sp>
         <p:nvSpPr>
-          <p:cNvPr id="129" name="TextShape 1"/>
-          <p:cNvSpPr txBox="1"/>
+          <p:cNvPr id="127" name="CustomShape 1"/>
+          <p:cNvSpPr/>
           <p:nvPr/>
         </p:nvSpPr>
         <p:spPr>
           <a:xfrm>
-            <a:off x="781920" y="620640"/>
-            <a:ext cx="7595640" cy="1142640"/>
+            <a:off x="756720" y="144000"/>
+            <a:ext cx="7595280" cy="1142280"/>
           </a:xfrm>
           <a:prstGeom prst="rect">
             <a:avLst/>
@@ -9781,6 +10803,12 @@
             <a:noFill/>
           </a:ln>
         </p:spPr>
+        <p:style>
+          <a:lnRef idx="0"/>
+          <a:fillRef idx="0"/>
+          <a:effectRef idx="0"/>
+          <a:fontRef idx="minor"/>
+        </p:style>
         <p:txBody>
           <a:bodyPr lIns="0" rIns="0" tIns="0" bIns="0"/>
           <a:p>
@@ -9801,7 +10829,7 @@
                 </a:uFill>
                 <a:latin typeface="Corbel"/>
               </a:rPr>
-              <a:t>Optie ShareFile</a:t>
+              <a:t>Huidige situatie, bedrijfslaag </a:t>
             </a:r>
             <a:endParaRPr b="0" lang="nl-NL" sz="1800" spc="-1" strike="noStrike">
               <a:solidFill>
@@ -9812,34 +10840,73 @@
                   <a:srgbClr val="ffffff"/>
                 </a:solidFill>
               </a:uFill>
-              <a:latin typeface="Corbel"/>
+              <a:latin typeface="Arial"/>
             </a:endParaRPr>
           </a:p>
         </p:txBody>
       </p:sp>
-      <p:pic>
-        <p:nvPicPr>
-          <p:cNvPr id="130" name="Tijdelijke aanduiding voor inhoud 5" descr=""/>
-          <p:cNvPicPr/>
+      <p:sp>
+        <p:nvSpPr>
+          <p:cNvPr id="128" name="CustomShape 2"/>
+          <p:cNvSpPr/>
           <p:nvPr/>
-        </p:nvPicPr>
-        <p:blipFill>
-          <a:blip r:embed="rId1"/>
-          <a:stretch/>
-        </p:blipFill>
-        <p:spPr>
-          <a:xfrm>
-            <a:off x="1403640" y="1866600"/>
-            <a:ext cx="7632360" cy="4955760"/>
+        </p:nvSpPr>
+        <p:spPr>
+          <a:xfrm>
+            <a:off x="1432800" y="5589360"/>
+            <a:ext cx="6069240" cy="1097280"/>
           </a:xfrm>
           <a:prstGeom prst="rect">
             <a:avLst/>
           </a:prstGeom>
+          <a:noFill/>
           <a:ln>
             <a:noFill/>
           </a:ln>
         </p:spPr>
-      </p:pic>
+        <p:style>
+          <a:lnRef idx="0"/>
+          <a:fillRef idx="0"/>
+          <a:effectRef idx="0"/>
+          <a:fontRef idx="minor"/>
+        </p:style>
+        <p:txBody>
+          <a:bodyPr wrap="none" lIns="0" rIns="0" tIns="0" bIns="0"/>
+          <a:p>
+            <a:pPr>
+              <a:lnSpc>
+                <a:spcPct val="100000"/>
+              </a:lnSpc>
+            </a:pPr>
+            <a:r>
+              <a:rPr b="0" lang="nl-NL" sz="1800" spc="-1" strike="noStrike">
+                <a:solidFill>
+                  <a:srgbClr val="000000"/>
+                </a:solidFill>
+                <a:uFill>
+                  <a:solidFill>
+                    <a:srgbClr val="ffffff"/>
+                  </a:solidFill>
+                </a:uFill>
+                <a:latin typeface="Corbel"/>
+                <a:ea typeface="DejaVu Sans"/>
+              </a:rPr>
+              <a:t>...</a:t>
+            </a:r>
+            <a:endParaRPr b="0" lang="nl-NL" sz="1800" spc="-1" strike="noStrike">
+              <a:solidFill>
+                <a:srgbClr val="000000"/>
+              </a:solidFill>
+              <a:uFill>
+                <a:solidFill>
+                  <a:srgbClr val="ffffff"/>
+                </a:solidFill>
+              </a:uFill>
+              <a:latin typeface="Arial"/>
+            </a:endParaRPr>
+          </a:p>
+        </p:txBody>
+      </p:sp>
     </p:spTree>
   </p:cSld>
   <p:timing>
@@ -9891,14 +10958,14 @@
       </p:grpSpPr>
       <p:sp>
         <p:nvSpPr>
-          <p:cNvPr id="131" name="TextShape 1"/>
-          <p:cNvSpPr txBox="1"/>
+          <p:cNvPr id="129" name="CustomShape 1"/>
+          <p:cNvSpPr/>
           <p:nvPr/>
         </p:nvSpPr>
         <p:spPr>
           <a:xfrm>
-            <a:off x="781920" y="620640"/>
-            <a:ext cx="7595640" cy="1142640"/>
+            <a:off x="756720" y="144000"/>
+            <a:ext cx="7595280" cy="1142280"/>
           </a:xfrm>
           <a:prstGeom prst="rect">
             <a:avLst/>
@@ -9908,6 +10975,12 @@
             <a:noFill/>
           </a:ln>
         </p:spPr>
+        <p:style>
+          <a:lnRef idx="0"/>
+          <a:fillRef idx="0"/>
+          <a:effectRef idx="0"/>
+          <a:fontRef idx="minor"/>
+        </p:style>
         <p:txBody>
           <a:bodyPr lIns="0" rIns="0" tIns="0" bIns="0"/>
           <a:p>
@@ -9928,7 +11001,7 @@
                 </a:uFill>
                 <a:latin typeface="Corbel"/>
               </a:rPr>
-              <a:t>Optie DocZend</a:t>
+              <a:t>Doelsituatie, bedrijfslaag </a:t>
             </a:r>
             <a:endParaRPr b="0" lang="nl-NL" sz="1800" spc="-1" strike="noStrike">
               <a:solidFill>
@@ -9939,34 +11012,73 @@
                   <a:srgbClr val="ffffff"/>
                 </a:solidFill>
               </a:uFill>
-              <a:latin typeface="Corbel"/>
+              <a:latin typeface="Arial"/>
             </a:endParaRPr>
           </a:p>
         </p:txBody>
       </p:sp>
-      <p:pic>
-        <p:nvPicPr>
-          <p:cNvPr id="132" name="Tijdelijke aanduiding voor inhoud 3" descr=""/>
-          <p:cNvPicPr/>
+      <p:sp>
+        <p:nvSpPr>
+          <p:cNvPr id="130" name="CustomShape 2"/>
+          <p:cNvSpPr/>
           <p:nvPr/>
-        </p:nvPicPr>
-        <p:blipFill>
-          <a:blip r:embed="rId1"/>
-          <a:stretch/>
-        </p:blipFill>
-        <p:spPr>
-          <a:xfrm>
-            <a:off x="1763640" y="1401120"/>
-            <a:ext cx="7380000" cy="5431320"/>
+        </p:nvSpPr>
+        <p:spPr>
+          <a:xfrm>
+            <a:off x="1432800" y="5589360"/>
+            <a:ext cx="6069240" cy="1097280"/>
           </a:xfrm>
           <a:prstGeom prst="rect">
             <a:avLst/>
           </a:prstGeom>
+          <a:noFill/>
           <a:ln>
             <a:noFill/>
           </a:ln>
         </p:spPr>
-      </p:pic>
+        <p:style>
+          <a:lnRef idx="0"/>
+          <a:fillRef idx="0"/>
+          <a:effectRef idx="0"/>
+          <a:fontRef idx="minor"/>
+        </p:style>
+        <p:txBody>
+          <a:bodyPr wrap="none" lIns="0" rIns="0" tIns="0" bIns="0"/>
+          <a:p>
+            <a:pPr>
+              <a:lnSpc>
+                <a:spcPct val="100000"/>
+              </a:lnSpc>
+            </a:pPr>
+            <a:r>
+              <a:rPr b="0" lang="nl-NL" sz="1800" spc="-1" strike="noStrike">
+                <a:solidFill>
+                  <a:srgbClr val="000000"/>
+                </a:solidFill>
+                <a:uFill>
+                  <a:solidFill>
+                    <a:srgbClr val="ffffff"/>
+                  </a:solidFill>
+                </a:uFill>
+                <a:latin typeface="Corbel"/>
+                <a:ea typeface="DejaVu Sans"/>
+              </a:rPr>
+              <a:t>...</a:t>
+            </a:r>
+            <a:endParaRPr b="0" lang="nl-NL" sz="1800" spc="-1" strike="noStrike">
+              <a:solidFill>
+                <a:srgbClr val="000000"/>
+              </a:solidFill>
+              <a:uFill>
+                <a:solidFill>
+                  <a:srgbClr val="ffffff"/>
+                </a:solidFill>
+              </a:uFill>
+              <a:latin typeface="Arial"/>
+            </a:endParaRPr>
+          </a:p>
+        </p:txBody>
+      </p:sp>
     </p:spTree>
   </p:cSld>
   <p:timing>
@@ -10018,14 +11130,14 @@
       </p:grpSpPr>
       <p:sp>
         <p:nvSpPr>
-          <p:cNvPr id="133" name="TextShape 1"/>
-          <p:cNvSpPr txBox="1"/>
+          <p:cNvPr id="131" name="CustomShape 1"/>
+          <p:cNvSpPr/>
           <p:nvPr/>
         </p:nvSpPr>
         <p:spPr>
           <a:xfrm>
-            <a:off x="781920" y="1998360"/>
-            <a:ext cx="7595640" cy="1142640"/>
+            <a:off x="774000" y="188640"/>
+            <a:ext cx="7595280" cy="1142280"/>
           </a:xfrm>
           <a:prstGeom prst="rect">
             <a:avLst/>
@@ -10035,6 +11147,12 @@
             <a:noFill/>
           </a:ln>
         </p:spPr>
+        <p:style>
+          <a:lnRef idx="0"/>
+          <a:fillRef idx="0"/>
+          <a:effectRef idx="0"/>
+          <a:fontRef idx="minor"/>
+        </p:style>
         <p:txBody>
           <a:bodyPr lIns="0" rIns="0" tIns="0" bIns="0"/>
           <a:p>
@@ -10055,7 +11173,7 @@
                 </a:uFill>
                 <a:latin typeface="Corbel"/>
               </a:rPr>
-              <a:t>Optie ZorgMail</a:t>
+              <a:t>Doelsituatie, bedrijfslaag </a:t>
             </a:r>
             <a:endParaRPr b="0" lang="nl-NL" sz="1800" spc="-1" strike="noStrike">
               <a:solidFill>
@@ -10066,21 +11184,21 @@
                   <a:srgbClr val="ffffff"/>
                 </a:solidFill>
               </a:uFill>
-              <a:latin typeface="Corbel"/>
+              <a:latin typeface="Arial"/>
             </a:endParaRPr>
           </a:p>
         </p:txBody>
       </p:sp>
       <p:sp>
         <p:nvSpPr>
-          <p:cNvPr id="134" name="TextShape 2"/>
-          <p:cNvSpPr txBox="1"/>
+          <p:cNvPr id="132" name="CustomShape 2"/>
+          <p:cNvSpPr/>
           <p:nvPr/>
         </p:nvSpPr>
         <p:spPr>
           <a:xfrm>
-            <a:off x="781560" y="3367440"/>
-            <a:ext cx="7595640" cy="2786760"/>
+            <a:off x="1434240" y="5085360"/>
+            <a:ext cx="6040440" cy="1645920"/>
           </a:xfrm>
           <a:prstGeom prst="rect">
             <a:avLst/>
@@ -10090,23 +11208,257 @@
             <a:noFill/>
           </a:ln>
         </p:spPr>
+        <p:style>
+          <a:lnRef idx="0"/>
+          <a:fillRef idx="0"/>
+          <a:effectRef idx="0"/>
+          <a:fontRef idx="minor"/>
+        </p:style>
         <p:txBody>
-          <a:bodyPr lIns="0" rIns="0" tIns="0" bIns="0"/>
-          <a:p>
-            <a:endParaRPr b="0" lang="nl-NL" sz="2200" spc="-1" strike="noStrike">
-              <a:solidFill>
-                <a:srgbClr val="000000"/>
-              </a:solidFill>
-              <a:uFill>
-                <a:solidFill>
-                  <a:srgbClr val="ffffff"/>
-                </a:solidFill>
-              </a:uFill>
-              <a:latin typeface="Corbel"/>
+          <a:bodyPr wrap="none" lIns="0" rIns="0" tIns="0" bIns="0"/>
+          <a:p>
+            <a:pPr>
+              <a:lnSpc>
+                <a:spcPct val="100000"/>
+              </a:lnSpc>
+            </a:pPr>
+            <a:r>
+              <a:rPr b="0" lang="nl-NL" sz="1800" spc="-1" strike="noStrike">
+                <a:solidFill>
+                  <a:srgbClr val="000000"/>
+                </a:solidFill>
+                <a:uFill>
+                  <a:solidFill>
+                    <a:srgbClr val="ffffff"/>
+                  </a:solidFill>
+                </a:uFill>
+                <a:latin typeface="Corbel"/>
+                <a:ea typeface="DejaVu Sans"/>
+              </a:rPr>
+              <a:t>Professionals die betrokken zijn bij een cliënt kunnen nog steeds</a:t>
+            </a:r>
+            <a:endParaRPr b="0" lang="nl-NL" sz="1800" spc="-1" strike="noStrike">
+              <a:solidFill>
+                <a:srgbClr val="000000"/>
+              </a:solidFill>
+              <a:uFill>
+                <a:solidFill>
+                  <a:srgbClr val="ffffff"/>
+                </a:solidFill>
+              </a:uFill>
+              <a:latin typeface="Arial"/>
+            </a:endParaRPr>
+          </a:p>
+          <a:p>
+            <a:pPr>
+              <a:lnSpc>
+                <a:spcPct val="100000"/>
+              </a:lnSpc>
+            </a:pPr>
+            <a:r>
+              <a:rPr b="0" lang="nl-NL" sz="1800" spc="-1" strike="noStrike">
+                <a:solidFill>
+                  <a:srgbClr val="000000"/>
+                </a:solidFill>
+                <a:uFill>
+                  <a:solidFill>
+                    <a:srgbClr val="ffffff"/>
+                  </a:solidFill>
+                </a:uFill>
+                <a:latin typeface="Corbel"/>
+                <a:ea typeface="DejaVu Sans"/>
+              </a:rPr>
+              <a:t>informatie wisselen over de cliënt en zijn situatie. Maar nu</a:t>
+            </a:r>
+            <a:endParaRPr b="0" lang="nl-NL" sz="1800" spc="-1" strike="noStrike">
+              <a:solidFill>
+                <a:srgbClr val="000000"/>
+              </a:solidFill>
+              <a:uFill>
+                <a:solidFill>
+                  <a:srgbClr val="ffffff"/>
+                </a:solidFill>
+              </a:uFill>
+              <a:latin typeface="Arial"/>
+            </a:endParaRPr>
+          </a:p>
+          <a:p>
+            <a:pPr marL="285840" indent="-285120">
+              <a:lnSpc>
+                <a:spcPct val="100000"/>
+              </a:lnSpc>
+              <a:buClr>
+                <a:srgbClr val="000000"/>
+              </a:buClr>
+              <a:buFont typeface="Arial"/>
+              <a:buChar char="•"/>
+            </a:pPr>
+            <a:r>
+              <a:rPr b="0" lang="nl-NL" sz="1800" spc="-1" strike="noStrike">
+                <a:solidFill>
+                  <a:srgbClr val="000000"/>
+                </a:solidFill>
+                <a:uFill>
+                  <a:solidFill>
+                    <a:srgbClr val="ffffff"/>
+                  </a:solidFill>
+                </a:uFill>
+                <a:latin typeface="Corbel"/>
+                <a:ea typeface="DejaVu Sans"/>
+              </a:rPr>
+              <a:t>Goed beveiligd</a:t>
+            </a:r>
+            <a:endParaRPr b="0" lang="nl-NL" sz="1800" spc="-1" strike="noStrike">
+              <a:solidFill>
+                <a:srgbClr val="000000"/>
+              </a:solidFill>
+              <a:uFill>
+                <a:solidFill>
+                  <a:srgbClr val="ffffff"/>
+                </a:solidFill>
+              </a:uFill>
+              <a:latin typeface="Arial"/>
+            </a:endParaRPr>
+          </a:p>
+          <a:p>
+            <a:pPr marL="285840" indent="-285120">
+              <a:lnSpc>
+                <a:spcPct val="100000"/>
+              </a:lnSpc>
+              <a:buClr>
+                <a:srgbClr val="000000"/>
+              </a:buClr>
+              <a:buFont typeface="Arial"/>
+              <a:buChar char="•"/>
+            </a:pPr>
+            <a:r>
+              <a:rPr b="0" lang="nl-NL" sz="1800" spc="-1" strike="noStrike">
+                <a:solidFill>
+                  <a:srgbClr val="000000"/>
+                </a:solidFill>
+                <a:uFill>
+                  <a:solidFill>
+                    <a:srgbClr val="ffffff"/>
+                  </a:solidFill>
+                </a:uFill>
+                <a:latin typeface="Corbel"/>
+                <a:ea typeface="DejaVu Sans"/>
+              </a:rPr>
+              <a:t>Met bijlagen</a:t>
+            </a:r>
+            <a:endParaRPr b="0" lang="nl-NL" sz="1800" spc="-1" strike="noStrike">
+              <a:solidFill>
+                <a:srgbClr val="000000"/>
+              </a:solidFill>
+              <a:uFill>
+                <a:solidFill>
+                  <a:srgbClr val="ffffff"/>
+                </a:solidFill>
+              </a:uFill>
+              <a:latin typeface="Arial"/>
+            </a:endParaRPr>
+          </a:p>
+          <a:p>
+            <a:pPr marL="285840" indent="-285120">
+              <a:lnSpc>
+                <a:spcPct val="100000"/>
+              </a:lnSpc>
+              <a:buClr>
+                <a:srgbClr val="000000"/>
+              </a:buClr>
+              <a:buFont typeface="Arial"/>
+              <a:buChar char="•"/>
+            </a:pPr>
+            <a:r>
+              <a:rPr b="0" lang="nl-NL" sz="1800" spc="-1" strike="noStrike">
+                <a:solidFill>
+                  <a:srgbClr val="000000"/>
+                </a:solidFill>
+                <a:uFill>
+                  <a:solidFill>
+                    <a:srgbClr val="ffffff"/>
+                  </a:solidFill>
+                </a:uFill>
+                <a:latin typeface="Corbel"/>
+                <a:ea typeface="DejaVu Sans"/>
+              </a:rPr>
+              <a:t>Gebruiksvriendelijk</a:t>
+            </a:r>
+            <a:endParaRPr b="0" lang="nl-NL" sz="1800" spc="-1" strike="noStrike">
+              <a:solidFill>
+                <a:srgbClr val="000000"/>
+              </a:solidFill>
+              <a:uFill>
+                <a:solidFill>
+                  <a:srgbClr val="ffffff"/>
+                </a:solidFill>
+              </a:uFill>
+              <a:latin typeface="Arial"/>
+            </a:endParaRPr>
+          </a:p>
+          <a:p>
+            <a:pPr marL="285840" indent="-285120">
+              <a:lnSpc>
+                <a:spcPct val="100000"/>
+              </a:lnSpc>
+              <a:buClr>
+                <a:srgbClr val="000000"/>
+              </a:buClr>
+              <a:buFont typeface="Arial"/>
+              <a:buChar char="•"/>
+            </a:pPr>
+            <a:r>
+              <a:rPr b="0" lang="nl-NL" sz="1800" spc="-1" strike="noStrike">
+                <a:solidFill>
+                  <a:srgbClr val="000000"/>
+                </a:solidFill>
+                <a:uFill>
+                  <a:solidFill>
+                    <a:srgbClr val="ffffff"/>
+                  </a:solidFill>
+                </a:uFill>
+                <a:latin typeface="Corbel"/>
+                <a:ea typeface="DejaVu Sans"/>
+              </a:rPr>
+              <a:t>…</a:t>
+            </a:r>
+            <a:endParaRPr b="0" lang="nl-NL" sz="1800" spc="-1" strike="noStrike">
+              <a:solidFill>
+                <a:srgbClr val="000000"/>
+              </a:solidFill>
+              <a:uFill>
+                <a:solidFill>
+                  <a:srgbClr val="ffffff"/>
+                </a:solidFill>
+              </a:uFill>
+              <a:latin typeface="Arial"/>
             </a:endParaRPr>
           </a:p>
         </p:txBody>
       </p:sp>
+      <p:pic>
+        <p:nvPicPr>
+          <p:cNvPr id="133" name="Afbeelding 2" descr=""/>
+          <p:cNvPicPr/>
+          <p:nvPr/>
+        </p:nvPicPr>
+        <p:blipFill>
+          <a:blip r:embed="rId1"/>
+          <a:stretch/>
+        </p:blipFill>
+        <p:spPr>
+          <a:xfrm>
+            <a:off x="1407600" y="764640"/>
+            <a:ext cx="6476040" cy="4291200"/>
+          </a:xfrm>
+          <a:prstGeom prst="rect">
+            <a:avLst/>
+          </a:prstGeom>
+          <a:ln>
+            <a:noFill/>
+          </a:ln>
+        </p:spPr>
+      </p:pic>
     </p:spTree>
   </p:cSld>
   <p:timing>
@@ -10156,16 +11508,39 @@
           <a:chExt cx="0" cy="0"/>
         </a:xfrm>
       </p:grpSpPr>
-      <p:sp>
-        <p:nvSpPr>
-          <p:cNvPr id="135" name="TextShape 1"/>
-          <p:cNvSpPr txBox="1"/>
+      <p:pic>
+        <p:nvPicPr>
+          <p:cNvPr id="134" name="Afbeelding 2" descr=""/>
+          <p:cNvPicPr/>
           <p:nvPr/>
-        </p:nvSpPr>
-        <p:spPr>
-          <a:xfrm>
-            <a:off x="781920" y="1998360"/>
-            <a:ext cx="7595640" cy="1142640"/>
+        </p:nvPicPr>
+        <p:blipFill>
+          <a:blip r:embed="rId1"/>
+          <a:stretch/>
+        </p:blipFill>
+        <p:spPr>
+          <a:xfrm>
+            <a:off x="1187640" y="1124640"/>
+            <a:ext cx="6552000" cy="4281840"/>
+          </a:xfrm>
+          <a:prstGeom prst="rect">
+            <a:avLst/>
+          </a:prstGeom>
+          <a:ln>
+            <a:noFill/>
+          </a:ln>
+        </p:spPr>
+      </p:pic>
+      <p:sp>
+        <p:nvSpPr>
+          <p:cNvPr id="135" name="CustomShape 1"/>
+          <p:cNvSpPr/>
+          <p:nvPr/>
+        </p:nvSpPr>
+        <p:spPr>
+          <a:xfrm>
+            <a:off x="774000" y="341640"/>
+            <a:ext cx="7595280" cy="1142280"/>
           </a:xfrm>
           <a:prstGeom prst="rect">
             <a:avLst/>
@@ -10175,6 +11550,12 @@
             <a:noFill/>
           </a:ln>
         </p:spPr>
+        <p:style>
+          <a:lnRef idx="0"/>
+          <a:fillRef idx="0"/>
+          <a:effectRef idx="0"/>
+          <a:fontRef idx="minor"/>
+        </p:style>
         <p:txBody>
           <a:bodyPr lIns="0" rIns="0" tIns="0" bIns="0"/>
           <a:p>
@@ -10195,7 +11576,7 @@
                 </a:uFill>
                 <a:latin typeface="Corbel"/>
               </a:rPr>
-              <a:t>Optie VeiligOversteken.nl</a:t>
+              <a:t>Huidige situatie informatievoorziening</a:t>
             </a:r>
             <a:endParaRPr b="0" lang="nl-NL" sz="1800" spc="-1" strike="noStrike">
               <a:solidFill>
@@ -10206,21 +11587,21 @@
                   <a:srgbClr val="ffffff"/>
                 </a:solidFill>
               </a:uFill>
-              <a:latin typeface="Corbel"/>
+              <a:latin typeface="Arial"/>
             </a:endParaRPr>
           </a:p>
         </p:txBody>
       </p:sp>
       <p:sp>
         <p:nvSpPr>
-          <p:cNvPr id="136" name="TextShape 2"/>
-          <p:cNvSpPr txBox="1"/>
+          <p:cNvPr id="136" name="CustomShape 2"/>
+          <p:cNvSpPr/>
           <p:nvPr/>
         </p:nvSpPr>
         <p:spPr>
-          <a:xfrm>
-            <a:off x="781560" y="3367440"/>
-            <a:ext cx="7595640" cy="2786760"/>
+          <a:xfrm flipH="1" flipV="1" rot="10800000">
+            <a:off x="17172000" y="7800480"/>
+            <a:ext cx="8352000" cy="1097280"/>
           </a:xfrm>
           <a:prstGeom prst="rect">
             <a:avLst/>
@@ -10230,19 +11611,164 @@
             <a:noFill/>
           </a:ln>
         </p:spPr>
+        <p:style>
+          <a:lnRef idx="0"/>
+          <a:fillRef idx="0"/>
+          <a:effectRef idx="0"/>
+          <a:fontRef idx="minor"/>
+        </p:style>
         <p:txBody>
           <a:bodyPr lIns="0" rIns="0" tIns="0" bIns="0"/>
           <a:p>
-            <a:endParaRPr b="0" lang="nl-NL" sz="2200" spc="-1" strike="noStrike">
-              <a:solidFill>
-                <a:srgbClr val="000000"/>
-              </a:solidFill>
-              <a:uFill>
-                <a:solidFill>
-                  <a:srgbClr val="ffffff"/>
-                </a:solidFill>
-              </a:uFill>
-              <a:latin typeface="Corbel"/>
+            <a:pPr marL="285840" indent="-285120">
+              <a:lnSpc>
+                <a:spcPct val="100000"/>
+              </a:lnSpc>
+              <a:buClr>
+                <a:srgbClr val="000000"/>
+              </a:buClr>
+              <a:buFont typeface="Arial"/>
+              <a:buChar char="•"/>
+            </a:pPr>
+            <a:r>
+              <a:rPr b="0" lang="nl-NL" sz="1800" spc="-1" strike="noStrike">
+                <a:solidFill>
+                  <a:srgbClr val="000000"/>
+                </a:solidFill>
+                <a:uFill>
+                  <a:solidFill>
+                    <a:srgbClr val="ffffff"/>
+                  </a:solidFill>
+                </a:uFill>
+                <a:latin typeface="Corbel"/>
+                <a:ea typeface="DejaVu Sans"/>
+              </a:rPr>
+              <a:t>Uitwisseling van cliëntinformatie per email</a:t>
+            </a:r>
+            <a:endParaRPr b="0" lang="nl-NL" sz="1800" spc="-1" strike="noStrike">
+              <a:solidFill>
+                <a:srgbClr val="000000"/>
+              </a:solidFill>
+              <a:uFill>
+                <a:solidFill>
+                  <a:srgbClr val="ffffff"/>
+                </a:solidFill>
+              </a:uFill>
+              <a:latin typeface="Arial"/>
+            </a:endParaRPr>
+          </a:p>
+          <a:p>
+            <a:pPr marL="285840" indent="-285120">
+              <a:lnSpc>
+                <a:spcPct val="100000"/>
+              </a:lnSpc>
+              <a:buClr>
+                <a:srgbClr val="000000"/>
+              </a:buClr>
+              <a:buFont typeface="Arial"/>
+              <a:buChar char="•"/>
+            </a:pPr>
+            <a:r>
+              <a:rPr b="0" lang="nl-NL" sz="1800" spc="-1" strike="noStrike">
+                <a:solidFill>
+                  <a:srgbClr val="000000"/>
+                </a:solidFill>
+                <a:uFill>
+                  <a:solidFill>
+                    <a:srgbClr val="ffffff"/>
+                  </a:solidFill>
+                </a:uFill>
+                <a:latin typeface="Corbel"/>
+                <a:ea typeface="DejaVu Sans"/>
+              </a:rPr>
+              <a:t>Dus met het SMTP protocol over het Internet</a:t>
+            </a:r>
+            <a:endParaRPr b="0" lang="nl-NL" sz="1800" spc="-1" strike="noStrike">
+              <a:solidFill>
+                <a:srgbClr val="000000"/>
+              </a:solidFill>
+              <a:uFill>
+                <a:solidFill>
+                  <a:srgbClr val="ffffff"/>
+                </a:solidFill>
+              </a:uFill>
+              <a:latin typeface="Arial"/>
+            </a:endParaRPr>
+          </a:p>
+          <a:p>
+            <a:pPr marL="285840" indent="-285120">
+              <a:lnSpc>
+                <a:spcPct val="100000"/>
+              </a:lnSpc>
+              <a:buClr>
+                <a:srgbClr val="000000"/>
+              </a:buClr>
+              <a:buFont typeface="Arial"/>
+              <a:buChar char="•"/>
+            </a:pPr>
+            <a:r>
+              <a:rPr b="0" lang="nl-NL" sz="1800" spc="-1" strike="noStrike">
+                <a:solidFill>
+                  <a:srgbClr val="000000"/>
+                </a:solidFill>
+                <a:uFill>
+                  <a:solidFill>
+                    <a:srgbClr val="ffffff"/>
+                  </a:solidFill>
+                </a:uFill>
+                <a:latin typeface="Corbel"/>
+                <a:ea typeface="DejaVu Sans"/>
+              </a:rPr>
+              <a:t>Dat wordt als onvoldoende secure beoordeeld</a:t>
+            </a:r>
+            <a:endParaRPr b="0" lang="nl-NL" sz="1800" spc="-1" strike="noStrike">
+              <a:solidFill>
+                <a:srgbClr val="000000"/>
+              </a:solidFill>
+              <a:uFill>
+                <a:solidFill>
+                  <a:srgbClr val="ffffff"/>
+                </a:solidFill>
+              </a:uFill>
+              <a:latin typeface="Arial"/>
+            </a:endParaRPr>
+          </a:p>
+          <a:p>
+            <a:pPr marL="285840" indent="-285120">
+              <a:lnSpc>
+                <a:spcPct val="100000"/>
+              </a:lnSpc>
+              <a:buClr>
+                <a:srgbClr val="000000"/>
+              </a:buClr>
+              <a:buFont typeface="Arial"/>
+              <a:buChar char="•"/>
+            </a:pPr>
+            <a:r>
+              <a:rPr b="0" lang="nl-NL" sz="1800" spc="-1" strike="noStrike">
+                <a:solidFill>
+                  <a:srgbClr val="000000"/>
+                </a:solidFill>
+                <a:uFill>
+                  <a:solidFill>
+                    <a:srgbClr val="ffffff"/>
+                  </a:solidFill>
+                </a:uFill>
+                <a:latin typeface="Corbel"/>
+                <a:ea typeface="DejaVu Sans"/>
+              </a:rPr>
+              <a:t>In ieder geval niet geschikt voor dit soort informatie</a:t>
+            </a:r>
+            <a:endParaRPr b="0" lang="nl-NL" sz="1800" spc="-1" strike="noStrike">
+              <a:solidFill>
+                <a:srgbClr val="000000"/>
+              </a:solidFill>
+              <a:uFill>
+                <a:solidFill>
+                  <a:srgbClr val="ffffff"/>
+                </a:solidFill>
+              </a:uFill>
+              <a:latin typeface="Arial"/>
             </a:endParaRPr>
           </a:p>
         </p:txBody>

--- a/Architectuurcontext - Sarphati.pptx
+++ b/Architectuurcontext - Sarphati.pptx
@@ -18,11 +18,6 @@
     <p:sldId id="262" r:id="rId11"/>
     <p:sldId id="263" r:id="rId12"/>
     <p:sldId id="264" r:id="rId13"/>
-    <p:sldId id="265" r:id="rId14"/>
-    <p:sldId id="266" r:id="rId15"/>
-    <p:sldId id="267" r:id="rId16"/>
-    <p:sldId id="268" r:id="rId17"/>
-    <p:sldId id="269" r:id="rId18"/>
   </p:sldIdLst>
   <p:sldSz cx="9144000" cy="6858000"/>
   <p:notesSz cx="6858000" cy="9144000"/>
@@ -270,7 +265,7 @@
           <a:bodyPr lIns="0" rIns="0" tIns="0" bIns="0" anchor="b"/>
           <a:p>
             <a:pPr algn="r"/>
-            <a:fld id="{CDC6044C-C819-4D6A-BC9A-055359092516}" type="slidenum">
+            <a:fld id="{4573929D-845E-4890-99AB-E2791A47079D}" type="slidenum">
               <a:rPr b="0" lang="nl-NL" sz="1400" spc="-1" strike="noStrike">
                 <a:solidFill>
                   <a:srgbClr val="000000"/>
@@ -323,7 +318,7 @@
       </p:grpSpPr>
       <p:sp>
         <p:nvSpPr>
-          <p:cNvPr id="147" name="PlaceHolder 1"/>
+          <p:cNvPr id="135" name="PlaceHolder 1"/>
           <p:cNvSpPr>
             <a:spLocks noGrp="1"/>
           </p:cNvSpPr>
@@ -386,7 +381,7 @@
       </p:sp>
       <p:sp>
         <p:nvSpPr>
-          <p:cNvPr id="148" name="CustomShape 2"/>
+          <p:cNvPr id="136" name="CustomShape 2"/>
           <p:cNvSpPr/>
           <p:nvPr/>
         </p:nvSpPr>
@@ -417,7 +412,7 @@
                 <a:spcPct val="100000"/>
               </a:lnSpc>
             </a:pPr>
-            <a:fld id="{D2E37B0F-A016-4C3E-A142-E918C88874BB}" type="slidenum">
+            <a:fld id="{5D8EA832-DF6E-4251-B309-76DCEEC38E9E}" type="slidenum">
               <a:rPr b="0" lang="nl-NL" sz="1200" spc="-1" strike="noStrike">
                 <a:solidFill>
                   <a:srgbClr val="000000"/>
@@ -470,7 +465,7 @@
       </p:grpSpPr>
       <p:sp>
         <p:nvSpPr>
-          <p:cNvPr id="149" name="PlaceHolder 1"/>
+          <p:cNvPr id="137" name="PlaceHolder 1"/>
           <p:cNvSpPr>
             <a:spLocks noGrp="1"/>
           </p:cNvSpPr>
@@ -533,7 +528,7 @@
       </p:sp>
       <p:sp>
         <p:nvSpPr>
-          <p:cNvPr id="150" name="CustomShape 2"/>
+          <p:cNvPr id="138" name="CustomShape 2"/>
           <p:cNvSpPr/>
           <p:nvPr/>
         </p:nvSpPr>
@@ -564,7 +559,7 @@
                 <a:spcPct val="100000"/>
               </a:lnSpc>
             </a:pPr>
-            <a:fld id="{5CE55980-2396-4B99-BD23-CE6249359719}" type="slidenum">
+            <a:fld id="{642CE97F-7E4B-4033-A708-8CFD4DFAC15F}" type="slidenum">
               <a:rPr b="0" lang="nl-NL" sz="1200" spc="-1" strike="noStrike">
                 <a:solidFill>
                   <a:srgbClr val="000000"/>
@@ -617,7 +612,7 @@
       </p:grpSpPr>
       <p:sp>
         <p:nvSpPr>
-          <p:cNvPr id="151" name="PlaceHolder 1"/>
+          <p:cNvPr id="139" name="PlaceHolder 1"/>
           <p:cNvSpPr>
             <a:spLocks noGrp="1"/>
           </p:cNvSpPr>
@@ -680,7 +675,7 @@
       </p:sp>
       <p:sp>
         <p:nvSpPr>
-          <p:cNvPr id="152" name="CustomShape 2"/>
+          <p:cNvPr id="140" name="CustomShape 2"/>
           <p:cNvSpPr/>
           <p:nvPr/>
         </p:nvSpPr>
@@ -711,7 +706,7 @@
                 <a:spcPct val="100000"/>
               </a:lnSpc>
             </a:pPr>
-            <a:fld id="{ED63D8E5-E708-4DFE-B4E4-DCA3A4562DFF}" type="slidenum">
+            <a:fld id="{483C5B34-DCE1-48D7-A8BF-19B1A2E8B394}" type="slidenum">
               <a:rPr b="0" lang="nl-NL" sz="1200" spc="-1" strike="noStrike">
                 <a:solidFill>
                   <a:srgbClr val="000000"/>
@@ -764,7 +759,7 @@
       </p:grpSpPr>
       <p:sp>
         <p:nvSpPr>
-          <p:cNvPr id="153" name="PlaceHolder 1"/>
+          <p:cNvPr id="141" name="PlaceHolder 1"/>
           <p:cNvSpPr>
             <a:spLocks noGrp="1"/>
           </p:cNvSpPr>
@@ -827,7 +822,7 @@
       </p:sp>
       <p:sp>
         <p:nvSpPr>
-          <p:cNvPr id="154" name="CustomShape 2"/>
+          <p:cNvPr id="142" name="CustomShape 2"/>
           <p:cNvSpPr/>
           <p:nvPr/>
         </p:nvSpPr>
@@ -858,7 +853,7 @@
                 <a:spcPct val="100000"/>
               </a:lnSpc>
             </a:pPr>
-            <a:fld id="{8697A2D5-B400-4318-A56E-60E839EAA50A}" type="slidenum">
+            <a:fld id="{F080FA0A-2010-470A-ABCB-8D1BDB30B438}" type="slidenum">
               <a:rPr b="0" lang="nl-NL" sz="1200" spc="-1" strike="noStrike">
                 <a:solidFill>
                   <a:srgbClr val="000000"/>
@@ -911,7 +906,7 @@
       </p:grpSpPr>
       <p:sp>
         <p:nvSpPr>
-          <p:cNvPr id="155" name="PlaceHolder 1"/>
+          <p:cNvPr id="143" name="PlaceHolder 1"/>
           <p:cNvSpPr>
             <a:spLocks noGrp="1"/>
           </p:cNvSpPr>
@@ -945,20 +940,20 @@
               </a:rPr>
               <a:t>Speelt de ombudsman nog een actieve noemenswaardige rol in deze situatie of alleen bij uitzondering?</a:t>
             </a:r>
-            <a:endParaRPr b="0" lang="nl-NL" sz="2000" spc="-1" strike="noStrike">
-              <a:solidFill>
-                <a:srgbClr val="000000"/>
-              </a:solidFill>
-              <a:uFill>
-                <a:solidFill>
-                  <a:srgbClr val="ffffff"/>
-                </a:solidFill>
-              </a:uFill>
-              <a:latin typeface="Arial"/>
-            </a:endParaRPr>
-          </a:p>
-          <a:p>
-            <a:endParaRPr b="0" lang="nl-NL" sz="2000" spc="-1" strike="noStrike">
+            <a:endParaRPr b="0" lang="nl-NL" sz="1800" spc="-1" strike="noStrike">
+              <a:solidFill>
+                <a:srgbClr val="000000"/>
+              </a:solidFill>
+              <a:uFill>
+                <a:solidFill>
+                  <a:srgbClr val="ffffff"/>
+                </a:solidFill>
+              </a:uFill>
+              <a:latin typeface="Arial"/>
+            </a:endParaRPr>
+          </a:p>
+          <a:p>
+            <a:endParaRPr b="0" lang="nl-NL" sz="1800" spc="-1" strike="noStrike">
               <a:solidFill>
                 <a:srgbClr val="000000"/>
               </a:solidFill>
@@ -974,7 +969,7 @@
       </p:sp>
       <p:sp>
         <p:nvSpPr>
-          <p:cNvPr id="156" name="CustomShape 2"/>
+          <p:cNvPr id="144" name="CustomShape 2"/>
           <p:cNvSpPr/>
           <p:nvPr/>
         </p:nvSpPr>
@@ -1005,7 +1000,154 @@
                 <a:spcPct val="100000"/>
               </a:lnSpc>
             </a:pPr>
-            <a:fld id="{5F63FCE0-7FB5-460D-B999-D1CCC517967C}" type="slidenum">
+            <a:fld id="{F44574FA-4CFC-4F0E-A9A8-BB114942B73C}" type="slidenum">
+              <a:rPr b="0" lang="nl-NL" sz="1200" spc="-1" strike="noStrike">
+                <a:solidFill>
+                  <a:srgbClr val="000000"/>
+                </a:solidFill>
+                <a:uFill>
+                  <a:solidFill>
+                    <a:srgbClr val="ffffff"/>
+                  </a:solidFill>
+                </a:uFill>
+                <a:latin typeface="+mn-lt"/>
+                <a:ea typeface="+mn-ea"/>
+              </a:rPr>
+              <a:t>&lt;getal&gt;</a:t>
+            </a:fld>
+            <a:endParaRPr b="0" lang="nl-NL" sz="1800" spc="-1" strike="noStrike">
+              <a:solidFill>
+                <a:srgbClr val="000000"/>
+              </a:solidFill>
+              <a:uFill>
+                <a:solidFill>
+                  <a:srgbClr val="ffffff"/>
+                </a:solidFill>
+              </a:uFill>
+              <a:latin typeface="Arial"/>
+            </a:endParaRPr>
+          </a:p>
+        </p:txBody>
+      </p:sp>
+    </p:spTree>
+  </p:cSld>
+</p:notes>
+</file>
+
+<file path=ppt/notesSlides/notesSlide9.xml><?xml version="1.0" encoding="utf-8"?>
+<p:notes xmlns:a="http://schemas.openxmlformats.org/drawingml/2006/main" xmlns:p="http://schemas.openxmlformats.org/presentationml/2006/main" xmlns:r="http://schemas.openxmlformats.org/officeDocument/2006/relationships" xmlns:p14="http://schemas.microsoft.com/office/powerpoint/2010/main" xmlns:p15="http://schemas.microsoft.com/office/powerpoint/2012/main" xmlns:mc="http://schemas.openxmlformats.org/markup-compatibility/2006">
+  <p:cSld>
+    <p:spTree>
+      <p:nvGrpSpPr>
+        <p:cNvPr id="1" name=""/>
+        <p:cNvGrpSpPr/>
+        <p:nvPr/>
+      </p:nvGrpSpPr>
+      <p:grpSpPr>
+        <a:xfrm>
+          <a:off x="0" y="0"/>
+          <a:ext cx="0" cy="0"/>
+          <a:chOff x="0" y="0"/>
+          <a:chExt cx="0" cy="0"/>
+        </a:xfrm>
+      </p:grpSpPr>
+      <p:sp>
+        <p:nvSpPr>
+          <p:cNvPr id="145" name="PlaceHolder 1"/>
+          <p:cNvSpPr>
+            <a:spLocks noGrp="1"/>
+          </p:cNvSpPr>
+          <p:nvPr>
+            <p:ph type="body"/>
+          </p:nvPr>
+        </p:nvSpPr>
+        <p:spPr>
+          <a:xfrm>
+            <a:off x="685800" y="4343400"/>
+            <a:ext cx="5485680" cy="4114080"/>
+          </a:xfrm>
+          <a:prstGeom prst="rect">
+            <a:avLst/>
+          </a:prstGeom>
+        </p:spPr>
+        <p:txBody>
+          <a:bodyPr lIns="0" rIns="0" tIns="0" bIns="0"/>
+          <a:p>
+            <a:r>
+              <a:rPr b="0" lang="nl-NL" sz="2000" spc="-1" strike="noStrike">
+                <a:solidFill>
+                  <a:srgbClr val="000000"/>
+                </a:solidFill>
+                <a:uFill>
+                  <a:solidFill>
+                    <a:srgbClr val="ffffff"/>
+                  </a:solidFill>
+                </a:uFill>
+                <a:latin typeface="Arial"/>
+              </a:rPr>
+              <a:t>Speelt de ombudsman nog een actieve noemenswaardige rol in deze situatie of alleen bij uitzondering?</a:t>
+            </a:r>
+            <a:endParaRPr b="0" lang="nl-NL" sz="1800" spc="-1" strike="noStrike">
+              <a:solidFill>
+                <a:srgbClr val="000000"/>
+              </a:solidFill>
+              <a:uFill>
+                <a:solidFill>
+                  <a:srgbClr val="ffffff"/>
+                </a:solidFill>
+              </a:uFill>
+              <a:latin typeface="Arial"/>
+            </a:endParaRPr>
+          </a:p>
+          <a:p>
+            <a:endParaRPr b="0" lang="nl-NL" sz="1800" spc="-1" strike="noStrike">
+              <a:solidFill>
+                <a:srgbClr val="000000"/>
+              </a:solidFill>
+              <a:uFill>
+                <a:solidFill>
+                  <a:srgbClr val="ffffff"/>
+                </a:solidFill>
+              </a:uFill>
+              <a:latin typeface="Arial"/>
+            </a:endParaRPr>
+          </a:p>
+        </p:txBody>
+      </p:sp>
+      <p:sp>
+        <p:nvSpPr>
+          <p:cNvPr id="146" name="CustomShape 2"/>
+          <p:cNvSpPr/>
+          <p:nvPr/>
+        </p:nvSpPr>
+        <p:spPr>
+          <a:xfrm>
+            <a:off x="3884760" y="8685360"/>
+            <a:ext cx="2971080" cy="456480"/>
+          </a:xfrm>
+          <a:prstGeom prst="rect">
+            <a:avLst/>
+          </a:prstGeom>
+          <a:noFill/>
+          <a:ln>
+            <a:noFill/>
+          </a:ln>
+        </p:spPr>
+        <p:style>
+          <a:lnRef idx="0"/>
+          <a:fillRef idx="0"/>
+          <a:effectRef idx="0"/>
+          <a:fontRef idx="minor"/>
+        </p:style>
+        <p:txBody>
+          <a:bodyPr lIns="90000" rIns="90000" tIns="45000" bIns="45000" anchor="b"/>
+          <a:p>
+            <a:pPr algn="r">
+              <a:lnSpc>
+                <a:spcPct val="100000"/>
+              </a:lnSpc>
+            </a:pPr>
+            <a:fld id="{4D717EC1-302F-4453-B16D-3E049C7AD827}" type="slidenum">
               <a:rPr b="0" lang="nl-NL" sz="1200" spc="-1" strike="noStrike">
                 <a:solidFill>
                   <a:srgbClr val="000000"/>
@@ -8840,674 +8982,6 @@
 </p:sld>
 </file>
 
-<file path=ppt/slides/slide10.xml><?xml version="1.0" encoding="utf-8"?>
-<p:sld xmlns:a="http://schemas.openxmlformats.org/drawingml/2006/main" xmlns:p="http://schemas.openxmlformats.org/presentationml/2006/main" xmlns:r="http://schemas.openxmlformats.org/officeDocument/2006/relationships" xmlns:p14="http://schemas.microsoft.com/office/powerpoint/2010/main" xmlns:p15="http://schemas.microsoft.com/office/powerpoint/2012/main" xmlns:mc="http://schemas.openxmlformats.org/markup-compatibility/2006">
-  <p:cSld>
-    <p:spTree>
-      <p:nvGrpSpPr>
-        <p:cNvPr id="1" name=""/>
-        <p:cNvGrpSpPr/>
-        <p:nvPr/>
-      </p:nvGrpSpPr>
-      <p:grpSpPr>
-        <a:xfrm>
-          <a:off x="0" y="0"/>
-          <a:ext cx="0" cy="0"/>
-          <a:chOff x="0" y="0"/>
-          <a:chExt cx="0" cy="0"/>
-        </a:xfrm>
-      </p:grpSpPr>
-      <p:sp>
-        <p:nvSpPr>
-          <p:cNvPr id="137" name="CustomShape 1"/>
-          <p:cNvSpPr/>
-          <p:nvPr/>
-        </p:nvSpPr>
-        <p:spPr>
-          <a:xfrm>
-            <a:off x="781920" y="692640"/>
-            <a:ext cx="7595280" cy="1142280"/>
-          </a:xfrm>
-          <a:prstGeom prst="rect">
-            <a:avLst/>
-          </a:prstGeom>
-          <a:noFill/>
-          <a:ln>
-            <a:noFill/>
-          </a:ln>
-        </p:spPr>
-        <p:style>
-          <a:lnRef idx="0"/>
-          <a:fillRef idx="0"/>
-          <a:effectRef idx="0"/>
-          <a:fontRef idx="minor"/>
-        </p:style>
-        <p:txBody>
-          <a:bodyPr lIns="0" rIns="0" tIns="0" bIns="0"/>
-          <a:p>
-            <a:pPr>
-              <a:lnSpc>
-                <a:spcPct val="100000"/>
-              </a:lnSpc>
-            </a:pPr>
-            <a:r>
-              <a:rPr b="1" lang="nl-NL" sz="3500" spc="-1" strike="noStrike">
-                <a:solidFill>
-                  <a:srgbClr val="ff0000"/>
-                </a:solidFill>
-                <a:uFill>
-                  <a:solidFill>
-                    <a:srgbClr val="ffffff"/>
-                  </a:solidFill>
-                </a:uFill>
-                <a:latin typeface="Corbel"/>
-              </a:rPr>
-              <a:t>Optie SuwiMail</a:t>
-            </a:r>
-            <a:endParaRPr b="0" lang="nl-NL" sz="1800" spc="-1" strike="noStrike">
-              <a:solidFill>
-                <a:srgbClr val="000000"/>
-              </a:solidFill>
-              <a:uFill>
-                <a:solidFill>
-                  <a:srgbClr val="ffffff"/>
-                </a:solidFill>
-              </a:uFill>
-              <a:latin typeface="Arial"/>
-            </a:endParaRPr>
-          </a:p>
-        </p:txBody>
-      </p:sp>
-      <p:pic>
-        <p:nvPicPr>
-          <p:cNvPr id="138" name="Tijdelijke aanduiding voor inhoud 3" descr=""/>
-          <p:cNvPicPr/>
-          <p:nvPr/>
-        </p:nvPicPr>
-        <p:blipFill>
-          <a:blip r:embed="rId1"/>
-          <a:stretch/>
-        </p:blipFill>
-        <p:spPr>
-          <a:xfrm>
-            <a:off x="1115640" y="1190160"/>
-            <a:ext cx="6840000" cy="5662080"/>
-          </a:xfrm>
-          <a:prstGeom prst="rect">
-            <a:avLst/>
-          </a:prstGeom>
-          <a:ln>
-            <a:noFill/>
-          </a:ln>
-        </p:spPr>
-      </p:pic>
-    </p:spTree>
-  </p:cSld>
-  <p:timing>
-    <p:tnLst>
-      <p:par>
-        <p:cTn id="19" dur="indefinite" restart="never" nodeType="tmRoot">
-          <p:childTnLst>
-            <p:seq>
-              <p:cTn id="20" nodeType="mainSeq"/>
-              <p:prevCondLst>
-                <p:cond delay="0" evt="onPrev">
-                  <p:tgtEl>
-                    <p:sldTgt/>
-                  </p:tgtEl>
-                </p:cond>
-              </p:prevCondLst>
-              <p:nextCondLst>
-                <p:cond delay="0" evt="onNext">
-                  <p:tgtEl>
-                    <p:sldTgt/>
-                  </p:tgtEl>
-                </p:cond>
-              </p:nextCondLst>
-            </p:seq>
-          </p:childTnLst>
-        </p:cTn>
-      </p:par>
-    </p:tnLst>
-  </p:timing>
-</p:sld>
-</file>
-
-<file path=ppt/slides/slide11.xml><?xml version="1.0" encoding="utf-8"?>
-<p:sld xmlns:a="http://schemas.openxmlformats.org/drawingml/2006/main" xmlns:p="http://schemas.openxmlformats.org/presentationml/2006/main" xmlns:r="http://schemas.openxmlformats.org/officeDocument/2006/relationships" xmlns:p14="http://schemas.microsoft.com/office/powerpoint/2010/main" xmlns:p15="http://schemas.microsoft.com/office/powerpoint/2012/main" xmlns:mc="http://schemas.openxmlformats.org/markup-compatibility/2006">
-  <p:cSld>
-    <p:spTree>
-      <p:nvGrpSpPr>
-        <p:cNvPr id="1" name=""/>
-        <p:cNvGrpSpPr/>
-        <p:nvPr/>
-      </p:nvGrpSpPr>
-      <p:grpSpPr>
-        <a:xfrm>
-          <a:off x="0" y="0"/>
-          <a:ext cx="0" cy="0"/>
-          <a:chOff x="0" y="0"/>
-          <a:chExt cx="0" cy="0"/>
-        </a:xfrm>
-      </p:grpSpPr>
-      <p:sp>
-        <p:nvSpPr>
-          <p:cNvPr id="139" name="CustomShape 1"/>
-          <p:cNvSpPr/>
-          <p:nvPr/>
-        </p:nvSpPr>
-        <p:spPr>
-          <a:xfrm>
-            <a:off x="781920" y="620640"/>
-            <a:ext cx="7595280" cy="1142280"/>
-          </a:xfrm>
-          <a:prstGeom prst="rect">
-            <a:avLst/>
-          </a:prstGeom>
-          <a:noFill/>
-          <a:ln>
-            <a:noFill/>
-          </a:ln>
-        </p:spPr>
-        <p:style>
-          <a:lnRef idx="0"/>
-          <a:fillRef idx="0"/>
-          <a:effectRef idx="0"/>
-          <a:fontRef idx="minor"/>
-        </p:style>
-        <p:txBody>
-          <a:bodyPr lIns="0" rIns="0" tIns="0" bIns="0"/>
-          <a:p>
-            <a:pPr>
-              <a:lnSpc>
-                <a:spcPct val="100000"/>
-              </a:lnSpc>
-            </a:pPr>
-            <a:r>
-              <a:rPr b="1" lang="nl-NL" sz="3500" spc="-1" strike="noStrike">
-                <a:solidFill>
-                  <a:srgbClr val="ff0000"/>
-                </a:solidFill>
-                <a:uFill>
-                  <a:solidFill>
-                    <a:srgbClr val="ffffff"/>
-                  </a:solidFill>
-                </a:uFill>
-                <a:latin typeface="Corbel"/>
-              </a:rPr>
-              <a:t>Optie ShareFile</a:t>
-            </a:r>
-            <a:endParaRPr b="0" lang="nl-NL" sz="1800" spc="-1" strike="noStrike">
-              <a:solidFill>
-                <a:srgbClr val="000000"/>
-              </a:solidFill>
-              <a:uFill>
-                <a:solidFill>
-                  <a:srgbClr val="ffffff"/>
-                </a:solidFill>
-              </a:uFill>
-              <a:latin typeface="Arial"/>
-            </a:endParaRPr>
-          </a:p>
-        </p:txBody>
-      </p:sp>
-      <p:pic>
-        <p:nvPicPr>
-          <p:cNvPr id="140" name="Tijdelijke aanduiding voor inhoud 5" descr=""/>
-          <p:cNvPicPr/>
-          <p:nvPr/>
-        </p:nvPicPr>
-        <p:blipFill>
-          <a:blip r:embed="rId1"/>
-          <a:stretch/>
-        </p:blipFill>
-        <p:spPr>
-          <a:xfrm>
-            <a:off x="1403640" y="1866600"/>
-            <a:ext cx="7632000" cy="4955400"/>
-          </a:xfrm>
-          <a:prstGeom prst="rect">
-            <a:avLst/>
-          </a:prstGeom>
-          <a:ln>
-            <a:noFill/>
-          </a:ln>
-        </p:spPr>
-      </p:pic>
-    </p:spTree>
-  </p:cSld>
-  <p:timing>
-    <p:tnLst>
-      <p:par>
-        <p:cTn id="21" dur="indefinite" restart="never" nodeType="tmRoot">
-          <p:childTnLst>
-            <p:seq>
-              <p:cTn id="22" nodeType="mainSeq"/>
-              <p:prevCondLst>
-                <p:cond delay="0" evt="onPrev">
-                  <p:tgtEl>
-                    <p:sldTgt/>
-                  </p:tgtEl>
-                </p:cond>
-              </p:prevCondLst>
-              <p:nextCondLst>
-                <p:cond delay="0" evt="onNext">
-                  <p:tgtEl>
-                    <p:sldTgt/>
-                  </p:tgtEl>
-                </p:cond>
-              </p:nextCondLst>
-            </p:seq>
-          </p:childTnLst>
-        </p:cTn>
-      </p:par>
-    </p:tnLst>
-  </p:timing>
-</p:sld>
-</file>
-
-<file path=ppt/slides/slide12.xml><?xml version="1.0" encoding="utf-8"?>
-<p:sld xmlns:a="http://schemas.openxmlformats.org/drawingml/2006/main" xmlns:p="http://schemas.openxmlformats.org/presentationml/2006/main" xmlns:r="http://schemas.openxmlformats.org/officeDocument/2006/relationships" xmlns:p14="http://schemas.microsoft.com/office/powerpoint/2010/main" xmlns:p15="http://schemas.microsoft.com/office/powerpoint/2012/main" xmlns:mc="http://schemas.openxmlformats.org/markup-compatibility/2006">
-  <p:cSld>
-    <p:spTree>
-      <p:nvGrpSpPr>
-        <p:cNvPr id="1" name=""/>
-        <p:cNvGrpSpPr/>
-        <p:nvPr/>
-      </p:nvGrpSpPr>
-      <p:grpSpPr>
-        <a:xfrm>
-          <a:off x="0" y="0"/>
-          <a:ext cx="0" cy="0"/>
-          <a:chOff x="0" y="0"/>
-          <a:chExt cx="0" cy="0"/>
-        </a:xfrm>
-      </p:grpSpPr>
-      <p:sp>
-        <p:nvSpPr>
-          <p:cNvPr id="141" name="CustomShape 1"/>
-          <p:cNvSpPr/>
-          <p:nvPr/>
-        </p:nvSpPr>
-        <p:spPr>
-          <a:xfrm>
-            <a:off x="781920" y="620640"/>
-            <a:ext cx="7595280" cy="1142280"/>
-          </a:xfrm>
-          <a:prstGeom prst="rect">
-            <a:avLst/>
-          </a:prstGeom>
-          <a:noFill/>
-          <a:ln>
-            <a:noFill/>
-          </a:ln>
-        </p:spPr>
-        <p:style>
-          <a:lnRef idx="0"/>
-          <a:fillRef idx="0"/>
-          <a:effectRef idx="0"/>
-          <a:fontRef idx="minor"/>
-        </p:style>
-        <p:txBody>
-          <a:bodyPr lIns="0" rIns="0" tIns="0" bIns="0"/>
-          <a:p>
-            <a:pPr>
-              <a:lnSpc>
-                <a:spcPct val="100000"/>
-              </a:lnSpc>
-            </a:pPr>
-            <a:r>
-              <a:rPr b="1" lang="nl-NL" sz="3500" spc="-1" strike="noStrike">
-                <a:solidFill>
-                  <a:srgbClr val="ff0000"/>
-                </a:solidFill>
-                <a:uFill>
-                  <a:solidFill>
-                    <a:srgbClr val="ffffff"/>
-                  </a:solidFill>
-                </a:uFill>
-                <a:latin typeface="Corbel"/>
-              </a:rPr>
-              <a:t>Optie DocZend</a:t>
-            </a:r>
-            <a:endParaRPr b="0" lang="nl-NL" sz="1800" spc="-1" strike="noStrike">
-              <a:solidFill>
-                <a:srgbClr val="000000"/>
-              </a:solidFill>
-              <a:uFill>
-                <a:solidFill>
-                  <a:srgbClr val="ffffff"/>
-                </a:solidFill>
-              </a:uFill>
-              <a:latin typeface="Arial"/>
-            </a:endParaRPr>
-          </a:p>
-        </p:txBody>
-      </p:sp>
-      <p:pic>
-        <p:nvPicPr>
-          <p:cNvPr id="142" name="Tijdelijke aanduiding voor inhoud 3" descr=""/>
-          <p:cNvPicPr/>
-          <p:nvPr/>
-        </p:nvPicPr>
-        <p:blipFill>
-          <a:blip r:embed="rId1"/>
-          <a:stretch/>
-        </p:blipFill>
-        <p:spPr>
-          <a:xfrm>
-            <a:off x="1763640" y="1401120"/>
-            <a:ext cx="7379640" cy="5430960"/>
-          </a:xfrm>
-          <a:prstGeom prst="rect">
-            <a:avLst/>
-          </a:prstGeom>
-          <a:ln>
-            <a:noFill/>
-          </a:ln>
-        </p:spPr>
-      </p:pic>
-    </p:spTree>
-  </p:cSld>
-  <p:timing>
-    <p:tnLst>
-      <p:par>
-        <p:cTn id="23" dur="indefinite" restart="never" nodeType="tmRoot">
-          <p:childTnLst>
-            <p:seq>
-              <p:cTn id="24" nodeType="mainSeq"/>
-              <p:prevCondLst>
-                <p:cond delay="0" evt="onPrev">
-                  <p:tgtEl>
-                    <p:sldTgt/>
-                  </p:tgtEl>
-                </p:cond>
-              </p:prevCondLst>
-              <p:nextCondLst>
-                <p:cond delay="0" evt="onNext">
-                  <p:tgtEl>
-                    <p:sldTgt/>
-                  </p:tgtEl>
-                </p:cond>
-              </p:nextCondLst>
-            </p:seq>
-          </p:childTnLst>
-        </p:cTn>
-      </p:par>
-    </p:tnLst>
-  </p:timing>
-</p:sld>
-</file>
-
-<file path=ppt/slides/slide13.xml><?xml version="1.0" encoding="utf-8"?>
-<p:sld xmlns:a="http://schemas.openxmlformats.org/drawingml/2006/main" xmlns:p="http://schemas.openxmlformats.org/presentationml/2006/main" xmlns:r="http://schemas.openxmlformats.org/officeDocument/2006/relationships" xmlns:p14="http://schemas.microsoft.com/office/powerpoint/2010/main" xmlns:p15="http://schemas.microsoft.com/office/powerpoint/2012/main" xmlns:mc="http://schemas.openxmlformats.org/markup-compatibility/2006">
-  <p:cSld>
-    <p:spTree>
-      <p:nvGrpSpPr>
-        <p:cNvPr id="1" name=""/>
-        <p:cNvGrpSpPr/>
-        <p:nvPr/>
-      </p:nvGrpSpPr>
-      <p:grpSpPr>
-        <a:xfrm>
-          <a:off x="0" y="0"/>
-          <a:ext cx="0" cy="0"/>
-          <a:chOff x="0" y="0"/>
-          <a:chExt cx="0" cy="0"/>
-        </a:xfrm>
-      </p:grpSpPr>
-      <p:sp>
-        <p:nvSpPr>
-          <p:cNvPr id="143" name="CustomShape 1"/>
-          <p:cNvSpPr/>
-          <p:nvPr/>
-        </p:nvSpPr>
-        <p:spPr>
-          <a:xfrm>
-            <a:off x="781920" y="1998360"/>
-            <a:ext cx="7595280" cy="1142280"/>
-          </a:xfrm>
-          <a:prstGeom prst="rect">
-            <a:avLst/>
-          </a:prstGeom>
-          <a:noFill/>
-          <a:ln>
-            <a:noFill/>
-          </a:ln>
-        </p:spPr>
-        <p:style>
-          <a:lnRef idx="0"/>
-          <a:fillRef idx="0"/>
-          <a:effectRef idx="0"/>
-          <a:fontRef idx="minor"/>
-        </p:style>
-        <p:txBody>
-          <a:bodyPr lIns="0" rIns="0" tIns="0" bIns="0"/>
-          <a:p>
-            <a:pPr>
-              <a:lnSpc>
-                <a:spcPct val="100000"/>
-              </a:lnSpc>
-            </a:pPr>
-            <a:r>
-              <a:rPr b="1" lang="nl-NL" sz="3500" spc="-1" strike="noStrike">
-                <a:solidFill>
-                  <a:srgbClr val="ff0000"/>
-                </a:solidFill>
-                <a:uFill>
-                  <a:solidFill>
-                    <a:srgbClr val="ffffff"/>
-                  </a:solidFill>
-                </a:uFill>
-                <a:latin typeface="Corbel"/>
-              </a:rPr>
-              <a:t>Optie VeiligOversteken.nl</a:t>
-            </a:r>
-            <a:endParaRPr b="0" lang="nl-NL" sz="1800" spc="-1" strike="noStrike">
-              <a:solidFill>
-                <a:srgbClr val="000000"/>
-              </a:solidFill>
-              <a:uFill>
-                <a:solidFill>
-                  <a:srgbClr val="ffffff"/>
-                </a:solidFill>
-              </a:uFill>
-              <a:latin typeface="Arial"/>
-            </a:endParaRPr>
-          </a:p>
-        </p:txBody>
-      </p:sp>
-      <p:sp>
-        <p:nvSpPr>
-          <p:cNvPr id="144" name="CustomShape 2"/>
-          <p:cNvSpPr/>
-          <p:nvPr/>
-        </p:nvSpPr>
-        <p:spPr>
-          <a:xfrm>
-            <a:off x="781560" y="3367440"/>
-            <a:ext cx="7595280" cy="2786400"/>
-          </a:xfrm>
-          <a:prstGeom prst="rect">
-            <a:avLst/>
-          </a:prstGeom>
-          <a:noFill/>
-          <a:ln>
-            <a:noFill/>
-          </a:ln>
-        </p:spPr>
-        <p:style>
-          <a:lnRef idx="0"/>
-          <a:fillRef idx="0"/>
-          <a:effectRef idx="0"/>
-          <a:fontRef idx="minor"/>
-        </p:style>
-      </p:sp>
-    </p:spTree>
-  </p:cSld>
-  <p:timing>
-    <p:tnLst>
-      <p:par>
-        <p:cTn id="25" dur="indefinite" restart="never" nodeType="tmRoot">
-          <p:childTnLst>
-            <p:seq>
-              <p:cTn id="26" nodeType="mainSeq"/>
-              <p:prevCondLst>
-                <p:cond delay="0" evt="onPrev">
-                  <p:tgtEl>
-                    <p:sldTgt/>
-                  </p:tgtEl>
-                </p:cond>
-              </p:prevCondLst>
-              <p:nextCondLst>
-                <p:cond delay="0" evt="onNext">
-                  <p:tgtEl>
-                    <p:sldTgt/>
-                  </p:tgtEl>
-                </p:cond>
-              </p:nextCondLst>
-            </p:seq>
-          </p:childTnLst>
-        </p:cTn>
-      </p:par>
-    </p:tnLst>
-  </p:timing>
-</p:sld>
-</file>
-
-<file path=ppt/slides/slide14.xml><?xml version="1.0" encoding="utf-8"?>
-<p:sld xmlns:a="http://schemas.openxmlformats.org/drawingml/2006/main" xmlns:p="http://schemas.openxmlformats.org/presentationml/2006/main" xmlns:r="http://schemas.openxmlformats.org/officeDocument/2006/relationships" xmlns:p14="http://schemas.microsoft.com/office/powerpoint/2010/main" xmlns:p15="http://schemas.microsoft.com/office/powerpoint/2012/main" xmlns:mc="http://schemas.openxmlformats.org/markup-compatibility/2006">
-  <p:cSld>
-    <p:spTree>
-      <p:nvGrpSpPr>
-        <p:cNvPr id="1" name=""/>
-        <p:cNvGrpSpPr/>
-        <p:nvPr/>
-      </p:nvGrpSpPr>
-      <p:grpSpPr>
-        <a:xfrm>
-          <a:off x="0" y="0"/>
-          <a:ext cx="0" cy="0"/>
-          <a:chOff x="0" y="0"/>
-          <a:chExt cx="0" cy="0"/>
-        </a:xfrm>
-      </p:grpSpPr>
-      <p:sp>
-        <p:nvSpPr>
-          <p:cNvPr id="145" name="CustomShape 1"/>
-          <p:cNvSpPr/>
-          <p:nvPr/>
-        </p:nvSpPr>
-        <p:spPr>
-          <a:xfrm>
-            <a:off x="781920" y="1124640"/>
-            <a:ext cx="7595280" cy="1142280"/>
-          </a:xfrm>
-          <a:prstGeom prst="rect">
-            <a:avLst/>
-          </a:prstGeom>
-          <a:noFill/>
-          <a:ln>
-            <a:noFill/>
-          </a:ln>
-        </p:spPr>
-        <p:style>
-          <a:lnRef idx="0"/>
-          <a:fillRef idx="0"/>
-          <a:effectRef idx="0"/>
-          <a:fontRef idx="minor"/>
-        </p:style>
-        <p:txBody>
-          <a:bodyPr lIns="0" rIns="0" tIns="0" bIns="0"/>
-          <a:p>
-            <a:pPr>
-              <a:lnSpc>
-                <a:spcPct val="100000"/>
-              </a:lnSpc>
-            </a:pPr>
-            <a:r>
-              <a:rPr b="1" lang="nl-NL" sz="3500" spc="-1" strike="noStrike">
-                <a:solidFill>
-                  <a:srgbClr val="ff0000"/>
-                </a:solidFill>
-                <a:uFill>
-                  <a:solidFill>
-                    <a:srgbClr val="ffffff"/>
-                  </a:solidFill>
-                </a:uFill>
-                <a:latin typeface="Corbel"/>
-              </a:rPr>
-              <a:t>Doelsituatie IV</a:t>
-            </a:r>
-            <a:endParaRPr b="0" lang="nl-NL" sz="1800" spc="-1" strike="noStrike">
-              <a:solidFill>
-                <a:srgbClr val="000000"/>
-              </a:solidFill>
-              <a:uFill>
-                <a:solidFill>
-                  <a:srgbClr val="ffffff"/>
-                </a:solidFill>
-              </a:uFill>
-              <a:latin typeface="Arial"/>
-            </a:endParaRPr>
-          </a:p>
-        </p:txBody>
-      </p:sp>
-      <p:pic>
-        <p:nvPicPr>
-          <p:cNvPr id="146" name="Tijdelijke aanduiding voor inhoud 3" descr=""/>
-          <p:cNvPicPr/>
-          <p:nvPr/>
-        </p:nvPicPr>
-        <p:blipFill>
-          <a:blip r:embed="rId1"/>
-          <a:stretch/>
-        </p:blipFill>
-        <p:spPr>
-          <a:xfrm>
-            <a:off x="781920" y="2394360"/>
-            <a:ext cx="8109720" cy="4449240"/>
-          </a:xfrm>
-          <a:prstGeom prst="rect">
-            <a:avLst/>
-          </a:prstGeom>
-          <a:ln>
-            <a:noFill/>
-          </a:ln>
-        </p:spPr>
-      </p:pic>
-    </p:spTree>
-  </p:cSld>
-  <p:timing>
-    <p:tnLst>
-      <p:par>
-        <p:cTn id="27" dur="indefinite" restart="never" nodeType="tmRoot">
-          <p:childTnLst>
-            <p:seq>
-              <p:cTn id="28" nodeType="mainSeq"/>
-              <p:prevCondLst>
-                <p:cond delay="0" evt="onPrev">
-                  <p:tgtEl>
-                    <p:sldTgt/>
-                  </p:tgtEl>
-                </p:cond>
-              </p:prevCondLst>
-              <p:nextCondLst>
-                <p:cond delay="0" evt="onNext">
-                  <p:tgtEl>
-                    <p:sldTgt/>
-                  </p:tgtEl>
-                </p:cond>
-              </p:nextCondLst>
-            </p:seq>
-          </p:childTnLst>
-        </p:cTn>
-      </p:par>
-    </p:tnLst>
-  </p:timing>
-</p:sld>
-</file>
-
 <file path=ppt/slides/slide2.xml><?xml version="1.0" encoding="utf-8"?>
 <p:sld xmlns:a="http://schemas.openxmlformats.org/drawingml/2006/main" xmlns:p="http://schemas.openxmlformats.org/presentationml/2006/main" xmlns:r="http://schemas.openxmlformats.org/officeDocument/2006/relationships" xmlns:p14="http://schemas.microsoft.com/office/powerpoint/2010/main" xmlns:p15="http://schemas.microsoft.com/office/powerpoint/2012/main" xmlns:mc="http://schemas.openxmlformats.org/markup-compatibility/2006">
   <p:cSld>
@@ -9534,7 +9008,7 @@
         <p:spPr>
           <a:xfrm>
             <a:off x="781920" y="1998360"/>
-            <a:ext cx="7595280" cy="1142280"/>
+            <a:ext cx="7595280" cy="4193640"/>
           </a:xfrm>
           <a:prstGeom prst="rect">
             <a:avLst/>
@@ -9613,29 +9087,21 @@
             </a:endParaRPr>
           </a:p>
           <a:p>
-            <a:pPr>
+            <a:pPr marL="216000" indent="-216000">
               <a:lnSpc>
                 <a:spcPct val="100000"/>
               </a:lnSpc>
+              <a:buClr>
+                <a:srgbClr val="000000"/>
+              </a:buClr>
+              <a:buSzPct val="45000"/>
+              <a:buFont typeface="Wingdings" charset="2"/>
+              <a:buChar char=""/>
             </a:pPr>
             <a:r>
               <a:rPr b="1" lang="nl-NL" sz="3500" spc="-1" strike="noStrike">
                 <a:solidFill>
-                  <a:srgbClr val="ff0000"/>
-                </a:solidFill>
-                <a:uFill>
-                  <a:solidFill>
-                    <a:srgbClr val="ffffff"/>
-                  </a:solidFill>
-                </a:uFill>
-                <a:latin typeface="Corbel"/>
-              </a:rPr>
-              <a:t>– </a:t>
-            </a:r>
-            <a:r>
-              <a:rPr b="1" lang="nl-NL" sz="3500" spc="-1" strike="noStrike">
-                <a:solidFill>
-                  <a:srgbClr val="ff0000"/>
+                  <a:srgbClr val="000000"/>
                 </a:solidFill>
                 <a:uFill>
                   <a:solidFill>
@@ -9659,29 +9125,21 @@
             </a:endParaRPr>
           </a:p>
           <a:p>
-            <a:pPr>
+            <a:pPr marL="216000" indent="-216000">
               <a:lnSpc>
                 <a:spcPct val="100000"/>
               </a:lnSpc>
+              <a:buClr>
+                <a:srgbClr val="000000"/>
+              </a:buClr>
+              <a:buSzPct val="45000"/>
+              <a:buFont typeface="Wingdings" charset="2"/>
+              <a:buChar char=""/>
             </a:pPr>
             <a:r>
               <a:rPr b="1" lang="nl-NL" sz="3500" spc="-1" strike="noStrike">
                 <a:solidFill>
-                  <a:srgbClr val="ff0000"/>
-                </a:solidFill>
-                <a:uFill>
-                  <a:solidFill>
-                    <a:srgbClr val="ffffff"/>
-                  </a:solidFill>
-                </a:uFill>
-                <a:latin typeface="Corbel"/>
-              </a:rPr>
-              <a:t>– </a:t>
-            </a:r>
-            <a:r>
-              <a:rPr b="1" lang="nl-NL" sz="3500" spc="-1" strike="noStrike">
-                <a:solidFill>
-                  <a:srgbClr val="ff0000"/>
+                  <a:srgbClr val="000000"/>
                 </a:solidFill>
                 <a:uFill>
                   <a:solidFill>
@@ -9705,29 +9163,21 @@
             </a:endParaRPr>
           </a:p>
           <a:p>
-            <a:pPr>
+            <a:pPr marL="216000" indent="-216000">
               <a:lnSpc>
                 <a:spcPct val="100000"/>
               </a:lnSpc>
+              <a:buClr>
+                <a:srgbClr val="000000"/>
+              </a:buClr>
+              <a:buSzPct val="45000"/>
+              <a:buFont typeface="Wingdings" charset="2"/>
+              <a:buChar char=""/>
             </a:pPr>
             <a:r>
               <a:rPr b="1" lang="nl-NL" sz="3500" spc="-1" strike="noStrike">
                 <a:solidFill>
-                  <a:srgbClr val="ff0000"/>
-                </a:solidFill>
-                <a:uFill>
-                  <a:solidFill>
-                    <a:srgbClr val="ffffff"/>
-                  </a:solidFill>
-                </a:uFill>
-                <a:latin typeface="Corbel"/>
-              </a:rPr>
-              <a:t>– </a:t>
-            </a:r>
-            <a:r>
-              <a:rPr b="1" lang="nl-NL" sz="3500" spc="-1" strike="noStrike">
-                <a:solidFill>
-                  <a:srgbClr val="ff0000"/>
+                  <a:srgbClr val="000000"/>
                 </a:solidFill>
                 <a:uFill>
                   <a:solidFill>
@@ -9751,29 +9201,21 @@
             </a:endParaRPr>
           </a:p>
           <a:p>
-            <a:pPr>
+            <a:pPr marL="216000" indent="-216000">
               <a:lnSpc>
                 <a:spcPct val="100000"/>
               </a:lnSpc>
+              <a:buClr>
+                <a:srgbClr val="000000"/>
+              </a:buClr>
+              <a:buSzPct val="45000"/>
+              <a:buFont typeface="Wingdings" charset="2"/>
+              <a:buChar char=""/>
             </a:pPr>
             <a:r>
               <a:rPr b="1" lang="nl-NL" sz="3500" spc="-1" strike="noStrike">
                 <a:solidFill>
-                  <a:srgbClr val="ff0000"/>
-                </a:solidFill>
-                <a:uFill>
-                  <a:solidFill>
-                    <a:srgbClr val="ffffff"/>
-                  </a:solidFill>
-                </a:uFill>
-                <a:latin typeface="Corbel"/>
-              </a:rPr>
-              <a:t>– </a:t>
-            </a:r>
-            <a:r>
-              <a:rPr b="1" lang="nl-NL" sz="3500" spc="-1" strike="noStrike">
-                <a:solidFill>
-                  <a:srgbClr val="ff0000"/>
+                  <a:srgbClr val="000000"/>
                 </a:solidFill>
                 <a:uFill>
                   <a:solidFill>
@@ -9797,15 +9239,21 @@
             </a:endParaRPr>
           </a:p>
           <a:p>
-            <a:pPr>
+            <a:pPr marL="216000" indent="-216000">
               <a:lnSpc>
                 <a:spcPct val="100000"/>
               </a:lnSpc>
+              <a:buClr>
+                <a:srgbClr val="000000"/>
+              </a:buClr>
+              <a:buSzPct val="45000"/>
+              <a:buFont typeface="Wingdings" charset="2"/>
+              <a:buChar char=""/>
             </a:pPr>
             <a:r>
               <a:rPr b="1" lang="nl-NL" sz="3500" spc="-1" strike="noStrike">
                 <a:solidFill>
-                  <a:srgbClr val="ff0000"/>
+                  <a:srgbClr val="000000"/>
                 </a:solidFill>
                 <a:uFill>
                   <a:solidFill>
@@ -9814,113 +9262,7 @@
                 </a:uFill>
                 <a:latin typeface="Corbel"/>
               </a:rPr>
-              <a:t>– </a:t>
-            </a:r>
-            <a:r>
-              <a:rPr b="1" lang="nl-NL" sz="3500" spc="-1" strike="noStrike">
-                <a:solidFill>
-                  <a:srgbClr val="ff0000"/>
-                </a:solidFill>
-                <a:uFill>
-                  <a:solidFill>
-                    <a:srgbClr val="ffffff"/>
-                  </a:solidFill>
-                </a:uFill>
-                <a:latin typeface="Corbel"/>
-              </a:rPr>
-              <a:t>Big data</a:t>
-            </a:r>
-            <a:endParaRPr b="0" lang="nl-NL" sz="1800" spc="-1" strike="noStrike">
-              <a:solidFill>
-                <a:srgbClr val="000000"/>
-              </a:solidFill>
-              <a:uFill>
-                <a:solidFill>
-                  <a:srgbClr val="ffffff"/>
-                </a:solidFill>
-              </a:uFill>
-              <a:latin typeface="Arial"/>
-            </a:endParaRPr>
-          </a:p>
-          <a:p>
-            <a:pPr>
-              <a:lnSpc>
-                <a:spcPct val="100000"/>
-              </a:lnSpc>
-            </a:pPr>
-            <a:r>
-              <a:rPr b="1" lang="nl-NL" sz="3500" spc="-1" strike="noStrike">
-                <a:solidFill>
-                  <a:srgbClr val="ff0000"/>
-                </a:solidFill>
-                <a:uFill>
-                  <a:solidFill>
-                    <a:srgbClr val="ffffff"/>
-                  </a:solidFill>
-                </a:uFill>
-                <a:latin typeface="Corbel"/>
-              </a:rPr>
-              <a:t>– </a:t>
-            </a:r>
-            <a:r>
-              <a:rPr b="1" lang="nl-NL" sz="3500" spc="-1" strike="noStrike">
-                <a:solidFill>
-                  <a:srgbClr val="ff0000"/>
-                </a:solidFill>
-                <a:uFill>
-                  <a:solidFill>
-                    <a:srgbClr val="ffffff"/>
-                  </a:solidFill>
-                </a:uFill>
-                <a:latin typeface="Corbel"/>
-              </a:rPr>
-              <a:t>Privacy by design</a:t>
-            </a:r>
-            <a:endParaRPr b="0" lang="nl-NL" sz="1800" spc="-1" strike="noStrike">
-              <a:solidFill>
-                <a:srgbClr val="000000"/>
-              </a:solidFill>
-              <a:uFill>
-                <a:solidFill>
-                  <a:srgbClr val="ffffff"/>
-                </a:solidFill>
-              </a:uFill>
-              <a:latin typeface="Arial"/>
-            </a:endParaRPr>
-          </a:p>
-          <a:p>
-            <a:pPr>
-              <a:lnSpc>
-                <a:spcPct val="100000"/>
-              </a:lnSpc>
-            </a:pPr>
-            <a:r>
-              <a:rPr b="1" lang="nl-NL" sz="3500" spc="-1" strike="noStrike">
-                <a:solidFill>
-                  <a:srgbClr val="ff0000"/>
-                </a:solidFill>
-                <a:uFill>
-                  <a:solidFill>
-                    <a:srgbClr val="ffffff"/>
-                  </a:solidFill>
-                </a:uFill>
-                <a:latin typeface="Corbel"/>
-              </a:rPr>
-              <a:t>– </a:t>
-            </a:r>
-            <a:r>
-              <a:rPr b="1" lang="nl-NL" sz="3500" spc="-1" strike="noStrike">
-                <a:solidFill>
-                  <a:srgbClr val="ff0000"/>
-                </a:solidFill>
-                <a:uFill>
-                  <a:solidFill>
-                    <a:srgbClr val="ffffff"/>
-                  </a:solidFill>
-                </a:uFill>
-                <a:latin typeface="Corbel"/>
-              </a:rPr>
-              <a:t>Security by design</a:t>
+              <a:t> </a:t>
             </a:r>
             <a:endParaRPr b="0" lang="nl-NL" sz="1800" spc="-1" strike="noStrike">
               <a:solidFill>
@@ -10038,7 +9380,7 @@
         <p:spPr>
           <a:xfrm>
             <a:off x="781920" y="1998360"/>
-            <a:ext cx="7595280" cy="1142280"/>
+            <a:ext cx="7595280" cy="4625640"/>
           </a:xfrm>
           <a:prstGeom prst="rect">
             <a:avLst/>
@@ -10074,28 +9416,10 @@
                 </a:uFill>
                 <a:latin typeface="Corbel"/>
               </a:rPr>
-              <a:t>ItforCare principes:</a:t>
+              <a:t>ITforCare </a:t>
             </a:r>
-            <a:endParaRPr b="0" lang="nl-NL" sz="1800" spc="-1" strike="noStrike">
-              <a:solidFill>
-                <a:srgbClr val="000000"/>
-              </a:solidFill>
-              <a:uFill>
-                <a:solidFill>
-                  <a:srgbClr val="ffffff"/>
-                </a:solidFill>
-              </a:uFill>
-              <a:latin typeface="Arial"/>
-            </a:endParaRPr>
-          </a:p>
-          <a:p>
-            <a:pPr>
-              <a:lnSpc>
-                <a:spcPct val="100000"/>
-              </a:lnSpc>
-            </a:pPr>
             <a:r>
-              <a:rPr b="1" lang="nl-NL" sz="3500" spc="-1" strike="noStrike">
+              <a:rPr b="1" lang="en-US" sz="3500" spc="-1" strike="noStrike">
                 <a:solidFill>
                   <a:srgbClr val="ff0000"/>
                 </a:solidFill>
@@ -10106,7 +9430,7 @@
                 </a:uFill>
                 <a:latin typeface="Corbel"/>
               </a:rPr>
-              <a:t>–  </a:t>
+              <a:t>principles</a:t>
             </a:r>
             <a:r>
               <a:rPr b="1" lang="nl-NL" sz="3500" spc="-1" strike="noStrike">
@@ -10120,7 +9444,159 @@
                 </a:uFill>
                 <a:latin typeface="Corbel"/>
               </a:rPr>
-              <a:t>...</a:t>
+              <a:t>:</a:t>
+            </a:r>
+            <a:endParaRPr b="0" lang="nl-NL" sz="1800" spc="-1" strike="noStrike">
+              <a:solidFill>
+                <a:srgbClr val="000000"/>
+              </a:solidFill>
+              <a:uFill>
+                <a:solidFill>
+                  <a:srgbClr val="ffffff"/>
+                </a:solidFill>
+              </a:uFill>
+              <a:latin typeface="Arial"/>
+            </a:endParaRPr>
+          </a:p>
+          <a:p>
+            <a:pPr marL="216000" indent="-216000">
+              <a:lnSpc>
+                <a:spcPct val="100000"/>
+              </a:lnSpc>
+              <a:buClr>
+                <a:srgbClr val="000000"/>
+              </a:buClr>
+              <a:buSzPct val="45000"/>
+              <a:buFont typeface="Wingdings" charset="2"/>
+              <a:buChar char=""/>
+            </a:pPr>
+            <a:r>
+              <a:rPr b="1" lang="nl-NL" sz="3500" spc="-1" strike="noStrike">
+                <a:solidFill>
+                  <a:srgbClr val="000000"/>
+                </a:solidFill>
+                <a:uFill>
+                  <a:solidFill>
+                    <a:srgbClr val="ffffff"/>
+                  </a:solidFill>
+                </a:uFill>
+                <a:latin typeface="Corbel"/>
+              </a:rPr>
+              <a:t>Privacy by design</a:t>
+            </a:r>
+            <a:endParaRPr b="0" lang="nl-NL" sz="1800" spc="-1" strike="noStrike">
+              <a:solidFill>
+                <a:srgbClr val="000000"/>
+              </a:solidFill>
+              <a:uFill>
+                <a:solidFill>
+                  <a:srgbClr val="ffffff"/>
+                </a:solidFill>
+              </a:uFill>
+              <a:latin typeface="Arial"/>
+            </a:endParaRPr>
+          </a:p>
+          <a:p>
+            <a:pPr marL="216000" indent="-216000">
+              <a:lnSpc>
+                <a:spcPct val="100000"/>
+              </a:lnSpc>
+              <a:buClr>
+                <a:srgbClr val="000000"/>
+              </a:buClr>
+              <a:buSzPct val="45000"/>
+              <a:buFont typeface="Wingdings" charset="2"/>
+              <a:buChar char=""/>
+            </a:pPr>
+            <a:r>
+              <a:rPr b="1" lang="nl-NL" sz="3500" spc="-1" strike="noStrike">
+                <a:solidFill>
+                  <a:srgbClr val="000000"/>
+                </a:solidFill>
+                <a:uFill>
+                  <a:solidFill>
+                    <a:srgbClr val="ffffff"/>
+                  </a:solidFill>
+                </a:uFill>
+                <a:latin typeface="Corbel"/>
+              </a:rPr>
+              <a:t>Security by design</a:t>
+            </a:r>
+            <a:endParaRPr b="0" lang="nl-NL" sz="1800" spc="-1" strike="noStrike">
+              <a:solidFill>
+                <a:srgbClr val="000000"/>
+              </a:solidFill>
+              <a:uFill>
+                <a:solidFill>
+                  <a:srgbClr val="ffffff"/>
+                </a:solidFill>
+              </a:uFill>
+              <a:latin typeface="Arial"/>
+            </a:endParaRPr>
+          </a:p>
+          <a:p>
+            <a:pPr marL="216000" indent="-216000">
+              <a:lnSpc>
+                <a:spcPct val="100000"/>
+              </a:lnSpc>
+              <a:buClr>
+                <a:srgbClr val="000000"/>
+              </a:buClr>
+              <a:buSzPct val="45000"/>
+              <a:buFont typeface="Wingdings" charset="2"/>
+              <a:buChar char=""/>
+            </a:pPr>
+            <a:r>
+              <a:rPr b="1" lang="nl-NL" sz="3500" spc="-1" strike="noStrike">
+                <a:solidFill>
+                  <a:srgbClr val="000000"/>
+                </a:solidFill>
+                <a:uFill>
+                  <a:solidFill>
+                    <a:srgbClr val="ffffff"/>
+                  </a:solidFill>
+                </a:uFill>
+                <a:latin typeface="Corbel"/>
+              </a:rPr>
+              <a:t>Open data</a:t>
+            </a:r>
+            <a:endParaRPr b="0" lang="nl-NL" sz="1800" spc="-1" strike="noStrike">
+              <a:solidFill>
+                <a:srgbClr val="000000"/>
+              </a:solidFill>
+              <a:uFill>
+                <a:solidFill>
+                  <a:srgbClr val="ffffff"/>
+                </a:solidFill>
+              </a:uFill>
+              <a:latin typeface="Arial"/>
+            </a:endParaRPr>
+          </a:p>
+          <a:p>
+            <a:pPr marL="216000" indent="-216000">
+              <a:lnSpc>
+                <a:spcPct val="100000"/>
+              </a:lnSpc>
+              <a:buClr>
+                <a:srgbClr val="000000"/>
+              </a:buClr>
+              <a:buSzPct val="45000"/>
+              <a:buFont typeface="Wingdings" charset="2"/>
+              <a:buChar char=""/>
+            </a:pPr>
+            <a:r>
+              <a:rPr b="1" lang="nl-NL" sz="3500" spc="-1" strike="noStrike">
+                <a:solidFill>
+                  <a:srgbClr val="000000"/>
+                </a:solidFill>
+                <a:uFill>
+                  <a:solidFill>
+                    <a:srgbClr val="ffffff"/>
+                  </a:solidFill>
+                </a:uFill>
+                <a:latin typeface="Corbel"/>
+              </a:rPr>
+              <a:t>Big data</a:t>
             </a:r>
             <a:endParaRPr b="0" lang="nl-NL" sz="1800" spc="-1" strike="noStrike">
               <a:solidFill>
@@ -11136,7 +10612,7 @@
         </p:nvSpPr>
         <p:spPr>
           <a:xfrm>
-            <a:off x="774000" y="188640"/>
+            <a:off x="756720" y="144000"/>
             <a:ext cx="7595280" cy="1142280"/>
           </a:xfrm>
           <a:prstGeom prst="rect">
@@ -11173,7 +10649,7 @@
                 </a:uFill>
                 <a:latin typeface="Corbel"/>
               </a:rPr>
-              <a:t>Doelsituatie, bedrijfslaag </a:t>
+              <a:t>Huidige situatie, informatievoorziening </a:t>
             </a:r>
             <a:endParaRPr b="0" lang="nl-NL" sz="1800" spc="-1" strike="noStrike">
               <a:solidFill>
@@ -11197,8 +10673,8 @@
         </p:nvSpPr>
         <p:spPr>
           <a:xfrm>
-            <a:off x="1434240" y="5085360"/>
-            <a:ext cx="6040440" cy="1645920"/>
+            <a:off x="1432800" y="5589360"/>
+            <a:ext cx="6069240" cy="1097280"/>
           </a:xfrm>
           <a:prstGeom prst="rect">
             <a:avLst/>
@@ -11235,7 +10711,7 @@
                 <a:latin typeface="Corbel"/>
                 <a:ea typeface="DejaVu Sans"/>
               </a:rPr>
-              <a:t>Professionals die betrokken zijn bij een cliënt kunnen nog steeds</a:t>
+              <a:t>...</a:t>
             </a:r>
             <a:endParaRPr b="0" lang="nl-NL" sz="1800" spc="-1" strike="noStrike">
               <a:solidFill>
@@ -11249,216 +10725,8 @@
               <a:latin typeface="Arial"/>
             </a:endParaRPr>
           </a:p>
-          <a:p>
-            <a:pPr>
-              <a:lnSpc>
-                <a:spcPct val="100000"/>
-              </a:lnSpc>
-            </a:pPr>
-            <a:r>
-              <a:rPr b="0" lang="nl-NL" sz="1800" spc="-1" strike="noStrike">
-                <a:solidFill>
-                  <a:srgbClr val="000000"/>
-                </a:solidFill>
-                <a:uFill>
-                  <a:solidFill>
-                    <a:srgbClr val="ffffff"/>
-                  </a:solidFill>
-                </a:uFill>
-                <a:latin typeface="Corbel"/>
-                <a:ea typeface="DejaVu Sans"/>
-              </a:rPr>
-              <a:t>informatie wisselen over de cliënt en zijn situatie. Maar nu</a:t>
-            </a:r>
-            <a:endParaRPr b="0" lang="nl-NL" sz="1800" spc="-1" strike="noStrike">
-              <a:solidFill>
-                <a:srgbClr val="000000"/>
-              </a:solidFill>
-              <a:uFill>
-                <a:solidFill>
-                  <a:srgbClr val="ffffff"/>
-                </a:solidFill>
-              </a:uFill>
-              <a:latin typeface="Arial"/>
-            </a:endParaRPr>
-          </a:p>
-          <a:p>
-            <a:pPr marL="285840" indent="-285120">
-              <a:lnSpc>
-                <a:spcPct val="100000"/>
-              </a:lnSpc>
-              <a:buClr>
-                <a:srgbClr val="000000"/>
-              </a:buClr>
-              <a:buFont typeface="Arial"/>
-              <a:buChar char="•"/>
-            </a:pPr>
-            <a:r>
-              <a:rPr b="0" lang="nl-NL" sz="1800" spc="-1" strike="noStrike">
-                <a:solidFill>
-                  <a:srgbClr val="000000"/>
-                </a:solidFill>
-                <a:uFill>
-                  <a:solidFill>
-                    <a:srgbClr val="ffffff"/>
-                  </a:solidFill>
-                </a:uFill>
-                <a:latin typeface="Corbel"/>
-                <a:ea typeface="DejaVu Sans"/>
-              </a:rPr>
-              <a:t>Goed beveiligd</a:t>
-            </a:r>
-            <a:endParaRPr b="0" lang="nl-NL" sz="1800" spc="-1" strike="noStrike">
-              <a:solidFill>
-                <a:srgbClr val="000000"/>
-              </a:solidFill>
-              <a:uFill>
-                <a:solidFill>
-                  <a:srgbClr val="ffffff"/>
-                </a:solidFill>
-              </a:uFill>
-              <a:latin typeface="Arial"/>
-            </a:endParaRPr>
-          </a:p>
-          <a:p>
-            <a:pPr marL="285840" indent="-285120">
-              <a:lnSpc>
-                <a:spcPct val="100000"/>
-              </a:lnSpc>
-              <a:buClr>
-                <a:srgbClr val="000000"/>
-              </a:buClr>
-              <a:buFont typeface="Arial"/>
-              <a:buChar char="•"/>
-            </a:pPr>
-            <a:r>
-              <a:rPr b="0" lang="nl-NL" sz="1800" spc="-1" strike="noStrike">
-                <a:solidFill>
-                  <a:srgbClr val="000000"/>
-                </a:solidFill>
-                <a:uFill>
-                  <a:solidFill>
-                    <a:srgbClr val="ffffff"/>
-                  </a:solidFill>
-                </a:uFill>
-                <a:latin typeface="Corbel"/>
-                <a:ea typeface="DejaVu Sans"/>
-              </a:rPr>
-              <a:t>Met bijlagen</a:t>
-            </a:r>
-            <a:endParaRPr b="0" lang="nl-NL" sz="1800" spc="-1" strike="noStrike">
-              <a:solidFill>
-                <a:srgbClr val="000000"/>
-              </a:solidFill>
-              <a:uFill>
-                <a:solidFill>
-                  <a:srgbClr val="ffffff"/>
-                </a:solidFill>
-              </a:uFill>
-              <a:latin typeface="Arial"/>
-            </a:endParaRPr>
-          </a:p>
-          <a:p>
-            <a:pPr marL="285840" indent="-285120">
-              <a:lnSpc>
-                <a:spcPct val="100000"/>
-              </a:lnSpc>
-              <a:buClr>
-                <a:srgbClr val="000000"/>
-              </a:buClr>
-              <a:buFont typeface="Arial"/>
-              <a:buChar char="•"/>
-            </a:pPr>
-            <a:r>
-              <a:rPr b="0" lang="nl-NL" sz="1800" spc="-1" strike="noStrike">
-                <a:solidFill>
-                  <a:srgbClr val="000000"/>
-                </a:solidFill>
-                <a:uFill>
-                  <a:solidFill>
-                    <a:srgbClr val="ffffff"/>
-                  </a:solidFill>
-                </a:uFill>
-                <a:latin typeface="Corbel"/>
-                <a:ea typeface="DejaVu Sans"/>
-              </a:rPr>
-              <a:t>Gebruiksvriendelijk</a:t>
-            </a:r>
-            <a:endParaRPr b="0" lang="nl-NL" sz="1800" spc="-1" strike="noStrike">
-              <a:solidFill>
-                <a:srgbClr val="000000"/>
-              </a:solidFill>
-              <a:uFill>
-                <a:solidFill>
-                  <a:srgbClr val="ffffff"/>
-                </a:solidFill>
-              </a:uFill>
-              <a:latin typeface="Arial"/>
-            </a:endParaRPr>
-          </a:p>
-          <a:p>
-            <a:pPr marL="285840" indent="-285120">
-              <a:lnSpc>
-                <a:spcPct val="100000"/>
-              </a:lnSpc>
-              <a:buClr>
-                <a:srgbClr val="000000"/>
-              </a:buClr>
-              <a:buFont typeface="Arial"/>
-              <a:buChar char="•"/>
-            </a:pPr>
-            <a:r>
-              <a:rPr b="0" lang="nl-NL" sz="1800" spc="-1" strike="noStrike">
-                <a:solidFill>
-                  <a:srgbClr val="000000"/>
-                </a:solidFill>
-                <a:uFill>
-                  <a:solidFill>
-                    <a:srgbClr val="ffffff"/>
-                  </a:solidFill>
-                </a:uFill>
-                <a:latin typeface="Corbel"/>
-                <a:ea typeface="DejaVu Sans"/>
-              </a:rPr>
-              <a:t>…</a:t>
-            </a:r>
-            <a:endParaRPr b="0" lang="nl-NL" sz="1800" spc="-1" strike="noStrike">
-              <a:solidFill>
-                <a:srgbClr val="000000"/>
-              </a:solidFill>
-              <a:uFill>
-                <a:solidFill>
-                  <a:srgbClr val="ffffff"/>
-                </a:solidFill>
-              </a:uFill>
-              <a:latin typeface="Arial"/>
-            </a:endParaRPr>
-          </a:p>
         </p:txBody>
       </p:sp>
-      <p:pic>
-        <p:nvPicPr>
-          <p:cNvPr id="133" name="Afbeelding 2" descr=""/>
-          <p:cNvPicPr/>
-          <p:nvPr/>
-        </p:nvPicPr>
-        <p:blipFill>
-          <a:blip r:embed="rId1"/>
-          <a:stretch/>
-        </p:blipFill>
-        <p:spPr>
-          <a:xfrm>
-            <a:off x="1407600" y="764640"/>
-            <a:ext cx="6476040" cy="4291200"/>
-          </a:xfrm>
-          <a:prstGeom prst="rect">
-            <a:avLst/>
-          </a:prstGeom>
-          <a:ln>
-            <a:noFill/>
-          </a:ln>
-        </p:spPr>
-      </p:pic>
     </p:spTree>
   </p:cSld>
   <p:timing>
@@ -11508,38 +10776,15 @@
           <a:chExt cx="0" cy="0"/>
         </a:xfrm>
       </p:grpSpPr>
-      <p:pic>
-        <p:nvPicPr>
-          <p:cNvPr id="134" name="Afbeelding 2" descr=""/>
-          <p:cNvPicPr/>
-          <p:nvPr/>
-        </p:nvPicPr>
-        <p:blipFill>
-          <a:blip r:embed="rId1"/>
-          <a:stretch/>
-        </p:blipFill>
-        <p:spPr>
-          <a:xfrm>
-            <a:off x="1187640" y="1124640"/>
-            <a:ext cx="6552000" cy="4281840"/>
-          </a:xfrm>
-          <a:prstGeom prst="rect">
-            <a:avLst/>
-          </a:prstGeom>
-          <a:ln>
-            <a:noFill/>
-          </a:ln>
-        </p:spPr>
-      </p:pic>
-      <p:sp>
-        <p:nvSpPr>
-          <p:cNvPr id="135" name="CustomShape 1"/>
+      <p:sp>
+        <p:nvSpPr>
+          <p:cNvPr id="133" name="CustomShape 1"/>
           <p:cNvSpPr/>
           <p:nvPr/>
         </p:nvSpPr>
         <p:spPr>
           <a:xfrm>
-            <a:off x="774000" y="341640"/>
+            <a:off x="756720" y="144000"/>
             <a:ext cx="7595280" cy="1142280"/>
           </a:xfrm>
           <a:prstGeom prst="rect">
@@ -11576,7 +10821,7 @@
                 </a:uFill>
                 <a:latin typeface="Corbel"/>
               </a:rPr>
-              <a:t>Huidige situatie informatievoorziening</a:t>
+              <a:t>Doelsituatie, informatievoorziening </a:t>
             </a:r>
             <a:endParaRPr b="0" lang="nl-NL" sz="1800" spc="-1" strike="noStrike">
               <a:solidFill>
@@ -11594,14 +10839,14 @@
       </p:sp>
       <p:sp>
         <p:nvSpPr>
-          <p:cNvPr id="136" name="CustomShape 2"/>
+          <p:cNvPr id="134" name="CustomShape 2"/>
           <p:cNvSpPr/>
           <p:nvPr/>
         </p:nvSpPr>
         <p:spPr>
-          <a:xfrm flipH="1" flipV="1" rot="10800000">
-            <a:off x="17172000" y="7800480"/>
-            <a:ext cx="8352000" cy="1097280"/>
+          <a:xfrm>
+            <a:off x="1432800" y="5589360"/>
+            <a:ext cx="6069240" cy="1097280"/>
           </a:xfrm>
           <a:prstGeom prst="rect">
             <a:avLst/>
@@ -11618,17 +10863,12 @@
           <a:fontRef idx="minor"/>
         </p:style>
         <p:txBody>
-          <a:bodyPr lIns="0" rIns="0" tIns="0" bIns="0"/>
-          <a:p>
-            <a:pPr marL="285840" indent="-285120">
+          <a:bodyPr wrap="none" lIns="0" rIns="0" tIns="0" bIns="0"/>
+          <a:p>
+            <a:pPr>
               <a:lnSpc>
                 <a:spcPct val="100000"/>
               </a:lnSpc>
-              <a:buClr>
-                <a:srgbClr val="000000"/>
-              </a:buClr>
-              <a:buFont typeface="Arial"/>
-              <a:buChar char="•"/>
             </a:pPr>
             <a:r>
               <a:rPr b="0" lang="nl-NL" sz="1800" spc="-1" strike="noStrike">
@@ -11643,121 +10883,7 @@
                 <a:latin typeface="Corbel"/>
                 <a:ea typeface="DejaVu Sans"/>
               </a:rPr>
-              <a:t>Uitwisseling van cliëntinformatie per email</a:t>
-            </a:r>
-            <a:endParaRPr b="0" lang="nl-NL" sz="1800" spc="-1" strike="noStrike">
-              <a:solidFill>
-                <a:srgbClr val="000000"/>
-              </a:solidFill>
-              <a:uFill>
-                <a:solidFill>
-                  <a:srgbClr val="ffffff"/>
-                </a:solidFill>
-              </a:uFill>
-              <a:latin typeface="Arial"/>
-            </a:endParaRPr>
-          </a:p>
-          <a:p>
-            <a:pPr marL="285840" indent="-285120">
-              <a:lnSpc>
-                <a:spcPct val="100000"/>
-              </a:lnSpc>
-              <a:buClr>
-                <a:srgbClr val="000000"/>
-              </a:buClr>
-              <a:buFont typeface="Arial"/>
-              <a:buChar char="•"/>
-            </a:pPr>
-            <a:r>
-              <a:rPr b="0" lang="nl-NL" sz="1800" spc="-1" strike="noStrike">
-                <a:solidFill>
-                  <a:srgbClr val="000000"/>
-                </a:solidFill>
-                <a:uFill>
-                  <a:solidFill>
-                    <a:srgbClr val="ffffff"/>
-                  </a:solidFill>
-                </a:uFill>
-                <a:latin typeface="Corbel"/>
-                <a:ea typeface="DejaVu Sans"/>
-              </a:rPr>
-              <a:t>Dus met het SMTP protocol over het Internet</a:t>
-            </a:r>
-            <a:endParaRPr b="0" lang="nl-NL" sz="1800" spc="-1" strike="noStrike">
-              <a:solidFill>
-                <a:srgbClr val="000000"/>
-              </a:solidFill>
-              <a:uFill>
-                <a:solidFill>
-                  <a:srgbClr val="ffffff"/>
-                </a:solidFill>
-              </a:uFill>
-              <a:latin typeface="Arial"/>
-            </a:endParaRPr>
-          </a:p>
-          <a:p>
-            <a:pPr marL="285840" indent="-285120">
-              <a:lnSpc>
-                <a:spcPct val="100000"/>
-              </a:lnSpc>
-              <a:buClr>
-                <a:srgbClr val="000000"/>
-              </a:buClr>
-              <a:buFont typeface="Arial"/>
-              <a:buChar char="•"/>
-            </a:pPr>
-            <a:r>
-              <a:rPr b="0" lang="nl-NL" sz="1800" spc="-1" strike="noStrike">
-                <a:solidFill>
-                  <a:srgbClr val="000000"/>
-                </a:solidFill>
-                <a:uFill>
-                  <a:solidFill>
-                    <a:srgbClr val="ffffff"/>
-                  </a:solidFill>
-                </a:uFill>
-                <a:latin typeface="Corbel"/>
-                <a:ea typeface="DejaVu Sans"/>
-              </a:rPr>
-              <a:t>Dat wordt als onvoldoende secure beoordeeld</a:t>
-            </a:r>
-            <a:endParaRPr b="0" lang="nl-NL" sz="1800" spc="-1" strike="noStrike">
-              <a:solidFill>
-                <a:srgbClr val="000000"/>
-              </a:solidFill>
-              <a:uFill>
-                <a:solidFill>
-                  <a:srgbClr val="ffffff"/>
-                </a:solidFill>
-              </a:uFill>
-              <a:latin typeface="Arial"/>
-            </a:endParaRPr>
-          </a:p>
-          <a:p>
-            <a:pPr marL="285840" indent="-285120">
-              <a:lnSpc>
-                <a:spcPct val="100000"/>
-              </a:lnSpc>
-              <a:buClr>
-                <a:srgbClr val="000000"/>
-              </a:buClr>
-              <a:buFont typeface="Arial"/>
-              <a:buChar char="•"/>
-            </a:pPr>
-            <a:r>
-              <a:rPr b="0" lang="nl-NL" sz="1800" spc="-1" strike="noStrike">
-                <a:solidFill>
-                  <a:srgbClr val="000000"/>
-                </a:solidFill>
-                <a:uFill>
-                  <a:solidFill>
-                    <a:srgbClr val="ffffff"/>
-                  </a:solidFill>
-                </a:uFill>
-                <a:latin typeface="Corbel"/>
-                <a:ea typeface="DejaVu Sans"/>
-              </a:rPr>
-              <a:t>In ieder geval niet geschikt voor dit soort informatie</a:t>
+              <a:t>...</a:t>
             </a:r>
             <a:endParaRPr b="0" lang="nl-NL" sz="1800" spc="-1" strike="noStrike">
               <a:solidFill>

--- a/Architectuurcontext - Sarphati.pptx
+++ b/Architectuurcontext - Sarphati.pptx
@@ -6,7 +6,7 @@
     <p:sldMasterId id="2147483661" r:id="rId2"/>
   </p:sldMasterIdLst>
   <p:notesMasterIdLst>
-    <p:notesMasterId r:id="rId16"/>
+    <p:notesMasterId r:id="rId14"/>
   </p:notesMasterIdLst>
   <p:sldIdLst>
     <p:sldId id="256" r:id="rId3"/>
@@ -14,14 +14,12 @@
     <p:sldId id="257" r:id="rId5"/>
     <p:sldId id="266" r:id="rId6"/>
     <p:sldId id="267" r:id="rId7"/>
-    <p:sldId id="268" r:id="rId8"/>
-    <p:sldId id="258" r:id="rId9"/>
-    <p:sldId id="259" r:id="rId10"/>
-    <p:sldId id="260" r:id="rId11"/>
-    <p:sldId id="261" r:id="rId12"/>
-    <p:sldId id="262" r:id="rId13"/>
-    <p:sldId id="263" r:id="rId14"/>
-    <p:sldId id="264" r:id="rId15"/>
+    <p:sldId id="269" r:id="rId8"/>
+    <p:sldId id="268" r:id="rId9"/>
+    <p:sldId id="270" r:id="rId10"/>
+    <p:sldId id="258" r:id="rId11"/>
+    <p:sldId id="259" r:id="rId12"/>
+    <p:sldId id="260" r:id="rId13"/>
   </p:sldIdLst>
   <p:sldSz cx="9144000" cy="6858000" type="screen4x3"/>
   <p:notesSz cx="6858000" cy="9144000"/>
@@ -120,6 +118,22 @@
       </a:defRPr>
     </a:lvl9pPr>
   </p:defaultTextStyle>
+  <p:extLst>
+    <p:ext uri="{EFAFB233-063F-42B5-8137-9DF3F51BA10A}">
+      <p15:sldGuideLst xmlns:p15="http://schemas.microsoft.com/office/powerpoint/2012/main">
+        <p15:guide id="1" orient="horz" pos="2160">
+          <p15:clr>
+            <a:srgbClr val="A4A3A4"/>
+          </p15:clr>
+        </p15:guide>
+        <p15:guide id="2" pos="2880">
+          <p15:clr>
+            <a:srgbClr val="A4A3A4"/>
+          </p15:clr>
+        </p15:guide>
+      </p15:sldGuideLst>
+    </p:ext>
+  </p:extLst>
 </p:presentation>
 </file>
 
@@ -359,6 +373,11 @@
         </p:txBody>
       </p:sp>
     </p:spTree>
+    <p:extLst>
+      <p:ext uri="{BB962C8B-B14F-4D97-AF65-F5344CB8AC3E}">
+        <p14:creationId xmlns:p14="http://schemas.microsoft.com/office/powerpoint/2010/main" val="3511470743"/>
+      </p:ext>
+    </p:extLst>
   </p:cSld>
   <p:clrMap bg1="lt1" tx1="dk1" bg2="lt2" tx2="dk2" accent1="accent1" accent2="accent2" accent3="accent3" accent4="accent4" accent5="accent5" accent6="accent6" hlink="hlink" folHlink="folHlink"/>
   <p:notesStyle>
@@ -579,7 +598,7 @@
                 <a:latin typeface="+mn-lt"/>
                 <a:ea typeface="+mn-ea"/>
               </a:rPr>
-              <a:t>8</a:t>
+              <a:t>10</a:t>
             </a:fld>
             <a:endParaRPr lang="nl-NL" sz="1800" b="0" strike="noStrike" spc="-1">
               <a:solidFill>
@@ -726,617 +745,7 @@
                 <a:latin typeface="+mn-lt"/>
                 <a:ea typeface="+mn-ea"/>
               </a:rPr>
-              <a:t>9</a:t>
-            </a:fld>
-            <a:endParaRPr lang="nl-NL" sz="1800" b="0" strike="noStrike" spc="-1">
-              <a:solidFill>
-                <a:srgbClr val="000000"/>
-              </a:solidFill>
-              <a:uFill>
-                <a:solidFill>
-                  <a:srgbClr val="FFFFFF"/>
-                </a:solidFill>
-              </a:uFill>
-              <a:latin typeface="Arial"/>
-            </a:endParaRPr>
-          </a:p>
-        </p:txBody>
-      </p:sp>
-    </p:spTree>
-  </p:cSld>
-  <p:clrMapOvr>
-    <a:masterClrMapping/>
-  </p:clrMapOvr>
-</p:notes>
-</file>
-
-<file path=ppt/notesSlides/notesSlide3.xml><?xml version="1.0" encoding="utf-8"?>
-<p:notes xmlns:a="http://schemas.openxmlformats.org/drawingml/2006/main" xmlns:r="http://schemas.openxmlformats.org/officeDocument/2006/relationships" xmlns:p="http://schemas.openxmlformats.org/presentationml/2006/main">
-  <p:cSld>
-    <p:spTree>
-      <p:nvGrpSpPr>
-        <p:cNvPr id="1" name=""/>
-        <p:cNvGrpSpPr/>
-        <p:nvPr/>
-      </p:nvGrpSpPr>
-      <p:grpSpPr>
-        <a:xfrm>
-          <a:off x="0" y="0"/>
-          <a:ext cx="0" cy="0"/>
-          <a:chOff x="0" y="0"/>
-          <a:chExt cx="0" cy="0"/>
-        </a:xfrm>
-      </p:grpSpPr>
-      <p:sp>
-        <p:nvSpPr>
-          <p:cNvPr id="139" name="PlaceHolder 1"/>
-          <p:cNvSpPr>
-            <a:spLocks noGrp="1"/>
-          </p:cNvSpPr>
-          <p:nvPr>
-            <p:ph type="body"/>
-          </p:nvPr>
-        </p:nvSpPr>
-        <p:spPr>
-          <a:xfrm>
-            <a:off x="685800" y="4343400"/>
-            <a:ext cx="5485680" cy="4114080"/>
-          </a:xfrm>
-          <a:prstGeom prst="rect">
-            <a:avLst/>
-          </a:prstGeom>
-        </p:spPr>
-        <p:txBody>
-          <a:bodyPr lIns="0" tIns="0" rIns="0" bIns="0"/>
-          <a:lstStyle/>
-          <a:p>
-            <a:r>
-              <a:rPr lang="nl-NL" sz="2000" b="0" strike="noStrike" spc="-1">
-                <a:solidFill>
-                  <a:srgbClr val="000000"/>
-                </a:solidFill>
-                <a:uFill>
-                  <a:solidFill>
-                    <a:srgbClr val="FFFFFF"/>
-                  </a:solidFill>
-                </a:uFill>
-                <a:latin typeface="Arial"/>
-              </a:rPr>
-              <a:t>Speelt de ombudsman nog een actieve noemenswaardige rol in deze situatie of alleen bij uitzondering?</a:t>
-            </a:r>
-          </a:p>
-          <a:p>
-            <a:endParaRPr lang="nl-NL" sz="2000" b="0" strike="noStrike" spc="-1">
-              <a:solidFill>
-                <a:srgbClr val="000000"/>
-              </a:solidFill>
-              <a:uFill>
-                <a:solidFill>
-                  <a:srgbClr val="FFFFFF"/>
-                </a:solidFill>
-              </a:uFill>
-              <a:latin typeface="Arial"/>
-            </a:endParaRPr>
-          </a:p>
-        </p:txBody>
-      </p:sp>
-      <p:sp>
-        <p:nvSpPr>
-          <p:cNvPr id="140" name="CustomShape 2"/>
-          <p:cNvSpPr/>
-          <p:nvPr/>
-        </p:nvSpPr>
-        <p:spPr>
-          <a:xfrm>
-            <a:off x="3884760" y="8685360"/>
-            <a:ext cx="2971080" cy="456480"/>
-          </a:xfrm>
-          <a:prstGeom prst="rect">
-            <a:avLst/>
-          </a:prstGeom>
-          <a:noFill/>
-          <a:ln>
-            <a:noFill/>
-          </a:ln>
-        </p:spPr>
-        <p:style>
-          <a:lnRef idx="0">
-            <a:scrgbClr r="0" g="0" b="0"/>
-          </a:lnRef>
-          <a:fillRef idx="0">
-            <a:scrgbClr r="0" g="0" b="0"/>
-          </a:fillRef>
-          <a:effectRef idx="0">
-            <a:scrgbClr r="0" g="0" b="0"/>
-          </a:effectRef>
-          <a:fontRef idx="minor"/>
-        </p:style>
-        <p:txBody>
-          <a:bodyPr lIns="90000" tIns="45000" rIns="90000" bIns="45000" anchor="b"/>
-          <a:lstStyle/>
-          <a:p>
-            <a:pPr algn="r">
-              <a:lnSpc>
-                <a:spcPct val="100000"/>
-              </a:lnSpc>
-            </a:pPr>
-            <a:fld id="{483C5B34-DCE1-48D7-A8BF-19B1A2E8B394}" type="slidenum">
-              <a:rPr lang="nl-NL" sz="1200" b="0" strike="noStrike" spc="-1">
-                <a:solidFill>
-                  <a:srgbClr val="000000"/>
-                </a:solidFill>
-                <a:uFill>
-                  <a:solidFill>
-                    <a:srgbClr val="FFFFFF"/>
-                  </a:solidFill>
-                </a:uFill>
-                <a:latin typeface="+mn-lt"/>
-                <a:ea typeface="+mn-ea"/>
-              </a:rPr>
-              <a:t>10</a:t>
-            </a:fld>
-            <a:endParaRPr lang="nl-NL" sz="1800" b="0" strike="noStrike" spc="-1">
-              <a:solidFill>
-                <a:srgbClr val="000000"/>
-              </a:solidFill>
-              <a:uFill>
-                <a:solidFill>
-                  <a:srgbClr val="FFFFFF"/>
-                </a:solidFill>
-              </a:uFill>
-              <a:latin typeface="Arial"/>
-            </a:endParaRPr>
-          </a:p>
-        </p:txBody>
-      </p:sp>
-    </p:spTree>
-  </p:cSld>
-  <p:clrMapOvr>
-    <a:masterClrMapping/>
-  </p:clrMapOvr>
-</p:notes>
-</file>
-
-<file path=ppt/notesSlides/notesSlide4.xml><?xml version="1.0" encoding="utf-8"?>
-<p:notes xmlns:a="http://schemas.openxmlformats.org/drawingml/2006/main" xmlns:r="http://schemas.openxmlformats.org/officeDocument/2006/relationships" xmlns:p="http://schemas.openxmlformats.org/presentationml/2006/main">
-  <p:cSld>
-    <p:spTree>
-      <p:nvGrpSpPr>
-        <p:cNvPr id="1" name=""/>
-        <p:cNvGrpSpPr/>
-        <p:nvPr/>
-      </p:nvGrpSpPr>
-      <p:grpSpPr>
-        <a:xfrm>
-          <a:off x="0" y="0"/>
-          <a:ext cx="0" cy="0"/>
-          <a:chOff x="0" y="0"/>
-          <a:chExt cx="0" cy="0"/>
-        </a:xfrm>
-      </p:grpSpPr>
-      <p:sp>
-        <p:nvSpPr>
-          <p:cNvPr id="141" name="PlaceHolder 1"/>
-          <p:cNvSpPr>
-            <a:spLocks noGrp="1"/>
-          </p:cNvSpPr>
-          <p:nvPr>
-            <p:ph type="body"/>
-          </p:nvPr>
-        </p:nvSpPr>
-        <p:spPr>
-          <a:xfrm>
-            <a:off x="685800" y="4343400"/>
-            <a:ext cx="5485680" cy="4114080"/>
-          </a:xfrm>
-          <a:prstGeom prst="rect">
-            <a:avLst/>
-          </a:prstGeom>
-        </p:spPr>
-        <p:txBody>
-          <a:bodyPr lIns="0" tIns="0" rIns="0" bIns="0"/>
-          <a:lstStyle/>
-          <a:p>
-            <a:r>
-              <a:rPr lang="nl-NL" sz="2000" b="0" strike="noStrike" spc="-1">
-                <a:solidFill>
-                  <a:srgbClr val="000000"/>
-                </a:solidFill>
-                <a:uFill>
-                  <a:solidFill>
-                    <a:srgbClr val="FFFFFF"/>
-                  </a:solidFill>
-                </a:uFill>
-                <a:latin typeface="Arial"/>
-              </a:rPr>
-              <a:t>Speelt de ombudsman nog een actieve noemenswaardige rol in deze situatie of alleen bij uitzondering?</a:t>
-            </a:r>
-          </a:p>
-          <a:p>
-            <a:endParaRPr lang="nl-NL" sz="2000" b="0" strike="noStrike" spc="-1">
-              <a:solidFill>
-                <a:srgbClr val="000000"/>
-              </a:solidFill>
-              <a:uFill>
-                <a:solidFill>
-                  <a:srgbClr val="FFFFFF"/>
-                </a:solidFill>
-              </a:uFill>
-              <a:latin typeface="Arial"/>
-            </a:endParaRPr>
-          </a:p>
-        </p:txBody>
-      </p:sp>
-      <p:sp>
-        <p:nvSpPr>
-          <p:cNvPr id="142" name="CustomShape 2"/>
-          <p:cNvSpPr/>
-          <p:nvPr/>
-        </p:nvSpPr>
-        <p:spPr>
-          <a:xfrm>
-            <a:off x="3884760" y="8685360"/>
-            <a:ext cx="2971080" cy="456480"/>
-          </a:xfrm>
-          <a:prstGeom prst="rect">
-            <a:avLst/>
-          </a:prstGeom>
-          <a:noFill/>
-          <a:ln>
-            <a:noFill/>
-          </a:ln>
-        </p:spPr>
-        <p:style>
-          <a:lnRef idx="0">
-            <a:scrgbClr r="0" g="0" b="0"/>
-          </a:lnRef>
-          <a:fillRef idx="0">
-            <a:scrgbClr r="0" g="0" b="0"/>
-          </a:fillRef>
-          <a:effectRef idx="0">
-            <a:scrgbClr r="0" g="0" b="0"/>
-          </a:effectRef>
-          <a:fontRef idx="minor"/>
-        </p:style>
-        <p:txBody>
-          <a:bodyPr lIns="90000" tIns="45000" rIns="90000" bIns="45000" anchor="b"/>
-          <a:lstStyle/>
-          <a:p>
-            <a:pPr algn="r">
-              <a:lnSpc>
-                <a:spcPct val="100000"/>
-              </a:lnSpc>
-            </a:pPr>
-            <a:fld id="{F080FA0A-2010-470A-ABCB-8D1BDB30B438}" type="slidenum">
-              <a:rPr lang="nl-NL" sz="1200" b="0" strike="noStrike" spc="-1">
-                <a:solidFill>
-                  <a:srgbClr val="000000"/>
-                </a:solidFill>
-                <a:uFill>
-                  <a:solidFill>
-                    <a:srgbClr val="FFFFFF"/>
-                  </a:solidFill>
-                </a:uFill>
-                <a:latin typeface="+mn-lt"/>
-                <a:ea typeface="+mn-ea"/>
-              </a:rPr>
               <a:t>11</a:t>
-            </a:fld>
-            <a:endParaRPr lang="nl-NL" sz="1800" b="0" strike="noStrike" spc="-1">
-              <a:solidFill>
-                <a:srgbClr val="000000"/>
-              </a:solidFill>
-              <a:uFill>
-                <a:solidFill>
-                  <a:srgbClr val="FFFFFF"/>
-                </a:solidFill>
-              </a:uFill>
-              <a:latin typeface="Arial"/>
-            </a:endParaRPr>
-          </a:p>
-        </p:txBody>
-      </p:sp>
-    </p:spTree>
-  </p:cSld>
-  <p:clrMapOvr>
-    <a:masterClrMapping/>
-  </p:clrMapOvr>
-</p:notes>
-</file>
-
-<file path=ppt/notesSlides/notesSlide5.xml><?xml version="1.0" encoding="utf-8"?>
-<p:notes xmlns:a="http://schemas.openxmlformats.org/drawingml/2006/main" xmlns:r="http://schemas.openxmlformats.org/officeDocument/2006/relationships" xmlns:p="http://schemas.openxmlformats.org/presentationml/2006/main">
-  <p:cSld>
-    <p:spTree>
-      <p:nvGrpSpPr>
-        <p:cNvPr id="1" name=""/>
-        <p:cNvGrpSpPr/>
-        <p:nvPr/>
-      </p:nvGrpSpPr>
-      <p:grpSpPr>
-        <a:xfrm>
-          <a:off x="0" y="0"/>
-          <a:ext cx="0" cy="0"/>
-          <a:chOff x="0" y="0"/>
-          <a:chExt cx="0" cy="0"/>
-        </a:xfrm>
-      </p:grpSpPr>
-      <p:sp>
-        <p:nvSpPr>
-          <p:cNvPr id="143" name="PlaceHolder 1"/>
-          <p:cNvSpPr>
-            <a:spLocks noGrp="1"/>
-          </p:cNvSpPr>
-          <p:nvPr>
-            <p:ph type="body"/>
-          </p:nvPr>
-        </p:nvSpPr>
-        <p:spPr>
-          <a:xfrm>
-            <a:off x="685800" y="4343400"/>
-            <a:ext cx="5485680" cy="4114080"/>
-          </a:xfrm>
-          <a:prstGeom prst="rect">
-            <a:avLst/>
-          </a:prstGeom>
-        </p:spPr>
-        <p:txBody>
-          <a:bodyPr lIns="0" tIns="0" rIns="0" bIns="0"/>
-          <a:lstStyle/>
-          <a:p>
-            <a:r>
-              <a:rPr lang="nl-NL" sz="2000" b="0" strike="noStrike" spc="-1">
-                <a:solidFill>
-                  <a:srgbClr val="000000"/>
-                </a:solidFill>
-                <a:uFill>
-                  <a:solidFill>
-                    <a:srgbClr val="FFFFFF"/>
-                  </a:solidFill>
-                </a:uFill>
-                <a:latin typeface="Arial"/>
-              </a:rPr>
-              <a:t>Speelt de ombudsman nog een actieve noemenswaardige rol in deze situatie of alleen bij uitzondering?</a:t>
-            </a:r>
-            <a:endParaRPr lang="nl-NL" sz="1800" b="0" strike="noStrike" spc="-1">
-              <a:solidFill>
-                <a:srgbClr val="000000"/>
-              </a:solidFill>
-              <a:uFill>
-                <a:solidFill>
-                  <a:srgbClr val="FFFFFF"/>
-                </a:solidFill>
-              </a:uFill>
-              <a:latin typeface="Arial"/>
-            </a:endParaRPr>
-          </a:p>
-          <a:p>
-            <a:endParaRPr lang="nl-NL" sz="1800" b="0" strike="noStrike" spc="-1">
-              <a:solidFill>
-                <a:srgbClr val="000000"/>
-              </a:solidFill>
-              <a:uFill>
-                <a:solidFill>
-                  <a:srgbClr val="FFFFFF"/>
-                </a:solidFill>
-              </a:uFill>
-              <a:latin typeface="Arial"/>
-            </a:endParaRPr>
-          </a:p>
-        </p:txBody>
-      </p:sp>
-      <p:sp>
-        <p:nvSpPr>
-          <p:cNvPr id="144" name="CustomShape 2"/>
-          <p:cNvSpPr/>
-          <p:nvPr/>
-        </p:nvSpPr>
-        <p:spPr>
-          <a:xfrm>
-            <a:off x="3884760" y="8685360"/>
-            <a:ext cx="2971080" cy="456480"/>
-          </a:xfrm>
-          <a:prstGeom prst="rect">
-            <a:avLst/>
-          </a:prstGeom>
-          <a:noFill/>
-          <a:ln>
-            <a:noFill/>
-          </a:ln>
-        </p:spPr>
-        <p:style>
-          <a:lnRef idx="0">
-            <a:scrgbClr r="0" g="0" b="0"/>
-          </a:lnRef>
-          <a:fillRef idx="0">
-            <a:scrgbClr r="0" g="0" b="0"/>
-          </a:fillRef>
-          <a:effectRef idx="0">
-            <a:scrgbClr r="0" g="0" b="0"/>
-          </a:effectRef>
-          <a:fontRef idx="minor"/>
-        </p:style>
-        <p:txBody>
-          <a:bodyPr lIns="90000" tIns="45000" rIns="90000" bIns="45000" anchor="b"/>
-          <a:lstStyle/>
-          <a:p>
-            <a:pPr algn="r">
-              <a:lnSpc>
-                <a:spcPct val="100000"/>
-              </a:lnSpc>
-            </a:pPr>
-            <a:fld id="{F44574FA-4CFC-4F0E-A9A8-BB114942B73C}" type="slidenum">
-              <a:rPr lang="nl-NL" sz="1200" b="0" strike="noStrike" spc="-1">
-                <a:solidFill>
-                  <a:srgbClr val="000000"/>
-                </a:solidFill>
-                <a:uFill>
-                  <a:solidFill>
-                    <a:srgbClr val="FFFFFF"/>
-                  </a:solidFill>
-                </a:uFill>
-                <a:latin typeface="+mn-lt"/>
-                <a:ea typeface="+mn-ea"/>
-              </a:rPr>
-              <a:t>12</a:t>
-            </a:fld>
-            <a:endParaRPr lang="nl-NL" sz="1800" b="0" strike="noStrike" spc="-1">
-              <a:solidFill>
-                <a:srgbClr val="000000"/>
-              </a:solidFill>
-              <a:uFill>
-                <a:solidFill>
-                  <a:srgbClr val="FFFFFF"/>
-                </a:solidFill>
-              </a:uFill>
-              <a:latin typeface="Arial"/>
-            </a:endParaRPr>
-          </a:p>
-        </p:txBody>
-      </p:sp>
-    </p:spTree>
-  </p:cSld>
-  <p:clrMapOvr>
-    <a:masterClrMapping/>
-  </p:clrMapOvr>
-</p:notes>
-</file>
-
-<file path=ppt/notesSlides/notesSlide6.xml><?xml version="1.0" encoding="utf-8"?>
-<p:notes xmlns:a="http://schemas.openxmlformats.org/drawingml/2006/main" xmlns:r="http://schemas.openxmlformats.org/officeDocument/2006/relationships" xmlns:p="http://schemas.openxmlformats.org/presentationml/2006/main">
-  <p:cSld>
-    <p:spTree>
-      <p:nvGrpSpPr>
-        <p:cNvPr id="1" name=""/>
-        <p:cNvGrpSpPr/>
-        <p:nvPr/>
-      </p:nvGrpSpPr>
-      <p:grpSpPr>
-        <a:xfrm>
-          <a:off x="0" y="0"/>
-          <a:ext cx="0" cy="0"/>
-          <a:chOff x="0" y="0"/>
-          <a:chExt cx="0" cy="0"/>
-        </a:xfrm>
-      </p:grpSpPr>
-      <p:sp>
-        <p:nvSpPr>
-          <p:cNvPr id="145" name="PlaceHolder 1"/>
-          <p:cNvSpPr>
-            <a:spLocks noGrp="1"/>
-          </p:cNvSpPr>
-          <p:nvPr>
-            <p:ph type="body"/>
-          </p:nvPr>
-        </p:nvSpPr>
-        <p:spPr>
-          <a:xfrm>
-            <a:off x="685800" y="4343400"/>
-            <a:ext cx="5485680" cy="4114080"/>
-          </a:xfrm>
-          <a:prstGeom prst="rect">
-            <a:avLst/>
-          </a:prstGeom>
-        </p:spPr>
-        <p:txBody>
-          <a:bodyPr lIns="0" tIns="0" rIns="0" bIns="0"/>
-          <a:lstStyle/>
-          <a:p>
-            <a:r>
-              <a:rPr lang="nl-NL" sz="2000" b="0" strike="noStrike" spc="-1">
-                <a:solidFill>
-                  <a:srgbClr val="000000"/>
-                </a:solidFill>
-                <a:uFill>
-                  <a:solidFill>
-                    <a:srgbClr val="FFFFFF"/>
-                  </a:solidFill>
-                </a:uFill>
-                <a:latin typeface="Arial"/>
-              </a:rPr>
-              <a:t>Speelt de ombudsman nog een actieve noemenswaardige rol in deze situatie of alleen bij uitzondering?</a:t>
-            </a:r>
-            <a:endParaRPr lang="nl-NL" sz="1800" b="0" strike="noStrike" spc="-1">
-              <a:solidFill>
-                <a:srgbClr val="000000"/>
-              </a:solidFill>
-              <a:uFill>
-                <a:solidFill>
-                  <a:srgbClr val="FFFFFF"/>
-                </a:solidFill>
-              </a:uFill>
-              <a:latin typeface="Arial"/>
-            </a:endParaRPr>
-          </a:p>
-          <a:p>
-            <a:endParaRPr lang="nl-NL" sz="1800" b="0" strike="noStrike" spc="-1">
-              <a:solidFill>
-                <a:srgbClr val="000000"/>
-              </a:solidFill>
-              <a:uFill>
-                <a:solidFill>
-                  <a:srgbClr val="FFFFFF"/>
-                </a:solidFill>
-              </a:uFill>
-              <a:latin typeface="Arial"/>
-            </a:endParaRPr>
-          </a:p>
-        </p:txBody>
-      </p:sp>
-      <p:sp>
-        <p:nvSpPr>
-          <p:cNvPr id="146" name="CustomShape 2"/>
-          <p:cNvSpPr/>
-          <p:nvPr/>
-        </p:nvSpPr>
-        <p:spPr>
-          <a:xfrm>
-            <a:off x="3884760" y="8685360"/>
-            <a:ext cx="2971080" cy="456480"/>
-          </a:xfrm>
-          <a:prstGeom prst="rect">
-            <a:avLst/>
-          </a:prstGeom>
-          <a:noFill/>
-          <a:ln>
-            <a:noFill/>
-          </a:ln>
-        </p:spPr>
-        <p:style>
-          <a:lnRef idx="0">
-            <a:scrgbClr r="0" g="0" b="0"/>
-          </a:lnRef>
-          <a:fillRef idx="0">
-            <a:scrgbClr r="0" g="0" b="0"/>
-          </a:fillRef>
-          <a:effectRef idx="0">
-            <a:scrgbClr r="0" g="0" b="0"/>
-          </a:effectRef>
-          <a:fontRef idx="minor"/>
-        </p:style>
-        <p:txBody>
-          <a:bodyPr lIns="90000" tIns="45000" rIns="90000" bIns="45000" anchor="b"/>
-          <a:lstStyle/>
-          <a:p>
-            <a:pPr algn="r">
-              <a:lnSpc>
-                <a:spcPct val="100000"/>
-              </a:lnSpc>
-            </a:pPr>
-            <a:fld id="{4D717EC1-302F-4453-B16D-3E049C7AD827}" type="slidenum">
-              <a:rPr lang="nl-NL" sz="1200" b="0" strike="noStrike" spc="-1">
-                <a:solidFill>
-                  <a:srgbClr val="000000"/>
-                </a:solidFill>
-                <a:uFill>
-                  <a:solidFill>
-                    <a:srgbClr val="FFFFFF"/>
-                  </a:solidFill>
-                </a:uFill>
-                <a:latin typeface="+mn-lt"/>
-                <a:ea typeface="+mn-ea"/>
-              </a:rPr>
-              <a:t>13</a:t>
             </a:fld>
             <a:endParaRPr lang="nl-NL" sz="1800" b="0" strike="noStrike" spc="-1">
               <a:solidFill>
@@ -9920,7 +9329,7 @@
       </p:grpSpPr>
       <p:sp>
         <p:nvSpPr>
-          <p:cNvPr id="127" name="CustomShape 1"/>
+          <p:cNvPr id="121" name="CustomShape 1"/>
           <p:cNvSpPr/>
           <p:nvPr/>
         </p:nvSpPr>
@@ -9959,7 +9368,7 @@
               </a:lnSpc>
             </a:pPr>
             <a:r>
-              <a:rPr lang="nl-NL" sz="3500" b="1" strike="noStrike" spc="-1">
+              <a:rPr lang="nl-NL" sz="3500" b="1" strike="noStrike" spc="-1" dirty="0">
                 <a:solidFill>
                   <a:srgbClr val="FF0000"/>
                 </a:solidFill>
@@ -9970,25 +9379,14 @@
                 </a:uFill>
                 <a:latin typeface="Corbel"/>
               </a:rPr>
-              <a:t>Huidige situatie, bedrijfslaag </a:t>
+              <a:t>Huidige situatie IV</a:t>
             </a:r>
-            <a:endParaRPr lang="nl-NL" sz="1800" b="0" strike="noStrike" spc="-1">
-              <a:solidFill>
-                <a:srgbClr val="000000"/>
-              </a:solidFill>
-              <a:uFill>
-                <a:solidFill>
-                  <a:srgbClr val="FFFFFF"/>
-                </a:solidFill>
-              </a:uFill>
-              <a:latin typeface="Arial"/>
-            </a:endParaRPr>
           </a:p>
         </p:txBody>
       </p:sp>
       <p:sp>
         <p:nvSpPr>
-          <p:cNvPr id="128" name="CustomShape 2"/>
+          <p:cNvPr id="122" name="CustomShape 2"/>
           <p:cNvSpPr/>
           <p:nvPr/>
         </p:nvSpPr>
@@ -10039,7 +9437,7 @@
                 <a:latin typeface="Corbel"/>
                 <a:ea typeface="DejaVu Sans"/>
               </a:rPr>
-              <a:t>...</a:t>
+              <a:t>Verifying parent identity is an extra task for the nurse practitioner.</a:t>
             </a:r>
             <a:endParaRPr lang="nl-NL" sz="1800" b="0" strike="noStrike" spc="-1">
               <a:solidFill>
@@ -10053,8 +9451,130 @@
               <a:latin typeface="Arial"/>
             </a:endParaRPr>
           </a:p>
+          <a:p>
+            <a:pPr>
+              <a:lnSpc>
+                <a:spcPct val="100000"/>
+              </a:lnSpc>
+            </a:pPr>
+            <a:r>
+              <a:rPr lang="nl-NL" sz="1800" b="0" strike="noStrike" spc="-1">
+                <a:solidFill>
+                  <a:srgbClr val="000000"/>
+                </a:solidFill>
+                <a:uFill>
+                  <a:solidFill>
+                    <a:srgbClr val="FFFFFF"/>
+                  </a:solidFill>
+                </a:uFill>
+                <a:latin typeface="Corbel"/>
+                <a:ea typeface="DejaVu Sans"/>
+              </a:rPr>
+              <a:t>Consent and questionnaire data is gathered on paper.</a:t>
+            </a:r>
+            <a:endParaRPr lang="nl-NL" sz="1800" b="0" strike="noStrike" spc="-1">
+              <a:solidFill>
+                <a:srgbClr val="000000"/>
+              </a:solidFill>
+              <a:uFill>
+                <a:solidFill>
+                  <a:srgbClr val="FFFFFF"/>
+                </a:solidFill>
+              </a:uFill>
+              <a:latin typeface="Arial"/>
+            </a:endParaRPr>
+          </a:p>
+          <a:p>
+            <a:pPr>
+              <a:lnSpc>
+                <a:spcPct val="100000"/>
+              </a:lnSpc>
+            </a:pPr>
+            <a:r>
+              <a:rPr lang="nl-NL" sz="1800" b="0" strike="noStrike" spc="-1">
+                <a:solidFill>
+                  <a:srgbClr val="000000"/>
+                </a:solidFill>
+                <a:uFill>
+                  <a:solidFill>
+                    <a:srgbClr val="FFFFFF"/>
+                  </a:solidFill>
+                </a:uFill>
+                <a:latin typeface="Corbel"/>
+                <a:ea typeface="DejaVu Sans"/>
+              </a:rPr>
+              <a:t>Data files are stored separately on network shares within the GGD LAN.</a:t>
+            </a:r>
+            <a:endParaRPr lang="nl-NL" sz="1800" b="0" strike="noStrike" spc="-1">
+              <a:solidFill>
+                <a:srgbClr val="000000"/>
+              </a:solidFill>
+              <a:uFill>
+                <a:solidFill>
+                  <a:srgbClr val="FFFFFF"/>
+                </a:solidFill>
+              </a:uFill>
+              <a:latin typeface="Arial"/>
+            </a:endParaRPr>
+          </a:p>
+          <a:p>
+            <a:pPr>
+              <a:lnSpc>
+                <a:spcPct val="100000"/>
+              </a:lnSpc>
+            </a:pPr>
+            <a:r>
+              <a:rPr lang="nl-NL" sz="1800" b="0" strike="noStrike" spc="-1">
+                <a:solidFill>
+                  <a:srgbClr val="000000"/>
+                </a:solidFill>
+                <a:uFill>
+                  <a:solidFill>
+                    <a:srgbClr val="FFFFFF"/>
+                  </a:solidFill>
+                </a:uFill>
+                <a:latin typeface="Corbel"/>
+                <a:ea typeface="DejaVu Sans"/>
+              </a:rPr>
+              <a:t>Datamanager manually combines the files into anonimized file for the researchers.</a:t>
+            </a:r>
+            <a:endParaRPr lang="nl-NL" sz="1800" b="0" strike="noStrike" spc="-1">
+              <a:solidFill>
+                <a:srgbClr val="000000"/>
+              </a:solidFill>
+              <a:uFill>
+                <a:solidFill>
+                  <a:srgbClr val="FFFFFF"/>
+                </a:solidFill>
+              </a:uFill>
+              <a:latin typeface="Arial"/>
+            </a:endParaRPr>
+          </a:p>
         </p:txBody>
       </p:sp>
+      <p:pic>
+        <p:nvPicPr>
+          <p:cNvPr id="123" name="Afbeelding 122"/>
+          <p:cNvPicPr/>
+          <p:nvPr/>
+        </p:nvPicPr>
+        <p:blipFill>
+          <a:blip r:embed="rId3"/>
+          <a:stretch/>
+        </p:blipFill>
+        <p:spPr>
+          <a:xfrm>
+            <a:off x="909000" y="792000"/>
+            <a:ext cx="7515000" cy="4885920"/>
+          </a:xfrm>
+          <a:prstGeom prst="rect">
+            <a:avLst/>
+          </a:prstGeom>
+          <a:ln>
+            <a:noFill/>
+          </a:ln>
+        </p:spPr>
+      </p:pic>
     </p:spTree>
   </p:cSld>
   <p:clrMapOvr>
@@ -10109,7 +9629,7 @@
       </p:grpSpPr>
       <p:sp>
         <p:nvSpPr>
-          <p:cNvPr id="129" name="CustomShape 1"/>
+          <p:cNvPr id="124" name="CustomShape 1"/>
           <p:cNvSpPr/>
           <p:nvPr/>
         </p:nvSpPr>
@@ -10148,7 +9668,7 @@
               </a:lnSpc>
             </a:pPr>
             <a:r>
-              <a:rPr lang="nl-NL" sz="3500" b="1" strike="noStrike" spc="-1">
+              <a:rPr lang="nl-NL" sz="3500" b="1" strike="noStrike" spc="-1" dirty="0">
                 <a:solidFill>
                   <a:srgbClr val="FF0000"/>
                 </a:solidFill>
@@ -10159,9 +9679,9 @@
                 </a:uFill>
                 <a:latin typeface="Corbel"/>
               </a:rPr>
-              <a:t>Doelsituatie, bedrijfslaag </a:t>
+              <a:t>Doelsituatie IV</a:t>
             </a:r>
-            <a:endParaRPr lang="nl-NL" sz="1800" b="0" strike="noStrike" spc="-1">
+            <a:endParaRPr lang="nl-NL" sz="1800" b="0" strike="noStrike" spc="-1" dirty="0">
               <a:solidFill>
                 <a:srgbClr val="000000"/>
               </a:solidFill>
@@ -10177,7 +9697,7 @@
       </p:sp>
       <p:sp>
         <p:nvSpPr>
-          <p:cNvPr id="130" name="CustomShape 2"/>
+          <p:cNvPr id="125" name="CustomShape 2"/>
           <p:cNvSpPr/>
           <p:nvPr/>
         </p:nvSpPr>
@@ -10216,7 +9736,7 @@
               </a:lnSpc>
             </a:pPr>
             <a:r>
-              <a:rPr lang="nl-NL" sz="1800" b="0" strike="noStrike" spc="-1">
+              <a:rPr lang="nl-NL" sz="1800" b="0" strike="noStrike" spc="-1" dirty="0">
                 <a:solidFill>
                   <a:srgbClr val="000000"/>
                 </a:solidFill>
@@ -10228,184 +9748,10 @@
                 <a:latin typeface="Corbel"/>
                 <a:ea typeface="DejaVu Sans"/>
               </a:rPr>
-              <a:t>...</a:t>
+              <a:t>Consent </a:t>
             </a:r>
-            <a:endParaRPr lang="nl-NL" sz="1800" b="0" strike="noStrike" spc="-1">
-              <a:solidFill>
-                <a:srgbClr val="000000"/>
-              </a:solidFill>
-              <a:uFill>
-                <a:solidFill>
-                  <a:srgbClr val="FFFFFF"/>
-                </a:solidFill>
-              </a:uFill>
-              <a:latin typeface="Arial"/>
-            </a:endParaRPr>
-          </a:p>
-        </p:txBody>
-      </p:sp>
-    </p:spTree>
-  </p:cSld>
-  <p:clrMapOvr>
-    <a:masterClrMapping/>
-  </p:clrMapOvr>
-  <p:timing>
-    <p:tnLst>
-      <p:par>
-        <p:cTn id="1" dur="indefinite" restart="never" nodeType="tmRoot">
-          <p:childTnLst>
-            <p:seq>
-              <p:cTn id="2" nodeType="mainSeq"/>
-              <p:prevCondLst>
-                <p:cond evt="onPrev" delay="0">
-                  <p:tgtEl>
-                    <p:sldTgt/>
-                  </p:tgtEl>
-                </p:cond>
-              </p:prevCondLst>
-              <p:nextCondLst>
-                <p:cond evt="onNext" delay="0">
-                  <p:tgtEl>
-                    <p:sldTgt/>
-                  </p:tgtEl>
-                </p:cond>
-              </p:nextCondLst>
-            </p:seq>
-          </p:childTnLst>
-        </p:cTn>
-      </p:par>
-    </p:tnLst>
-  </p:timing>
-</p:sld>
-</file>
-
-<file path=ppt/slides/slide12.xml><?xml version="1.0" encoding="utf-8"?>
-<p:sld xmlns:a="http://schemas.openxmlformats.org/drawingml/2006/main" xmlns:r="http://schemas.openxmlformats.org/officeDocument/2006/relationships" xmlns:p="http://schemas.openxmlformats.org/presentationml/2006/main">
-  <p:cSld>
-    <p:spTree>
-      <p:nvGrpSpPr>
-        <p:cNvPr id="1" name=""/>
-        <p:cNvGrpSpPr/>
-        <p:nvPr/>
-      </p:nvGrpSpPr>
-      <p:grpSpPr>
-        <a:xfrm>
-          <a:off x="0" y="0"/>
-          <a:ext cx="0" cy="0"/>
-          <a:chOff x="0" y="0"/>
-          <a:chExt cx="0" cy="0"/>
-        </a:xfrm>
-      </p:grpSpPr>
-      <p:sp>
-        <p:nvSpPr>
-          <p:cNvPr id="131" name="CustomShape 1"/>
-          <p:cNvSpPr/>
-          <p:nvPr/>
-        </p:nvSpPr>
-        <p:spPr>
-          <a:xfrm>
-            <a:off x="756720" y="144000"/>
-            <a:ext cx="7595280" cy="1142280"/>
-          </a:xfrm>
-          <a:prstGeom prst="rect">
-            <a:avLst/>
-          </a:prstGeom>
-          <a:noFill/>
-          <a:ln>
-            <a:noFill/>
-          </a:ln>
-        </p:spPr>
-        <p:style>
-          <a:lnRef idx="0">
-            <a:scrgbClr r="0" g="0" b="0"/>
-          </a:lnRef>
-          <a:fillRef idx="0">
-            <a:scrgbClr r="0" g="0" b="0"/>
-          </a:fillRef>
-          <a:effectRef idx="0">
-            <a:scrgbClr r="0" g="0" b="0"/>
-          </a:effectRef>
-          <a:fontRef idx="minor"/>
-        </p:style>
-        <p:txBody>
-          <a:bodyPr lIns="0" tIns="0" rIns="0" bIns="0"/>
-          <a:lstStyle/>
-          <a:p>
-            <a:pPr>
-              <a:lnSpc>
-                <a:spcPct val="100000"/>
-              </a:lnSpc>
-            </a:pPr>
             <a:r>
-              <a:rPr lang="nl-NL" sz="3500" b="1" strike="noStrike" spc="-1">
-                <a:solidFill>
-                  <a:srgbClr val="FF0000"/>
-                </a:solidFill>
-                <a:uFill>
-                  <a:solidFill>
-                    <a:srgbClr val="FFFFFF"/>
-                  </a:solidFill>
-                </a:uFill>
-                <a:latin typeface="Corbel"/>
-              </a:rPr>
-              <a:t>Huidige situatie, informatievoorziening </a:t>
-            </a:r>
-            <a:endParaRPr lang="nl-NL" sz="1800" b="0" strike="noStrike" spc="-1">
-              <a:solidFill>
-                <a:srgbClr val="000000"/>
-              </a:solidFill>
-              <a:uFill>
-                <a:solidFill>
-                  <a:srgbClr val="FFFFFF"/>
-                </a:solidFill>
-              </a:uFill>
-              <a:latin typeface="Arial"/>
-            </a:endParaRPr>
-          </a:p>
-        </p:txBody>
-      </p:sp>
-      <p:sp>
-        <p:nvSpPr>
-          <p:cNvPr id="132" name="CustomShape 2"/>
-          <p:cNvSpPr/>
-          <p:nvPr/>
-        </p:nvSpPr>
-        <p:spPr>
-          <a:xfrm>
-            <a:off x="1432800" y="5589360"/>
-            <a:ext cx="6069240" cy="1097280"/>
-          </a:xfrm>
-          <a:prstGeom prst="rect">
-            <a:avLst/>
-          </a:prstGeom>
-          <a:noFill/>
-          <a:ln>
-            <a:noFill/>
-          </a:ln>
-        </p:spPr>
-        <p:style>
-          <a:lnRef idx="0">
-            <a:scrgbClr r="0" g="0" b="0"/>
-          </a:lnRef>
-          <a:fillRef idx="0">
-            <a:scrgbClr r="0" g="0" b="0"/>
-          </a:fillRef>
-          <a:effectRef idx="0">
-            <a:scrgbClr r="0" g="0" b="0"/>
-          </a:effectRef>
-          <a:fontRef idx="minor"/>
-        </p:style>
-        <p:txBody>
-          <a:bodyPr wrap="none" lIns="0" tIns="0" rIns="0" bIns="0"/>
-          <a:lstStyle/>
-          <a:p>
-            <a:pPr>
-              <a:lnSpc>
-                <a:spcPct val="100000"/>
-              </a:lnSpc>
-            </a:pPr>
-            <a:r>
-              <a:rPr lang="nl-NL" sz="1800" b="0" strike="noStrike" spc="-1">
+              <a:rPr lang="nl-NL" sz="1800" b="0" strike="noStrike" spc="-1" dirty="0" err="1">
                 <a:solidFill>
                   <a:srgbClr val="000000"/>
                 </a:solidFill>
@@ -10417,184 +9763,10 @@
                 <a:latin typeface="Corbel"/>
                 <a:ea typeface="DejaVu Sans"/>
               </a:rPr>
-              <a:t>...</a:t>
+              <a:t>and</a:t>
             </a:r>
-            <a:endParaRPr lang="nl-NL" sz="1800" b="0" strike="noStrike" spc="-1">
-              <a:solidFill>
-                <a:srgbClr val="000000"/>
-              </a:solidFill>
-              <a:uFill>
-                <a:solidFill>
-                  <a:srgbClr val="FFFFFF"/>
-                </a:solidFill>
-              </a:uFill>
-              <a:latin typeface="Arial"/>
-            </a:endParaRPr>
-          </a:p>
-        </p:txBody>
-      </p:sp>
-    </p:spTree>
-  </p:cSld>
-  <p:clrMapOvr>
-    <a:masterClrMapping/>
-  </p:clrMapOvr>
-  <p:timing>
-    <p:tnLst>
-      <p:par>
-        <p:cTn id="1" dur="indefinite" restart="never" nodeType="tmRoot">
-          <p:childTnLst>
-            <p:seq>
-              <p:cTn id="2" nodeType="mainSeq"/>
-              <p:prevCondLst>
-                <p:cond evt="onPrev" delay="0">
-                  <p:tgtEl>
-                    <p:sldTgt/>
-                  </p:tgtEl>
-                </p:cond>
-              </p:prevCondLst>
-              <p:nextCondLst>
-                <p:cond evt="onNext" delay="0">
-                  <p:tgtEl>
-                    <p:sldTgt/>
-                  </p:tgtEl>
-                </p:cond>
-              </p:nextCondLst>
-            </p:seq>
-          </p:childTnLst>
-        </p:cTn>
-      </p:par>
-    </p:tnLst>
-  </p:timing>
-</p:sld>
-</file>
-
-<file path=ppt/slides/slide13.xml><?xml version="1.0" encoding="utf-8"?>
-<p:sld xmlns:a="http://schemas.openxmlformats.org/drawingml/2006/main" xmlns:r="http://schemas.openxmlformats.org/officeDocument/2006/relationships" xmlns:p="http://schemas.openxmlformats.org/presentationml/2006/main">
-  <p:cSld>
-    <p:spTree>
-      <p:nvGrpSpPr>
-        <p:cNvPr id="1" name=""/>
-        <p:cNvGrpSpPr/>
-        <p:nvPr/>
-      </p:nvGrpSpPr>
-      <p:grpSpPr>
-        <a:xfrm>
-          <a:off x="0" y="0"/>
-          <a:ext cx="0" cy="0"/>
-          <a:chOff x="0" y="0"/>
-          <a:chExt cx="0" cy="0"/>
-        </a:xfrm>
-      </p:grpSpPr>
-      <p:sp>
-        <p:nvSpPr>
-          <p:cNvPr id="133" name="CustomShape 1"/>
-          <p:cNvSpPr/>
-          <p:nvPr/>
-        </p:nvSpPr>
-        <p:spPr>
-          <a:xfrm>
-            <a:off x="756720" y="144000"/>
-            <a:ext cx="7595280" cy="1142280"/>
-          </a:xfrm>
-          <a:prstGeom prst="rect">
-            <a:avLst/>
-          </a:prstGeom>
-          <a:noFill/>
-          <a:ln>
-            <a:noFill/>
-          </a:ln>
-        </p:spPr>
-        <p:style>
-          <a:lnRef idx="0">
-            <a:scrgbClr r="0" g="0" b="0"/>
-          </a:lnRef>
-          <a:fillRef idx="0">
-            <a:scrgbClr r="0" g="0" b="0"/>
-          </a:fillRef>
-          <a:effectRef idx="0">
-            <a:scrgbClr r="0" g="0" b="0"/>
-          </a:effectRef>
-          <a:fontRef idx="minor"/>
-        </p:style>
-        <p:txBody>
-          <a:bodyPr lIns="0" tIns="0" rIns="0" bIns="0"/>
-          <a:lstStyle/>
-          <a:p>
-            <a:pPr>
-              <a:lnSpc>
-                <a:spcPct val="100000"/>
-              </a:lnSpc>
-            </a:pPr>
             <a:r>
-              <a:rPr lang="nl-NL" sz="3500" b="1" strike="noStrike" spc="-1">
-                <a:solidFill>
-                  <a:srgbClr val="FF0000"/>
-                </a:solidFill>
-                <a:uFill>
-                  <a:solidFill>
-                    <a:srgbClr val="FFFFFF"/>
-                  </a:solidFill>
-                </a:uFill>
-                <a:latin typeface="Corbel"/>
-              </a:rPr>
-              <a:t>Doelsituatie, informatievoorziening </a:t>
-            </a:r>
-            <a:endParaRPr lang="nl-NL" sz="1800" b="0" strike="noStrike" spc="-1">
-              <a:solidFill>
-                <a:srgbClr val="000000"/>
-              </a:solidFill>
-              <a:uFill>
-                <a:solidFill>
-                  <a:srgbClr val="FFFFFF"/>
-                </a:solidFill>
-              </a:uFill>
-              <a:latin typeface="Arial"/>
-            </a:endParaRPr>
-          </a:p>
-        </p:txBody>
-      </p:sp>
-      <p:sp>
-        <p:nvSpPr>
-          <p:cNvPr id="134" name="CustomShape 2"/>
-          <p:cNvSpPr/>
-          <p:nvPr/>
-        </p:nvSpPr>
-        <p:spPr>
-          <a:xfrm>
-            <a:off x="1432800" y="5589360"/>
-            <a:ext cx="6069240" cy="1097280"/>
-          </a:xfrm>
-          <a:prstGeom prst="rect">
-            <a:avLst/>
-          </a:prstGeom>
-          <a:noFill/>
-          <a:ln>
-            <a:noFill/>
-          </a:ln>
-        </p:spPr>
-        <p:style>
-          <a:lnRef idx="0">
-            <a:scrgbClr r="0" g="0" b="0"/>
-          </a:lnRef>
-          <a:fillRef idx="0">
-            <a:scrgbClr r="0" g="0" b="0"/>
-          </a:fillRef>
-          <a:effectRef idx="0">
-            <a:scrgbClr r="0" g="0" b="0"/>
-          </a:effectRef>
-          <a:fontRef idx="minor"/>
-        </p:style>
-        <p:txBody>
-          <a:bodyPr wrap="none" lIns="0" tIns="0" rIns="0" bIns="0"/>
-          <a:lstStyle/>
-          <a:p>
-            <a:pPr>
-              <a:lnSpc>
-                <a:spcPct val="100000"/>
-              </a:lnSpc>
-            </a:pPr>
-            <a:r>
-              <a:rPr lang="nl-NL" sz="1800" b="0" strike="noStrike" spc="-1">
+              <a:rPr lang="nl-NL" sz="1800" b="0" strike="noStrike" spc="-1" dirty="0">
                 <a:solidFill>
                   <a:srgbClr val="000000"/>
                 </a:solidFill>
@@ -10606,9 +9778,390 @@
                 <a:latin typeface="Corbel"/>
                 <a:ea typeface="DejaVu Sans"/>
               </a:rPr>
-              <a:t>...</a:t>
+              <a:t> questionnaire data is </a:t>
             </a:r>
-            <a:endParaRPr lang="nl-NL" sz="1800" b="0" strike="noStrike" spc="-1">
+            <a:r>
+              <a:rPr lang="nl-NL" sz="1800" b="0" strike="noStrike" spc="-1" dirty="0" err="1">
+                <a:solidFill>
+                  <a:srgbClr val="000000"/>
+                </a:solidFill>
+                <a:uFill>
+                  <a:solidFill>
+                    <a:srgbClr val="FFFFFF"/>
+                  </a:solidFill>
+                </a:uFill>
+                <a:latin typeface="Corbel"/>
+                <a:ea typeface="DejaVu Sans"/>
+              </a:rPr>
+              <a:t>gathered</a:t>
+            </a:r>
+            <a:r>
+              <a:rPr lang="nl-NL" sz="1800" b="0" strike="noStrike" spc="-1" dirty="0">
+                <a:solidFill>
+                  <a:srgbClr val="000000"/>
+                </a:solidFill>
+                <a:uFill>
+                  <a:solidFill>
+                    <a:srgbClr val="FFFFFF"/>
+                  </a:solidFill>
+                </a:uFill>
+                <a:latin typeface="Corbel"/>
+                <a:ea typeface="DejaVu Sans"/>
+              </a:rPr>
+              <a:t> </a:t>
+            </a:r>
+            <a:r>
+              <a:rPr lang="nl-NL" sz="1800" b="0" strike="noStrike" spc="-1" dirty="0" err="1">
+                <a:solidFill>
+                  <a:srgbClr val="000000"/>
+                </a:solidFill>
+                <a:uFill>
+                  <a:solidFill>
+                    <a:srgbClr val="FFFFFF"/>
+                  </a:solidFill>
+                </a:uFill>
+                <a:latin typeface="Corbel"/>
+                <a:ea typeface="DejaVu Sans"/>
+              </a:rPr>
+              <a:t>digitally</a:t>
+            </a:r>
+            <a:r>
+              <a:rPr lang="nl-NL" sz="1800" b="0" strike="noStrike" spc="-1" dirty="0">
+                <a:solidFill>
+                  <a:srgbClr val="000000"/>
+                </a:solidFill>
+                <a:uFill>
+                  <a:solidFill>
+                    <a:srgbClr val="FFFFFF"/>
+                  </a:solidFill>
+                </a:uFill>
+                <a:latin typeface="Corbel"/>
+                <a:ea typeface="DejaVu Sans"/>
+              </a:rPr>
+              <a:t> </a:t>
+            </a:r>
+            <a:r>
+              <a:rPr lang="nl-NL" sz="1800" b="0" strike="noStrike" spc="-1" dirty="0" err="1">
+                <a:solidFill>
+                  <a:srgbClr val="000000"/>
+                </a:solidFill>
+                <a:uFill>
+                  <a:solidFill>
+                    <a:srgbClr val="FFFFFF"/>
+                  </a:solidFill>
+                </a:uFill>
+                <a:latin typeface="Corbel"/>
+                <a:ea typeface="DejaVu Sans"/>
+              </a:rPr>
+              <a:t>trough</a:t>
+            </a:r>
+            <a:r>
+              <a:rPr lang="nl-NL" sz="1800" b="0" strike="noStrike" spc="-1" dirty="0">
+                <a:solidFill>
+                  <a:srgbClr val="000000"/>
+                </a:solidFill>
+                <a:uFill>
+                  <a:solidFill>
+                    <a:srgbClr val="FFFFFF"/>
+                  </a:solidFill>
+                </a:uFill>
+                <a:latin typeface="Corbel"/>
+                <a:ea typeface="DejaVu Sans"/>
+              </a:rPr>
+              <a:t> a (web) app.</a:t>
+            </a:r>
+            <a:endParaRPr lang="nl-NL" sz="1800" b="0" strike="noStrike" spc="-1" dirty="0">
+              <a:solidFill>
+                <a:srgbClr val="000000"/>
+              </a:solidFill>
+              <a:uFill>
+                <a:solidFill>
+                  <a:srgbClr val="FFFFFF"/>
+                </a:solidFill>
+              </a:uFill>
+              <a:latin typeface="Arial"/>
+            </a:endParaRPr>
+          </a:p>
+          <a:p>
+            <a:pPr>
+              <a:lnSpc>
+                <a:spcPct val="100000"/>
+              </a:lnSpc>
+            </a:pPr>
+            <a:r>
+              <a:rPr lang="nl-NL" sz="1800" b="0" strike="noStrike" spc="-1" dirty="0">
+                <a:solidFill>
+                  <a:srgbClr val="000000"/>
+                </a:solidFill>
+                <a:uFill>
+                  <a:solidFill>
+                    <a:srgbClr val="FFFFFF"/>
+                  </a:solidFill>
+                </a:uFill>
+                <a:latin typeface="Corbel"/>
+                <a:ea typeface="DejaVu Sans"/>
+              </a:rPr>
+              <a:t>Data is never </a:t>
+            </a:r>
+            <a:r>
+              <a:rPr lang="nl-NL" sz="1800" b="0" strike="noStrike" spc="-1" dirty="0" err="1">
+                <a:solidFill>
+                  <a:srgbClr val="000000"/>
+                </a:solidFill>
+                <a:uFill>
+                  <a:solidFill>
+                    <a:srgbClr val="FFFFFF"/>
+                  </a:solidFill>
+                </a:uFill>
+                <a:latin typeface="Corbel"/>
+                <a:ea typeface="DejaVu Sans"/>
+              </a:rPr>
+              <a:t>stored</a:t>
+            </a:r>
+            <a:r>
+              <a:rPr lang="nl-NL" sz="1800" b="0" strike="noStrike" spc="-1" dirty="0">
+                <a:solidFill>
+                  <a:srgbClr val="000000"/>
+                </a:solidFill>
+                <a:uFill>
+                  <a:solidFill>
+                    <a:srgbClr val="FFFFFF"/>
+                  </a:solidFill>
+                </a:uFill>
+                <a:latin typeface="Corbel"/>
+                <a:ea typeface="DejaVu Sans"/>
+              </a:rPr>
+              <a:t> on </a:t>
+            </a:r>
+            <a:r>
+              <a:rPr lang="nl-NL" sz="1800" b="0" strike="noStrike" spc="-1" dirty="0" err="1">
+                <a:solidFill>
+                  <a:srgbClr val="000000"/>
+                </a:solidFill>
+                <a:uFill>
+                  <a:solidFill>
+                    <a:srgbClr val="FFFFFF"/>
+                  </a:solidFill>
+                </a:uFill>
+                <a:latin typeface="Corbel"/>
+                <a:ea typeface="DejaVu Sans"/>
+              </a:rPr>
+              <a:t>any</a:t>
+            </a:r>
+            <a:r>
+              <a:rPr lang="nl-NL" sz="1800" b="0" strike="noStrike" spc="-1" dirty="0">
+                <a:solidFill>
+                  <a:srgbClr val="000000"/>
+                </a:solidFill>
+                <a:uFill>
+                  <a:solidFill>
+                    <a:srgbClr val="FFFFFF"/>
+                  </a:solidFill>
+                </a:uFill>
+                <a:latin typeface="Corbel"/>
+                <a:ea typeface="DejaVu Sans"/>
+              </a:rPr>
+              <a:t> </a:t>
+            </a:r>
+            <a:r>
+              <a:rPr lang="nl-NL" sz="1800" b="0" strike="noStrike" spc="-1" dirty="0" err="1">
+                <a:solidFill>
+                  <a:srgbClr val="000000"/>
+                </a:solidFill>
+                <a:uFill>
+                  <a:solidFill>
+                    <a:srgbClr val="FFFFFF"/>
+                  </a:solidFill>
+                </a:uFill>
+                <a:latin typeface="Corbel"/>
+                <a:ea typeface="DejaVu Sans"/>
+              </a:rPr>
+              <a:t>accessible</a:t>
+            </a:r>
+            <a:r>
+              <a:rPr lang="nl-NL" sz="1800" b="0" strike="noStrike" spc="-1" dirty="0">
+                <a:solidFill>
+                  <a:srgbClr val="000000"/>
+                </a:solidFill>
+                <a:uFill>
+                  <a:solidFill>
+                    <a:srgbClr val="FFFFFF"/>
+                  </a:solidFill>
+                </a:uFill>
+                <a:latin typeface="Corbel"/>
+                <a:ea typeface="DejaVu Sans"/>
+              </a:rPr>
+              <a:t> (</a:t>
+            </a:r>
+            <a:r>
+              <a:rPr lang="nl-NL" sz="1800" b="0" strike="noStrike" spc="-1" dirty="0" err="1">
+                <a:solidFill>
+                  <a:srgbClr val="000000"/>
+                </a:solidFill>
+                <a:uFill>
+                  <a:solidFill>
+                    <a:srgbClr val="FFFFFF"/>
+                  </a:solidFill>
+                </a:uFill>
+                <a:latin typeface="Corbel"/>
+                <a:ea typeface="DejaVu Sans"/>
+              </a:rPr>
+              <a:t>network</a:t>
+            </a:r>
+            <a:r>
+              <a:rPr lang="nl-NL" sz="1800" b="0" strike="noStrike" spc="-1" dirty="0">
+                <a:solidFill>
+                  <a:srgbClr val="000000"/>
+                </a:solidFill>
+                <a:uFill>
+                  <a:solidFill>
+                    <a:srgbClr val="FFFFFF"/>
+                  </a:solidFill>
+                </a:uFill>
+                <a:latin typeface="Corbel"/>
+                <a:ea typeface="DejaVu Sans"/>
+              </a:rPr>
+              <a:t>) drive, but in a secure database.</a:t>
+            </a:r>
+            <a:endParaRPr lang="nl-NL" sz="1800" b="0" strike="noStrike" spc="-1" dirty="0">
+              <a:solidFill>
+                <a:srgbClr val="000000"/>
+              </a:solidFill>
+              <a:uFill>
+                <a:solidFill>
+                  <a:srgbClr val="FFFFFF"/>
+                </a:solidFill>
+              </a:uFill>
+              <a:latin typeface="Arial"/>
+            </a:endParaRPr>
+          </a:p>
+          <a:p>
+            <a:pPr>
+              <a:lnSpc>
+                <a:spcPct val="100000"/>
+              </a:lnSpc>
+            </a:pPr>
+            <a:r>
+              <a:rPr lang="nl-NL" sz="1800" b="0" strike="noStrike" spc="-1" dirty="0" err="1">
+                <a:solidFill>
+                  <a:srgbClr val="000000"/>
+                </a:solidFill>
+                <a:uFill>
+                  <a:solidFill>
+                    <a:srgbClr val="FFFFFF"/>
+                  </a:solidFill>
+                </a:uFill>
+                <a:latin typeface="Corbel"/>
+                <a:ea typeface="DejaVu Sans"/>
+              </a:rPr>
+              <a:t>Anonimized</a:t>
+            </a:r>
+            <a:r>
+              <a:rPr lang="nl-NL" sz="1800" b="0" strike="noStrike" spc="-1" dirty="0">
+                <a:solidFill>
+                  <a:srgbClr val="000000"/>
+                </a:solidFill>
+                <a:uFill>
+                  <a:solidFill>
+                    <a:srgbClr val="FFFFFF"/>
+                  </a:solidFill>
+                </a:uFill>
+                <a:latin typeface="Corbel"/>
+                <a:ea typeface="DejaVu Sans"/>
+              </a:rPr>
+              <a:t> data is made </a:t>
+            </a:r>
+            <a:r>
+              <a:rPr lang="nl-NL" sz="1800" b="0" strike="noStrike" spc="-1" dirty="0" err="1">
+                <a:solidFill>
+                  <a:srgbClr val="000000"/>
+                </a:solidFill>
+                <a:uFill>
+                  <a:solidFill>
+                    <a:srgbClr val="FFFFFF"/>
+                  </a:solidFill>
+                </a:uFill>
+                <a:latin typeface="Corbel"/>
+                <a:ea typeface="DejaVu Sans"/>
+              </a:rPr>
+              <a:t>available</a:t>
+            </a:r>
+            <a:r>
+              <a:rPr lang="nl-NL" sz="1800" b="0" strike="noStrike" spc="-1" dirty="0">
+                <a:solidFill>
+                  <a:srgbClr val="000000"/>
+                </a:solidFill>
+                <a:uFill>
+                  <a:solidFill>
+                    <a:srgbClr val="FFFFFF"/>
+                  </a:solidFill>
+                </a:uFill>
+                <a:latin typeface="Corbel"/>
+                <a:ea typeface="DejaVu Sans"/>
+              </a:rPr>
+              <a:t> </a:t>
+            </a:r>
+            <a:r>
+              <a:rPr lang="nl-NL" sz="1800" b="0" strike="noStrike" spc="-1" dirty="0" err="1">
+                <a:solidFill>
+                  <a:srgbClr val="000000"/>
+                </a:solidFill>
+                <a:uFill>
+                  <a:solidFill>
+                    <a:srgbClr val="FFFFFF"/>
+                  </a:solidFill>
+                </a:uFill>
+                <a:latin typeface="Corbel"/>
+                <a:ea typeface="DejaVu Sans"/>
+              </a:rPr>
+              <a:t>to</a:t>
+            </a:r>
+            <a:r>
+              <a:rPr lang="nl-NL" sz="1800" b="0" strike="noStrike" spc="-1" dirty="0">
+                <a:solidFill>
+                  <a:srgbClr val="000000"/>
+                </a:solidFill>
+                <a:uFill>
+                  <a:solidFill>
+                    <a:srgbClr val="FFFFFF"/>
+                  </a:solidFill>
+                </a:uFill>
+                <a:latin typeface="Corbel"/>
+                <a:ea typeface="DejaVu Sans"/>
+              </a:rPr>
+              <a:t> the </a:t>
+            </a:r>
+            <a:r>
+              <a:rPr lang="nl-NL" sz="1800" b="0" strike="noStrike" spc="-1" dirty="0" err="1">
+                <a:solidFill>
+                  <a:srgbClr val="000000"/>
+                </a:solidFill>
+                <a:uFill>
+                  <a:solidFill>
+                    <a:srgbClr val="FFFFFF"/>
+                  </a:solidFill>
+                </a:uFill>
+                <a:latin typeface="Corbel"/>
+                <a:ea typeface="DejaVu Sans"/>
+              </a:rPr>
+              <a:t>researchers</a:t>
+            </a:r>
+            <a:r>
+              <a:rPr lang="nl-NL" sz="1800" b="0" strike="noStrike" spc="-1" dirty="0">
+                <a:solidFill>
+                  <a:srgbClr val="000000"/>
+                </a:solidFill>
+                <a:uFill>
+                  <a:solidFill>
+                    <a:srgbClr val="FFFFFF"/>
+                  </a:solidFill>
+                </a:uFill>
+                <a:latin typeface="Corbel"/>
+                <a:ea typeface="DejaVu Sans"/>
+              </a:rPr>
+              <a:t> in a secure environment.</a:t>
+            </a:r>
+            <a:endParaRPr lang="nl-NL" sz="1800" b="0" strike="noStrike" spc="-1" dirty="0">
               <a:solidFill>
                 <a:srgbClr val="000000"/>
               </a:solidFill>
@@ -10622,6 +10175,29 @@
           </a:p>
         </p:txBody>
       </p:sp>
+      <p:pic>
+        <p:nvPicPr>
+          <p:cNvPr id="126" name="Afbeelding 125"/>
+          <p:cNvPicPr/>
+          <p:nvPr/>
+        </p:nvPicPr>
+        <p:blipFill>
+          <a:blip r:embed="rId3"/>
+          <a:stretch/>
+        </p:blipFill>
+        <p:spPr>
+          <a:xfrm>
+            <a:off x="909000" y="792000"/>
+            <a:ext cx="7515000" cy="4885920"/>
+          </a:xfrm>
+          <a:prstGeom prst="rect">
+            <a:avLst/>
+          </a:prstGeom>
+          <a:ln>
+            <a:noFill/>
+          </a:ln>
+        </p:spPr>
+      </p:pic>
     </p:spTree>
   </p:cSld>
   <p:clrMapOvr>
@@ -10813,7 +10389,7 @@
               </a:lnSpc>
             </a:pPr>
             <a:r>
-              <a:rPr lang="nl-NL" sz="3500" b="1" strike="noStrike" spc="-1">
+              <a:rPr lang="nl-NL" sz="3500" b="1" strike="noStrike" spc="-1" dirty="0" err="1">
                 <a:solidFill>
                   <a:srgbClr val="FF0000"/>
                 </a:solidFill>
@@ -10824,10 +10400,24 @@
                 </a:uFill>
                 <a:latin typeface="Corbel"/>
               </a:rPr>
-              <a:t>Sarphati </a:t>
+              <a:t>Sarphati</a:t>
             </a:r>
             <a:r>
-              <a:rPr lang="en-US" sz="3500" b="1" strike="noStrike" spc="-1">
+              <a:rPr lang="nl-NL" sz="3500" b="1" strike="noStrike" spc="-1" dirty="0">
+                <a:solidFill>
+                  <a:srgbClr val="FF0000"/>
+                </a:solidFill>
+                <a:uFill>
+                  <a:solidFill>
+                    <a:srgbClr val="FFFFFF"/>
+                  </a:solidFill>
+                </a:uFill>
+                <a:latin typeface="Corbel"/>
+              </a:rPr>
+              <a:t> </a:t>
+            </a:r>
+            <a:r>
+              <a:rPr lang="en-US" sz="3500" b="1" strike="noStrike" spc="-1" dirty="0">
                 <a:solidFill>
                   <a:srgbClr val="FF0000"/>
                 </a:solidFill>
@@ -10841,7 +10431,7 @@
               <a:t>principles</a:t>
             </a:r>
             <a:r>
-              <a:rPr lang="nl-NL" sz="3500" b="1" strike="noStrike" spc="-1">
+              <a:rPr lang="nl-NL" sz="3500" b="1" strike="noStrike" spc="-1" dirty="0">
                 <a:solidFill>
                   <a:srgbClr val="FF0000"/>
                 </a:solidFill>
@@ -10854,7 +10444,7 @@
               </a:rPr>
               <a:t>:</a:t>
             </a:r>
-            <a:endParaRPr lang="nl-NL" sz="1800" b="0" strike="noStrike" spc="-1">
+            <a:endParaRPr lang="nl-NL" sz="1800" b="0" strike="noStrike" spc="-1" dirty="0">
               <a:solidFill>
                 <a:srgbClr val="000000"/>
               </a:solidFill>
@@ -10879,7 +10469,7 @@
               <a:buChar char=""/>
             </a:pPr>
             <a:r>
-              <a:rPr lang="nl-NL" sz="3500" b="1" strike="noStrike" spc="-1">
+              <a:rPr lang="nl-NL" sz="3500" b="1" strike="noStrike" spc="-1" dirty="0" err="1">
                 <a:solidFill>
                   <a:srgbClr val="000000"/>
                 </a:solidFill>
@@ -10890,34 +10480,10 @@
                 </a:uFill>
                 <a:latin typeface="Corbel"/>
               </a:rPr>
-              <a:t>Youth health</a:t>
+              <a:t>Youth</a:t>
             </a:r>
-            <a:endParaRPr lang="nl-NL" sz="1800" b="0" strike="noStrike" spc="-1">
-              <a:solidFill>
-                <a:srgbClr val="000000"/>
-              </a:solidFill>
-              <a:uFill>
-                <a:solidFill>
-                  <a:srgbClr val="FFFFFF"/>
-                </a:solidFill>
-              </a:uFill>
-              <a:latin typeface="Arial"/>
-            </a:endParaRPr>
-          </a:p>
-          <a:p>
-            <a:pPr marL="216000" indent="-216000">
-              <a:lnSpc>
-                <a:spcPct val="100000"/>
-              </a:lnSpc>
-              <a:buClr>
-                <a:srgbClr val="000000"/>
-              </a:buClr>
-              <a:buSzPct val="45000"/>
-              <a:buFont typeface="Wingdings" charset="2"/>
-              <a:buChar char=""/>
-            </a:pPr>
             <a:r>
-              <a:rPr lang="nl-NL" sz="3500" b="1" strike="noStrike" spc="-1">
+              <a:rPr lang="nl-NL" sz="3500" b="1" strike="noStrike" spc="-1" dirty="0">
                 <a:solidFill>
                   <a:srgbClr val="000000"/>
                 </a:solidFill>
@@ -10928,9 +10494,9 @@
                 </a:uFill>
                 <a:latin typeface="Corbel"/>
               </a:rPr>
-              <a:t>Informed consent</a:t>
+              <a:t> health</a:t>
             </a:r>
-            <a:endParaRPr lang="nl-NL" sz="1800" b="0" strike="noStrike" spc="-1">
+            <a:endParaRPr lang="nl-NL" sz="1800" b="0" strike="noStrike" spc="-1" dirty="0">
               <a:solidFill>
                 <a:srgbClr val="000000"/>
               </a:solidFill>
@@ -10955,7 +10521,59 @@
               <a:buChar char=""/>
             </a:pPr>
             <a:r>
-              <a:rPr lang="nl-NL" sz="3500" b="1" strike="noStrike" spc="-1">
+              <a:rPr lang="nl-NL" sz="3500" b="1" strike="noStrike" spc="-1" dirty="0" err="1">
+                <a:solidFill>
+                  <a:srgbClr val="000000"/>
+                </a:solidFill>
+                <a:uFill>
+                  <a:solidFill>
+                    <a:srgbClr val="FFFFFF"/>
+                  </a:solidFill>
+                </a:uFill>
+                <a:latin typeface="Corbel"/>
+              </a:rPr>
+              <a:t>Informed</a:t>
+            </a:r>
+            <a:r>
+              <a:rPr lang="nl-NL" sz="3500" b="1" strike="noStrike" spc="-1" dirty="0">
+                <a:solidFill>
+                  <a:srgbClr val="000000"/>
+                </a:solidFill>
+                <a:uFill>
+                  <a:solidFill>
+                    <a:srgbClr val="FFFFFF"/>
+                  </a:solidFill>
+                </a:uFill>
+                <a:latin typeface="Corbel"/>
+              </a:rPr>
+              <a:t> consent</a:t>
+            </a:r>
+            <a:endParaRPr lang="nl-NL" sz="1800" b="0" strike="noStrike" spc="-1" dirty="0">
+              <a:solidFill>
+                <a:srgbClr val="000000"/>
+              </a:solidFill>
+              <a:uFill>
+                <a:solidFill>
+                  <a:srgbClr val="FFFFFF"/>
+                </a:solidFill>
+              </a:uFill>
+              <a:latin typeface="Arial"/>
+            </a:endParaRPr>
+          </a:p>
+          <a:p>
+            <a:pPr marL="216000" indent="-216000">
+              <a:lnSpc>
+                <a:spcPct val="100000"/>
+              </a:lnSpc>
+              <a:buClr>
+                <a:srgbClr val="000000"/>
+              </a:buClr>
+              <a:buSzPct val="45000"/>
+              <a:buFont typeface="Wingdings" charset="2"/>
+              <a:buChar char=""/>
+            </a:pPr>
+            <a:r>
+              <a:rPr lang="nl-NL" sz="3500" b="1" strike="noStrike" spc="-1" dirty="0">
                 <a:solidFill>
                   <a:srgbClr val="000000"/>
                 </a:solidFill>
@@ -10968,7 +10586,7 @@
               </a:rPr>
               <a:t>User engagement</a:t>
             </a:r>
-            <a:endParaRPr lang="nl-NL" sz="1800" b="0" strike="noStrike" spc="-1">
+            <a:endParaRPr lang="nl-NL" sz="1800" b="0" strike="noStrike" spc="-1" dirty="0">
               <a:solidFill>
                 <a:srgbClr val="000000"/>
               </a:solidFill>
@@ -10993,7 +10611,7 @@
               <a:buChar char=""/>
             </a:pPr>
             <a:r>
-              <a:rPr lang="nl-NL" sz="3500" b="1" strike="noStrike" spc="-1">
+              <a:rPr lang="nl-NL" sz="3500" b="1" strike="noStrike" spc="-1" dirty="0" err="1">
                 <a:solidFill>
                   <a:srgbClr val="000000"/>
                 </a:solidFill>
@@ -11004,9 +10622,23 @@
                 </a:uFill>
                 <a:latin typeface="Corbel"/>
               </a:rPr>
-              <a:t>Longitudinal research</a:t>
+              <a:t>Longitudinal</a:t>
             </a:r>
-            <a:endParaRPr lang="nl-NL" sz="1800" b="0" strike="noStrike" spc="-1">
+            <a:r>
+              <a:rPr lang="nl-NL" sz="3500" b="1" strike="noStrike" spc="-1" dirty="0">
+                <a:solidFill>
+                  <a:srgbClr val="000000"/>
+                </a:solidFill>
+                <a:uFill>
+                  <a:solidFill>
+                    <a:srgbClr val="FFFFFF"/>
+                  </a:solidFill>
+                </a:uFill>
+                <a:latin typeface="Corbel"/>
+              </a:rPr>
+              <a:t> research</a:t>
+            </a:r>
+            <a:endParaRPr lang="nl-NL" sz="1800" b="0" strike="noStrike" spc="-1" dirty="0">
               <a:solidFill>
                 <a:srgbClr val="000000"/>
               </a:solidFill>
@@ -11031,7 +10663,7 @@
               <a:buChar char=""/>
             </a:pPr>
             <a:r>
-              <a:rPr lang="nl-NL" sz="3500" b="1" strike="noStrike" spc="-1">
+              <a:rPr lang="nl-NL" sz="3500" b="1" strike="noStrike" spc="-1" dirty="0">
                 <a:solidFill>
                   <a:srgbClr val="000000"/>
                 </a:solidFill>
@@ -11044,7 +10676,7 @@
               </a:rPr>
               <a:t> </a:t>
             </a:r>
-            <a:endParaRPr lang="nl-NL" sz="1800" b="0" strike="noStrike" spc="-1">
+            <a:endParaRPr lang="nl-NL" sz="1800" b="0" strike="noStrike" spc="-1" dirty="0">
               <a:solidFill>
                 <a:srgbClr val="000000"/>
               </a:solidFill>
@@ -11062,7 +10694,7 @@
                 <a:spcPct val="100000"/>
               </a:lnSpc>
             </a:pPr>
-            <a:endParaRPr lang="nl-NL" sz="1800" b="0" strike="noStrike" spc="-1">
+            <a:endParaRPr lang="nl-NL" sz="1800" b="0" strike="noStrike" spc="-1" dirty="0">
               <a:solidFill>
                 <a:srgbClr val="000000"/>
               </a:solidFill>
@@ -11290,7 +10922,7 @@
                 </a:uFill>
                 <a:latin typeface="Corbel"/>
               </a:rPr>
-              <a:t>Proces consultatiebureaubezoek</a:t>
+              <a:t>Proces consultatiebureaubezoek, oude situatie</a:t>
             </a:r>
             <a:endParaRPr lang="nl-NL" dirty="0"/>
           </a:p>
@@ -11308,46 +10940,38 @@
         </p:nvSpPr>
         <p:spPr>
           <a:xfrm>
-            <a:off x="646043" y="4719159"/>
-            <a:ext cx="7860366" cy="2786760"/>
+            <a:off x="646043" y="5456581"/>
+            <a:ext cx="7860366" cy="1058519"/>
           </a:xfrm>
         </p:spPr>
         <p:txBody>
           <a:bodyPr/>
           <a:lstStyle/>
           <a:p>
+            <a:pPr marL="342900" indent="-342900">
+              <a:buFont typeface="Arial" panose="020B0604020202020204" pitchFamily="34" charset="0"/>
+              <a:buChar char="•"/>
+            </a:pPr>
             <a:r>
-              <a:rPr lang="nl-NL" dirty="0"/>
-              <a:t>Instemming geven in een app </a:t>
+              <a:rPr lang="nl-NL" sz="2000" dirty="0"/>
+              <a:t>Instemming geven op papier</a:t>
             </a:r>
+          </a:p>
+          <a:p>
+            <a:pPr marL="342900" indent="-342900">
+              <a:buFont typeface="Arial" panose="020B0604020202020204" pitchFamily="34" charset="0"/>
+              <a:buChar char="•"/>
+            </a:pPr>
             <a:r>
-              <a:rPr lang="nl-NL" dirty="0" err="1"/>
-              <a:t>ipv</a:t>
-            </a:r>
-            <a:r>
-              <a:rPr lang="nl-NL" dirty="0"/>
-              <a:t> op papier</a:t>
-            </a:r>
-          </a:p>
-          <a:p>
-            <a:r>
-              <a:rPr lang="nl-NL" dirty="0"/>
-              <a:t>Vragen beantwoorden in een app </a:t>
-            </a:r>
-            <a:r>
-              <a:rPr lang="nl-NL" dirty="0" err="1"/>
-              <a:t>ipv</a:t>
-            </a:r>
-            <a:r>
-              <a:rPr lang="nl-NL" dirty="0"/>
-              <a:t> op papier</a:t>
+              <a:rPr lang="nl-NL" sz="2000" dirty="0"/>
+              <a:t>Vragen beantwoorden op papier</a:t>
             </a:r>
           </a:p>
         </p:txBody>
       </p:sp>
       <p:pic>
         <p:nvPicPr>
-          <p:cNvPr id="4" name="Afbeelding 3"/>
+          <p:cNvPr id="5" name="Afbeelding 4"/>
           <p:cNvPicPr>
             <a:picLocks noChangeAspect="1"/>
           </p:cNvPicPr>
@@ -11367,8 +10991,8 @@
         </p:blipFill>
         <p:spPr>
           <a:xfrm>
-            <a:off x="0" y="2564295"/>
-            <a:ext cx="9144000" cy="2892287"/>
+            <a:off x="0" y="2594666"/>
+            <a:ext cx="9143999" cy="3020322"/>
           </a:xfrm>
           <a:prstGeom prst="rect">
             <a:avLst/>
@@ -11437,35 +11061,7 @@
                 </a:uFill>
                 <a:latin typeface="Corbel"/>
               </a:rPr>
-              <a:t>Proces </a:t>
-            </a:r>
-            <a:r>
-              <a:rPr lang="nl-NL" b="1" spc="-1" dirty="0" err="1">
-                <a:solidFill>
-                  <a:srgbClr val="FF0000"/>
-                </a:solidFill>
-                <a:uFill>
-                  <a:solidFill>
-                    <a:srgbClr val="FFFFFF"/>
-                  </a:solidFill>
-                </a:uFill>
-                <a:latin typeface="Corbel"/>
-              </a:rPr>
-              <a:t>onderzoeksdata</a:t>
-            </a:r>
-            <a:r>
-              <a:rPr lang="nl-NL" b="1" spc="-1" dirty="0">
-                <a:solidFill>
-                  <a:srgbClr val="FF0000"/>
-                </a:solidFill>
-                <a:uFill>
-                  <a:solidFill>
-                    <a:srgbClr val="FFFFFF"/>
-                  </a:solidFill>
-                </a:uFill>
-                <a:latin typeface="Corbel"/>
-              </a:rPr>
-              <a:t> beschikbaar stellen</a:t>
+              <a:t>Proces consultatiebureaubezoek, doelsituatie</a:t>
             </a:r>
             <a:endParaRPr lang="nl-NL" dirty="0"/>
           </a:p>
@@ -11483,22 +11079,111 @@
         </p:nvSpPr>
         <p:spPr>
           <a:xfrm>
-            <a:off x="646043" y="4719159"/>
-            <a:ext cx="7860366" cy="2786760"/>
+            <a:off x="646043" y="5456581"/>
+            <a:ext cx="7860366" cy="1058519"/>
           </a:xfrm>
         </p:spPr>
         <p:txBody>
           <a:bodyPr/>
           <a:lstStyle/>
           <a:p>
-            <a:endParaRPr lang="nl-NL" dirty="0"/>
+            <a:pPr marL="342900" indent="-342900">
+              <a:buFont typeface="Arial" panose="020B0604020202020204" pitchFamily="34" charset="0"/>
+              <a:buChar char="•"/>
+            </a:pPr>
+            <a:r>
+              <a:rPr lang="nl-NL" sz="2000" dirty="0"/>
+              <a:t>Instemming geven in </a:t>
+            </a:r>
+            <a:r>
+              <a:rPr lang="nl-NL" sz="2000" dirty="0" err="1"/>
+              <a:t>app</a:t>
+            </a:r>
+            <a:r>
+              <a:rPr lang="nl-NL" sz="2000" dirty="0"/>
+              <a:t> of op website</a:t>
+            </a:r>
+          </a:p>
+          <a:p>
+            <a:pPr marL="342900" indent="-342900">
+              <a:buFont typeface="Arial" panose="020B0604020202020204" pitchFamily="34" charset="0"/>
+              <a:buChar char="•"/>
+            </a:pPr>
+            <a:r>
+              <a:rPr lang="nl-NL" sz="2000" dirty="0"/>
+              <a:t>Vragen beantwoorden in </a:t>
+            </a:r>
+            <a:r>
+              <a:rPr lang="nl-NL" sz="2000" dirty="0" err="1"/>
+              <a:t>app</a:t>
+            </a:r>
+            <a:r>
+              <a:rPr lang="nl-NL" sz="2000" dirty="0"/>
+              <a:t> of op website</a:t>
+            </a:r>
+          </a:p>
+          <a:p>
+            <a:pPr marL="342900" indent="-342900">
+              <a:buFont typeface="Arial" panose="020B0604020202020204" pitchFamily="34" charset="0"/>
+              <a:buChar char="•"/>
+            </a:pPr>
+            <a:r>
+              <a:rPr lang="nl-NL" sz="2000" dirty="0"/>
+              <a:t>Extra </a:t>
+            </a:r>
+            <a:r>
+              <a:rPr lang="nl-NL" sz="2000" dirty="0" err="1"/>
+              <a:t>onderzoeksdata</a:t>
+            </a:r>
+            <a:r>
+              <a:rPr lang="nl-NL" sz="2000" dirty="0"/>
+              <a:t> (waaronder </a:t>
+            </a:r>
+            <a:r>
+              <a:rPr lang="nl-NL" sz="2000" dirty="0" err="1"/>
+              <a:t>microbioom</a:t>
+            </a:r>
+            <a:r>
+              <a:rPr lang="nl-NL" sz="2000" dirty="0"/>
+              <a:t>)</a:t>
+            </a:r>
           </a:p>
         </p:txBody>
       </p:sp>
+      <p:pic>
+        <p:nvPicPr>
+          <p:cNvPr id="4" name="Afbeelding 3"/>
+          <p:cNvPicPr>
+            <a:picLocks noChangeAspect="1"/>
+          </p:cNvPicPr>
+          <p:nvPr/>
+        </p:nvPicPr>
+        <p:blipFill>
+          <a:blip r:embed="rId2">
+            <a:extLst>
+              <a:ext uri="{28A0092B-C50C-407E-A947-70E740481C1C}">
+                <a14:useLocalDpi xmlns:a14="http://schemas.microsoft.com/office/drawing/2010/main" val="0"/>
+              </a:ext>
+            </a:extLst>
+          </a:blip>
+          <a:stretch>
+            <a:fillRect/>
+          </a:stretch>
+        </p:blipFill>
+        <p:spPr>
+          <a:xfrm>
+            <a:off x="0" y="2916246"/>
+            <a:ext cx="9144000" cy="2604925"/>
+          </a:xfrm>
+          <a:prstGeom prst="rect">
+            <a:avLst/>
+          </a:prstGeom>
+        </p:spPr>
+      </p:pic>
     </p:spTree>
     <p:extLst>
       <p:ext uri="{BB962C8B-B14F-4D97-AF65-F5344CB8AC3E}">
-        <p14:creationId xmlns:p14="http://schemas.microsoft.com/office/powerpoint/2010/main" val="1569019290"/>
+        <p14:creationId xmlns:p14="http://schemas.microsoft.com/office/powerpoint/2010/main" val="330129984"/>
       </p:ext>
     </p:extLst>
   </p:cSld>
@@ -11527,46 +11212,26 @@
       </p:grpSpPr>
       <p:sp>
         <p:nvSpPr>
-          <p:cNvPr id="119" name="CustomShape 1"/>
-          <p:cNvSpPr/>
-          <p:nvPr/>
-        </p:nvSpPr>
-        <p:spPr>
-          <a:xfrm>
-            <a:off x="781920" y="1998360"/>
-            <a:ext cx="7595280" cy="4625640"/>
-          </a:xfrm>
-          <a:prstGeom prst="rect">
-            <a:avLst/>
-          </a:prstGeom>
-          <a:noFill/>
-          <a:ln>
-            <a:noFill/>
-          </a:ln>
-        </p:spPr>
-        <p:style>
-          <a:lnRef idx="0">
-            <a:scrgbClr r="0" g="0" b="0"/>
-          </a:lnRef>
-          <a:fillRef idx="0">
-            <a:scrgbClr r="0" g="0" b="0"/>
-          </a:fillRef>
-          <a:effectRef idx="0">
-            <a:scrgbClr r="0" g="0" b="0"/>
-          </a:effectRef>
-          <a:fontRef idx="minor"/>
-        </p:style>
+          <p:cNvPr id="2" name="Titel 1"/>
+          <p:cNvSpPr>
+            <a:spLocks noGrp="1"/>
+          </p:cNvSpPr>
+          <p:nvPr>
+            <p:ph type="title"/>
+          </p:nvPr>
+        </p:nvSpPr>
+        <p:spPr>
+          <a:xfrm>
+            <a:off x="781920" y="1193291"/>
+            <a:ext cx="7595640" cy="1142640"/>
+          </a:xfrm>
+        </p:spPr>
         <p:txBody>
-          <a:bodyPr lIns="0" tIns="0" rIns="0" bIns="0"/>
+          <a:bodyPr/>
           <a:lstStyle/>
           <a:p>
-            <a:pPr>
-              <a:lnSpc>
-                <a:spcPct val="100000"/>
-              </a:lnSpc>
-            </a:pPr>
             <a:r>
-              <a:rPr lang="nl-NL" sz="3500" b="1" strike="noStrike" spc="-1">
+              <a:rPr lang="nl-NL" b="1" spc="-1" dirty="0">
                 <a:solidFill>
                   <a:srgbClr val="FF0000"/>
                 </a:solidFill>
@@ -11577,10 +11242,10 @@
                 </a:uFill>
                 <a:latin typeface="Corbel"/>
               </a:rPr>
-              <a:t>ITforCare </a:t>
+              <a:t>Proces </a:t>
             </a:r>
             <a:r>
-              <a:rPr lang="en-US" sz="3500" b="1" strike="noStrike" spc="-1">
+              <a:rPr lang="nl-NL" b="1" spc="-1" dirty="0" err="1">
                 <a:solidFill>
                   <a:srgbClr val="FF0000"/>
                 </a:solidFill>
@@ -11591,10 +11256,10 @@
                 </a:uFill>
                 <a:latin typeface="Corbel"/>
               </a:rPr>
-              <a:t>principles</a:t>
+              <a:t>onderzoeksdata</a:t>
             </a:r>
             <a:r>
-              <a:rPr lang="nl-NL" sz="3500" b="1" strike="noStrike" spc="-1">
+              <a:rPr lang="nl-NL" b="1" spc="-1" dirty="0">
                 <a:solidFill>
                   <a:srgbClr val="FF0000"/>
                 </a:solidFill>
@@ -11605,256 +11270,79 @@
                 </a:uFill>
                 <a:latin typeface="Corbel"/>
               </a:rPr>
-              <a:t>:</a:t>
+              <a:t> beschikbaar stellen, oude situatie</a:t>
             </a:r>
-            <a:endParaRPr lang="nl-NL" sz="1800" b="0" strike="noStrike" spc="-1">
-              <a:solidFill>
-                <a:srgbClr val="000000"/>
-              </a:solidFill>
-              <a:uFill>
-                <a:solidFill>
-                  <a:srgbClr val="FFFFFF"/>
-                </a:solidFill>
-              </a:uFill>
-              <a:latin typeface="Arial"/>
-            </a:endParaRPr>
-          </a:p>
-          <a:p>
-            <a:pPr marL="216000" indent="-216000">
-              <a:lnSpc>
-                <a:spcPct val="100000"/>
-              </a:lnSpc>
-              <a:buClr>
-                <a:srgbClr val="000000"/>
-              </a:buClr>
-              <a:buSzPct val="45000"/>
-              <a:buFont typeface="Wingdings" charset="2"/>
-              <a:buChar char=""/>
-            </a:pPr>
+            <a:endParaRPr lang="nl-NL" dirty="0"/>
+          </a:p>
+        </p:txBody>
+      </p:sp>
+      <p:sp>
+        <p:nvSpPr>
+          <p:cNvPr id="3" name="Ondertitel 2"/>
+          <p:cNvSpPr>
+            <a:spLocks noGrp="1"/>
+          </p:cNvSpPr>
+          <p:nvPr>
+            <p:ph type="subTitle"/>
+          </p:nvPr>
+        </p:nvSpPr>
+        <p:spPr>
+          <a:xfrm>
+            <a:off x="583697" y="5337245"/>
+            <a:ext cx="7860366" cy="1520755"/>
+          </a:xfrm>
+        </p:spPr>
+        <p:txBody>
+          <a:bodyPr/>
+          <a:lstStyle/>
+          <a:p>
             <a:r>
-              <a:rPr lang="nl-NL" sz="3500" b="1" strike="noStrike" spc="-1">
-                <a:solidFill>
-                  <a:srgbClr val="000000"/>
-                </a:solidFill>
-                <a:uFill>
-                  <a:solidFill>
-                    <a:srgbClr val="FFFFFF"/>
-                  </a:solidFill>
-                </a:uFill>
-                <a:latin typeface="Corbel"/>
-              </a:rPr>
-              <a:t>Privacy by design</a:t>
+              <a:rPr lang="nl-NL" sz="2000" dirty="0"/>
+              <a:t>Researcher vraagt aan, datamanager maakt de dataset</a:t>
             </a:r>
-            <a:endParaRPr lang="nl-NL" sz="1800" b="0" strike="noStrike" spc="-1">
-              <a:solidFill>
-                <a:srgbClr val="000000"/>
-              </a:solidFill>
-              <a:uFill>
-                <a:solidFill>
-                  <a:srgbClr val="FFFFFF"/>
-                </a:solidFill>
-              </a:uFill>
-              <a:latin typeface="Arial"/>
-            </a:endParaRPr>
-          </a:p>
-          <a:p>
-            <a:pPr marL="216000" indent="-216000">
-              <a:lnSpc>
-                <a:spcPct val="100000"/>
-              </a:lnSpc>
-              <a:buClr>
-                <a:srgbClr val="000000"/>
-              </a:buClr>
-              <a:buSzPct val="45000"/>
-              <a:buFont typeface="Wingdings" charset="2"/>
-              <a:buChar char=""/>
-            </a:pPr>
-            <a:r>
-              <a:rPr lang="nl-NL" sz="3500" b="1" strike="noStrike" spc="-1">
-                <a:solidFill>
-                  <a:srgbClr val="000000"/>
-                </a:solidFill>
-                <a:uFill>
-                  <a:solidFill>
-                    <a:srgbClr val="FFFFFF"/>
-                  </a:solidFill>
-                </a:uFill>
-                <a:latin typeface="Corbel"/>
-              </a:rPr>
-              <a:t>Security by design</a:t>
-            </a:r>
-            <a:endParaRPr lang="nl-NL" sz="1800" b="0" strike="noStrike" spc="-1">
-              <a:solidFill>
-                <a:srgbClr val="000000"/>
-              </a:solidFill>
-              <a:uFill>
-                <a:solidFill>
-                  <a:srgbClr val="FFFFFF"/>
-                </a:solidFill>
-              </a:uFill>
-              <a:latin typeface="Arial"/>
-            </a:endParaRPr>
-          </a:p>
-          <a:p>
-            <a:pPr marL="216000" indent="-216000">
-              <a:lnSpc>
-                <a:spcPct val="100000"/>
-              </a:lnSpc>
-              <a:buClr>
-                <a:srgbClr val="000000"/>
-              </a:buClr>
-              <a:buSzPct val="45000"/>
-              <a:buFont typeface="Wingdings" charset="2"/>
-              <a:buChar char=""/>
-            </a:pPr>
-            <a:r>
-              <a:rPr lang="nl-NL" sz="3500" b="1" strike="noStrike" spc="-1">
-                <a:solidFill>
-                  <a:srgbClr val="000000"/>
-                </a:solidFill>
-                <a:uFill>
-                  <a:solidFill>
-                    <a:srgbClr val="FFFFFF"/>
-                  </a:solidFill>
-                </a:uFill>
-                <a:latin typeface="Corbel"/>
-              </a:rPr>
-              <a:t>Open data</a:t>
-            </a:r>
-            <a:endParaRPr lang="nl-NL" sz="1800" b="0" strike="noStrike" spc="-1">
-              <a:solidFill>
-                <a:srgbClr val="000000"/>
-              </a:solidFill>
-              <a:uFill>
-                <a:solidFill>
-                  <a:srgbClr val="FFFFFF"/>
-                </a:solidFill>
-              </a:uFill>
-              <a:latin typeface="Arial"/>
-            </a:endParaRPr>
-          </a:p>
-          <a:p>
-            <a:pPr marL="216000" indent="-216000">
-              <a:lnSpc>
-                <a:spcPct val="100000"/>
-              </a:lnSpc>
-              <a:buClr>
-                <a:srgbClr val="000000"/>
-              </a:buClr>
-              <a:buSzPct val="45000"/>
-              <a:buFont typeface="Wingdings" charset="2"/>
-              <a:buChar char=""/>
-            </a:pPr>
-            <a:r>
-              <a:rPr lang="nl-NL" sz="3500" b="1" strike="noStrike" spc="-1">
-                <a:solidFill>
-                  <a:srgbClr val="000000"/>
-                </a:solidFill>
-                <a:uFill>
-                  <a:solidFill>
-                    <a:srgbClr val="FFFFFF"/>
-                  </a:solidFill>
-                </a:uFill>
-                <a:latin typeface="Corbel"/>
-              </a:rPr>
-              <a:t>Big data</a:t>
-            </a:r>
-            <a:endParaRPr lang="nl-NL" sz="1800" b="0" strike="noStrike" spc="-1">
-              <a:solidFill>
-                <a:srgbClr val="000000"/>
-              </a:solidFill>
-              <a:uFill>
-                <a:solidFill>
-                  <a:srgbClr val="FFFFFF"/>
-                </a:solidFill>
-              </a:uFill>
-              <a:latin typeface="Arial"/>
-            </a:endParaRPr>
-          </a:p>
-          <a:p>
-            <a:pPr>
-              <a:lnSpc>
-                <a:spcPct val="100000"/>
-              </a:lnSpc>
-            </a:pPr>
-            <a:endParaRPr lang="nl-NL" sz="1800" b="0" strike="noStrike" spc="-1">
-              <a:solidFill>
-                <a:srgbClr val="000000"/>
-              </a:solidFill>
-              <a:uFill>
-                <a:solidFill>
-                  <a:srgbClr val="FFFFFF"/>
-                </a:solidFill>
-              </a:uFill>
-              <a:latin typeface="Arial"/>
-            </a:endParaRPr>
           </a:p>
         </p:txBody>
       </p:sp>
-      <p:sp>
-        <p:nvSpPr>
-          <p:cNvPr id="120" name="CustomShape 2"/>
-          <p:cNvSpPr/>
+      <p:pic>
+        <p:nvPicPr>
+          <p:cNvPr id="4" name="Afbeelding 3"/>
+          <p:cNvPicPr>
+            <a:picLocks noChangeAspect="1"/>
+          </p:cNvPicPr>
           <p:nvPr/>
-        </p:nvSpPr>
-        <p:spPr>
-          <a:xfrm>
-            <a:off x="781560" y="3367440"/>
-            <a:ext cx="7595280" cy="2786400"/>
+        </p:nvPicPr>
+        <p:blipFill>
+          <a:blip r:embed="rId2">
+            <a:extLst>
+              <a:ext uri="{28A0092B-C50C-407E-A947-70E740481C1C}">
+                <a14:useLocalDpi xmlns:a14="http://schemas.microsoft.com/office/drawing/2010/main" val="0"/>
+              </a:ext>
+            </a:extLst>
+          </a:blip>
+          <a:stretch>
+            <a:fillRect/>
+          </a:stretch>
+        </p:blipFill>
+        <p:spPr>
+          <a:xfrm>
+            <a:off x="0" y="2622405"/>
+            <a:ext cx="9144000" cy="3353977"/>
           </a:xfrm>
           <a:prstGeom prst="rect">
             <a:avLst/>
           </a:prstGeom>
-          <a:noFill/>
-          <a:ln>
-            <a:noFill/>
-          </a:ln>
-        </p:spPr>
-        <p:style>
-          <a:lnRef idx="0">
-            <a:scrgbClr r="0" g="0" b="0"/>
-          </a:lnRef>
-          <a:fillRef idx="0">
-            <a:scrgbClr r="0" g="0" b="0"/>
-          </a:fillRef>
-          <a:effectRef idx="0">
-            <a:scrgbClr r="0" g="0" b="0"/>
-          </a:effectRef>
-          <a:fontRef idx="minor"/>
-        </p:style>
-      </p:sp>
+        </p:spPr>
+      </p:pic>
     </p:spTree>
+    <p:extLst>
+      <p:ext uri="{BB962C8B-B14F-4D97-AF65-F5344CB8AC3E}">
+        <p14:creationId xmlns:p14="http://schemas.microsoft.com/office/powerpoint/2010/main" val="1569019290"/>
+      </p:ext>
+    </p:extLst>
   </p:cSld>
   <p:clrMapOvr>
     <a:masterClrMapping/>
   </p:clrMapOvr>
-  <p:timing>
-    <p:tnLst>
-      <p:par>
-        <p:cTn id="1" dur="indefinite" restart="never" nodeType="tmRoot">
-          <p:childTnLst>
-            <p:seq>
-              <p:cTn id="2" nodeType="mainSeq"/>
-              <p:prevCondLst>
-                <p:cond evt="onPrev" delay="0">
-                  <p:tgtEl>
-                    <p:sldTgt/>
-                  </p:tgtEl>
-                </p:cond>
-              </p:prevCondLst>
-              <p:nextCondLst>
-                <p:cond evt="onNext" delay="0">
-                  <p:tgtEl>
-                    <p:sldTgt/>
-                  </p:tgtEl>
-                </p:cond>
-              </p:nextCondLst>
-            </p:seq>
-          </p:childTnLst>
-        </p:cTn>
-      </p:par>
-    </p:tnLst>
-  </p:timing>
 </p:sld>
 </file>
 
@@ -11877,46 +11365,26 @@
       </p:grpSpPr>
       <p:sp>
         <p:nvSpPr>
-          <p:cNvPr id="121" name="CustomShape 1"/>
-          <p:cNvSpPr/>
-          <p:nvPr/>
-        </p:nvSpPr>
-        <p:spPr>
-          <a:xfrm>
-            <a:off x="756720" y="144000"/>
-            <a:ext cx="7595280" cy="1142280"/>
-          </a:xfrm>
-          <a:prstGeom prst="rect">
-            <a:avLst/>
-          </a:prstGeom>
-          <a:noFill/>
-          <a:ln>
-            <a:noFill/>
-          </a:ln>
-        </p:spPr>
-        <p:style>
-          <a:lnRef idx="0">
-            <a:scrgbClr r="0" g="0" b="0"/>
-          </a:lnRef>
-          <a:fillRef idx="0">
-            <a:scrgbClr r="0" g="0" b="0"/>
-          </a:fillRef>
-          <a:effectRef idx="0">
-            <a:scrgbClr r="0" g="0" b="0"/>
-          </a:effectRef>
-          <a:fontRef idx="minor"/>
-        </p:style>
+          <p:cNvPr id="2" name="Titel 1"/>
+          <p:cNvSpPr>
+            <a:spLocks noGrp="1"/>
+          </p:cNvSpPr>
+          <p:nvPr>
+            <p:ph type="title"/>
+          </p:nvPr>
+        </p:nvSpPr>
+        <p:spPr>
+          <a:xfrm>
+            <a:off x="781920" y="1193291"/>
+            <a:ext cx="7595640" cy="1142640"/>
+          </a:xfrm>
+        </p:spPr>
         <p:txBody>
-          <a:bodyPr lIns="0" tIns="0" rIns="0" bIns="0"/>
+          <a:bodyPr/>
           <a:lstStyle/>
           <a:p>
-            <a:pPr>
-              <a:lnSpc>
-                <a:spcPct val="100000"/>
-              </a:lnSpc>
-            </a:pPr>
             <a:r>
-              <a:rPr lang="nl-NL" sz="3500" b="1" strike="noStrike" spc="-1">
+              <a:rPr lang="nl-NL" b="1" spc="-1" dirty="0">
                 <a:solidFill>
                   <a:srgbClr val="FF0000"/>
                 </a:solidFill>
@@ -11927,66 +11395,12 @@
                 </a:uFill>
                 <a:latin typeface="Corbel"/>
               </a:rPr>
-              <a:t>Huidige situatie, proceslaag </a:t>
+              <a:t>Proces </a:t>
             </a:r>
-            <a:endParaRPr lang="nl-NL" sz="1800" b="0" strike="noStrike" spc="-1">
-              <a:solidFill>
-                <a:srgbClr val="000000"/>
-              </a:solidFill>
-              <a:uFill>
-                <a:solidFill>
-                  <a:srgbClr val="FFFFFF"/>
-                </a:solidFill>
-              </a:uFill>
-              <a:latin typeface="Arial"/>
-            </a:endParaRPr>
-          </a:p>
-        </p:txBody>
-      </p:sp>
-      <p:sp>
-        <p:nvSpPr>
-          <p:cNvPr id="122" name="CustomShape 2"/>
-          <p:cNvSpPr/>
-          <p:nvPr/>
-        </p:nvSpPr>
-        <p:spPr>
-          <a:xfrm>
-            <a:off x="1432800" y="5589360"/>
-            <a:ext cx="6069240" cy="1097280"/>
-          </a:xfrm>
-          <a:prstGeom prst="rect">
-            <a:avLst/>
-          </a:prstGeom>
-          <a:noFill/>
-          <a:ln>
-            <a:noFill/>
-          </a:ln>
-        </p:spPr>
-        <p:style>
-          <a:lnRef idx="0">
-            <a:scrgbClr r="0" g="0" b="0"/>
-          </a:lnRef>
-          <a:fillRef idx="0">
-            <a:scrgbClr r="0" g="0" b="0"/>
-          </a:fillRef>
-          <a:effectRef idx="0">
-            <a:scrgbClr r="0" g="0" b="0"/>
-          </a:effectRef>
-          <a:fontRef idx="minor"/>
-        </p:style>
-        <p:txBody>
-          <a:bodyPr wrap="none" lIns="0" tIns="0" rIns="0" bIns="0"/>
-          <a:lstStyle/>
-          <a:p>
-            <a:pPr>
-              <a:lnSpc>
-                <a:spcPct val="100000"/>
-              </a:lnSpc>
-            </a:pPr>
             <a:r>
-              <a:rPr lang="nl-NL" sz="1800" b="0" strike="noStrike" spc="-1">
-                <a:solidFill>
-                  <a:srgbClr val="000000"/>
+              <a:rPr lang="nl-NL" b="1" spc="-1" dirty="0" err="1">
+                <a:solidFill>
+                  <a:srgbClr val="FF0000"/>
                 </a:solidFill>
                 <a:uFill>
                   <a:solidFill>
@@ -11994,32 +11408,13 @@
                   </a:solidFill>
                 </a:uFill>
                 <a:latin typeface="Corbel"/>
-                <a:ea typeface="DejaVu Sans"/>
               </a:rPr>
-              <a:t>Verifying parent identity is an extra task for the nurse practitioner.</a:t>
+              <a:t>onderzoeksdata</a:t>
             </a:r>
-            <a:endParaRPr lang="nl-NL" sz="1800" b="0" strike="noStrike" spc="-1">
-              <a:solidFill>
-                <a:srgbClr val="000000"/>
-              </a:solidFill>
-              <a:uFill>
-                <a:solidFill>
-                  <a:srgbClr val="FFFFFF"/>
-                </a:solidFill>
-              </a:uFill>
-              <a:latin typeface="Arial"/>
-            </a:endParaRPr>
-          </a:p>
-          <a:p>
-            <a:pPr>
-              <a:lnSpc>
-                <a:spcPct val="100000"/>
-              </a:lnSpc>
-            </a:pPr>
             <a:r>
-              <a:rPr lang="nl-NL" sz="1800" b="0" strike="noStrike" spc="-1">
-                <a:solidFill>
-                  <a:srgbClr val="000000"/>
+              <a:rPr lang="nl-NL" b="1" spc="-1" dirty="0">
+                <a:solidFill>
+                  <a:srgbClr val="FF0000"/>
                 </a:solidFill>
                 <a:uFill>
                   <a:solidFill>
@@ -12027,145 +11422,77 @@
                   </a:solidFill>
                 </a:uFill>
                 <a:latin typeface="Corbel"/>
-                <a:ea typeface="DejaVu Sans"/>
               </a:rPr>
-              <a:t>Consent and questionnaire data is gathered on paper.</a:t>
+              <a:t> beschikbaar stellen, doelsituatie</a:t>
             </a:r>
-            <a:endParaRPr lang="nl-NL" sz="1800" b="0" strike="noStrike" spc="-1">
-              <a:solidFill>
-                <a:srgbClr val="000000"/>
-              </a:solidFill>
-              <a:uFill>
-                <a:solidFill>
-                  <a:srgbClr val="FFFFFF"/>
-                </a:solidFill>
-              </a:uFill>
-              <a:latin typeface="Arial"/>
-            </a:endParaRPr>
-          </a:p>
-          <a:p>
-            <a:pPr>
-              <a:lnSpc>
-                <a:spcPct val="100000"/>
-              </a:lnSpc>
-            </a:pPr>
-            <a:r>
-              <a:rPr lang="nl-NL" sz="1800" b="0" strike="noStrike" spc="-1">
-                <a:solidFill>
-                  <a:srgbClr val="000000"/>
-                </a:solidFill>
-                <a:uFill>
-                  <a:solidFill>
-                    <a:srgbClr val="FFFFFF"/>
-                  </a:solidFill>
-                </a:uFill>
-                <a:latin typeface="Corbel"/>
-                <a:ea typeface="DejaVu Sans"/>
-              </a:rPr>
-              <a:t>Data files are stored separately on network shares within the GGD LAN.</a:t>
-            </a:r>
-            <a:endParaRPr lang="nl-NL" sz="1800" b="0" strike="noStrike" spc="-1">
-              <a:solidFill>
-                <a:srgbClr val="000000"/>
-              </a:solidFill>
-              <a:uFill>
-                <a:solidFill>
-                  <a:srgbClr val="FFFFFF"/>
-                </a:solidFill>
-              </a:uFill>
-              <a:latin typeface="Arial"/>
-            </a:endParaRPr>
-          </a:p>
-          <a:p>
-            <a:pPr>
-              <a:lnSpc>
-                <a:spcPct val="100000"/>
-              </a:lnSpc>
-            </a:pPr>
-            <a:r>
-              <a:rPr lang="nl-NL" sz="1800" b="0" strike="noStrike" spc="-1">
-                <a:solidFill>
-                  <a:srgbClr val="000000"/>
-                </a:solidFill>
-                <a:uFill>
-                  <a:solidFill>
-                    <a:srgbClr val="FFFFFF"/>
-                  </a:solidFill>
-                </a:uFill>
-                <a:latin typeface="Corbel"/>
-                <a:ea typeface="DejaVu Sans"/>
-              </a:rPr>
-              <a:t>Datamanager manually combines the files into anonimized file for the researchers.</a:t>
-            </a:r>
-            <a:endParaRPr lang="nl-NL" sz="1800" b="0" strike="noStrike" spc="-1">
-              <a:solidFill>
-                <a:srgbClr val="000000"/>
-              </a:solidFill>
-              <a:uFill>
-                <a:solidFill>
-                  <a:srgbClr val="FFFFFF"/>
-                </a:solidFill>
-              </a:uFill>
-              <a:latin typeface="Arial"/>
-            </a:endParaRPr>
+            <a:endParaRPr lang="nl-NL" dirty="0"/>
+          </a:p>
+        </p:txBody>
+      </p:sp>
+      <p:sp>
+        <p:nvSpPr>
+          <p:cNvPr id="3" name="Ondertitel 2"/>
+          <p:cNvSpPr>
+            <a:spLocks noGrp="1"/>
+          </p:cNvSpPr>
+          <p:nvPr>
+            <p:ph type="subTitle"/>
+          </p:nvPr>
+        </p:nvSpPr>
+        <p:spPr>
+          <a:xfrm>
+            <a:off x="583697" y="5337245"/>
+            <a:ext cx="7860366" cy="1520755"/>
+          </a:xfrm>
+        </p:spPr>
+        <p:txBody>
+          <a:bodyPr/>
+          <a:lstStyle/>
+          <a:p>
+            <a:endParaRPr lang="nl-NL" sz="2000" dirty="0"/>
           </a:p>
         </p:txBody>
       </p:sp>
       <p:pic>
         <p:nvPicPr>
-          <p:cNvPr id="123" name="Afbeelding 122"/>
-          <p:cNvPicPr/>
+          <p:cNvPr id="5" name="Afbeelding 4"/>
+          <p:cNvPicPr>
+            <a:picLocks noChangeAspect="1"/>
+          </p:cNvPicPr>
           <p:nvPr/>
         </p:nvPicPr>
         <p:blipFill>
-          <a:blip r:embed="rId3"/>
-          <a:stretch/>
+          <a:blip r:embed="rId2">
+            <a:extLst>
+              <a:ext uri="{28A0092B-C50C-407E-A947-70E740481C1C}">
+                <a14:useLocalDpi xmlns:a14="http://schemas.microsoft.com/office/drawing/2010/main" val="0"/>
+              </a:ext>
+            </a:extLst>
+          </a:blip>
+          <a:stretch>
+            <a:fillRect/>
+          </a:stretch>
         </p:blipFill>
         <p:spPr>
           <a:xfrm>
-            <a:off x="909000" y="792000"/>
-            <a:ext cx="7515000" cy="4885920"/>
+            <a:off x="0" y="2591232"/>
+            <a:ext cx="9144000" cy="3353977"/>
           </a:xfrm>
           <a:prstGeom prst="rect">
             <a:avLst/>
           </a:prstGeom>
-          <a:ln>
-            <a:noFill/>
-          </a:ln>
         </p:spPr>
       </p:pic>
     </p:spTree>
+    <p:extLst>
+      <p:ext uri="{BB962C8B-B14F-4D97-AF65-F5344CB8AC3E}">
+        <p14:creationId xmlns:p14="http://schemas.microsoft.com/office/powerpoint/2010/main" val="2155529498"/>
+      </p:ext>
+    </p:extLst>
   </p:cSld>
   <p:clrMapOvr>
     <a:masterClrMapping/>
   </p:clrMapOvr>
-  <p:timing>
-    <p:tnLst>
-      <p:par>
-        <p:cTn id="1" dur="indefinite" restart="never" nodeType="tmRoot">
-          <p:childTnLst>
-            <p:seq>
-              <p:cTn id="2" nodeType="mainSeq"/>
-              <p:prevCondLst>
-                <p:cond evt="onPrev" delay="0">
-                  <p:tgtEl>
-                    <p:sldTgt/>
-                  </p:tgtEl>
-                </p:cond>
-              </p:prevCondLst>
-              <p:nextCondLst>
-                <p:cond evt="onNext" delay="0">
-                  <p:tgtEl>
-                    <p:sldTgt/>
-                  </p:tgtEl>
-                </p:cond>
-              </p:nextCondLst>
-            </p:seq>
-          </p:childTnLst>
-        </p:cTn>
-      </p:par>
-    </p:tnLst>
-  </p:timing>
 </p:sld>
 </file>
 
@@ -12188,14 +11515,14 @@
       </p:grpSpPr>
       <p:sp>
         <p:nvSpPr>
-          <p:cNvPr id="124" name="CustomShape 1"/>
+          <p:cNvPr id="119" name="CustomShape 1"/>
           <p:cNvSpPr/>
           <p:nvPr/>
         </p:nvSpPr>
         <p:spPr>
           <a:xfrm>
-            <a:off x="756720" y="144000"/>
-            <a:ext cx="7595280" cy="1142280"/>
+            <a:off x="781920" y="1998360"/>
+            <a:ext cx="7595280" cy="4625640"/>
           </a:xfrm>
           <a:prstGeom prst="rect">
             <a:avLst/>
@@ -12238,7 +11565,35 @@
                 </a:uFill>
                 <a:latin typeface="Corbel"/>
               </a:rPr>
-              <a:t>Doelsituatie, proceslaag </a:t>
+              <a:t>ITforCare </a:t>
+            </a:r>
+            <a:r>
+              <a:rPr lang="en-US" sz="3500" b="1" strike="noStrike" spc="-1">
+                <a:solidFill>
+                  <a:srgbClr val="FF0000"/>
+                </a:solidFill>
+                <a:uFill>
+                  <a:solidFill>
+                    <a:srgbClr val="FFFFFF"/>
+                  </a:solidFill>
+                </a:uFill>
+                <a:latin typeface="Corbel"/>
+              </a:rPr>
+              <a:t>principles</a:t>
+            </a:r>
+            <a:r>
+              <a:rPr lang="nl-NL" sz="3500" b="1" strike="noStrike" spc="-1">
+                <a:solidFill>
+                  <a:srgbClr val="FF0000"/>
+                </a:solidFill>
+                <a:uFill>
+                  <a:solidFill>
+                    <a:srgbClr val="FFFFFF"/>
+                  </a:solidFill>
+                </a:uFill>
+                <a:latin typeface="Corbel"/>
+              </a:rPr>
+              <a:t>:</a:t>
             </a:r>
             <a:endParaRPr lang="nl-NL" sz="1800" b="0" strike="noStrike" spc="-1">
               <a:solidFill>
@@ -12252,18 +11607,188 @@
               <a:latin typeface="Arial"/>
             </a:endParaRPr>
           </a:p>
+          <a:p>
+            <a:pPr marL="216000" indent="-216000">
+              <a:lnSpc>
+                <a:spcPct val="100000"/>
+              </a:lnSpc>
+              <a:buClr>
+                <a:srgbClr val="000000"/>
+              </a:buClr>
+              <a:buSzPct val="45000"/>
+              <a:buFont typeface="Wingdings" charset="2"/>
+              <a:buChar char=""/>
+            </a:pPr>
+            <a:r>
+              <a:rPr lang="nl-NL" sz="3500" b="1" strike="noStrike" spc="-1">
+                <a:solidFill>
+                  <a:srgbClr val="000000"/>
+                </a:solidFill>
+                <a:uFill>
+                  <a:solidFill>
+                    <a:srgbClr val="FFFFFF"/>
+                  </a:solidFill>
+                </a:uFill>
+                <a:latin typeface="Corbel"/>
+              </a:rPr>
+              <a:t>Privacy by design</a:t>
+            </a:r>
+            <a:endParaRPr lang="nl-NL" sz="1800" b="0" strike="noStrike" spc="-1">
+              <a:solidFill>
+                <a:srgbClr val="000000"/>
+              </a:solidFill>
+              <a:uFill>
+                <a:solidFill>
+                  <a:srgbClr val="FFFFFF"/>
+                </a:solidFill>
+              </a:uFill>
+              <a:latin typeface="Arial"/>
+            </a:endParaRPr>
+          </a:p>
+          <a:p>
+            <a:pPr marL="216000" indent="-216000">
+              <a:lnSpc>
+                <a:spcPct val="100000"/>
+              </a:lnSpc>
+              <a:buClr>
+                <a:srgbClr val="000000"/>
+              </a:buClr>
+              <a:buSzPct val="45000"/>
+              <a:buFont typeface="Wingdings" charset="2"/>
+              <a:buChar char=""/>
+            </a:pPr>
+            <a:r>
+              <a:rPr lang="nl-NL" sz="3500" b="1" strike="noStrike" spc="-1">
+                <a:solidFill>
+                  <a:srgbClr val="000000"/>
+                </a:solidFill>
+                <a:uFill>
+                  <a:solidFill>
+                    <a:srgbClr val="FFFFFF"/>
+                  </a:solidFill>
+                </a:uFill>
+                <a:latin typeface="Corbel"/>
+              </a:rPr>
+              <a:t>Security by design</a:t>
+            </a:r>
+            <a:endParaRPr lang="nl-NL" sz="1800" b="0" strike="noStrike" spc="-1">
+              <a:solidFill>
+                <a:srgbClr val="000000"/>
+              </a:solidFill>
+              <a:uFill>
+                <a:solidFill>
+                  <a:srgbClr val="FFFFFF"/>
+                </a:solidFill>
+              </a:uFill>
+              <a:latin typeface="Arial"/>
+            </a:endParaRPr>
+          </a:p>
+          <a:p>
+            <a:pPr marL="216000" indent="-216000">
+              <a:lnSpc>
+                <a:spcPct val="100000"/>
+              </a:lnSpc>
+              <a:buClr>
+                <a:srgbClr val="000000"/>
+              </a:buClr>
+              <a:buSzPct val="45000"/>
+              <a:buFont typeface="Wingdings" charset="2"/>
+              <a:buChar char=""/>
+            </a:pPr>
+            <a:r>
+              <a:rPr lang="nl-NL" sz="3500" b="1" strike="noStrike" spc="-1">
+                <a:solidFill>
+                  <a:srgbClr val="000000"/>
+                </a:solidFill>
+                <a:uFill>
+                  <a:solidFill>
+                    <a:srgbClr val="FFFFFF"/>
+                  </a:solidFill>
+                </a:uFill>
+                <a:latin typeface="Corbel"/>
+              </a:rPr>
+              <a:t>Open data</a:t>
+            </a:r>
+            <a:endParaRPr lang="nl-NL" sz="1800" b="0" strike="noStrike" spc="-1">
+              <a:solidFill>
+                <a:srgbClr val="000000"/>
+              </a:solidFill>
+              <a:uFill>
+                <a:solidFill>
+                  <a:srgbClr val="FFFFFF"/>
+                </a:solidFill>
+              </a:uFill>
+              <a:latin typeface="Arial"/>
+            </a:endParaRPr>
+          </a:p>
+          <a:p>
+            <a:pPr marL="216000" indent="-216000">
+              <a:lnSpc>
+                <a:spcPct val="100000"/>
+              </a:lnSpc>
+              <a:buClr>
+                <a:srgbClr val="000000"/>
+              </a:buClr>
+              <a:buSzPct val="45000"/>
+              <a:buFont typeface="Wingdings" charset="2"/>
+              <a:buChar char=""/>
+            </a:pPr>
+            <a:r>
+              <a:rPr lang="nl-NL" sz="3500" b="1" strike="noStrike" spc="-1">
+                <a:solidFill>
+                  <a:srgbClr val="000000"/>
+                </a:solidFill>
+                <a:uFill>
+                  <a:solidFill>
+                    <a:srgbClr val="FFFFFF"/>
+                  </a:solidFill>
+                </a:uFill>
+                <a:latin typeface="Corbel"/>
+              </a:rPr>
+              <a:t>Big data</a:t>
+            </a:r>
+            <a:endParaRPr lang="nl-NL" sz="1800" b="0" strike="noStrike" spc="-1">
+              <a:solidFill>
+                <a:srgbClr val="000000"/>
+              </a:solidFill>
+              <a:uFill>
+                <a:solidFill>
+                  <a:srgbClr val="FFFFFF"/>
+                </a:solidFill>
+              </a:uFill>
+              <a:latin typeface="Arial"/>
+            </a:endParaRPr>
+          </a:p>
+          <a:p>
+            <a:pPr>
+              <a:lnSpc>
+                <a:spcPct val="100000"/>
+              </a:lnSpc>
+            </a:pPr>
+            <a:endParaRPr lang="nl-NL" sz="1800" b="0" strike="noStrike" spc="-1">
+              <a:solidFill>
+                <a:srgbClr val="000000"/>
+              </a:solidFill>
+              <a:uFill>
+                <a:solidFill>
+                  <a:srgbClr val="FFFFFF"/>
+                </a:solidFill>
+              </a:uFill>
+              <a:latin typeface="Arial"/>
+            </a:endParaRPr>
+          </a:p>
         </p:txBody>
       </p:sp>
       <p:sp>
         <p:nvSpPr>
-          <p:cNvPr id="125" name="CustomShape 2"/>
+          <p:cNvPr id="120" name="CustomShape 2"/>
           <p:cNvSpPr/>
           <p:nvPr/>
         </p:nvSpPr>
         <p:spPr>
           <a:xfrm>
-            <a:off x="1432800" y="5589360"/>
-            <a:ext cx="6069240" cy="1097280"/>
+            <a:off x="781560" y="3367440"/>
+            <a:ext cx="7595280" cy="2786400"/>
           </a:xfrm>
           <a:prstGeom prst="rect">
             <a:avLst/>
@@ -12285,133 +11810,7 @@
           </a:effectRef>
           <a:fontRef idx="minor"/>
         </p:style>
-        <p:txBody>
-          <a:bodyPr wrap="none" lIns="0" tIns="0" rIns="0" bIns="0"/>
-          <a:lstStyle/>
-          <a:p>
-            <a:pPr>
-              <a:lnSpc>
-                <a:spcPct val="100000"/>
-              </a:lnSpc>
-            </a:pPr>
-            <a:r>
-              <a:rPr lang="nl-NL" sz="1800" b="0" strike="noStrike" spc="-1">
-                <a:solidFill>
-                  <a:srgbClr val="000000"/>
-                </a:solidFill>
-                <a:uFill>
-                  <a:solidFill>
-                    <a:srgbClr val="FFFFFF"/>
-                  </a:solidFill>
-                </a:uFill>
-                <a:latin typeface="Corbel"/>
-                <a:ea typeface="DejaVu Sans"/>
-              </a:rPr>
-              <a:t>Consent and questionnaire data is gathered digitally trough a (web) app.</a:t>
-            </a:r>
-            <a:endParaRPr lang="nl-NL" sz="1800" b="0" strike="noStrike" spc="-1">
-              <a:solidFill>
-                <a:srgbClr val="000000"/>
-              </a:solidFill>
-              <a:uFill>
-                <a:solidFill>
-                  <a:srgbClr val="FFFFFF"/>
-                </a:solidFill>
-              </a:uFill>
-              <a:latin typeface="Arial"/>
-            </a:endParaRPr>
-          </a:p>
-          <a:p>
-            <a:pPr>
-              <a:lnSpc>
-                <a:spcPct val="100000"/>
-              </a:lnSpc>
-            </a:pPr>
-            <a:r>
-              <a:rPr lang="nl-NL" sz="1800" b="0" strike="noStrike" spc="-1">
-                <a:solidFill>
-                  <a:srgbClr val="000000"/>
-                </a:solidFill>
-                <a:uFill>
-                  <a:solidFill>
-                    <a:srgbClr val="FFFFFF"/>
-                  </a:solidFill>
-                </a:uFill>
-                <a:latin typeface="Corbel"/>
-                <a:ea typeface="DejaVu Sans"/>
-              </a:rPr>
-              <a:t>Data is never stored on any accessible (network) drive, but in a secure database.</a:t>
-            </a:r>
-            <a:endParaRPr lang="nl-NL" sz="1800" b="0" strike="noStrike" spc="-1">
-              <a:solidFill>
-                <a:srgbClr val="000000"/>
-              </a:solidFill>
-              <a:uFill>
-                <a:solidFill>
-                  <a:srgbClr val="FFFFFF"/>
-                </a:solidFill>
-              </a:uFill>
-              <a:latin typeface="Arial"/>
-            </a:endParaRPr>
-          </a:p>
-          <a:p>
-            <a:pPr>
-              <a:lnSpc>
-                <a:spcPct val="100000"/>
-              </a:lnSpc>
-            </a:pPr>
-            <a:r>
-              <a:rPr lang="nl-NL" sz="1800" b="0" strike="noStrike" spc="-1">
-                <a:solidFill>
-                  <a:srgbClr val="000000"/>
-                </a:solidFill>
-                <a:uFill>
-                  <a:solidFill>
-                    <a:srgbClr val="FFFFFF"/>
-                  </a:solidFill>
-                </a:uFill>
-                <a:latin typeface="Corbel"/>
-                <a:ea typeface="DejaVu Sans"/>
-              </a:rPr>
-              <a:t>Anonimized data is made available to the researchers in a secure environment.</a:t>
-            </a:r>
-            <a:endParaRPr lang="nl-NL" sz="1800" b="0" strike="noStrike" spc="-1">
-              <a:solidFill>
-                <a:srgbClr val="000000"/>
-              </a:solidFill>
-              <a:uFill>
-                <a:solidFill>
-                  <a:srgbClr val="FFFFFF"/>
-                </a:solidFill>
-              </a:uFill>
-              <a:latin typeface="Arial"/>
-            </a:endParaRPr>
-          </a:p>
-        </p:txBody>
-      </p:sp>
-      <p:pic>
-        <p:nvPicPr>
-          <p:cNvPr id="126" name="Afbeelding 125"/>
-          <p:cNvPicPr/>
-          <p:nvPr/>
-        </p:nvPicPr>
-        <p:blipFill>
-          <a:blip r:embed="rId3"/>
-          <a:stretch/>
-        </p:blipFill>
-        <p:spPr>
-          <a:xfrm>
-            <a:off x="909000" y="792000"/>
-            <a:ext cx="7515000" cy="4885920"/>
-          </a:xfrm>
-          <a:prstGeom prst="rect">
-            <a:avLst/>
-          </a:prstGeom>
-          <a:ln>
-            <a:noFill/>
-          </a:ln>
-        </p:spPr>
-      </p:pic>
+      </p:sp>
     </p:spTree>
   </p:cSld>
   <p:clrMapOvr>
